--- a/doc/structure.pptx
+++ b/doc/structure.pptx
@@ -4,11 +4,16 @@
   <p:sldMasterIdLst>
     <p:sldMasterId id="2147483648" r:id="rId1"/>
   </p:sldMasterIdLst>
+  <p:notesMasterIdLst>
+    <p:notesMasterId r:id="rId4"/>
+  </p:notesMasterIdLst>
   <p:sldIdLst>
     <p:sldId id="256" r:id="rId3"/>
-    <p:sldId id="257" r:id="rId4"/>
-    <p:sldId id="259" r:id="rId5"/>
-    <p:sldId id="258" r:id="rId6"/>
+    <p:sldId id="257" r:id="rId5"/>
+    <p:sldId id="259" r:id="rId6"/>
+    <p:sldId id="261" r:id="rId7"/>
+    <p:sldId id="258" r:id="rId8"/>
+    <p:sldId id="263" r:id="rId9"/>
   </p:sldIdLst>
   <p:sldSz cx="12192000" cy="6858000"/>
   <p:notesSz cx="7103745" cy="10234295"/>
@@ -108,6 +113,397 @@
     </a:lvl9pPr>
   </p:defaultTextStyle>
 </p:presentation>
+</file>
+
+<file path=ppt/notesMasters/notesMaster1.xml><?xml version="1.0" encoding="utf-8"?>
+<p:notesMaster xmlns:a="http://schemas.openxmlformats.org/drawingml/2006/main" xmlns:r="http://schemas.openxmlformats.org/officeDocument/2006/relationships" xmlns:p="http://schemas.openxmlformats.org/presentationml/2006/main">
+  <p:cSld>
+    <p:bg>
+      <p:bgRef idx="1001">
+        <a:schemeClr val="bg1"/>
+      </p:bgRef>
+    </p:bg>
+    <p:spTree>
+      <p:nvGrpSpPr>
+        <p:cNvPr id="1" name=""/>
+        <p:cNvGrpSpPr/>
+        <p:nvPr/>
+      </p:nvGrpSpPr>
+      <p:grpSpPr>
+        <a:xfrm>
+          <a:off x="0" y="0"/>
+          <a:ext cx="0" cy="0"/>
+          <a:chOff x="0" y="0"/>
+          <a:chExt cx="0" cy="0"/>
+        </a:xfrm>
+      </p:grpSpPr>
+      <p:sp>
+        <p:nvSpPr>
+          <p:cNvPr id="2" name="页眉占位符 1"/>
+          <p:cNvSpPr>
+            <a:spLocks noGrp="1"/>
+          </p:cNvSpPr>
+          <p:nvPr>
+            <p:ph type="hdr" sz="quarter"/>
+          </p:nvPr>
+        </p:nvSpPr>
+        <p:spPr>
+          <a:xfrm>
+            <a:off x="0" y="0"/>
+            <a:ext cx="3078290" cy="513492"/>
+          </a:xfrm>
+          <a:prstGeom prst="rect">
+            <a:avLst/>
+          </a:prstGeom>
+        </p:spPr>
+        <p:txBody>
+          <a:bodyPr vert="horz" lIns="91440" tIns="45720" rIns="91440" bIns="45720" rtlCol="0"/>
+          <a:lstStyle>
+            <a:lvl1pPr algn="l">
+              <a:defRPr sz="1200"/>
+            </a:lvl1pPr>
+          </a:lstStyle>
+          <a:p>
+            <a:endParaRPr lang="zh-CN" altLang="en-US"/>
+          </a:p>
+        </p:txBody>
+      </p:sp>
+      <p:sp>
+        <p:nvSpPr>
+          <p:cNvPr id="3" name="日期占位符 2"/>
+          <p:cNvSpPr>
+            <a:spLocks noGrp="1"/>
+          </p:cNvSpPr>
+          <p:nvPr>
+            <p:ph type="dt" idx="1"/>
+          </p:nvPr>
+        </p:nvSpPr>
+        <p:spPr>
+          <a:xfrm>
+            <a:off x="4023812" y="0"/>
+            <a:ext cx="3078290" cy="513492"/>
+          </a:xfrm>
+          <a:prstGeom prst="rect">
+            <a:avLst/>
+          </a:prstGeom>
+        </p:spPr>
+        <p:txBody>
+          <a:bodyPr vert="horz" lIns="91440" tIns="45720" rIns="91440" bIns="45720" rtlCol="0"/>
+          <a:lstStyle>
+            <a:lvl1pPr algn="r">
+              <a:defRPr sz="1200"/>
+            </a:lvl1pPr>
+          </a:lstStyle>
+          <a:p>
+            <a:fld id="{D2A48B96-639E-45A3-A0BA-2464DFDB1FAA}" type="datetimeFigureOut">
+              <a:rPr lang="zh-CN" altLang="en-US" smtClean="0"/>
+            </a:fld>
+            <a:endParaRPr lang="zh-CN" altLang="en-US"/>
+          </a:p>
+        </p:txBody>
+      </p:sp>
+      <p:sp>
+        <p:nvSpPr>
+          <p:cNvPr id="4" name="幻灯片图像占位符 3"/>
+          <p:cNvSpPr>
+            <a:spLocks noGrp="1" noRot="1" noChangeAspect="1"/>
+          </p:cNvSpPr>
+          <p:nvPr>
+            <p:ph type="sldImg" idx="2"/>
+          </p:nvPr>
+        </p:nvSpPr>
+        <p:spPr>
+          <a:xfrm>
+            <a:off x="481584" y="1279287"/>
+            <a:ext cx="6140577" cy="3454075"/>
+          </a:xfrm>
+          <a:prstGeom prst="rect">
+            <a:avLst/>
+          </a:prstGeom>
+          <a:noFill/>
+          <a:ln w="12700">
+            <a:solidFill>
+              <a:prstClr val="black"/>
+            </a:solidFill>
+          </a:ln>
+        </p:spPr>
+        <p:txBody>
+          <a:bodyPr vert="horz" lIns="91440" tIns="45720" rIns="91440" bIns="45720" rtlCol="0" anchor="ctr"/>
+          <a:lstStyle/>
+          <a:p>
+            <a:endParaRPr lang="zh-CN" altLang="en-US"/>
+          </a:p>
+        </p:txBody>
+      </p:sp>
+      <p:sp>
+        <p:nvSpPr>
+          <p:cNvPr id="5" name="备注占位符 4"/>
+          <p:cNvSpPr>
+            <a:spLocks noGrp="1"/>
+          </p:cNvSpPr>
+          <p:nvPr>
+            <p:ph type="body" sz="quarter" idx="3"/>
+          </p:nvPr>
+        </p:nvSpPr>
+        <p:spPr>
+          <a:xfrm>
+            <a:off x="710375" y="4925254"/>
+            <a:ext cx="5682996" cy="4029754"/>
+          </a:xfrm>
+          <a:prstGeom prst="rect">
+            <a:avLst/>
+          </a:prstGeom>
+        </p:spPr>
+        <p:txBody>
+          <a:bodyPr vert="horz" lIns="91440" tIns="45720" rIns="91440" bIns="45720" rtlCol="0"/>
+          <a:lstStyle/>
+          <a:p>
+            <a:pPr lvl="0"/>
+            <a:r>
+              <a:rPr lang="zh-CN" altLang="en-US" smtClean="0"/>
+              <a:t>单击此处编辑母版文本样式</a:t>
+            </a:r>
+            <a:endParaRPr lang="zh-CN" altLang="en-US" smtClean="0"/>
+          </a:p>
+          <a:p>
+            <a:pPr lvl="1"/>
+            <a:r>
+              <a:rPr lang="zh-CN" altLang="en-US" smtClean="0"/>
+              <a:t>第二级</a:t>
+            </a:r>
+            <a:endParaRPr lang="zh-CN" altLang="en-US" smtClean="0"/>
+          </a:p>
+          <a:p>
+            <a:pPr lvl="2"/>
+            <a:r>
+              <a:rPr lang="zh-CN" altLang="en-US" smtClean="0"/>
+              <a:t>第三级</a:t>
+            </a:r>
+            <a:endParaRPr lang="zh-CN" altLang="en-US" smtClean="0"/>
+          </a:p>
+          <a:p>
+            <a:pPr lvl="3"/>
+            <a:r>
+              <a:rPr lang="zh-CN" altLang="en-US" smtClean="0"/>
+              <a:t>第四级</a:t>
+            </a:r>
+            <a:endParaRPr lang="zh-CN" altLang="en-US" smtClean="0"/>
+          </a:p>
+          <a:p>
+            <a:pPr lvl="4"/>
+            <a:r>
+              <a:rPr lang="zh-CN" altLang="en-US" smtClean="0"/>
+              <a:t>第五级</a:t>
+            </a:r>
+            <a:endParaRPr lang="zh-CN" altLang="en-US"/>
+          </a:p>
+        </p:txBody>
+      </p:sp>
+      <p:sp>
+        <p:nvSpPr>
+          <p:cNvPr id="6" name="页脚占位符 5"/>
+          <p:cNvSpPr>
+            <a:spLocks noGrp="1"/>
+          </p:cNvSpPr>
+          <p:nvPr>
+            <p:ph type="ftr" sz="quarter" idx="4"/>
+          </p:nvPr>
+        </p:nvSpPr>
+        <p:spPr>
+          <a:xfrm>
+            <a:off x="0" y="9720804"/>
+            <a:ext cx="3078290" cy="513491"/>
+          </a:xfrm>
+          <a:prstGeom prst="rect">
+            <a:avLst/>
+          </a:prstGeom>
+        </p:spPr>
+        <p:txBody>
+          <a:bodyPr vert="horz" lIns="91440" tIns="45720" rIns="91440" bIns="45720" rtlCol="0" anchor="b"/>
+          <a:lstStyle>
+            <a:lvl1pPr algn="l">
+              <a:defRPr sz="1200"/>
+            </a:lvl1pPr>
+          </a:lstStyle>
+          <a:p>
+            <a:endParaRPr lang="zh-CN" altLang="en-US"/>
+          </a:p>
+        </p:txBody>
+      </p:sp>
+      <p:sp>
+        <p:nvSpPr>
+          <p:cNvPr id="7" name="灯片编号占位符 6"/>
+          <p:cNvSpPr>
+            <a:spLocks noGrp="1"/>
+          </p:cNvSpPr>
+          <p:nvPr>
+            <p:ph type="sldNum" sz="quarter" idx="5"/>
+          </p:nvPr>
+        </p:nvSpPr>
+        <p:spPr>
+          <a:xfrm>
+            <a:off x="4023812" y="9720804"/>
+            <a:ext cx="3078290" cy="513491"/>
+          </a:xfrm>
+          <a:prstGeom prst="rect">
+            <a:avLst/>
+          </a:prstGeom>
+        </p:spPr>
+        <p:txBody>
+          <a:bodyPr vert="horz" lIns="91440" tIns="45720" rIns="91440" bIns="45720" rtlCol="0" anchor="b"/>
+          <a:lstStyle>
+            <a:lvl1pPr algn="r">
+              <a:defRPr sz="1200"/>
+            </a:lvl1pPr>
+          </a:lstStyle>
+          <a:p>
+            <a:fld id="{A6837353-30EB-4A48-80EB-173D804AEFBD}" type="slidenum">
+              <a:rPr lang="zh-CN" altLang="en-US" smtClean="0"/>
+            </a:fld>
+            <a:endParaRPr lang="zh-CN" altLang="en-US"/>
+          </a:p>
+        </p:txBody>
+      </p:sp>
+    </p:spTree>
+  </p:cSld>
+  <p:clrMap bg1="lt1" tx1="dk1" bg2="lt2" tx2="dk2" accent1="accent1" accent2="accent2" accent3="accent3" accent4="accent4" accent5="accent5" accent6="accent6" hlink="hlink" folHlink="folHlink"/>
+  <p:notesStyle>
+    <a:lvl1pPr marL="0" algn="l" defTabSz="914400" rtl="0" eaLnBrk="1" latinLnBrk="0" hangingPunct="1">
+      <a:defRPr sz="1200" kern="1200">
+        <a:solidFill>
+          <a:schemeClr val="tx1"/>
+        </a:solidFill>
+        <a:latin typeface="+mn-lt"/>
+        <a:ea typeface="+mn-ea"/>
+        <a:cs typeface="+mn-cs"/>
+      </a:defRPr>
+    </a:lvl1pPr>
+    <a:lvl2pPr marL="457200" algn="l" defTabSz="914400" rtl="0" eaLnBrk="1" latinLnBrk="0" hangingPunct="1">
+      <a:defRPr sz="1200" kern="1200">
+        <a:solidFill>
+          <a:schemeClr val="tx1"/>
+        </a:solidFill>
+        <a:latin typeface="+mn-lt"/>
+        <a:ea typeface="+mn-ea"/>
+        <a:cs typeface="+mn-cs"/>
+      </a:defRPr>
+    </a:lvl2pPr>
+    <a:lvl3pPr marL="914400" algn="l" defTabSz="914400" rtl="0" eaLnBrk="1" latinLnBrk="0" hangingPunct="1">
+      <a:defRPr sz="1200" kern="1200">
+        <a:solidFill>
+          <a:schemeClr val="tx1"/>
+        </a:solidFill>
+        <a:latin typeface="+mn-lt"/>
+        <a:ea typeface="+mn-ea"/>
+        <a:cs typeface="+mn-cs"/>
+      </a:defRPr>
+    </a:lvl3pPr>
+    <a:lvl4pPr marL="1371600" algn="l" defTabSz="914400" rtl="0" eaLnBrk="1" latinLnBrk="0" hangingPunct="1">
+      <a:defRPr sz="1200" kern="1200">
+        <a:solidFill>
+          <a:schemeClr val="tx1"/>
+        </a:solidFill>
+        <a:latin typeface="+mn-lt"/>
+        <a:ea typeface="+mn-ea"/>
+        <a:cs typeface="+mn-cs"/>
+      </a:defRPr>
+    </a:lvl4pPr>
+    <a:lvl5pPr marL="1828800" algn="l" defTabSz="914400" rtl="0" eaLnBrk="1" latinLnBrk="0" hangingPunct="1">
+      <a:defRPr sz="1200" kern="1200">
+        <a:solidFill>
+          <a:schemeClr val="tx1"/>
+        </a:solidFill>
+        <a:latin typeface="+mn-lt"/>
+        <a:ea typeface="+mn-ea"/>
+        <a:cs typeface="+mn-cs"/>
+      </a:defRPr>
+    </a:lvl5pPr>
+    <a:lvl6pPr marL="2286000" algn="l" defTabSz="914400" rtl="0" eaLnBrk="1" latinLnBrk="0" hangingPunct="1">
+      <a:defRPr sz="1200" kern="1200">
+        <a:solidFill>
+          <a:schemeClr val="tx1"/>
+        </a:solidFill>
+        <a:latin typeface="+mn-lt"/>
+        <a:ea typeface="+mn-ea"/>
+        <a:cs typeface="+mn-cs"/>
+      </a:defRPr>
+    </a:lvl6pPr>
+    <a:lvl7pPr marL="2743200" algn="l" defTabSz="914400" rtl="0" eaLnBrk="1" latinLnBrk="0" hangingPunct="1">
+      <a:defRPr sz="1200" kern="1200">
+        <a:solidFill>
+          <a:schemeClr val="tx1"/>
+        </a:solidFill>
+        <a:latin typeface="+mn-lt"/>
+        <a:ea typeface="+mn-ea"/>
+        <a:cs typeface="+mn-cs"/>
+      </a:defRPr>
+    </a:lvl7pPr>
+    <a:lvl8pPr marL="3200400" algn="l" defTabSz="914400" rtl="0" eaLnBrk="1" latinLnBrk="0" hangingPunct="1">
+      <a:defRPr sz="1200" kern="1200">
+        <a:solidFill>
+          <a:schemeClr val="tx1"/>
+        </a:solidFill>
+        <a:latin typeface="+mn-lt"/>
+        <a:ea typeface="+mn-ea"/>
+        <a:cs typeface="+mn-cs"/>
+      </a:defRPr>
+    </a:lvl8pPr>
+    <a:lvl9pPr marL="3657600" algn="l" defTabSz="914400" rtl="0" eaLnBrk="1" latinLnBrk="0" hangingPunct="1">
+      <a:defRPr sz="1200" kern="1200">
+        <a:solidFill>
+          <a:schemeClr val="tx1"/>
+        </a:solidFill>
+        <a:latin typeface="+mn-lt"/>
+        <a:ea typeface="+mn-ea"/>
+        <a:cs typeface="+mn-cs"/>
+      </a:defRPr>
+    </a:lvl9pPr>
+  </p:notesStyle>
+</p:notesMaster>
+</file>
+
+<file path=ppt/notesSlides/notesSlide1.xml><?xml version="1.0" encoding="utf-8"?>
+<p:notes xmlns:a="http://schemas.openxmlformats.org/drawingml/2006/main" xmlns:r="http://schemas.openxmlformats.org/officeDocument/2006/relationships" xmlns:p="http://schemas.openxmlformats.org/presentationml/2006/main">
+  <p:cSld>
+    <p:spTree>
+      <p:nvGrpSpPr>
+        <p:cNvPr id="1" name=""/>
+        <p:cNvGrpSpPr/>
+        <p:nvPr/>
+      </p:nvGrpSpPr>
+      <p:grpSpPr/>
+      <p:sp>
+        <p:nvSpPr>
+          <p:cNvPr id="2" name="幻灯片图像占位符 1"/>
+          <p:cNvSpPr/>
+          <p:nvPr>
+            <p:ph type="sldImg" idx="2"/>
+          </p:nvPr>
+        </p:nvSpPr>
+        <p:spPr/>
+      </p:sp>
+      <p:sp>
+        <p:nvSpPr>
+          <p:cNvPr id="3" name="文本占位符 2"/>
+          <p:cNvSpPr/>
+          <p:nvPr>
+            <p:ph type="body" idx="3"/>
+          </p:nvPr>
+        </p:nvSpPr>
+        <p:spPr/>
+        <p:txBody>
+          <a:bodyPr/>
+          <a:p>
+            <a:endParaRPr lang="zh-CN" altLang="en-US"/>
+          </a:p>
+        </p:txBody>
+      </p:sp>
+    </p:spTree>
+  </p:cSld>
+  <p:clrMapOvr>
+    <a:masterClrMapping/>
+  </p:clrMapOvr>
+</p:notes>
 </file>
 
 <file path=ppt/slideLayouts/slideLayout1.xml><?xml version="1.0" encoding="utf-8"?>
@@ -4346,7 +4742,12 @@
             <p:ph type="title"/>
           </p:nvPr>
         </p:nvSpPr>
-        <p:spPr/>
+        <p:spPr>
+          <a:xfrm>
+            <a:off x="838200" y="276225"/>
+            <a:ext cx="10515600" cy="1325563"/>
+          </a:xfrm>
+        </p:spPr>
         <p:txBody>
           <a:bodyPr/>
           <a:p>
@@ -4366,8 +4767,8 @@
         </p:nvCxnSpPr>
         <p:spPr>
           <a:xfrm flipH="1">
-            <a:off x="901065" y="2150745"/>
-            <a:ext cx="5945505" cy="0"/>
+            <a:off x="9695815" y="549275"/>
+            <a:ext cx="792480" cy="0"/>
           </a:xfrm>
           <a:prstGeom prst="straightConnector1">
             <a:avLst/>
@@ -4393,186 +4794,14 @@
       </p:cxnSp>
       <p:sp>
         <p:nvSpPr>
-          <p:cNvPr id="7" name="流程图: 预定义过程 6"/>
-          <p:cNvSpPr/>
-          <p:nvPr/>
-        </p:nvSpPr>
-        <p:spPr>
-          <a:xfrm>
-            <a:off x="1527810" y="3062605"/>
-            <a:ext cx="490855" cy="734060"/>
-          </a:xfrm>
-          <a:prstGeom prst="flowChartPredefinedProcess">
-            <a:avLst/>
-          </a:prstGeom>
-        </p:spPr>
-        <p:style>
-          <a:lnRef idx="2">
-            <a:schemeClr val="accent1">
-              <a:shade val="50000"/>
-            </a:schemeClr>
-          </a:lnRef>
-          <a:fillRef idx="1">
-            <a:schemeClr val="accent1"/>
-          </a:fillRef>
-          <a:effectRef idx="0">
-            <a:schemeClr val="accent1"/>
-          </a:effectRef>
-          <a:fontRef idx="minor">
-            <a:schemeClr val="lt1"/>
-          </a:fontRef>
-        </p:style>
-        <p:txBody>
-          <a:bodyPr rtlCol="0" anchor="ctr"/>
-          <a:p>
-            <a:pPr algn="ctr"/>
-            <a:r>
-              <a:rPr lang="zh-CN" altLang="en-US"/>
-              <a:t>令</a:t>
-            </a:r>
-            <a:endParaRPr lang="zh-CN" altLang="en-US"/>
-          </a:p>
-        </p:txBody>
-      </p:sp>
-      <p:sp>
-        <p:nvSpPr>
-          <p:cNvPr id="9" name="流程图: 过程 8"/>
-          <p:cNvSpPr/>
-          <p:nvPr/>
-        </p:nvSpPr>
-        <p:spPr>
-          <a:xfrm>
-            <a:off x="3829050" y="3063240"/>
-            <a:ext cx="493395" cy="733425"/>
-          </a:xfrm>
-          <a:prstGeom prst="flowChartProcess">
-            <a:avLst/>
-          </a:prstGeom>
-        </p:spPr>
-        <p:style>
-          <a:lnRef idx="2">
-            <a:schemeClr val="accent1">
-              <a:shade val="50000"/>
-            </a:schemeClr>
-          </a:lnRef>
-          <a:fillRef idx="1">
-            <a:schemeClr val="accent1"/>
-          </a:fillRef>
-          <a:effectRef idx="0">
-            <a:schemeClr val="accent1"/>
-          </a:effectRef>
-          <a:fontRef idx="minor">
-            <a:schemeClr val="lt1"/>
-          </a:fontRef>
-        </p:style>
-        <p:txBody>
-          <a:bodyPr rtlCol="0" anchor="ctr"/>
-          <a:p>
-            <a:pPr algn="ctr"/>
-            <a:r>
-              <a:rPr lang="zh-CN" altLang="en-US"/>
-              <a:t>取</a:t>
-            </a:r>
-            <a:endParaRPr lang="zh-CN" altLang="en-US"/>
-          </a:p>
-        </p:txBody>
-      </p:sp>
-      <p:sp>
-        <p:nvSpPr>
-          <p:cNvPr id="10" name="流程图: 过程 9"/>
-          <p:cNvSpPr/>
-          <p:nvPr/>
-        </p:nvSpPr>
-        <p:spPr>
-          <a:xfrm>
-            <a:off x="4816475" y="3063240"/>
-            <a:ext cx="493395" cy="733425"/>
-          </a:xfrm>
-          <a:prstGeom prst="flowChartProcess">
-            <a:avLst/>
-          </a:prstGeom>
-        </p:spPr>
-        <p:style>
-          <a:lnRef idx="2">
-            <a:schemeClr val="accent1">
-              <a:shade val="50000"/>
-            </a:schemeClr>
-          </a:lnRef>
-          <a:fillRef idx="1">
-            <a:schemeClr val="accent1"/>
-          </a:fillRef>
-          <a:effectRef idx="0">
-            <a:schemeClr val="accent1"/>
-          </a:effectRef>
-          <a:fontRef idx="minor">
-            <a:schemeClr val="lt1"/>
-          </a:fontRef>
-        </p:style>
-        <p:txBody>
-          <a:bodyPr rtlCol="0" anchor="ctr"/>
-          <a:p>
-            <a:pPr algn="ctr"/>
-            <a:r>
-              <a:rPr lang="zh-CN" altLang="en-US"/>
-              <a:t>算</a:t>
-            </a:r>
-            <a:endParaRPr lang="zh-CN" altLang="en-US"/>
-          </a:p>
-        </p:txBody>
-      </p:sp>
-      <p:sp>
-        <p:nvSpPr>
-          <p:cNvPr id="11" name="流程图: 过程 10"/>
-          <p:cNvSpPr/>
-          <p:nvPr/>
-        </p:nvSpPr>
-        <p:spPr>
-          <a:xfrm>
-            <a:off x="5718810" y="3062605"/>
-            <a:ext cx="493395" cy="734060"/>
-          </a:xfrm>
-          <a:prstGeom prst="flowChartProcess">
-            <a:avLst/>
-          </a:prstGeom>
-        </p:spPr>
-        <p:style>
-          <a:lnRef idx="2">
-            <a:schemeClr val="accent1">
-              <a:shade val="50000"/>
-            </a:schemeClr>
-          </a:lnRef>
-          <a:fillRef idx="1">
-            <a:schemeClr val="accent1"/>
-          </a:fillRef>
-          <a:effectRef idx="0">
-            <a:schemeClr val="accent1"/>
-          </a:effectRef>
-          <a:fontRef idx="minor">
-            <a:schemeClr val="lt1"/>
-          </a:fontRef>
-        </p:style>
-        <p:txBody>
-          <a:bodyPr rtlCol="0" anchor="ctr"/>
-          <a:p>
-            <a:pPr algn="ctr"/>
-            <a:r>
-              <a:rPr lang="zh-CN" altLang="en-US"/>
-              <a:t>外</a:t>
-            </a:r>
-            <a:endParaRPr lang="zh-CN" altLang="en-US"/>
-          </a:p>
-        </p:txBody>
-      </p:sp>
-      <p:sp>
-        <p:nvSpPr>
           <p:cNvPr id="12" name="任意多边形 11"/>
           <p:cNvSpPr/>
           <p:nvPr/>
         </p:nvSpPr>
         <p:spPr>
-          <a:xfrm rot="5400000" flipV="1">
-            <a:off x="7021093" y="3070962"/>
-            <a:ext cx="462484" cy="797560"/>
+          <a:xfrm rot="16200000">
+            <a:off x="10549255" y="4485005"/>
+            <a:ext cx="462280" cy="730885"/>
           </a:xfrm>
           <a:custGeom>
             <a:avLst/>
@@ -4709,268 +4938,23 @@
       </p:sp>
       <p:cxnSp>
         <p:nvCxnSpPr>
-          <p:cNvPr id="13" name="肘形连接符 12"/>
+          <p:cNvPr id="22" name="直接箭头连接符 21"/>
           <p:cNvCxnSpPr>
-            <a:stCxn id="11" idx="2"/>
-            <a:endCxn id="12" idx="2"/>
+            <a:stCxn id="5" idx="3"/>
+            <a:endCxn id="18" idx="2"/>
           </p:cNvCxnSpPr>
           <p:nvPr/>
         </p:nvCxnSpPr>
         <p:spPr>
-          <a:xfrm rot="5400000" flipH="1" flipV="1">
-            <a:off x="6415723" y="3192463"/>
-            <a:ext cx="154305" cy="1054100"/>
-          </a:xfrm>
-          <a:prstGeom prst="bentConnector3">
-            <a:avLst>
-              <a:gd name="adj1" fmla="val -154115"/>
-            </a:avLst>
+          <a:xfrm>
+            <a:off x="2851150" y="3789045"/>
+            <a:ext cx="1091565" cy="0"/>
+          </a:xfrm>
+          <a:prstGeom prst="straightConnector1">
+            <a:avLst/>
           </a:prstGeom>
           <a:ln>
-            <a:tailEnd type="arrow"/>
-          </a:ln>
-        </p:spPr>
-        <p:style>
-          <a:lnRef idx="1">
-            <a:schemeClr val="accent1"/>
-          </a:lnRef>
-          <a:fillRef idx="0">
-            <a:schemeClr val="accent1"/>
-          </a:fillRef>
-          <a:effectRef idx="0">
-            <a:schemeClr val="accent1"/>
-          </a:effectRef>
-          <a:fontRef idx="minor">
-            <a:schemeClr val="tx1"/>
-          </a:fontRef>
-        </p:style>
-      </p:cxnSp>
-      <p:cxnSp>
-        <p:nvCxnSpPr>
-          <p:cNvPr id="14" name="肘形连接符 13"/>
-          <p:cNvCxnSpPr/>
-          <p:nvPr/>
-        </p:nvCxnSpPr>
-        <p:spPr>
-          <a:xfrm rot="5400000" flipH="1" flipV="1">
-            <a:off x="6022023" y="2647633"/>
-            <a:ext cx="189230" cy="2108835"/>
-          </a:xfrm>
-          <a:prstGeom prst="bentConnector3">
-            <a:avLst>
-              <a:gd name="adj1" fmla="val -189261"/>
-            </a:avLst>
-          </a:prstGeom>
-          <a:ln>
-            <a:tailEnd type="arrow"/>
-          </a:ln>
-        </p:spPr>
-        <p:style>
-          <a:lnRef idx="1">
-            <a:schemeClr val="accent1"/>
-          </a:lnRef>
-          <a:fillRef idx="0">
-            <a:schemeClr val="accent1"/>
-          </a:fillRef>
-          <a:effectRef idx="0">
-            <a:schemeClr val="accent1"/>
-          </a:effectRef>
-          <a:fontRef idx="minor">
-            <a:schemeClr val="tx1"/>
-          </a:fontRef>
-        </p:style>
-      </p:cxnSp>
-      <p:cxnSp>
-        <p:nvCxnSpPr>
-          <p:cNvPr id="15" name="肘形连接符 14"/>
-          <p:cNvCxnSpPr>
-            <a:stCxn id="9" idx="2"/>
-            <a:endCxn id="12" idx="4"/>
-          </p:cNvCxnSpPr>
-          <p:nvPr/>
-        </p:nvCxnSpPr>
-        <p:spPr>
-          <a:xfrm rot="5400000" flipH="1" flipV="1">
-            <a:off x="5635943" y="2050733"/>
-            <a:ext cx="186055" cy="3305810"/>
-          </a:xfrm>
-          <a:prstGeom prst="bentConnector3">
-            <a:avLst>
-              <a:gd name="adj1" fmla="val -275426"/>
-            </a:avLst>
-          </a:prstGeom>
-          <a:ln>
-            <a:tailEnd type="arrow"/>
-          </a:ln>
-        </p:spPr>
-        <p:style>
-          <a:lnRef idx="1">
-            <a:schemeClr val="accent1"/>
-          </a:lnRef>
-          <a:fillRef idx="0">
-            <a:schemeClr val="accent1"/>
-          </a:fillRef>
-          <a:effectRef idx="0">
-            <a:schemeClr val="accent1"/>
-          </a:effectRef>
-          <a:fontRef idx="minor">
-            <a:schemeClr val="tx1"/>
-          </a:fontRef>
-        </p:style>
-      </p:cxnSp>
-      <p:cxnSp>
-        <p:nvCxnSpPr>
-          <p:cNvPr id="16" name="肘形连接符 15"/>
-          <p:cNvCxnSpPr>
-            <a:stCxn id="8" idx="2"/>
-            <a:endCxn id="12" idx="5"/>
-          </p:cNvCxnSpPr>
-          <p:nvPr/>
-        </p:nvCxnSpPr>
-        <p:spPr>
-          <a:xfrm rot="5400000" flipH="1" flipV="1">
-            <a:off x="5226368" y="1507808"/>
-            <a:ext cx="151130" cy="4426585"/>
-          </a:xfrm>
-          <a:prstGeom prst="bentConnector3">
-            <a:avLst>
-              <a:gd name="adj1" fmla="val -472689"/>
-            </a:avLst>
-          </a:prstGeom>
-          <a:ln>
-            <a:tailEnd type="arrow"/>
-          </a:ln>
-        </p:spPr>
-        <p:style>
-          <a:lnRef idx="1">
-            <a:schemeClr val="accent1"/>
-          </a:lnRef>
-          <a:fillRef idx="0">
-            <a:schemeClr val="accent1"/>
-          </a:fillRef>
-          <a:effectRef idx="0">
-            <a:schemeClr val="accent1"/>
-          </a:effectRef>
-          <a:fontRef idx="minor">
-            <a:schemeClr val="tx1"/>
-          </a:fontRef>
-        </p:style>
-      </p:cxnSp>
-      <p:cxnSp>
-        <p:nvCxnSpPr>
-          <p:cNvPr id="19" name="直接连接符 18"/>
-          <p:cNvCxnSpPr>
-            <a:stCxn id="12" idx="8"/>
-          </p:cNvCxnSpPr>
-          <p:nvPr/>
-        </p:nvCxnSpPr>
-        <p:spPr>
-          <a:xfrm flipV="1">
-            <a:off x="7252335" y="2151380"/>
-            <a:ext cx="0" cy="1087120"/>
-          </a:xfrm>
-          <a:prstGeom prst="line">
-            <a:avLst/>
-          </a:prstGeom>
-        </p:spPr>
-        <p:style>
-          <a:lnRef idx="1">
-            <a:schemeClr val="accent1"/>
-          </a:lnRef>
-          <a:fillRef idx="0">
-            <a:schemeClr val="accent1"/>
-          </a:fillRef>
-          <a:effectRef idx="0">
-            <a:schemeClr val="accent1"/>
-          </a:effectRef>
-          <a:fontRef idx="minor">
-            <a:schemeClr val="tx1"/>
-          </a:fontRef>
-        </p:style>
-      </p:cxnSp>
-      <p:cxnSp>
-        <p:nvCxnSpPr>
-          <p:cNvPr id="20" name="直接箭头连接符 19"/>
-          <p:cNvCxnSpPr>
-            <a:endCxn id="7" idx="0"/>
-          </p:cNvCxnSpPr>
-          <p:nvPr/>
-        </p:nvCxnSpPr>
-        <p:spPr>
-          <a:xfrm flipH="1">
-            <a:off x="1773555" y="2138680"/>
-            <a:ext cx="1270" cy="923925"/>
-          </a:xfrm>
-          <a:prstGeom prst="straightConnector1">
-            <a:avLst/>
-          </a:prstGeom>
-          <a:ln>
-            <a:tailEnd type="arrow"/>
-          </a:ln>
-        </p:spPr>
-        <p:style>
-          <a:lnRef idx="1">
-            <a:schemeClr val="accent1"/>
-          </a:lnRef>
-          <a:fillRef idx="0">
-            <a:schemeClr val="accent1"/>
-          </a:fillRef>
-          <a:effectRef idx="0">
-            <a:schemeClr val="accent1"/>
-          </a:effectRef>
-          <a:fontRef idx="minor">
-            <a:schemeClr val="tx1"/>
-          </a:fontRef>
-        </p:style>
-      </p:cxnSp>
-      <p:cxnSp>
-        <p:nvCxnSpPr>
-          <p:cNvPr id="21" name="直接箭头连接符 20"/>
-          <p:cNvCxnSpPr/>
-          <p:nvPr/>
-        </p:nvCxnSpPr>
-        <p:spPr>
-          <a:xfrm flipH="1">
-            <a:off x="3087370" y="2151380"/>
-            <a:ext cx="1270" cy="923925"/>
-          </a:xfrm>
-          <a:prstGeom prst="straightConnector1">
-            <a:avLst/>
-          </a:prstGeom>
-          <a:ln>
-            <a:tailEnd type="arrow"/>
-          </a:ln>
-        </p:spPr>
-        <p:style>
-          <a:lnRef idx="1">
-            <a:schemeClr val="accent1"/>
-          </a:lnRef>
-          <a:fillRef idx="0">
-            <a:schemeClr val="accent1"/>
-          </a:fillRef>
-          <a:effectRef idx="0">
-            <a:schemeClr val="accent1"/>
-          </a:effectRef>
-          <a:fontRef idx="minor">
-            <a:schemeClr val="tx1"/>
-          </a:fontRef>
-        </p:style>
-      </p:cxnSp>
-      <p:cxnSp>
-        <p:nvCxnSpPr>
-          <p:cNvPr id="22" name="直接箭头连接符 21"/>
-          <p:cNvCxnSpPr/>
-          <p:nvPr/>
-        </p:nvCxnSpPr>
-        <p:spPr>
-          <a:xfrm flipH="1">
-            <a:off x="4076065" y="2151380"/>
-            <a:ext cx="1270" cy="923925"/>
-          </a:xfrm>
-          <a:prstGeom prst="straightConnector1">
-            <a:avLst/>
-          </a:prstGeom>
-          <a:ln>
+            <a:headEnd type="arrow"/>
             <a:tailEnd type="arrow"/>
           </a:ln>
         </p:spPr>
@@ -4996,9 +4980,9 @@
           <p:nvPr/>
         </p:nvCxnSpPr>
         <p:spPr>
-          <a:xfrm flipH="1">
-            <a:off x="5062220" y="2151380"/>
-            <a:ext cx="1270" cy="923925"/>
+          <a:xfrm flipH="1" flipV="1">
+            <a:off x="6813550" y="4149090"/>
+            <a:ext cx="4445" cy="1656080"/>
           </a:xfrm>
           <a:prstGeom prst="straightConnector1">
             <a:avLst/>
@@ -5022,48 +5006,15 @@
           </a:fontRef>
         </p:style>
       </p:cxnSp>
-      <p:cxnSp>
-        <p:nvCxnSpPr>
-          <p:cNvPr id="24" name="直接箭头连接符 23"/>
-          <p:cNvCxnSpPr/>
-          <p:nvPr/>
-        </p:nvCxnSpPr>
-        <p:spPr>
-          <a:xfrm flipH="1">
-            <a:off x="5963920" y="2151380"/>
-            <a:ext cx="1270" cy="923925"/>
-          </a:xfrm>
-          <a:prstGeom prst="straightConnector1">
-            <a:avLst/>
-          </a:prstGeom>
-          <a:ln>
-            <a:tailEnd type="arrow"/>
-          </a:ln>
-        </p:spPr>
-        <p:style>
-          <a:lnRef idx="1">
-            <a:schemeClr val="accent1"/>
-          </a:lnRef>
-          <a:fillRef idx="0">
-            <a:schemeClr val="accent1"/>
-          </a:fillRef>
-          <a:effectRef idx="0">
-            <a:schemeClr val="accent1"/>
-          </a:effectRef>
-          <a:fontRef idx="minor">
-            <a:schemeClr val="tx1"/>
-          </a:fontRef>
-        </p:style>
-      </p:cxnSp>
-      <p:sp>
-        <p:nvSpPr>
-          <p:cNvPr id="25" name="椭圆 24"/>
+      <p:sp>
+        <p:nvSpPr>
+          <p:cNvPr id="26" name="椭圆 25"/>
           <p:cNvSpPr/>
           <p:nvPr/>
         </p:nvSpPr>
         <p:spPr>
           <a:xfrm>
-            <a:off x="5927725" y="2113280"/>
+            <a:off x="8933815" y="5775325"/>
             <a:ext cx="75565" cy="75565"/>
           </a:xfrm>
           <a:prstGeom prst="ellipse">
@@ -5096,13 +5047,13 @@
       </p:sp>
       <p:sp>
         <p:nvSpPr>
-          <p:cNvPr id="26" name="椭圆 25"/>
+          <p:cNvPr id="27" name="椭圆 26"/>
           <p:cNvSpPr/>
           <p:nvPr/>
         </p:nvSpPr>
         <p:spPr>
           <a:xfrm>
-            <a:off x="5025390" y="2112645"/>
+            <a:off x="6777990" y="5775325"/>
             <a:ext cx="75565" cy="75565"/>
           </a:xfrm>
           <a:prstGeom prst="ellipse">
@@ -5135,13 +5086,13 @@
       </p:sp>
       <p:sp>
         <p:nvSpPr>
-          <p:cNvPr id="27" name="椭圆 26"/>
+          <p:cNvPr id="28" name="椭圆 27"/>
           <p:cNvSpPr/>
           <p:nvPr/>
         </p:nvSpPr>
         <p:spPr>
           <a:xfrm>
-            <a:off x="4037965" y="2112645"/>
+            <a:off x="4471670" y="5775325"/>
             <a:ext cx="75565" cy="75565"/>
           </a:xfrm>
           <a:prstGeom prst="ellipse">
@@ -5172,95 +5123,15 @@
           </a:p>
         </p:txBody>
       </p:sp>
-      <p:sp>
-        <p:nvSpPr>
-          <p:cNvPr id="28" name="椭圆 27"/>
-          <p:cNvSpPr/>
-          <p:nvPr/>
-        </p:nvSpPr>
-        <p:spPr>
-          <a:xfrm>
-            <a:off x="3049905" y="2112645"/>
-            <a:ext cx="75565" cy="75565"/>
-          </a:xfrm>
-          <a:prstGeom prst="ellipse">
-            <a:avLst/>
-          </a:prstGeom>
-        </p:spPr>
-        <p:style>
-          <a:lnRef idx="2">
-            <a:schemeClr val="accent1">
-              <a:shade val="50000"/>
-            </a:schemeClr>
-          </a:lnRef>
-          <a:fillRef idx="1">
-            <a:schemeClr val="accent1"/>
-          </a:fillRef>
-          <a:effectRef idx="0">
-            <a:schemeClr val="accent1"/>
-          </a:effectRef>
-          <a:fontRef idx="minor">
-            <a:schemeClr val="lt1"/>
-          </a:fontRef>
-        </p:style>
-        <p:txBody>
-          <a:bodyPr rtlCol="0" anchor="ctr"/>
-          <a:p>
-            <a:pPr algn="ctr"/>
-            <a:endParaRPr lang="zh-CN" altLang="en-US"/>
-          </a:p>
-        </p:txBody>
-      </p:sp>
-      <p:sp>
-        <p:nvSpPr>
-          <p:cNvPr id="29" name="椭圆 28"/>
-          <p:cNvSpPr/>
-          <p:nvPr/>
-        </p:nvSpPr>
-        <p:spPr>
-          <a:xfrm>
-            <a:off x="1737995" y="2112645"/>
-            <a:ext cx="75565" cy="75565"/>
-          </a:xfrm>
-          <a:prstGeom prst="ellipse">
-            <a:avLst/>
-          </a:prstGeom>
-        </p:spPr>
-        <p:style>
-          <a:lnRef idx="2">
-            <a:schemeClr val="accent1">
-              <a:shade val="50000"/>
-            </a:schemeClr>
-          </a:lnRef>
-          <a:fillRef idx="1">
-            <a:schemeClr val="accent1"/>
-          </a:fillRef>
-          <a:effectRef idx="0">
-            <a:schemeClr val="accent1"/>
-          </a:effectRef>
-          <a:fontRef idx="minor">
-            <a:schemeClr val="lt1"/>
-          </a:fontRef>
-        </p:style>
-        <p:txBody>
-          <a:bodyPr rtlCol="0" anchor="ctr"/>
-          <a:p>
-            <a:pPr algn="ctr"/>
-            <a:endParaRPr lang="zh-CN" altLang="en-US"/>
-          </a:p>
-        </p:txBody>
-      </p:sp>
       <p:cxnSp>
         <p:nvCxnSpPr>
           <p:cNvPr id="30" name="直接连接符 29"/>
-          <p:cNvCxnSpPr>
-            <a:stCxn id="7" idx="2"/>
-          </p:cNvCxnSpPr>
+          <p:cNvCxnSpPr/>
           <p:nvPr/>
         </p:nvCxnSpPr>
         <p:spPr>
           <a:xfrm>
-            <a:off x="1773555" y="3796665"/>
+            <a:off x="4203700" y="4166870"/>
             <a:ext cx="1270" cy="352425"/>
           </a:xfrm>
           <a:prstGeom prst="line">
@@ -5292,14 +5163,14 @@
       </p:cxnSp>
       <p:cxnSp>
         <p:nvCxnSpPr>
-          <p:cNvPr id="31" name="直接连接符 30"/>
+          <p:cNvPr id="32" name="直接连接符 31"/>
           <p:cNvCxnSpPr/>
           <p:nvPr/>
         </p:nvCxnSpPr>
         <p:spPr>
-          <a:xfrm>
-            <a:off x="1056005" y="2708910"/>
-            <a:ext cx="0" cy="1440180"/>
+          <a:xfrm flipH="1">
+            <a:off x="9693275" y="1269365"/>
+            <a:ext cx="714375" cy="0"/>
           </a:xfrm>
           <a:prstGeom prst="line">
             <a:avLst/>
@@ -5330,14 +5201,14 @@
       </p:cxnSp>
       <p:cxnSp>
         <p:nvCxnSpPr>
-          <p:cNvPr id="32" name="直接连接符 31"/>
+          <p:cNvPr id="33" name="直接连接符 32"/>
           <p:cNvCxnSpPr/>
           <p:nvPr/>
         </p:nvCxnSpPr>
         <p:spPr>
           <a:xfrm flipH="1">
-            <a:off x="1050925" y="4150360"/>
-            <a:ext cx="714375" cy="0"/>
+            <a:off x="3719830" y="4581525"/>
+            <a:ext cx="5646420" cy="0"/>
           </a:xfrm>
           <a:prstGeom prst="line">
             <a:avLst/>
@@ -5368,16 +5239,16 @@
       </p:cxnSp>
       <p:cxnSp>
         <p:nvCxnSpPr>
-          <p:cNvPr id="33" name="直接连接符 32"/>
+          <p:cNvPr id="35" name="直接箭头连接符 34"/>
           <p:cNvCxnSpPr/>
           <p:nvPr/>
         </p:nvCxnSpPr>
         <p:spPr>
-          <a:xfrm flipH="1">
-            <a:off x="1056005" y="2708910"/>
-            <a:ext cx="6480175" cy="0"/>
-          </a:xfrm>
-          <a:prstGeom prst="line">
+          <a:xfrm flipV="1">
+            <a:off x="4871720" y="4147820"/>
+            <a:ext cx="3810" cy="433705"/>
+          </a:xfrm>
+          <a:prstGeom prst="straightConnector1">
             <a:avLst/>
           </a:prstGeom>
           <a:ln w="12700" cmpd="sng">
@@ -5387,6 +5258,7 @@
               </a:schemeClr>
             </a:solidFill>
             <a:prstDash val="sysDot"/>
+            <a:tailEnd type="arrow"/>
           </a:ln>
         </p:spPr>
         <p:style>
@@ -5406,13 +5278,13 @@
       </p:cxnSp>
       <p:sp>
         <p:nvSpPr>
-          <p:cNvPr id="34" name="椭圆 33"/>
+          <p:cNvPr id="37" name="椭圆 36"/>
           <p:cNvSpPr/>
           <p:nvPr/>
         </p:nvSpPr>
         <p:spPr>
           <a:xfrm>
-            <a:off x="1017905" y="3391535"/>
+            <a:off x="4835525" y="4543425"/>
             <a:ext cx="75565" cy="75565"/>
           </a:xfrm>
           <a:prstGeom prst="ellipse">
@@ -5459,17 +5331,438 @@
       </p:sp>
       <p:cxnSp>
         <p:nvCxnSpPr>
-          <p:cNvPr id="35" name="直接箭头连接符 34"/>
+          <p:cNvPr id="40" name="肘形连接符 39"/>
           <p:cNvCxnSpPr>
-            <a:stCxn id="34" idx="6"/>
-            <a:endCxn id="7" idx="1"/>
+            <a:stCxn id="17" idx="0"/>
+            <a:endCxn id="12" idx="3"/>
           </p:cNvCxnSpPr>
           <p:nvPr/>
         </p:nvCxnSpPr>
         <p:spPr>
-          <a:xfrm>
-            <a:off x="1093470" y="3429635"/>
-            <a:ext cx="434340" cy="0"/>
+          <a:xfrm rot="16200000" flipH="1">
+            <a:off x="8121650" y="2127885"/>
+            <a:ext cx="1276985" cy="3893185"/>
+          </a:xfrm>
+          <a:prstGeom prst="bentConnector3">
+            <a:avLst>
+              <a:gd name="adj1" fmla="val -31327"/>
+            </a:avLst>
+          </a:prstGeom>
+          <a:ln>
+            <a:tailEnd type="arrow" w="med" len="med"/>
+          </a:ln>
+        </p:spPr>
+        <p:style>
+          <a:lnRef idx="1">
+            <a:schemeClr val="accent1"/>
+          </a:lnRef>
+          <a:fillRef idx="0">
+            <a:schemeClr val="accent1"/>
+          </a:fillRef>
+          <a:effectRef idx="0">
+            <a:schemeClr val="accent1"/>
+          </a:effectRef>
+          <a:fontRef idx="minor">
+            <a:schemeClr val="tx1"/>
+          </a:fontRef>
+        </p:style>
+      </p:cxnSp>
+      <p:cxnSp>
+        <p:nvCxnSpPr>
+          <p:cNvPr id="42" name="肘形连接符 41"/>
+          <p:cNvCxnSpPr>
+            <a:stCxn id="18" idx="3"/>
+            <a:endCxn id="12" idx="4"/>
+          </p:cNvCxnSpPr>
+          <p:nvPr/>
+        </p:nvCxnSpPr>
+        <p:spPr>
+          <a:xfrm rot="16200000" flipH="1">
+            <a:off x="7062470" y="873760"/>
+            <a:ext cx="1280795" cy="6391275"/>
+          </a:xfrm>
+          <a:prstGeom prst="bentConnector3">
+            <a:avLst>
+              <a:gd name="adj1" fmla="val -43133"/>
+            </a:avLst>
+          </a:prstGeom>
+          <a:ln>
+            <a:tailEnd type="arrow" w="med" len="med"/>
+          </a:ln>
+        </p:spPr>
+        <p:style>
+          <a:lnRef idx="1">
+            <a:schemeClr val="accent1"/>
+          </a:lnRef>
+          <a:fillRef idx="0">
+            <a:schemeClr val="accent1"/>
+          </a:fillRef>
+          <a:effectRef idx="0">
+            <a:schemeClr val="accent1"/>
+          </a:effectRef>
+          <a:fontRef idx="minor">
+            <a:schemeClr val="tx1"/>
+          </a:fontRef>
+        </p:style>
+      </p:cxnSp>
+      <p:sp>
+        <p:nvSpPr>
+          <p:cNvPr id="45" name="文本框 44"/>
+          <p:cNvSpPr txBox="1"/>
+          <p:nvPr/>
+        </p:nvSpPr>
+        <p:spPr>
+          <a:xfrm>
+            <a:off x="8969375" y="419100"/>
+            <a:ext cx="640080" cy="368300"/>
+          </a:xfrm>
+          <a:prstGeom prst="rect">
+            <a:avLst/>
+          </a:prstGeom>
+          <a:noFill/>
+        </p:spPr>
+        <p:txBody>
+          <a:bodyPr wrap="none" rtlCol="0">
+            <a:spAutoFit/>
+          </a:bodyPr>
+          <a:p>
+            <a:r>
+              <a:rPr lang="zh-CN" altLang="en-US"/>
+              <a:t>数据</a:t>
+            </a:r>
+            <a:endParaRPr lang="zh-CN" altLang="en-US"/>
+          </a:p>
+        </p:txBody>
+      </p:sp>
+      <p:sp>
+        <p:nvSpPr>
+          <p:cNvPr id="46" name="文本框 45"/>
+          <p:cNvSpPr txBox="1"/>
+          <p:nvPr/>
+        </p:nvSpPr>
+        <p:spPr>
+          <a:xfrm>
+            <a:off x="8973820" y="901065"/>
+            <a:ext cx="640080" cy="368300"/>
+          </a:xfrm>
+          <a:prstGeom prst="rect">
+            <a:avLst/>
+          </a:prstGeom>
+          <a:noFill/>
+        </p:spPr>
+        <p:txBody>
+          <a:bodyPr wrap="none" rtlCol="0">
+            <a:spAutoFit/>
+          </a:bodyPr>
+          <a:p>
+            <a:r>
+              <a:rPr lang="zh-CN" altLang="en-US"/>
+              <a:t>指令</a:t>
+            </a:r>
+            <a:endParaRPr lang="zh-CN" altLang="en-US"/>
+          </a:p>
+        </p:txBody>
+      </p:sp>
+      <p:sp>
+        <p:nvSpPr>
+          <p:cNvPr id="4" name="流程图: 磁盘 3"/>
+          <p:cNvSpPr/>
+          <p:nvPr/>
+        </p:nvSpPr>
+        <p:spPr>
+          <a:xfrm>
+            <a:off x="330835" y="3435350"/>
+            <a:ext cx="720090" cy="1439545"/>
+          </a:xfrm>
+          <a:prstGeom prst="flowChartMagneticDisk">
+            <a:avLst/>
+          </a:prstGeom>
+        </p:spPr>
+        <p:style>
+          <a:lnRef idx="2">
+            <a:schemeClr val="accent1">
+              <a:shade val="50000"/>
+            </a:schemeClr>
+          </a:lnRef>
+          <a:fillRef idx="1">
+            <a:schemeClr val="accent1"/>
+          </a:fillRef>
+          <a:effectRef idx="0">
+            <a:schemeClr val="accent1"/>
+          </a:effectRef>
+          <a:fontRef idx="minor">
+            <a:schemeClr val="lt1"/>
+          </a:fontRef>
+        </p:style>
+        <p:txBody>
+          <a:bodyPr rtlCol="0" anchor="ctr"/>
+          <a:p>
+            <a:pPr algn="ctr"/>
+            <a:r>
+              <a:rPr lang="en-US" altLang="zh-CN"/>
+              <a:t>mem</a:t>
+            </a:r>
+            <a:endParaRPr lang="en-US" altLang="zh-CN"/>
+          </a:p>
+        </p:txBody>
+      </p:sp>
+      <p:sp>
+        <p:nvSpPr>
+          <p:cNvPr id="5" name="流程图: 预定义过程 4"/>
+          <p:cNvSpPr/>
+          <p:nvPr/>
+        </p:nvSpPr>
+        <p:spPr>
+          <a:xfrm>
+            <a:off x="1760220" y="3435985"/>
+            <a:ext cx="1090930" cy="705485"/>
+          </a:xfrm>
+          <a:prstGeom prst="flowChartPredefinedProcess">
+            <a:avLst/>
+          </a:prstGeom>
+        </p:spPr>
+        <p:style>
+          <a:lnRef idx="2">
+            <a:schemeClr val="accent1">
+              <a:shade val="50000"/>
+            </a:schemeClr>
+          </a:lnRef>
+          <a:fillRef idx="1">
+            <a:schemeClr val="accent1"/>
+          </a:fillRef>
+          <a:effectRef idx="0">
+            <a:schemeClr val="accent1"/>
+          </a:effectRef>
+          <a:fontRef idx="minor">
+            <a:schemeClr val="lt1"/>
+          </a:fontRef>
+        </p:style>
+        <p:txBody>
+          <a:bodyPr rtlCol="0" anchor="ctr"/>
+          <a:p>
+            <a:pPr algn="ctr"/>
+            <a:r>
+              <a:rPr lang="en-US" altLang="zh-CN"/>
+              <a:t>IR</a:t>
+            </a:r>
+            <a:endParaRPr lang="en-US" altLang="zh-CN"/>
+          </a:p>
+          <a:p>
+            <a:pPr algn="ctr"/>
+            <a:r>
+              <a:rPr lang="en-US" altLang="zh-CN"/>
+              <a:t>cash</a:t>
+            </a:r>
+            <a:endParaRPr lang="en-US" altLang="zh-CN"/>
+          </a:p>
+        </p:txBody>
+      </p:sp>
+      <p:sp>
+        <p:nvSpPr>
+          <p:cNvPr id="8" name="流程图: 预定义过程 7"/>
+          <p:cNvSpPr/>
+          <p:nvPr/>
+        </p:nvSpPr>
+        <p:spPr>
+          <a:xfrm>
+            <a:off x="2952115" y="4869180"/>
+            <a:ext cx="985520" cy="705485"/>
+          </a:xfrm>
+          <a:prstGeom prst="flowChartPredefinedProcess">
+            <a:avLst/>
+          </a:prstGeom>
+        </p:spPr>
+        <p:style>
+          <a:lnRef idx="2">
+            <a:schemeClr val="accent1">
+              <a:shade val="50000"/>
+            </a:schemeClr>
+          </a:lnRef>
+          <a:fillRef idx="1">
+            <a:schemeClr val="accent1"/>
+          </a:fillRef>
+          <a:effectRef idx="0">
+            <a:schemeClr val="accent1"/>
+          </a:effectRef>
+          <a:fontRef idx="minor">
+            <a:schemeClr val="lt1"/>
+          </a:fontRef>
+        </p:style>
+        <p:txBody>
+          <a:bodyPr rtlCol="0" anchor="ctr"/>
+          <a:p>
+            <a:pPr algn="ctr"/>
+            <a:r>
+              <a:rPr lang="en-US" altLang="zh-CN"/>
+              <a:t>Data</a:t>
+            </a:r>
+            <a:endParaRPr lang="en-US" altLang="zh-CN"/>
+          </a:p>
+          <a:p>
+            <a:pPr algn="ctr"/>
+            <a:r>
+              <a:rPr lang="en-US" altLang="zh-CN"/>
+              <a:t>cash</a:t>
+            </a:r>
+            <a:endParaRPr lang="en-US" altLang="zh-CN"/>
+          </a:p>
+        </p:txBody>
+      </p:sp>
+      <p:sp>
+        <p:nvSpPr>
+          <p:cNvPr id="17" name="流程图: 预定义过程 16"/>
+          <p:cNvSpPr/>
+          <p:nvPr/>
+        </p:nvSpPr>
+        <p:spPr>
+          <a:xfrm>
+            <a:off x="6091555" y="3435985"/>
+            <a:ext cx="1444625" cy="705485"/>
+          </a:xfrm>
+          <a:prstGeom prst="flowChartPredefinedProcess">
+            <a:avLst/>
+          </a:prstGeom>
+        </p:spPr>
+        <p:style>
+          <a:lnRef idx="2">
+            <a:schemeClr val="accent1">
+              <a:shade val="50000"/>
+            </a:schemeClr>
+          </a:lnRef>
+          <a:fillRef idx="1">
+            <a:schemeClr val="accent1"/>
+          </a:fillRef>
+          <a:effectRef idx="0">
+            <a:schemeClr val="accent1"/>
+          </a:effectRef>
+          <a:fontRef idx="minor">
+            <a:schemeClr val="lt1"/>
+          </a:fontRef>
+        </p:style>
+        <p:txBody>
+          <a:bodyPr rtlCol="0" anchor="ctr"/>
+          <a:p>
+            <a:pPr algn="ctr"/>
+            <a:r>
+              <a:rPr lang="en-US" altLang="zh-CN"/>
+              <a:t>IR</a:t>
+            </a:r>
+            <a:endParaRPr lang="en-US" altLang="zh-CN"/>
+          </a:p>
+          <a:p>
+            <a:pPr algn="ctr"/>
+            <a:r>
+              <a:rPr lang="en-US" altLang="zh-CN"/>
+              <a:t>Pointer</a:t>
+            </a:r>
+            <a:endParaRPr lang="en-US" altLang="zh-CN"/>
+          </a:p>
+        </p:txBody>
+      </p:sp>
+      <p:sp>
+        <p:nvSpPr>
+          <p:cNvPr id="36" name="流程图: 过程 35"/>
+          <p:cNvSpPr/>
+          <p:nvPr/>
+        </p:nvSpPr>
+        <p:spPr>
+          <a:xfrm>
+            <a:off x="8255635" y="3436620"/>
+            <a:ext cx="1437640" cy="712470"/>
+          </a:xfrm>
+          <a:prstGeom prst="flowChartProcess">
+            <a:avLst/>
+          </a:prstGeom>
+        </p:spPr>
+        <p:style>
+          <a:lnRef idx="2">
+            <a:schemeClr val="accent1">
+              <a:shade val="50000"/>
+            </a:schemeClr>
+          </a:lnRef>
+          <a:fillRef idx="1">
+            <a:schemeClr val="accent1"/>
+          </a:fillRef>
+          <a:effectRef idx="0">
+            <a:schemeClr val="accent1"/>
+          </a:effectRef>
+          <a:fontRef idx="minor">
+            <a:schemeClr val="lt1"/>
+          </a:fontRef>
+        </p:style>
+        <p:txBody>
+          <a:bodyPr rtlCol="0" anchor="ctr"/>
+          <a:p>
+            <a:pPr algn="ctr"/>
+            <a:r>
+              <a:rPr lang="en-US" altLang="zh-CN"/>
+              <a:t>computer</a:t>
+            </a:r>
+            <a:endParaRPr lang="en-US" altLang="zh-CN"/>
+          </a:p>
+        </p:txBody>
+      </p:sp>
+      <p:sp>
+        <p:nvSpPr>
+          <p:cNvPr id="18" name="剪去同侧角的矩形 17"/>
+          <p:cNvSpPr/>
+          <p:nvPr/>
+        </p:nvSpPr>
+        <p:spPr>
+          <a:xfrm>
+            <a:off x="3942715" y="3429000"/>
+            <a:ext cx="1130300" cy="720090"/>
+          </a:xfrm>
+          <a:prstGeom prst="snip2SameRect">
+            <a:avLst/>
+          </a:prstGeom>
+        </p:spPr>
+        <p:style>
+          <a:lnRef idx="2">
+            <a:schemeClr val="accent1">
+              <a:shade val="50000"/>
+            </a:schemeClr>
+          </a:lnRef>
+          <a:fillRef idx="1">
+            <a:schemeClr val="accent1"/>
+          </a:fillRef>
+          <a:effectRef idx="0">
+            <a:schemeClr val="accent1"/>
+          </a:effectRef>
+          <a:fontRef idx="minor">
+            <a:schemeClr val="lt1"/>
+          </a:fontRef>
+        </p:style>
+        <p:txBody>
+          <a:bodyPr rtlCol="0" anchor="ctr"/>
+          <a:p>
+            <a:pPr algn="ctr"/>
+            <a:r>
+              <a:rPr lang="en-US" altLang="zh-CN"/>
+              <a:t>IR</a:t>
+            </a:r>
+            <a:endParaRPr lang="en-US" altLang="zh-CN"/>
+          </a:p>
+          <a:p>
+            <a:pPr algn="ctr"/>
+            <a:r>
+              <a:rPr lang="en-US" altLang="zh-CN"/>
+              <a:t>Queue</a:t>
+            </a:r>
+            <a:endParaRPr lang="en-US" altLang="zh-CN"/>
+          </a:p>
+        </p:txBody>
+      </p:sp>
+      <p:cxnSp>
+        <p:nvCxnSpPr>
+          <p:cNvPr id="47" name="直接箭头连接符 46"/>
+          <p:cNvCxnSpPr/>
+          <p:nvPr/>
+        </p:nvCxnSpPr>
+        <p:spPr>
+          <a:xfrm flipV="1">
+            <a:off x="7181215" y="4126230"/>
+            <a:ext cx="3810" cy="433705"/>
           </a:xfrm>
           <a:prstGeom prst="straightConnector1">
             <a:avLst/>
@@ -5499,15 +5792,93 @@
           </a:fontRef>
         </p:style>
       </p:cxnSp>
-      <p:sp>
-        <p:nvSpPr>
-          <p:cNvPr id="37" name="椭圆 36"/>
+      <p:cxnSp>
+        <p:nvCxnSpPr>
+          <p:cNvPr id="48" name="直接箭头连接符 47"/>
+          <p:cNvCxnSpPr/>
+          <p:nvPr/>
+        </p:nvCxnSpPr>
+        <p:spPr>
+          <a:xfrm flipV="1">
+            <a:off x="9362440" y="4141470"/>
+            <a:ext cx="3810" cy="433705"/>
+          </a:xfrm>
+          <a:prstGeom prst="straightConnector1">
+            <a:avLst/>
+          </a:prstGeom>
+          <a:ln w="12700" cmpd="sng">
+            <a:solidFill>
+              <a:schemeClr val="accent1">
+                <a:shade val="50000"/>
+              </a:schemeClr>
+            </a:solidFill>
+            <a:prstDash val="sysDot"/>
+            <a:tailEnd type="arrow"/>
+          </a:ln>
+        </p:spPr>
+        <p:style>
+          <a:lnRef idx="1">
+            <a:schemeClr val="accent1"/>
+          </a:lnRef>
+          <a:fillRef idx="0">
+            <a:schemeClr val="accent1"/>
+          </a:fillRef>
+          <a:effectRef idx="0">
+            <a:schemeClr val="accent1"/>
+          </a:effectRef>
+          <a:fontRef idx="minor">
+            <a:schemeClr val="tx1"/>
+          </a:fontRef>
+        </p:style>
+      </p:cxnSp>
+      <p:cxnSp>
+        <p:nvCxnSpPr>
+          <p:cNvPr id="49" name="直接箭头连接符 48"/>
+          <p:cNvCxnSpPr/>
+          <p:nvPr/>
+        </p:nvCxnSpPr>
+        <p:spPr>
+          <a:xfrm>
+            <a:off x="3719830" y="4581525"/>
+            <a:ext cx="0" cy="287655"/>
+          </a:xfrm>
+          <a:prstGeom prst="straightConnector1">
+            <a:avLst/>
+          </a:prstGeom>
+          <a:ln w="12700" cmpd="sng">
+            <a:solidFill>
+              <a:schemeClr val="accent1">
+                <a:shade val="50000"/>
+              </a:schemeClr>
+            </a:solidFill>
+            <a:prstDash val="sysDot"/>
+            <a:tailEnd type="arrow"/>
+          </a:ln>
+        </p:spPr>
+        <p:style>
+          <a:lnRef idx="1">
+            <a:schemeClr val="accent1"/>
+          </a:lnRef>
+          <a:fillRef idx="0">
+            <a:schemeClr val="accent1"/>
+          </a:fillRef>
+          <a:effectRef idx="0">
+            <a:schemeClr val="accent1"/>
+          </a:effectRef>
+          <a:fontRef idx="minor">
+            <a:schemeClr val="tx1"/>
+          </a:fontRef>
+        </p:style>
+      </p:cxnSp>
+      <p:sp>
+        <p:nvSpPr>
+          <p:cNvPr id="50" name="椭圆 49"/>
           <p:cNvSpPr/>
           <p:nvPr/>
         </p:nvSpPr>
         <p:spPr>
           <a:xfrm>
-            <a:off x="2602230" y="2670810"/>
+            <a:off x="4166235" y="4543425"/>
             <a:ext cx="75565" cy="75565"/>
           </a:xfrm>
           <a:prstGeom prst="ellipse">
@@ -5552,57 +5923,15 @@
           </a:p>
         </p:txBody>
       </p:sp>
-      <p:cxnSp>
-        <p:nvCxnSpPr>
-          <p:cNvPr id="38" name="肘形连接符 37"/>
-          <p:cNvCxnSpPr>
-            <a:stCxn id="37" idx="4"/>
-            <a:endCxn id="8" idx="1"/>
-          </p:cNvCxnSpPr>
-          <p:nvPr/>
-        </p:nvCxnSpPr>
-        <p:spPr>
-          <a:xfrm rot="5400000" flipV="1">
-            <a:off x="2399348" y="2987358"/>
-            <a:ext cx="683260" cy="201295"/>
-          </a:xfrm>
-          <a:prstGeom prst="bentConnector2">
-            <a:avLst/>
-          </a:prstGeom>
-          <a:ln w="12700" cmpd="sng">
-            <a:solidFill>
-              <a:schemeClr val="accent1">
-                <a:shade val="50000"/>
-              </a:schemeClr>
-            </a:solidFill>
-            <a:prstDash val="sysDot"/>
-            <a:tailEnd type="arrow"/>
-          </a:ln>
-        </p:spPr>
-        <p:style>
-          <a:lnRef idx="1">
-            <a:schemeClr val="accent1"/>
-          </a:lnRef>
-          <a:fillRef idx="0">
-            <a:schemeClr val="accent1"/>
-          </a:fillRef>
-          <a:effectRef idx="0">
-            <a:schemeClr val="accent1"/>
-          </a:effectRef>
-          <a:fontRef idx="minor">
-            <a:schemeClr val="tx1"/>
-          </a:fontRef>
-        </p:style>
-      </p:cxnSp>
-      <p:sp>
-        <p:nvSpPr>
-          <p:cNvPr id="39" name="椭圆 38"/>
+      <p:sp>
+        <p:nvSpPr>
+          <p:cNvPr id="51" name="椭圆 50"/>
           <p:cNvSpPr/>
           <p:nvPr/>
         </p:nvSpPr>
         <p:spPr>
           <a:xfrm>
-            <a:off x="3587115" y="2671445"/>
+            <a:off x="7145655" y="4543425"/>
             <a:ext cx="75565" cy="75565"/>
           </a:xfrm>
           <a:prstGeom prst="ellipse">
@@ -5649,27 +5978,24 @@
       </p:sp>
       <p:cxnSp>
         <p:nvCxnSpPr>
-          <p:cNvPr id="40" name="肘形连接符 39"/>
+          <p:cNvPr id="52" name="肘形连接符 51"/>
           <p:cNvCxnSpPr>
-            <a:endCxn id="9" idx="1"/>
+            <a:stCxn id="36" idx="0"/>
+            <a:endCxn id="12" idx="2"/>
           </p:cNvCxnSpPr>
           <p:nvPr/>
         </p:nvCxnSpPr>
         <p:spPr>
-          <a:xfrm rot="5400000" flipV="1">
-            <a:off x="3383915" y="2985135"/>
-            <a:ext cx="683895" cy="205740"/>
-          </a:xfrm>
-          <a:prstGeom prst="bentConnector2">
-            <a:avLst/>
-          </a:prstGeom>
-          <a:ln w="12700" cmpd="sng">
-            <a:solidFill>
-              <a:schemeClr val="accent1">
-                <a:shade val="50000"/>
-              </a:schemeClr>
-            </a:solidFill>
-            <a:prstDash val="sysDot"/>
+          <a:xfrm rot="16200000" flipH="1">
+            <a:off x="9149715" y="3260725"/>
+            <a:ext cx="1241425" cy="1593215"/>
+          </a:xfrm>
+          <a:prstGeom prst="bentConnector3">
+            <a:avLst>
+              <a:gd name="adj1" fmla="val -19182"/>
+            </a:avLst>
+          </a:prstGeom>
+          <a:ln>
             <a:tailEnd type="arrow"/>
           </a:ln>
         </p:spPr>
@@ -5688,80 +6014,28 @@
           </a:fontRef>
         </p:style>
       </p:cxnSp>
-      <p:sp>
-        <p:nvSpPr>
-          <p:cNvPr id="41" name="椭圆 40"/>
-          <p:cNvSpPr/>
-          <p:nvPr/>
-        </p:nvSpPr>
-        <p:spPr>
-          <a:xfrm>
-            <a:off x="4573905" y="2670810"/>
-            <a:ext cx="75565" cy="75565"/>
-          </a:xfrm>
-          <a:prstGeom prst="ellipse">
-            <a:avLst/>
-          </a:prstGeom>
-          <a:solidFill>
-            <a:schemeClr val="accent1">
-              <a:lumMod val="20000"/>
-              <a:lumOff val="80000"/>
-            </a:schemeClr>
-          </a:solidFill>
-          <a:ln w="12700" cmpd="sng">
-            <a:solidFill>
-              <a:schemeClr val="accent1">
-                <a:shade val="50000"/>
-              </a:schemeClr>
-            </a:solidFill>
-            <a:prstDash val="sysDot"/>
-          </a:ln>
-        </p:spPr>
-        <p:style>
-          <a:lnRef idx="2">
-            <a:schemeClr val="accent1">
-              <a:shade val="50000"/>
-            </a:schemeClr>
-          </a:lnRef>
-          <a:fillRef idx="1">
-            <a:schemeClr val="accent1"/>
-          </a:fillRef>
-          <a:effectRef idx="0">
-            <a:schemeClr val="accent1"/>
-          </a:effectRef>
-          <a:fontRef idx="minor">
-            <a:schemeClr val="lt1"/>
-          </a:fontRef>
-        </p:style>
-        <p:txBody>
-          <a:bodyPr rtlCol="0" anchor="ctr"/>
-          <a:p>
-            <a:pPr algn="ctr"/>
-            <a:endParaRPr lang="zh-CN" altLang="en-US"/>
-          </a:p>
-        </p:txBody>
-      </p:sp>
       <p:cxnSp>
         <p:nvCxnSpPr>
-          <p:cNvPr id="42" name="肘形连接符 41"/>
-          <p:cNvCxnSpPr/>
+          <p:cNvPr id="53" name="肘形连接符 52"/>
+          <p:cNvCxnSpPr>
+            <a:stCxn id="12" idx="8"/>
+            <a:endCxn id="8" idx="2"/>
+          </p:cNvCxnSpPr>
           <p:nvPr/>
         </p:nvCxnSpPr>
         <p:spPr>
-          <a:xfrm rot="5400000" flipV="1">
-            <a:off x="4371340" y="2984500"/>
-            <a:ext cx="683895" cy="205740"/>
-          </a:xfrm>
-          <a:prstGeom prst="bentConnector2">
-            <a:avLst/>
-          </a:prstGeom>
-          <a:ln w="12700" cmpd="sng">
-            <a:solidFill>
-              <a:schemeClr val="accent1">
-                <a:shade val="50000"/>
-              </a:schemeClr>
-            </a:solidFill>
-            <a:prstDash val="sysDot"/>
+          <a:xfrm rot="16200000" flipH="1" flipV="1">
+            <a:off x="6866573" y="1660208"/>
+            <a:ext cx="492760" cy="7336155"/>
+          </a:xfrm>
+          <a:prstGeom prst="bentConnector5">
+            <a:avLst>
+              <a:gd name="adj1" fmla="val 148582"/>
+              <a:gd name="adj2" fmla="val 49134"/>
+              <a:gd name="adj3" fmla="val 148260"/>
+            </a:avLst>
+          </a:prstGeom>
+          <a:ln>
             <a:tailEnd type="arrow"/>
           </a:ln>
         </p:spPr>
@@ -5780,80 +6054,26 @@
           </a:fontRef>
         </p:style>
       </p:cxnSp>
-      <p:sp>
-        <p:nvSpPr>
-          <p:cNvPr id="43" name="椭圆 42"/>
-          <p:cNvSpPr/>
-          <p:nvPr/>
-        </p:nvSpPr>
-        <p:spPr>
-          <a:xfrm>
-            <a:off x="5497195" y="2670810"/>
-            <a:ext cx="75565" cy="75565"/>
-          </a:xfrm>
-          <a:prstGeom prst="ellipse">
-            <a:avLst/>
-          </a:prstGeom>
-          <a:solidFill>
-            <a:schemeClr val="accent1">
-              <a:lumMod val="20000"/>
-              <a:lumOff val="80000"/>
-            </a:schemeClr>
-          </a:solidFill>
-          <a:ln w="12700" cmpd="sng">
-            <a:solidFill>
-              <a:schemeClr val="accent1">
-                <a:shade val="50000"/>
-              </a:schemeClr>
-            </a:solidFill>
-            <a:prstDash val="sysDot"/>
-          </a:ln>
-        </p:spPr>
-        <p:style>
-          <a:lnRef idx="2">
-            <a:schemeClr val="accent1">
-              <a:shade val="50000"/>
-            </a:schemeClr>
-          </a:lnRef>
-          <a:fillRef idx="1">
-            <a:schemeClr val="accent1"/>
-          </a:fillRef>
-          <a:effectRef idx="0">
-            <a:schemeClr val="accent1"/>
-          </a:effectRef>
-          <a:fontRef idx="minor">
-            <a:schemeClr val="lt1"/>
-          </a:fontRef>
-        </p:style>
-        <p:txBody>
-          <a:bodyPr rtlCol="0" anchor="ctr"/>
-          <a:p>
-            <a:pPr algn="ctr"/>
-            <a:endParaRPr lang="zh-CN" altLang="en-US"/>
-          </a:p>
-        </p:txBody>
-      </p:sp>
       <p:cxnSp>
         <p:nvCxnSpPr>
-          <p:cNvPr id="44" name="肘形连接符 43"/>
-          <p:cNvCxnSpPr/>
+          <p:cNvPr id="54" name="肘形连接符 53"/>
+          <p:cNvCxnSpPr>
+            <a:stCxn id="8" idx="0"/>
+            <a:endCxn id="12" idx="5"/>
+          </p:cNvCxnSpPr>
           <p:nvPr/>
         </p:nvCxnSpPr>
         <p:spPr>
-          <a:xfrm rot="5400000" flipV="1">
-            <a:off x="5294630" y="2984500"/>
-            <a:ext cx="683895" cy="205740"/>
-          </a:xfrm>
-          <a:prstGeom prst="bentConnector2">
-            <a:avLst/>
-          </a:prstGeom>
-          <a:ln w="12700" cmpd="sng">
-            <a:solidFill>
-              <a:schemeClr val="accent1">
-                <a:shade val="50000"/>
-              </a:schemeClr>
-            </a:solidFill>
-            <a:prstDash val="sysDot"/>
+          <a:xfrm rot="16200000">
+            <a:off x="7136130" y="983615"/>
+            <a:ext cx="194310" cy="7576820"/>
+          </a:xfrm>
+          <a:prstGeom prst="bentConnector3">
+            <a:avLst>
+              <a:gd name="adj1" fmla="val 1113725"/>
+            </a:avLst>
+          </a:prstGeom>
+          <a:ln>
             <a:tailEnd type="arrow"/>
           </a:ln>
         </p:spPr>
@@ -5872,107 +6092,72 @@
           </a:fontRef>
         </p:style>
       </p:cxnSp>
-      <p:sp>
-        <p:nvSpPr>
-          <p:cNvPr id="45" name="文本框 44"/>
-          <p:cNvSpPr txBox="1"/>
-          <p:nvPr/>
-        </p:nvSpPr>
-        <p:spPr>
-          <a:xfrm>
-            <a:off x="901065" y="1744980"/>
-            <a:ext cx="640080" cy="368300"/>
-          </a:xfrm>
-          <a:prstGeom prst="rect">
-            <a:avLst/>
-          </a:prstGeom>
-          <a:noFill/>
-        </p:spPr>
-        <p:txBody>
-          <a:bodyPr wrap="none" rtlCol="0">
-            <a:spAutoFit/>
-          </a:bodyPr>
-          <a:p>
-            <a:r>
-              <a:rPr lang="zh-CN" altLang="en-US"/>
-              <a:t>数据</a:t>
-            </a:r>
-            <a:endParaRPr lang="zh-CN" altLang="en-US"/>
-          </a:p>
-        </p:txBody>
-      </p:sp>
-      <p:sp>
-        <p:nvSpPr>
-          <p:cNvPr id="46" name="文本框 45"/>
-          <p:cNvSpPr txBox="1"/>
-          <p:nvPr/>
-        </p:nvSpPr>
-        <p:spPr>
-          <a:xfrm>
-            <a:off x="7381875" y="2302510"/>
-            <a:ext cx="640080" cy="368300"/>
-          </a:xfrm>
-          <a:prstGeom prst="rect">
-            <a:avLst/>
-          </a:prstGeom>
-          <a:noFill/>
-        </p:spPr>
-        <p:txBody>
-          <a:bodyPr wrap="none" rtlCol="0">
-            <a:spAutoFit/>
-          </a:bodyPr>
-          <a:p>
-            <a:r>
-              <a:rPr lang="zh-CN" altLang="en-US"/>
-              <a:t>指令</a:t>
-            </a:r>
-            <a:endParaRPr lang="zh-CN" altLang="en-US"/>
-          </a:p>
-        </p:txBody>
-      </p:sp>
-      <p:sp>
-        <p:nvSpPr>
-          <p:cNvPr id="3" name="流程图: 过程 2"/>
-          <p:cNvSpPr/>
-          <p:nvPr/>
-        </p:nvSpPr>
-        <p:spPr>
-          <a:xfrm>
-            <a:off x="2856230" y="3061970"/>
-            <a:ext cx="478155" cy="733425"/>
-          </a:xfrm>
-          <a:prstGeom prst="flowChartProcess">
-            <a:avLst/>
-          </a:prstGeom>
-        </p:spPr>
-        <p:style>
-          <a:lnRef idx="2">
-            <a:schemeClr val="accent1">
-              <a:shade val="50000"/>
-            </a:schemeClr>
-          </a:lnRef>
-          <a:fillRef idx="1">
-            <a:schemeClr val="accent1"/>
-          </a:fillRef>
-          <a:effectRef idx="0">
-            <a:schemeClr val="accent1"/>
-          </a:effectRef>
-          <a:fontRef idx="minor">
-            <a:schemeClr val="lt1"/>
-          </a:fontRef>
-        </p:style>
-        <p:txBody>
-          <a:bodyPr rtlCol="0" anchor="ctr"/>
-          <a:p>
-            <a:pPr algn="ctr"/>
-            <a:r>
-              <a:rPr lang="zh-CN" altLang="en-US" sz="1200"/>
-              <a:t>指针地址</a:t>
-            </a:r>
-            <a:endParaRPr lang="zh-CN" altLang="en-US" sz="1200"/>
-          </a:p>
-        </p:txBody>
-      </p:sp>
+      <p:cxnSp>
+        <p:nvCxnSpPr>
+          <p:cNvPr id="55" name="直接箭头连接符 54"/>
+          <p:cNvCxnSpPr/>
+          <p:nvPr/>
+        </p:nvCxnSpPr>
+        <p:spPr>
+          <a:xfrm flipH="1" flipV="1">
+            <a:off x="4507230" y="4149090"/>
+            <a:ext cx="4445" cy="1656080"/>
+          </a:xfrm>
+          <a:prstGeom prst="straightConnector1">
+            <a:avLst/>
+          </a:prstGeom>
+          <a:ln>
+            <a:tailEnd type="arrow"/>
+          </a:ln>
+        </p:spPr>
+        <p:style>
+          <a:lnRef idx="1">
+            <a:schemeClr val="accent1"/>
+          </a:lnRef>
+          <a:fillRef idx="0">
+            <a:schemeClr val="accent1"/>
+          </a:fillRef>
+          <a:effectRef idx="0">
+            <a:schemeClr val="accent1"/>
+          </a:effectRef>
+          <a:fontRef idx="minor">
+            <a:schemeClr val="tx1"/>
+          </a:fontRef>
+        </p:style>
+      </p:cxnSp>
+      <p:cxnSp>
+        <p:nvCxnSpPr>
+          <p:cNvPr id="56" name="直接箭头连接符 55"/>
+          <p:cNvCxnSpPr/>
+          <p:nvPr/>
+        </p:nvCxnSpPr>
+        <p:spPr>
+          <a:xfrm flipH="1" flipV="1">
+            <a:off x="8969375" y="4149090"/>
+            <a:ext cx="4445" cy="1656080"/>
+          </a:xfrm>
+          <a:prstGeom prst="straightConnector1">
+            <a:avLst/>
+          </a:prstGeom>
+          <a:ln>
+            <a:tailEnd type="arrow"/>
+          </a:ln>
+        </p:spPr>
+        <p:style>
+          <a:lnRef idx="1">
+            <a:schemeClr val="accent1"/>
+          </a:lnRef>
+          <a:fillRef idx="0">
+            <a:schemeClr val="accent1"/>
+          </a:fillRef>
+          <a:effectRef idx="0">
+            <a:schemeClr val="accent1"/>
+          </a:effectRef>
+          <a:fontRef idx="minor">
+            <a:schemeClr val="tx1"/>
+          </a:fontRef>
+        </p:style>
+      </p:cxnSp>
     </p:spTree>
   </p:cSld>
   <p:clrMapOvr>
@@ -6001,30 +6186,35 @@
             <p:ph type="title"/>
           </p:nvPr>
         </p:nvSpPr>
-        <p:spPr/>
+        <p:spPr>
+          <a:xfrm>
+            <a:off x="73025" y="33020"/>
+            <a:ext cx="2419350" cy="1066165"/>
+          </a:xfrm>
+        </p:spPr>
         <p:txBody>
           <a:bodyPr/>
           <a:p>
             <a:r>
-              <a:rPr lang="zh-CN" altLang="en-US"/>
-              <a:t>指令寄存器</a:t>
-            </a:r>
-            <a:endParaRPr lang="zh-CN" altLang="en-US"/>
-          </a:p>
-        </p:txBody>
-      </p:sp>
-      <p:sp>
-        <p:nvSpPr>
-          <p:cNvPr id="3" name="流程图: 准备 2"/>
+              <a:rPr lang="en-US" altLang="zh-CN"/>
+              <a:t>ir queue</a:t>
+            </a:r>
+            <a:endParaRPr lang="en-US" altLang="zh-CN"/>
+          </a:p>
+        </p:txBody>
+      </p:sp>
+      <p:sp>
+        <p:nvSpPr>
+          <p:cNvPr id="3" name="矩形 2"/>
           <p:cNvSpPr/>
           <p:nvPr/>
         </p:nvSpPr>
         <p:spPr>
           <a:xfrm>
-            <a:off x="838200" y="1691005"/>
-            <a:ext cx="1193800" cy="312420"/>
-          </a:xfrm>
-          <a:prstGeom prst="flowChartPreparation">
+            <a:off x="1939290" y="4350385"/>
+            <a:ext cx="2298700" cy="1345565"/>
+          </a:xfrm>
+          <a:prstGeom prst="rect">
             <a:avLst/>
           </a:prstGeom>
         </p:spPr>
@@ -6049,25 +6239,25 @@
           <a:p>
             <a:pPr algn="ctr"/>
             <a:r>
-              <a:rPr lang="zh-CN" altLang="en-US"/>
-              <a:t>复位</a:t>
-            </a:r>
-            <a:endParaRPr lang="zh-CN" altLang="en-US"/>
-          </a:p>
-        </p:txBody>
-      </p:sp>
-      <p:sp>
-        <p:nvSpPr>
-          <p:cNvPr id="4" name="流程图: 过程 3"/>
+              <a:rPr lang="en-US" altLang="zh-CN"/>
+              <a:t>cash loader</a:t>
+            </a:r>
+            <a:endParaRPr lang="en-US" altLang="zh-CN"/>
+          </a:p>
+        </p:txBody>
+      </p:sp>
+      <p:sp>
+        <p:nvSpPr>
+          <p:cNvPr id="5" name="流程图: 预定义过程 4"/>
           <p:cNvSpPr/>
           <p:nvPr/>
         </p:nvSpPr>
         <p:spPr>
           <a:xfrm>
-            <a:off x="774065" y="2327275"/>
-            <a:ext cx="1343025" cy="374650"/>
-          </a:xfrm>
-          <a:prstGeom prst="flowChartProcess">
+            <a:off x="164465" y="4651375"/>
+            <a:ext cx="1090930" cy="706120"/>
+          </a:xfrm>
+          <a:prstGeom prst="flowChartPredefinedProcess">
             <a:avLst/>
           </a:prstGeom>
         </p:spPr>
@@ -6092,25 +6282,33 @@
           <a:p>
             <a:pPr algn="ctr"/>
             <a:r>
-              <a:rPr lang="zh-CN" altLang="en-US"/>
-              <a:t>准备初始化</a:t>
-            </a:r>
-            <a:endParaRPr lang="zh-CN" altLang="en-US"/>
-          </a:p>
-        </p:txBody>
-      </p:sp>
-      <p:sp>
-        <p:nvSpPr>
-          <p:cNvPr id="6" name="流程图: 过程 5"/>
+              <a:rPr lang="en-US" altLang="zh-CN"/>
+              <a:t>IR</a:t>
+            </a:r>
+            <a:endParaRPr lang="en-US" altLang="zh-CN"/>
+          </a:p>
+          <a:p>
+            <a:pPr algn="ctr"/>
+            <a:r>
+              <a:rPr lang="en-US" altLang="zh-CN"/>
+              <a:t>cash</a:t>
+            </a:r>
+            <a:endParaRPr lang="en-US" altLang="zh-CN"/>
+          </a:p>
+        </p:txBody>
+      </p:sp>
+      <p:sp>
+        <p:nvSpPr>
+          <p:cNvPr id="7" name="矩形 6"/>
           <p:cNvSpPr/>
           <p:nvPr/>
         </p:nvSpPr>
         <p:spPr>
           <a:xfrm>
-            <a:off x="964565" y="3051175"/>
-            <a:ext cx="940435" cy="374650"/>
-          </a:xfrm>
-          <a:prstGeom prst="flowChartProcess">
+            <a:off x="4984115" y="4503420"/>
+            <a:ext cx="1440180" cy="720090"/>
+          </a:xfrm>
+          <a:prstGeom prst="rect">
             <a:avLst/>
           </a:prstGeom>
         </p:spPr>
@@ -6135,25 +6333,182 @@
           <a:p>
             <a:pPr algn="ctr"/>
             <a:r>
-              <a:rPr lang="zh-CN" altLang="en-US"/>
-              <a:t>取指</a:t>
-            </a:r>
-            <a:endParaRPr lang="zh-CN" altLang="en-US"/>
-          </a:p>
-        </p:txBody>
-      </p:sp>
-      <p:sp>
-        <p:nvSpPr>
-          <p:cNvPr id="7" name="流程图: 过程 6"/>
+              <a:rPr lang="en-US" altLang="zh-CN"/>
+              <a:t>ir queue</a:t>
+            </a:r>
+            <a:endParaRPr lang="en-US" altLang="zh-CN"/>
+          </a:p>
+        </p:txBody>
+      </p:sp>
+      <p:cxnSp>
+        <p:nvCxnSpPr>
+          <p:cNvPr id="8" name="直接箭头连接符 7"/>
+          <p:cNvCxnSpPr>
+            <a:stCxn id="5" idx="3"/>
+            <a:endCxn id="3" idx="1"/>
+          </p:cNvCxnSpPr>
+          <p:nvPr/>
+        </p:nvCxnSpPr>
+        <p:spPr>
+          <a:xfrm>
+            <a:off x="1255395" y="5004435"/>
+            <a:ext cx="683895" cy="19050"/>
+          </a:xfrm>
+          <a:prstGeom prst="straightConnector1">
+            <a:avLst/>
+          </a:prstGeom>
+          <a:ln>
+            <a:headEnd type="arrow"/>
+            <a:tailEnd type="arrow"/>
+          </a:ln>
+        </p:spPr>
+        <p:style>
+          <a:lnRef idx="1">
+            <a:schemeClr val="accent1"/>
+          </a:lnRef>
+          <a:fillRef idx="0">
+            <a:schemeClr val="accent1"/>
+          </a:fillRef>
+          <a:effectRef idx="0">
+            <a:schemeClr val="accent1"/>
+          </a:effectRef>
+          <a:fontRef idx="minor">
+            <a:schemeClr val="tx1"/>
+          </a:fontRef>
+        </p:style>
+      </p:cxnSp>
+      <p:sp>
+        <p:nvSpPr>
+          <p:cNvPr id="20" name="文本框 19"/>
+          <p:cNvSpPr txBox="1"/>
+          <p:nvPr/>
+        </p:nvSpPr>
+        <p:spPr>
+          <a:xfrm>
+            <a:off x="1939290" y="4350385"/>
+            <a:ext cx="683260" cy="275590"/>
+          </a:xfrm>
+          <a:prstGeom prst="rect">
+            <a:avLst/>
+          </a:prstGeom>
+          <a:noFill/>
+        </p:spPr>
+        <p:txBody>
+          <a:bodyPr wrap="none" rtlCol="0">
+            <a:spAutoFit/>
+          </a:bodyPr>
+          <a:p>
+            <a:pPr algn="l"/>
+            <a:r>
+              <a:rPr lang="en-US" altLang="zh-CN" sz="1200"/>
+              <a:t>en_load</a:t>
+            </a:r>
+            <a:endParaRPr lang="en-US" altLang="zh-CN" sz="1200"/>
+          </a:p>
+        </p:txBody>
+      </p:sp>
+      <p:sp>
+        <p:nvSpPr>
+          <p:cNvPr id="22" name="文本框 21"/>
+          <p:cNvSpPr txBox="1"/>
+          <p:nvPr/>
+        </p:nvSpPr>
+        <p:spPr>
+          <a:xfrm>
+            <a:off x="2853055" y="4350385"/>
+            <a:ext cx="814070" cy="275590"/>
+          </a:xfrm>
+          <a:prstGeom prst="rect">
+            <a:avLst/>
+          </a:prstGeom>
+          <a:noFill/>
+        </p:spPr>
+        <p:txBody>
+          <a:bodyPr wrap="none" rtlCol="0">
+            <a:spAutoFit/>
+          </a:bodyPr>
+          <a:p>
+            <a:pPr algn="l"/>
+            <a:r>
+              <a:rPr lang="en-US" altLang="zh-CN" sz="1200"/>
+              <a:t>load_addr</a:t>
+            </a:r>
+            <a:endParaRPr lang="en-US" altLang="zh-CN" sz="1200"/>
+          </a:p>
+        </p:txBody>
+      </p:sp>
+      <p:sp>
+        <p:nvSpPr>
+          <p:cNvPr id="24" name="文本框 23"/>
+          <p:cNvSpPr txBox="1"/>
+          <p:nvPr/>
+        </p:nvSpPr>
+        <p:spPr>
+          <a:xfrm>
+            <a:off x="3561715" y="4651375"/>
+            <a:ext cx="676275" cy="275590"/>
+          </a:xfrm>
+          <a:prstGeom prst="rect">
+            <a:avLst/>
+          </a:prstGeom>
+          <a:noFill/>
+        </p:spPr>
+        <p:txBody>
+          <a:bodyPr wrap="none" rtlCol="0">
+            <a:spAutoFit/>
+          </a:bodyPr>
+          <a:p>
+            <a:pPr algn="l"/>
+            <a:r>
+              <a:rPr lang="en-US" altLang="zh-CN" sz="1200"/>
+              <a:t>ir_block</a:t>
+            </a:r>
+            <a:endParaRPr lang="en-US" altLang="zh-CN" sz="1200"/>
+          </a:p>
+        </p:txBody>
+      </p:sp>
+      <p:sp>
+        <p:nvSpPr>
+          <p:cNvPr id="26" name="文本框 25"/>
+          <p:cNvSpPr txBox="1"/>
+          <p:nvPr/>
+        </p:nvSpPr>
+        <p:spPr>
+          <a:xfrm>
+            <a:off x="2883535" y="5361305"/>
+            <a:ext cx="1354455" cy="275590"/>
+          </a:xfrm>
+          <a:prstGeom prst="rect">
+            <a:avLst/>
+          </a:prstGeom>
+          <a:noFill/>
+        </p:spPr>
+        <p:txBody>
+          <a:bodyPr wrap="none" rtlCol="0">
+            <a:spAutoFit/>
+          </a:bodyPr>
+          <a:p>
+            <a:pPr algn="l"/>
+            <a:r>
+              <a:rPr lang="en-US" altLang="zh-CN" sz="1200"/>
+              <a:t>loader_data_ready</a:t>
+            </a:r>
+            <a:endParaRPr lang="en-US" altLang="zh-CN" sz="1200"/>
+          </a:p>
+        </p:txBody>
+      </p:sp>
+      <p:sp>
+        <p:nvSpPr>
+          <p:cNvPr id="41" name="矩形 40"/>
           <p:cNvSpPr/>
           <p:nvPr/>
         </p:nvSpPr>
         <p:spPr>
           <a:xfrm>
-            <a:off x="964565" y="3784600"/>
-            <a:ext cx="940435" cy="374650"/>
-          </a:xfrm>
-          <a:prstGeom prst="flowChartProcess">
+            <a:off x="3207385" y="1260475"/>
+            <a:ext cx="2174875" cy="721360"/>
+          </a:xfrm>
+          <a:prstGeom prst="rect">
             <a:avLst/>
           </a:prstGeom>
         </p:spPr>
@@ -6178,25 +6533,304 @@
           <a:p>
             <a:pPr algn="ctr"/>
             <a:r>
-              <a:rPr lang="zh-CN" altLang="en-US"/>
-              <a:t>取指</a:t>
-            </a:r>
-            <a:endParaRPr lang="zh-CN" altLang="en-US"/>
-          </a:p>
-        </p:txBody>
-      </p:sp>
-      <p:sp>
-        <p:nvSpPr>
-          <p:cNvPr id="9" name="流程图: 决策 8"/>
+              <a:rPr lang="en-US" altLang="zh-CN"/>
+              <a:t>state machine</a:t>
+            </a:r>
+            <a:endParaRPr lang="en-US" altLang="zh-CN"/>
+          </a:p>
+        </p:txBody>
+      </p:sp>
+      <p:cxnSp>
+        <p:nvCxnSpPr>
+          <p:cNvPr id="56" name="肘形连接符 55"/>
+          <p:cNvCxnSpPr>
+            <a:stCxn id="26" idx="3"/>
+            <a:endCxn id="7" idx="2"/>
+          </p:cNvCxnSpPr>
+          <p:nvPr/>
+        </p:nvCxnSpPr>
+        <p:spPr>
+          <a:xfrm flipV="1">
+            <a:off x="4237990" y="5223510"/>
+            <a:ext cx="1466215" cy="275590"/>
+          </a:xfrm>
+          <a:prstGeom prst="bentConnector2">
+            <a:avLst/>
+          </a:prstGeom>
+          <a:ln>
+            <a:tailEnd type="arrow"/>
+          </a:ln>
+        </p:spPr>
+        <p:style>
+          <a:lnRef idx="1">
+            <a:schemeClr val="accent1"/>
+          </a:lnRef>
+          <a:fillRef idx="0">
+            <a:schemeClr val="accent1"/>
+          </a:fillRef>
+          <a:effectRef idx="0">
+            <a:schemeClr val="accent1"/>
+          </a:effectRef>
+          <a:fontRef idx="minor">
+            <a:schemeClr val="tx1"/>
+          </a:fontRef>
+        </p:style>
+      </p:cxnSp>
+      <p:grpSp>
+        <p:nvGrpSpPr>
+          <p:cNvPr id="67" name="组合 66"/>
+          <p:cNvGrpSpPr/>
+          <p:nvPr/>
+        </p:nvGrpSpPr>
+        <p:grpSpPr>
+          <a:xfrm>
+            <a:off x="7533005" y="4264025"/>
+            <a:ext cx="3088640" cy="1035166"/>
+            <a:chOff x="11089" y="6497"/>
+            <a:chExt cx="2268" cy="2686"/>
+          </a:xfrm>
+        </p:grpSpPr>
+        <p:sp>
+          <p:nvSpPr>
+            <p:cNvPr id="64" name="矩形 63"/>
+            <p:cNvSpPr/>
+            <p:nvPr/>
+          </p:nvSpPr>
+          <p:spPr>
+            <a:xfrm>
+              <a:off x="11089" y="6497"/>
+              <a:ext cx="2268" cy="2686"/>
+            </a:xfrm>
+            <a:prstGeom prst="rect">
+              <a:avLst/>
+            </a:prstGeom>
+          </p:spPr>
+          <p:style>
+            <a:lnRef idx="2">
+              <a:schemeClr val="accent1">
+                <a:shade val="50000"/>
+              </a:schemeClr>
+            </a:lnRef>
+            <a:fillRef idx="1">
+              <a:schemeClr val="accent1"/>
+            </a:fillRef>
+            <a:effectRef idx="0">
+              <a:schemeClr val="accent1"/>
+            </a:effectRef>
+            <a:fontRef idx="minor">
+              <a:schemeClr val="lt1"/>
+            </a:fontRef>
+          </p:style>
+          <p:txBody>
+            <a:bodyPr rtlCol="0" anchor="ctr"/>
+            <a:p>
+              <a:pPr algn="ctr"/>
+              <a:r>
+                <a:rPr lang="en-US" altLang="zh-CN"/>
+                <a:t>ir_launcher</a:t>
+              </a:r>
+              <a:endParaRPr lang="en-US" altLang="zh-CN"/>
+            </a:p>
+          </p:txBody>
+        </p:sp>
+        <p:sp>
+          <p:nvSpPr>
+            <p:cNvPr id="65" name="文本框 64"/>
+            <p:cNvSpPr txBox="1"/>
+            <p:nvPr/>
+          </p:nvSpPr>
+          <p:spPr>
+            <a:xfrm>
+              <a:off x="12851" y="7545"/>
+              <a:ext cx="506" cy="715"/>
+            </a:xfrm>
+            <a:prstGeom prst="rect">
+              <a:avLst/>
+            </a:prstGeom>
+            <a:noFill/>
+          </p:spPr>
+          <p:txBody>
+            <a:bodyPr wrap="square" rtlCol="0">
+              <a:spAutoFit/>
+            </a:bodyPr>
+            <a:p>
+              <a:pPr algn="l"/>
+              <a:r>
+                <a:rPr lang="en-US" altLang="zh-CN" sz="1200"/>
+                <a:t>ex_ir</a:t>
+              </a:r>
+              <a:endParaRPr lang="en-US" altLang="zh-CN" sz="1200"/>
+            </a:p>
+          </p:txBody>
+        </p:sp>
+        <p:sp>
+          <p:nvSpPr>
+            <p:cNvPr id="66" name="文本框 65"/>
+            <p:cNvSpPr txBox="1"/>
+            <p:nvPr/>
+          </p:nvSpPr>
+          <p:spPr>
+            <a:xfrm>
+              <a:off x="12410" y="8227"/>
+              <a:ext cx="947" cy="715"/>
+            </a:xfrm>
+            <a:prstGeom prst="rect">
+              <a:avLst/>
+            </a:prstGeom>
+            <a:noFill/>
+          </p:spPr>
+          <p:txBody>
+            <a:bodyPr wrap="square" rtlCol="0">
+              <a:spAutoFit/>
+            </a:bodyPr>
+            <a:p>
+              <a:pPr algn="l"/>
+              <a:r>
+                <a:rPr lang="en-US" altLang="zh-CN" sz="1200"/>
+                <a:t>o_data_bus</a:t>
+              </a:r>
+              <a:endParaRPr lang="en-US" altLang="zh-CN" sz="1200"/>
+            </a:p>
+          </p:txBody>
+        </p:sp>
+        <p:sp>
+          <p:nvSpPr>
+            <p:cNvPr id="68" name="文本框 67"/>
+            <p:cNvSpPr txBox="1"/>
+            <p:nvPr/>
+          </p:nvSpPr>
+          <p:spPr>
+            <a:xfrm>
+              <a:off x="11089" y="7169"/>
+              <a:ext cx="818" cy="715"/>
+            </a:xfrm>
+            <a:prstGeom prst="rect">
+              <a:avLst/>
+            </a:prstGeom>
+            <a:noFill/>
+          </p:spPr>
+          <p:txBody>
+            <a:bodyPr wrap="square" rtlCol="0">
+              <a:spAutoFit/>
+            </a:bodyPr>
+            <a:p>
+              <a:pPr algn="l"/>
+              <a:r>
+                <a:rPr lang="en-US" altLang="zh-CN" sz="1200"/>
+                <a:t>queue_out_ir</a:t>
+              </a:r>
+              <a:endParaRPr lang="en-US" altLang="zh-CN" sz="1200"/>
+            </a:p>
+          </p:txBody>
+        </p:sp>
+        <p:sp>
+          <p:nvSpPr>
+            <p:cNvPr id="70" name="文本框 69"/>
+            <p:cNvSpPr txBox="1"/>
+            <p:nvPr/>
+          </p:nvSpPr>
+          <p:spPr>
+            <a:xfrm>
+              <a:off x="11089" y="8227"/>
+              <a:ext cx="1119" cy="715"/>
+            </a:xfrm>
+            <a:prstGeom prst="rect">
+              <a:avLst/>
+            </a:prstGeom>
+            <a:noFill/>
+          </p:spPr>
+          <p:txBody>
+            <a:bodyPr wrap="square" rtlCol="0">
+              <a:spAutoFit/>
+            </a:bodyPr>
+            <a:p>
+              <a:pPr algn="l"/>
+              <a:r>
+                <a:rPr lang="en-US" altLang="zh-CN" sz="1200"/>
+                <a:t>en_export</a:t>
+              </a:r>
+              <a:endParaRPr lang="en-US" altLang="zh-CN" sz="1200"/>
+            </a:p>
+          </p:txBody>
+        </p:sp>
+        <p:sp>
+          <p:nvSpPr>
+            <p:cNvPr id="23" name="文本框 22"/>
+            <p:cNvSpPr txBox="1"/>
+            <p:nvPr/>
+          </p:nvSpPr>
+          <p:spPr>
+            <a:xfrm>
+              <a:off x="11089" y="6497"/>
+              <a:ext cx="818" cy="715"/>
+            </a:xfrm>
+            <a:prstGeom prst="rect">
+              <a:avLst/>
+            </a:prstGeom>
+            <a:noFill/>
+          </p:spPr>
+          <p:txBody>
+            <a:bodyPr wrap="square" rtlCol="0">
+              <a:spAutoFit/>
+            </a:bodyPr>
+            <a:p>
+              <a:pPr algn="l"/>
+              <a:r>
+                <a:rPr lang="en-US" altLang="zh-CN" sz="1200"/>
+                <a:t>set_data</a:t>
+              </a:r>
+              <a:endParaRPr lang="en-US" altLang="zh-CN" sz="1200"/>
+            </a:p>
+          </p:txBody>
+        </p:sp>
+      </p:grpSp>
+      <p:cxnSp>
+        <p:nvCxnSpPr>
+          <p:cNvPr id="69" name="直接箭头连接符 68"/>
+          <p:cNvCxnSpPr>
+            <a:endCxn id="4" idx="0"/>
+          </p:cNvCxnSpPr>
+          <p:nvPr/>
+        </p:nvCxnSpPr>
+        <p:spPr>
+          <a:xfrm>
+            <a:off x="6102985" y="1459865"/>
+            <a:ext cx="0" cy="896620"/>
+          </a:xfrm>
+          <a:prstGeom prst="straightConnector1">
+            <a:avLst/>
+          </a:prstGeom>
+          <a:ln>
+            <a:tailEnd type="arrow"/>
+          </a:ln>
+        </p:spPr>
+        <p:style>
+          <a:lnRef idx="1">
+            <a:schemeClr val="accent1"/>
+          </a:lnRef>
+          <a:fillRef idx="0">
+            <a:schemeClr val="accent1"/>
+          </a:fillRef>
+          <a:effectRef idx="0">
+            <a:schemeClr val="accent1"/>
+          </a:effectRef>
+          <a:fontRef idx="minor">
+            <a:schemeClr val="tx1"/>
+          </a:fontRef>
+        </p:style>
+      </p:cxnSp>
+      <p:sp>
+        <p:nvSpPr>
+          <p:cNvPr id="4" name="矩形 3"/>
           <p:cNvSpPr/>
           <p:nvPr/>
         </p:nvSpPr>
         <p:spPr>
           <a:xfrm>
-            <a:off x="2741295" y="4370705"/>
-            <a:ext cx="2376170" cy="504190"/>
-          </a:xfrm>
-          <a:prstGeom prst="flowChartDecision">
+            <a:off x="5387975" y="2356485"/>
+            <a:ext cx="1430020" cy="368300"/>
+          </a:xfrm>
+          <a:prstGeom prst="rect">
             <a:avLst/>
           </a:prstGeom>
         </p:spPr>
@@ -6217,29 +6851,69 @@
           </a:fontRef>
         </p:style>
         <p:txBody>
-          <a:bodyPr rtlCol="0" anchor="ctr"/>
+          <a:bodyPr wrap="none" rtlCol="0" anchor="ctr">
+            <a:noAutofit/>
+          </a:bodyPr>
           <a:p>
             <a:pPr algn="ctr"/>
             <a:r>
-              <a:rPr lang="zh-CN" altLang="en-US"/>
-              <a:t>直接跳转</a:t>
-            </a:r>
-            <a:endParaRPr lang="zh-CN" altLang="en-US"/>
-          </a:p>
-        </p:txBody>
-      </p:sp>
-      <p:sp>
-        <p:nvSpPr>
-          <p:cNvPr id="10" name="流程图: 过程 9"/>
+              <a:rPr lang="en-US" altLang="zh-CN"/>
+              <a:t>reg_i_data</a:t>
+            </a:r>
+            <a:endParaRPr lang="en-US" altLang="zh-CN"/>
+          </a:p>
+        </p:txBody>
+      </p:sp>
+      <p:cxnSp>
+        <p:nvCxnSpPr>
+          <p:cNvPr id="6" name="肘形连接符 5"/>
+          <p:cNvCxnSpPr>
+            <a:stCxn id="4" idx="2"/>
+            <a:endCxn id="22" idx="0"/>
+          </p:cNvCxnSpPr>
+          <p:nvPr/>
+        </p:nvCxnSpPr>
+        <p:spPr>
+          <a:xfrm rot="5400000">
+            <a:off x="3868738" y="2116138"/>
+            <a:ext cx="1625600" cy="2842895"/>
+          </a:xfrm>
+          <a:prstGeom prst="bentConnector3">
+            <a:avLst>
+              <a:gd name="adj1" fmla="val 49980"/>
+            </a:avLst>
+          </a:prstGeom>
+          <a:ln>
+            <a:tailEnd type="arrow"/>
+          </a:ln>
+        </p:spPr>
+        <p:style>
+          <a:lnRef idx="1">
+            <a:schemeClr val="accent1"/>
+          </a:lnRef>
+          <a:fillRef idx="0">
+            <a:schemeClr val="accent1"/>
+          </a:fillRef>
+          <a:effectRef idx="0">
+            <a:schemeClr val="accent1"/>
+          </a:effectRef>
+          <a:fontRef idx="minor">
+            <a:schemeClr val="tx1"/>
+          </a:fontRef>
+        </p:style>
+      </p:cxnSp>
+      <p:sp>
+        <p:nvSpPr>
+          <p:cNvPr id="9" name="矩形 8"/>
           <p:cNvSpPr/>
           <p:nvPr/>
         </p:nvSpPr>
         <p:spPr>
           <a:xfrm>
-            <a:off x="3137853" y="5269231"/>
-            <a:ext cx="1783079" cy="368299"/>
-          </a:xfrm>
-          <a:prstGeom prst="flowChartProcess">
+            <a:off x="2157730" y="2356485"/>
+            <a:ext cx="1439545" cy="504190"/>
+          </a:xfrm>
+          <a:prstGeom prst="rect">
             <a:avLst/>
           </a:prstGeom>
         </p:spPr>
@@ -6260,16 +6934,540 @@
           </a:fontRef>
         </p:style>
         <p:txBody>
-          <a:bodyPr wrap="none" rtlCol="0" anchor="ctr">
+          <a:bodyPr rtlCol="0" anchor="ctr"/>
+          <a:p>
+            <a:pPr algn="ctr"/>
+            <a:r>
+              <a:rPr lang="en-US" altLang="zh-CN"/>
+              <a:t>ir_decoder</a:t>
+            </a:r>
+            <a:endParaRPr lang="en-US" altLang="zh-CN"/>
+          </a:p>
+        </p:txBody>
+      </p:sp>
+      <p:cxnSp>
+        <p:nvCxnSpPr>
+          <p:cNvPr id="10" name="肘形连接符 9"/>
+          <p:cNvCxnSpPr>
+            <a:stCxn id="25" idx="2"/>
+            <a:endCxn id="20" idx="0"/>
+          </p:cNvCxnSpPr>
+          <p:nvPr/>
+        </p:nvCxnSpPr>
+        <p:spPr>
+          <a:xfrm rot="10800000" flipV="1">
+            <a:off x="2280920" y="3743325"/>
+            <a:ext cx="488950" cy="607060"/>
+          </a:xfrm>
+          <a:prstGeom prst="bentConnector2">
+            <a:avLst/>
+          </a:prstGeom>
+          <a:ln>
+            <a:tailEnd type="arrow"/>
+          </a:ln>
+        </p:spPr>
+        <p:style>
+          <a:lnRef idx="1">
+            <a:schemeClr val="accent1"/>
+          </a:lnRef>
+          <a:fillRef idx="0">
+            <a:schemeClr val="accent1"/>
+          </a:fillRef>
+          <a:effectRef idx="0">
+            <a:schemeClr val="accent1"/>
+          </a:effectRef>
+          <a:fontRef idx="minor">
+            <a:schemeClr val="tx1"/>
+          </a:fontRef>
+        </p:style>
+      </p:cxnSp>
+      <p:sp>
+        <p:nvSpPr>
+          <p:cNvPr id="11" name="文本框 10"/>
+          <p:cNvSpPr txBox="1"/>
+          <p:nvPr/>
+        </p:nvSpPr>
+        <p:spPr>
+          <a:xfrm>
+            <a:off x="1385570" y="3712845"/>
+            <a:ext cx="741680" cy="275590"/>
+          </a:xfrm>
+          <a:prstGeom prst="rect">
+            <a:avLst/>
+          </a:prstGeom>
+          <a:noFill/>
+        </p:spPr>
+        <p:txBody>
+          <a:bodyPr wrap="none" rtlCol="0">
             <a:spAutoFit/>
           </a:bodyPr>
           <a:p>
+            <a:r>
+              <a:rPr lang="en-US" altLang="zh-CN" sz="1200"/>
+              <a:t>ir==jump</a:t>
+            </a:r>
+            <a:endParaRPr lang="en-US" altLang="zh-CN" sz="1200"/>
+          </a:p>
+        </p:txBody>
+      </p:sp>
+      <p:cxnSp>
+        <p:nvCxnSpPr>
+          <p:cNvPr id="12" name="肘形连接符 11"/>
+          <p:cNvCxnSpPr>
+            <a:stCxn id="25" idx="6"/>
+            <a:endCxn id="23" idx="1"/>
+          </p:cNvCxnSpPr>
+          <p:nvPr/>
+        </p:nvCxnSpPr>
+        <p:spPr>
+          <a:xfrm>
+            <a:off x="2985770" y="3743325"/>
+            <a:ext cx="4547235" cy="658495"/>
+          </a:xfrm>
+          <a:prstGeom prst="bentConnector3">
+            <a:avLst>
+              <a:gd name="adj1" fmla="val 50007"/>
+            </a:avLst>
+          </a:prstGeom>
+          <a:ln>
+            <a:tailEnd type="arrow"/>
+          </a:ln>
+        </p:spPr>
+        <p:style>
+          <a:lnRef idx="1">
+            <a:schemeClr val="accent1"/>
+          </a:lnRef>
+          <a:fillRef idx="0">
+            <a:schemeClr val="accent1"/>
+          </a:fillRef>
+          <a:effectRef idx="0">
+            <a:schemeClr val="accent1"/>
+          </a:effectRef>
+          <a:fontRef idx="minor">
+            <a:schemeClr val="tx1"/>
+          </a:fontRef>
+        </p:style>
+      </p:cxnSp>
+      <p:sp>
+        <p:nvSpPr>
+          <p:cNvPr id="14" name="文本框 13"/>
+          <p:cNvSpPr txBox="1"/>
+          <p:nvPr/>
+        </p:nvSpPr>
+        <p:spPr>
+          <a:xfrm>
+            <a:off x="4801870" y="4947920"/>
+            <a:ext cx="1622425" cy="275590"/>
+          </a:xfrm>
+          <a:prstGeom prst="rect">
+            <a:avLst/>
+          </a:prstGeom>
+          <a:noFill/>
+        </p:spPr>
+        <p:txBody>
+          <a:bodyPr wrap="none" rtlCol="0">
+            <a:spAutoFit/>
+          </a:bodyPr>
+          <a:p>
+            <a:pPr algn="l"/>
+            <a:r>
+              <a:rPr lang="en-US" altLang="zh-CN" sz="1200"/>
+              <a:t>reg_queue_data_ready</a:t>
+            </a:r>
+            <a:endParaRPr lang="en-US" altLang="zh-CN" sz="1200"/>
+          </a:p>
+        </p:txBody>
+      </p:sp>
+      <p:sp>
+        <p:nvSpPr>
+          <p:cNvPr id="15" name="文本框 14"/>
+          <p:cNvSpPr txBox="1"/>
+          <p:nvPr/>
+        </p:nvSpPr>
+        <p:spPr>
+          <a:xfrm>
+            <a:off x="6499860" y="4126230"/>
+            <a:ext cx="957580" cy="275590"/>
+          </a:xfrm>
+          <a:prstGeom prst="rect">
+            <a:avLst/>
+          </a:prstGeom>
+          <a:noFill/>
+        </p:spPr>
+        <p:txBody>
+          <a:bodyPr wrap="none" rtlCol="0">
+            <a:spAutoFit/>
+          </a:bodyPr>
+          <a:p>
+            <a:r>
+              <a:rPr lang="en-US" altLang="zh-CN" sz="1200"/>
+              <a:t>ir==set_data</a:t>
+            </a:r>
+            <a:endParaRPr lang="en-US" altLang="zh-CN" sz="1200"/>
+          </a:p>
+        </p:txBody>
+      </p:sp>
+      <p:cxnSp>
+        <p:nvCxnSpPr>
+          <p:cNvPr id="16" name="直接连接符 15"/>
+          <p:cNvCxnSpPr>
+            <a:stCxn id="9" idx="2"/>
+            <a:endCxn id="25" idx="0"/>
+          </p:cNvCxnSpPr>
+          <p:nvPr/>
+        </p:nvCxnSpPr>
+        <p:spPr>
+          <a:xfrm>
+            <a:off x="2877820" y="2860675"/>
+            <a:ext cx="0" cy="774700"/>
+          </a:xfrm>
+          <a:prstGeom prst="line">
+            <a:avLst/>
+          </a:prstGeom>
+        </p:spPr>
+        <p:style>
+          <a:lnRef idx="1">
+            <a:schemeClr val="accent1"/>
+          </a:lnRef>
+          <a:fillRef idx="0">
+            <a:schemeClr val="accent1"/>
+          </a:fillRef>
+          <a:effectRef idx="0">
+            <a:schemeClr val="accent1"/>
+          </a:effectRef>
+          <a:fontRef idx="minor">
+            <a:schemeClr val="tx1"/>
+          </a:fontRef>
+        </p:style>
+      </p:cxnSp>
+      <p:cxnSp>
+        <p:nvCxnSpPr>
+          <p:cNvPr id="17" name="肘形连接符 16"/>
+          <p:cNvCxnSpPr>
+            <a:stCxn id="14" idx="3"/>
+            <a:endCxn id="70" idx="1"/>
+          </p:cNvCxnSpPr>
+          <p:nvPr/>
+        </p:nvCxnSpPr>
+        <p:spPr>
+          <a:xfrm flipV="1">
+            <a:off x="6424295" y="5068570"/>
+            <a:ext cx="1108710" cy="17145"/>
+          </a:xfrm>
+          <a:prstGeom prst="bentConnector3">
+            <a:avLst>
+              <a:gd name="adj1" fmla="val 50000"/>
+            </a:avLst>
+          </a:prstGeom>
+          <a:ln>
+            <a:tailEnd type="arrow"/>
+          </a:ln>
+        </p:spPr>
+        <p:style>
+          <a:lnRef idx="1">
+            <a:schemeClr val="accent1"/>
+          </a:lnRef>
+          <a:fillRef idx="0">
+            <a:schemeClr val="accent1"/>
+          </a:fillRef>
+          <a:effectRef idx="0">
+            <a:schemeClr val="accent1"/>
+          </a:effectRef>
+          <a:fontRef idx="minor">
+            <a:schemeClr val="tx1"/>
+          </a:fontRef>
+        </p:style>
+      </p:cxnSp>
+      <p:cxnSp>
+        <p:nvCxnSpPr>
+          <p:cNvPr id="18" name="肘形连接符 17"/>
+          <p:cNvCxnSpPr>
+            <a:stCxn id="7" idx="3"/>
+            <a:endCxn id="68" idx="1"/>
+          </p:cNvCxnSpPr>
+          <p:nvPr/>
+        </p:nvCxnSpPr>
+        <p:spPr>
+          <a:xfrm flipV="1">
+            <a:off x="6424295" y="4660900"/>
+            <a:ext cx="1108710" cy="202565"/>
+          </a:xfrm>
+          <a:prstGeom prst="bentConnector3">
+            <a:avLst>
+              <a:gd name="adj1" fmla="val 50000"/>
+            </a:avLst>
+          </a:prstGeom>
+          <a:ln>
+            <a:tailEnd type="arrow"/>
+          </a:ln>
+        </p:spPr>
+        <p:style>
+          <a:lnRef idx="1">
+            <a:schemeClr val="accent1"/>
+          </a:lnRef>
+          <a:fillRef idx="0">
+            <a:schemeClr val="accent1"/>
+          </a:fillRef>
+          <a:effectRef idx="0">
+            <a:schemeClr val="accent1"/>
+          </a:effectRef>
+          <a:fontRef idx="minor">
+            <a:schemeClr val="tx1"/>
+          </a:fontRef>
+        </p:style>
+      </p:cxnSp>
+      <p:cxnSp>
+        <p:nvCxnSpPr>
+          <p:cNvPr id="19" name="肘形连接符 18"/>
+          <p:cNvCxnSpPr>
+            <a:stCxn id="24" idx="3"/>
+            <a:endCxn id="7" idx="1"/>
+          </p:cNvCxnSpPr>
+          <p:nvPr/>
+        </p:nvCxnSpPr>
+        <p:spPr>
+          <a:xfrm>
+            <a:off x="4237990" y="4789170"/>
+            <a:ext cx="746125" cy="74295"/>
+          </a:xfrm>
+          <a:prstGeom prst="bentConnector3">
+            <a:avLst>
+              <a:gd name="adj1" fmla="val 50043"/>
+            </a:avLst>
+          </a:prstGeom>
+          <a:ln>
+            <a:tailEnd type="arrow"/>
+          </a:ln>
+        </p:spPr>
+        <p:style>
+          <a:lnRef idx="1">
+            <a:schemeClr val="accent1"/>
+          </a:lnRef>
+          <a:fillRef idx="0">
+            <a:schemeClr val="accent1"/>
+          </a:fillRef>
+          <a:effectRef idx="0">
+            <a:schemeClr val="accent1"/>
+          </a:effectRef>
+          <a:fontRef idx="minor">
+            <a:schemeClr val="tx1"/>
+          </a:fontRef>
+        </p:style>
+      </p:cxnSp>
+      <p:sp>
+        <p:nvSpPr>
+          <p:cNvPr id="25" name="椭圆 24"/>
+          <p:cNvSpPr/>
+          <p:nvPr/>
+        </p:nvSpPr>
+        <p:spPr>
+          <a:xfrm>
+            <a:off x="2769870" y="3635375"/>
+            <a:ext cx="215900" cy="215900"/>
+          </a:xfrm>
+          <a:prstGeom prst="ellipse">
+            <a:avLst/>
+          </a:prstGeom>
+          <a:noFill/>
+          <a:ln w="12700" cmpd="sng">
+            <a:solidFill>
+              <a:schemeClr val="accent1">
+                <a:shade val="50000"/>
+              </a:schemeClr>
+            </a:solidFill>
+            <a:prstDash val="sysDot"/>
+          </a:ln>
+        </p:spPr>
+        <p:style>
+          <a:lnRef idx="2">
+            <a:schemeClr val="accent1">
+              <a:shade val="50000"/>
+            </a:schemeClr>
+          </a:lnRef>
+          <a:fillRef idx="1">
+            <a:schemeClr val="accent1"/>
+          </a:fillRef>
+          <a:effectRef idx="0">
+            <a:schemeClr val="accent1"/>
+          </a:effectRef>
+          <a:fontRef idx="minor">
+            <a:schemeClr val="lt1"/>
+          </a:fontRef>
+        </p:style>
+        <p:txBody>
+          <a:bodyPr rtlCol="0" anchor="ctr"/>
+          <a:p>
             <a:pPr algn="ctr"/>
+            <a:endParaRPr lang="zh-CN" altLang="en-US"/>
+          </a:p>
+        </p:txBody>
+      </p:sp>
+    </p:spTree>
+  </p:cSld>
+  <p:clrMapOvr>
+    <a:masterClrMapping/>
+  </p:clrMapOvr>
+</p:sld>
+</file>
+
+<file path=ppt/slides/slide5.xml><?xml version="1.0" encoding="utf-8"?>
+<p:sld xmlns:a="http://schemas.openxmlformats.org/drawingml/2006/main" xmlns:r="http://schemas.openxmlformats.org/officeDocument/2006/relationships" xmlns:p="http://schemas.openxmlformats.org/presentationml/2006/main">
+  <p:cSld>
+    <p:spTree>
+      <p:nvGrpSpPr>
+        <p:cNvPr id="1" name=""/>
+        <p:cNvGrpSpPr/>
+        <p:nvPr/>
+      </p:nvGrpSpPr>
+      <p:grpSpPr/>
+      <p:sp>
+        <p:nvSpPr>
+          <p:cNvPr id="2" name="标题 1"/>
+          <p:cNvSpPr>
+            <a:spLocks noGrp="1"/>
+          </p:cNvSpPr>
+          <p:nvPr>
+            <p:ph type="title"/>
+          </p:nvPr>
+        </p:nvSpPr>
+        <p:spPr/>
+        <p:txBody>
+          <a:bodyPr/>
+          <a:p>
             <a:r>
               <a:rPr lang="zh-CN" altLang="en-US"/>
-              <a:t>选择工作寄存器</a:t>
+              <a:t>指令寄存器</a:t>
             </a:r>
             <a:endParaRPr lang="zh-CN" altLang="en-US"/>
+          </a:p>
+        </p:txBody>
+      </p:sp>
+      <p:sp>
+        <p:nvSpPr>
+          <p:cNvPr id="3" name="流程图: 准备 2"/>
+          <p:cNvSpPr/>
+          <p:nvPr/>
+        </p:nvSpPr>
+        <p:spPr>
+          <a:xfrm>
+            <a:off x="3195320" y="5993765"/>
+            <a:ext cx="1452245" cy="312420"/>
+          </a:xfrm>
+          <a:prstGeom prst="flowChartPreparation">
+            <a:avLst/>
+          </a:prstGeom>
+        </p:spPr>
+        <p:style>
+          <a:lnRef idx="2">
+            <a:schemeClr val="accent1">
+              <a:shade val="50000"/>
+            </a:schemeClr>
+          </a:lnRef>
+          <a:fillRef idx="1">
+            <a:schemeClr val="accent1"/>
+          </a:fillRef>
+          <a:effectRef idx="0">
+            <a:schemeClr val="accent1"/>
+          </a:effectRef>
+          <a:fontRef idx="minor">
+            <a:schemeClr val="lt1"/>
+          </a:fontRef>
+        </p:style>
+        <p:txBody>
+          <a:bodyPr rtlCol="0" anchor="ctr"/>
+          <a:p>
+            <a:pPr algn="ctr"/>
+            <a:r>
+              <a:rPr lang="en-US" altLang="zh-CN"/>
+              <a:t>IDLE</a:t>
+            </a:r>
+            <a:endParaRPr lang="en-US" altLang="zh-CN"/>
+          </a:p>
+        </p:txBody>
+      </p:sp>
+      <p:sp>
+        <p:nvSpPr>
+          <p:cNvPr id="4" name="流程图: 过程 3"/>
+          <p:cNvSpPr/>
+          <p:nvPr/>
+        </p:nvSpPr>
+        <p:spPr>
+          <a:xfrm>
+            <a:off x="1047750" y="3067050"/>
+            <a:ext cx="1452245" cy="374650"/>
+          </a:xfrm>
+          <a:prstGeom prst="flowChartProcess">
+            <a:avLst/>
+          </a:prstGeom>
+        </p:spPr>
+        <p:style>
+          <a:lnRef idx="2">
+            <a:schemeClr val="accent1">
+              <a:shade val="50000"/>
+            </a:schemeClr>
+          </a:lnRef>
+          <a:fillRef idx="1">
+            <a:schemeClr val="accent1"/>
+          </a:fillRef>
+          <a:effectRef idx="0">
+            <a:schemeClr val="accent1"/>
+          </a:effectRef>
+          <a:fontRef idx="minor">
+            <a:schemeClr val="lt1"/>
+          </a:fontRef>
+        </p:style>
+        <p:txBody>
+          <a:bodyPr rtlCol="0" anchor="ctr"/>
+          <a:p>
+            <a:pPr algn="ctr"/>
+            <a:r>
+              <a:rPr lang="en-US" altLang="zh-CN"/>
+              <a:t>load IR block</a:t>
+            </a:r>
+            <a:endParaRPr lang="en-US" altLang="zh-CN"/>
+          </a:p>
+        </p:txBody>
+      </p:sp>
+      <p:sp>
+        <p:nvSpPr>
+          <p:cNvPr id="6" name="流程图: 过程 5"/>
+          <p:cNvSpPr/>
+          <p:nvPr/>
+        </p:nvSpPr>
+        <p:spPr>
+          <a:xfrm>
+            <a:off x="1048385" y="4500245"/>
+            <a:ext cx="1452245" cy="374650"/>
+          </a:xfrm>
+          <a:prstGeom prst="flowChartProcess">
+            <a:avLst/>
+          </a:prstGeom>
+        </p:spPr>
+        <p:style>
+          <a:lnRef idx="2">
+            <a:schemeClr val="accent1">
+              <a:shade val="50000"/>
+            </a:schemeClr>
+          </a:lnRef>
+          <a:fillRef idx="1">
+            <a:schemeClr val="accent1"/>
+          </a:fillRef>
+          <a:effectRef idx="0">
+            <a:schemeClr val="accent1"/>
+          </a:effectRef>
+          <a:fontRef idx="minor">
+            <a:schemeClr val="lt1"/>
+          </a:fontRef>
+        </p:style>
+        <p:txBody>
+          <a:bodyPr rtlCol="0" anchor="ctr"/>
+          <a:p>
+            <a:pPr algn="ctr"/>
+            <a:r>
+              <a:rPr lang="en-US" altLang="zh-CN"/>
+              <a:t>excute</a:t>
+            </a:r>
+            <a:endParaRPr lang="en-US" altLang="zh-CN"/>
           </a:p>
         </p:txBody>
       </p:sp>
@@ -6281,7 +7479,7 @@
         </p:nvSpPr>
         <p:spPr>
           <a:xfrm>
-            <a:off x="2644775" y="2003425"/>
+            <a:off x="9333865" y="5993765"/>
             <a:ext cx="1402079" cy="460374"/>
           </a:xfrm>
           <a:prstGeom prst="accentCallout1">
@@ -6303,7 +7501,7 @@
           </a:fontRef>
         </p:style>
         <p:txBody>
-          <a:bodyPr wrap="none" rtlCol="0" anchor="ctr">
+          <a:bodyPr wrap="square" rtlCol="0" anchor="ctr">
             <a:spAutoFit/>
           </a:bodyPr>
           <a:p>
@@ -6330,31 +7528,1466 @@
       </p:sp>
       <p:sp>
         <p:nvSpPr>
-          <p:cNvPr id="12" name="线形标注 1(带强调线) 11"/>
+          <p:cNvPr id="5" name="流程图: 决策 4"/>
           <p:cNvSpPr/>
           <p:nvPr/>
         </p:nvSpPr>
         <p:spPr>
           <a:xfrm>
-            <a:off x="2606675" y="2893378"/>
-            <a:ext cx="1022349" cy="275589"/>
-          </a:xfrm>
-          <a:prstGeom prst="accentCallout1">
+            <a:off x="1047750" y="3747135"/>
+            <a:ext cx="1452880" cy="421005"/>
+          </a:xfrm>
+          <a:prstGeom prst="flowChartDecision">
             <a:avLst/>
           </a:prstGeom>
         </p:spPr>
         <p:style>
           <a:lnRef idx="2">
-            <a:schemeClr val="accent6"/>
+            <a:schemeClr val="accent1">
+              <a:shade val="50000"/>
+            </a:schemeClr>
           </a:lnRef>
           <a:fillRef idx="1">
+            <a:schemeClr val="accent1"/>
+          </a:fillRef>
+          <a:effectRef idx="0">
+            <a:schemeClr val="accent1"/>
+          </a:effectRef>
+          <a:fontRef idx="minor">
             <a:schemeClr val="lt1"/>
-          </a:fillRef>
-          <a:effectRef idx="0">
-            <a:schemeClr val="accent6"/>
-          </a:effectRef>
-          <a:fontRef idx="minor">
-            <a:schemeClr val="dk1"/>
+          </a:fontRef>
+        </p:style>
+        <p:txBody>
+          <a:bodyPr wrap="none" lIns="0" tIns="0" rIns="0" bIns="0" rtlCol="0" anchor="ctr"/>
+          <a:p>
+            <a:pPr algn="ctr"/>
+            <a:r>
+              <a:rPr lang="en-US" altLang="zh-CN"/>
+              <a:t>data_ready</a:t>
+            </a:r>
+            <a:endParaRPr lang="en-US" altLang="zh-CN"/>
+          </a:p>
+        </p:txBody>
+      </p:sp>
+      <p:sp>
+        <p:nvSpPr>
+          <p:cNvPr id="8" name="流程图: 决策 7"/>
+          <p:cNvSpPr/>
+          <p:nvPr/>
+        </p:nvSpPr>
+        <p:spPr>
+          <a:xfrm>
+            <a:off x="1047115" y="2257425"/>
+            <a:ext cx="1452880" cy="421005"/>
+          </a:xfrm>
+          <a:prstGeom prst="flowChartDecision">
+            <a:avLst/>
+          </a:prstGeom>
+        </p:spPr>
+        <p:style>
+          <a:lnRef idx="2">
+            <a:schemeClr val="accent1">
+              <a:shade val="50000"/>
+            </a:schemeClr>
+          </a:lnRef>
+          <a:fillRef idx="1">
+            <a:schemeClr val="accent1"/>
+          </a:fillRef>
+          <a:effectRef idx="0">
+            <a:schemeClr val="accent1"/>
+          </a:effectRef>
+          <a:fontRef idx="minor">
+            <a:schemeClr val="lt1"/>
+          </a:fontRef>
+        </p:style>
+        <p:txBody>
+          <a:bodyPr wrap="none" lIns="0" tIns="0" rIns="0" bIns="0" rtlCol="0" anchor="ctr"/>
+          <a:p>
+            <a:pPr algn="ctr"/>
+            <a:r>
+              <a:rPr lang="en-US" altLang="zh-CN">
+                <a:sym typeface="+mn-ea"/>
+              </a:rPr>
+              <a:t>reset</a:t>
+            </a:r>
+            <a:endParaRPr lang="en-US" altLang="zh-CN"/>
+          </a:p>
+        </p:txBody>
+      </p:sp>
+      <p:sp>
+        <p:nvSpPr>
+          <p:cNvPr id="9" name="流程图: 决策 8"/>
+          <p:cNvSpPr/>
+          <p:nvPr/>
+        </p:nvSpPr>
+        <p:spPr>
+          <a:xfrm>
+            <a:off x="1048385" y="5169535"/>
+            <a:ext cx="1452880" cy="421005"/>
+          </a:xfrm>
+          <a:prstGeom prst="flowChartDecision">
+            <a:avLst/>
+          </a:prstGeom>
+        </p:spPr>
+        <p:style>
+          <a:lnRef idx="2">
+            <a:schemeClr val="accent1">
+              <a:shade val="50000"/>
+            </a:schemeClr>
+          </a:lnRef>
+          <a:fillRef idx="1">
+            <a:schemeClr val="accent1"/>
+          </a:fillRef>
+          <a:effectRef idx="0">
+            <a:schemeClr val="accent1"/>
+          </a:effectRef>
+          <a:fontRef idx="minor">
+            <a:schemeClr val="lt1"/>
+          </a:fontRef>
+        </p:style>
+        <p:txBody>
+          <a:bodyPr wrap="none" lIns="0" tIns="0" rIns="0" bIns="0" rtlCol="0" anchor="ctr"/>
+          <a:p>
+            <a:pPr algn="ctr"/>
+            <a:r>
+              <a:rPr lang="en-US" altLang="zh-CN"/>
+              <a:t>jump IR</a:t>
+            </a:r>
+            <a:endParaRPr lang="en-US" altLang="zh-CN"/>
+          </a:p>
+        </p:txBody>
+      </p:sp>
+      <p:cxnSp>
+        <p:nvCxnSpPr>
+          <p:cNvPr id="10" name="肘形连接符 9"/>
+          <p:cNvCxnSpPr>
+            <a:stCxn id="9" idx="2"/>
+            <a:endCxn id="4" idx="1"/>
+          </p:cNvCxnSpPr>
+          <p:nvPr/>
+        </p:nvCxnSpPr>
+        <p:spPr>
+          <a:xfrm rot="5400000" flipH="1">
+            <a:off x="243205" y="4058285"/>
+            <a:ext cx="2336165" cy="727075"/>
+          </a:xfrm>
+          <a:prstGeom prst="bentConnector4">
+            <a:avLst>
+              <a:gd name="adj1" fmla="val -10193"/>
+              <a:gd name="adj2" fmla="val 132751"/>
+            </a:avLst>
+          </a:prstGeom>
+          <a:ln>
+            <a:tailEnd type="arrow"/>
+          </a:ln>
+        </p:spPr>
+        <p:style>
+          <a:lnRef idx="1">
+            <a:schemeClr val="accent1"/>
+          </a:lnRef>
+          <a:fillRef idx="0">
+            <a:schemeClr val="accent1"/>
+          </a:fillRef>
+          <a:effectRef idx="0">
+            <a:schemeClr val="accent1"/>
+          </a:effectRef>
+          <a:fontRef idx="minor">
+            <a:schemeClr val="tx1"/>
+          </a:fontRef>
+        </p:style>
+      </p:cxnSp>
+      <p:sp>
+        <p:nvSpPr>
+          <p:cNvPr id="12" name="流程图: 决策 11"/>
+          <p:cNvSpPr/>
+          <p:nvPr/>
+        </p:nvSpPr>
+        <p:spPr>
+          <a:xfrm>
+            <a:off x="3194685" y="5168900"/>
+            <a:ext cx="1452880" cy="421005"/>
+          </a:xfrm>
+          <a:prstGeom prst="flowChartDecision">
+            <a:avLst/>
+          </a:prstGeom>
+        </p:spPr>
+        <p:style>
+          <a:lnRef idx="2">
+            <a:schemeClr val="accent1">
+              <a:shade val="50000"/>
+            </a:schemeClr>
+          </a:lnRef>
+          <a:fillRef idx="1">
+            <a:schemeClr val="accent1"/>
+          </a:fillRef>
+          <a:effectRef idx="0">
+            <a:schemeClr val="accent1"/>
+          </a:effectRef>
+          <a:fontRef idx="minor">
+            <a:schemeClr val="lt1"/>
+          </a:fontRef>
+        </p:style>
+        <p:txBody>
+          <a:bodyPr wrap="none" lIns="0" tIns="0" rIns="0" bIns="0" rtlCol="0" anchor="ctr"/>
+          <a:p>
+            <a:pPr algn="ctr"/>
+            <a:r>
+              <a:rPr lang="en-US" altLang="zh-CN"/>
+              <a:t>stop IR</a:t>
+            </a:r>
+            <a:endParaRPr lang="en-US" altLang="zh-CN"/>
+          </a:p>
+        </p:txBody>
+      </p:sp>
+      <p:cxnSp>
+        <p:nvCxnSpPr>
+          <p:cNvPr id="13" name="直接箭头连接符 12"/>
+          <p:cNvCxnSpPr>
+            <a:stCxn id="9" idx="3"/>
+            <a:endCxn id="12" idx="1"/>
+          </p:cNvCxnSpPr>
+          <p:nvPr/>
+        </p:nvCxnSpPr>
+        <p:spPr>
+          <a:xfrm flipV="1">
+            <a:off x="2501265" y="5379720"/>
+            <a:ext cx="693420" cy="635"/>
+          </a:xfrm>
+          <a:prstGeom prst="straightConnector1">
+            <a:avLst/>
+          </a:prstGeom>
+          <a:ln>
+            <a:tailEnd type="arrow"/>
+          </a:ln>
+        </p:spPr>
+        <p:style>
+          <a:lnRef idx="1">
+            <a:schemeClr val="accent1"/>
+          </a:lnRef>
+          <a:fillRef idx="0">
+            <a:schemeClr val="accent1"/>
+          </a:fillRef>
+          <a:effectRef idx="0">
+            <a:schemeClr val="accent1"/>
+          </a:effectRef>
+          <a:fontRef idx="minor">
+            <a:schemeClr val="tx1"/>
+          </a:fontRef>
+        </p:style>
+      </p:cxnSp>
+    </p:spTree>
+  </p:cSld>
+  <p:clrMapOvr>
+    <a:masterClrMapping/>
+  </p:clrMapOvr>
+</p:sld>
+</file>
+
+<file path=ppt/slides/slide6.xml><?xml version="1.0" encoding="utf-8"?>
+<p:sld xmlns:a="http://schemas.openxmlformats.org/drawingml/2006/main" xmlns:r="http://schemas.openxmlformats.org/officeDocument/2006/relationships" xmlns:p="http://schemas.openxmlformats.org/presentationml/2006/main">
+  <p:cSld>
+    <p:spTree>
+      <p:nvGrpSpPr>
+        <p:cNvPr id="1" name=""/>
+        <p:cNvGrpSpPr/>
+        <p:nvPr/>
+      </p:nvGrpSpPr>
+      <p:grpSpPr/>
+      <p:sp>
+        <p:nvSpPr>
+          <p:cNvPr id="2" name="标题 1"/>
+          <p:cNvSpPr>
+            <a:spLocks noGrp="1"/>
+          </p:cNvSpPr>
+          <p:nvPr>
+            <p:ph type="title"/>
+          </p:nvPr>
+        </p:nvSpPr>
+        <p:spPr>
+          <a:xfrm>
+            <a:off x="73025" y="215900"/>
+            <a:ext cx="4537075" cy="700405"/>
+          </a:xfrm>
+        </p:spPr>
+        <p:txBody>
+          <a:bodyPr wrap="none">
+            <a:spAutoFit/>
+          </a:bodyPr>
+          <a:p>
+            <a:pPr algn="l"/>
+            <a:r>
+              <a:rPr lang="en-US" altLang="zh-CN"/>
+              <a:t>ir queue: preload ir</a:t>
+            </a:r>
+            <a:endParaRPr lang="zh-CN" altLang="en-US"/>
+          </a:p>
+        </p:txBody>
+      </p:sp>
+      <p:sp>
+        <p:nvSpPr>
+          <p:cNvPr id="3" name="矩形 2"/>
+          <p:cNvSpPr/>
+          <p:nvPr/>
+        </p:nvSpPr>
+        <p:spPr>
+          <a:xfrm>
+            <a:off x="1939290" y="4350385"/>
+            <a:ext cx="2298700" cy="1345565"/>
+          </a:xfrm>
+          <a:prstGeom prst="rect">
+            <a:avLst/>
+          </a:prstGeom>
+        </p:spPr>
+        <p:style>
+          <a:lnRef idx="2">
+            <a:schemeClr val="accent1">
+              <a:shade val="50000"/>
+            </a:schemeClr>
+          </a:lnRef>
+          <a:fillRef idx="1">
+            <a:schemeClr val="accent1"/>
+          </a:fillRef>
+          <a:effectRef idx="0">
+            <a:schemeClr val="accent1"/>
+          </a:effectRef>
+          <a:fontRef idx="minor">
+            <a:schemeClr val="lt1"/>
+          </a:fontRef>
+        </p:style>
+        <p:txBody>
+          <a:bodyPr rtlCol="0" anchor="ctr"/>
+          <a:p>
+            <a:pPr algn="ctr"/>
+            <a:r>
+              <a:rPr lang="en-US" altLang="zh-CN"/>
+              <a:t>cash loader</a:t>
+            </a:r>
+            <a:endParaRPr lang="en-US" altLang="zh-CN"/>
+          </a:p>
+        </p:txBody>
+      </p:sp>
+      <p:sp>
+        <p:nvSpPr>
+          <p:cNvPr id="5" name="流程图: 预定义过程 4"/>
+          <p:cNvSpPr/>
+          <p:nvPr/>
+        </p:nvSpPr>
+        <p:spPr>
+          <a:xfrm>
+            <a:off x="164465" y="4651375"/>
+            <a:ext cx="1090930" cy="706120"/>
+          </a:xfrm>
+          <a:prstGeom prst="flowChartPredefinedProcess">
+            <a:avLst/>
+          </a:prstGeom>
+        </p:spPr>
+        <p:style>
+          <a:lnRef idx="2">
+            <a:schemeClr val="accent1">
+              <a:shade val="50000"/>
+            </a:schemeClr>
+          </a:lnRef>
+          <a:fillRef idx="1">
+            <a:schemeClr val="accent1"/>
+          </a:fillRef>
+          <a:effectRef idx="0">
+            <a:schemeClr val="accent1"/>
+          </a:effectRef>
+          <a:fontRef idx="minor">
+            <a:schemeClr val="lt1"/>
+          </a:fontRef>
+        </p:style>
+        <p:txBody>
+          <a:bodyPr rtlCol="0" anchor="ctr"/>
+          <a:p>
+            <a:pPr algn="ctr"/>
+            <a:r>
+              <a:rPr lang="en-US" altLang="zh-CN"/>
+              <a:t>IR</a:t>
+            </a:r>
+            <a:endParaRPr lang="en-US" altLang="zh-CN"/>
+          </a:p>
+          <a:p>
+            <a:pPr algn="ctr"/>
+            <a:r>
+              <a:rPr lang="en-US" altLang="zh-CN"/>
+              <a:t>cash</a:t>
+            </a:r>
+            <a:endParaRPr lang="en-US" altLang="zh-CN"/>
+          </a:p>
+        </p:txBody>
+      </p:sp>
+      <p:sp>
+        <p:nvSpPr>
+          <p:cNvPr id="4" name="矩形 3"/>
+          <p:cNvSpPr/>
+          <p:nvPr/>
+        </p:nvSpPr>
+        <p:spPr>
+          <a:xfrm>
+            <a:off x="5382260" y="3323590"/>
+            <a:ext cx="3151505" cy="815975"/>
+          </a:xfrm>
+          <a:prstGeom prst="rect">
+            <a:avLst/>
+          </a:prstGeom>
+        </p:spPr>
+        <p:style>
+          <a:lnRef idx="2">
+            <a:schemeClr val="accent1">
+              <a:shade val="50000"/>
+            </a:schemeClr>
+          </a:lnRef>
+          <a:fillRef idx="1">
+            <a:schemeClr val="accent1"/>
+          </a:fillRef>
+          <a:effectRef idx="0">
+            <a:schemeClr val="accent1"/>
+          </a:effectRef>
+          <a:fontRef idx="minor">
+            <a:schemeClr val="lt1"/>
+          </a:fontRef>
+        </p:style>
+        <p:txBody>
+          <a:bodyPr rtlCol="0" anchor="ctr"/>
+          <a:p>
+            <a:pPr algn="ctr"/>
+            <a:r>
+              <a:rPr lang="en-US" altLang="zh-CN"/>
+              <a:t>sequence</a:t>
+            </a:r>
+            <a:endParaRPr lang="en-US" altLang="zh-CN"/>
+          </a:p>
+        </p:txBody>
+      </p:sp>
+      <p:sp>
+        <p:nvSpPr>
+          <p:cNvPr id="6" name="矩形 5"/>
+          <p:cNvSpPr/>
+          <p:nvPr/>
+        </p:nvSpPr>
+        <p:spPr>
+          <a:xfrm>
+            <a:off x="5382260" y="5463540"/>
+            <a:ext cx="3151505" cy="843280"/>
+          </a:xfrm>
+          <a:prstGeom prst="rect">
+            <a:avLst/>
+          </a:prstGeom>
+        </p:spPr>
+        <p:style>
+          <a:lnRef idx="2">
+            <a:schemeClr val="accent1">
+              <a:shade val="50000"/>
+            </a:schemeClr>
+          </a:lnRef>
+          <a:fillRef idx="1">
+            <a:schemeClr val="accent1"/>
+          </a:fillRef>
+          <a:effectRef idx="0">
+            <a:schemeClr val="accent1"/>
+          </a:effectRef>
+          <a:fontRef idx="minor">
+            <a:schemeClr val="lt1"/>
+          </a:fontRef>
+        </p:style>
+        <p:txBody>
+          <a:bodyPr rtlCol="0" anchor="ctr"/>
+          <a:p>
+            <a:pPr algn="ctr"/>
+            <a:r>
+              <a:rPr lang="en-US" altLang="zh-CN"/>
+              <a:t>transfer</a:t>
+            </a:r>
+            <a:endParaRPr lang="en-US" altLang="zh-CN"/>
+          </a:p>
+        </p:txBody>
+      </p:sp>
+      <p:sp>
+        <p:nvSpPr>
+          <p:cNvPr id="7" name="矩形 6"/>
+          <p:cNvSpPr/>
+          <p:nvPr/>
+        </p:nvSpPr>
+        <p:spPr>
+          <a:xfrm>
+            <a:off x="10140315" y="4214495"/>
+            <a:ext cx="1440180" cy="720090"/>
+          </a:xfrm>
+          <a:prstGeom prst="rect">
+            <a:avLst/>
+          </a:prstGeom>
+        </p:spPr>
+        <p:style>
+          <a:lnRef idx="2">
+            <a:schemeClr val="accent1">
+              <a:shade val="50000"/>
+            </a:schemeClr>
+          </a:lnRef>
+          <a:fillRef idx="1">
+            <a:schemeClr val="accent1"/>
+          </a:fillRef>
+          <a:effectRef idx="0">
+            <a:schemeClr val="accent1"/>
+          </a:effectRef>
+          <a:fontRef idx="minor">
+            <a:schemeClr val="lt1"/>
+          </a:fontRef>
+        </p:style>
+        <p:txBody>
+          <a:bodyPr rtlCol="0" anchor="ctr"/>
+          <a:p>
+            <a:pPr algn="ctr"/>
+            <a:r>
+              <a:rPr lang="en-US" altLang="zh-CN"/>
+              <a:t>excute</a:t>
+            </a:r>
+            <a:endParaRPr lang="en-US" altLang="zh-CN"/>
+          </a:p>
+          <a:p>
+            <a:pPr algn="ctr"/>
+            <a:r>
+              <a:rPr lang="en-US" altLang="zh-CN"/>
+              <a:t>queue</a:t>
+            </a:r>
+            <a:endParaRPr lang="en-US" altLang="zh-CN"/>
+          </a:p>
+        </p:txBody>
+      </p:sp>
+      <p:cxnSp>
+        <p:nvCxnSpPr>
+          <p:cNvPr id="8" name="直接箭头连接符 7"/>
+          <p:cNvCxnSpPr>
+            <a:stCxn id="5" idx="3"/>
+            <a:endCxn id="3" idx="1"/>
+          </p:cNvCxnSpPr>
+          <p:nvPr/>
+        </p:nvCxnSpPr>
+        <p:spPr>
+          <a:xfrm>
+            <a:off x="1255395" y="5004435"/>
+            <a:ext cx="683895" cy="19050"/>
+          </a:xfrm>
+          <a:prstGeom prst="straightConnector1">
+            <a:avLst/>
+          </a:prstGeom>
+          <a:ln>
+            <a:headEnd type="arrow"/>
+            <a:tailEnd type="arrow"/>
+          </a:ln>
+        </p:spPr>
+        <p:style>
+          <a:lnRef idx="1">
+            <a:schemeClr val="accent1"/>
+          </a:lnRef>
+          <a:fillRef idx="0">
+            <a:schemeClr val="accent1"/>
+          </a:fillRef>
+          <a:effectRef idx="0">
+            <a:schemeClr val="accent1"/>
+          </a:effectRef>
+          <a:fontRef idx="minor">
+            <a:schemeClr val="tx1"/>
+          </a:fontRef>
+        </p:style>
+      </p:cxnSp>
+      <p:cxnSp>
+        <p:nvCxnSpPr>
+          <p:cNvPr id="10" name="肘形连接符 9"/>
+          <p:cNvCxnSpPr>
+            <a:stCxn id="35" idx="4"/>
+            <a:endCxn id="28" idx="1"/>
+          </p:cNvCxnSpPr>
+          <p:nvPr/>
+        </p:nvCxnSpPr>
+        <p:spPr>
+          <a:xfrm rot="5400000" flipV="1">
+            <a:off x="4893945" y="5266055"/>
+            <a:ext cx="843280" cy="133350"/>
+          </a:xfrm>
+          <a:prstGeom prst="bentConnector2">
+            <a:avLst/>
+          </a:prstGeom>
+          <a:ln>
+            <a:tailEnd type="arrow"/>
+          </a:ln>
+        </p:spPr>
+        <p:style>
+          <a:lnRef idx="1">
+            <a:schemeClr val="accent1"/>
+          </a:lnRef>
+          <a:fillRef idx="0">
+            <a:schemeClr val="accent1"/>
+          </a:fillRef>
+          <a:effectRef idx="0">
+            <a:schemeClr val="accent1"/>
+          </a:effectRef>
+          <a:fontRef idx="minor">
+            <a:schemeClr val="tx1"/>
+          </a:fontRef>
+        </p:style>
+      </p:cxnSp>
+      <p:cxnSp>
+        <p:nvCxnSpPr>
+          <p:cNvPr id="11" name="肘形连接符 10"/>
+          <p:cNvCxnSpPr>
+            <a:stCxn id="46" idx="3"/>
+            <a:endCxn id="52" idx="1"/>
+          </p:cNvCxnSpPr>
+          <p:nvPr/>
+        </p:nvCxnSpPr>
+        <p:spPr>
+          <a:xfrm>
+            <a:off x="8533765" y="3940810"/>
+            <a:ext cx="443230" cy="495300"/>
+          </a:xfrm>
+          <a:prstGeom prst="bentConnector3">
+            <a:avLst>
+              <a:gd name="adj1" fmla="val 50000"/>
+            </a:avLst>
+          </a:prstGeom>
+          <a:ln>
+            <a:tailEnd type="arrow"/>
+          </a:ln>
+        </p:spPr>
+        <p:style>
+          <a:lnRef idx="1">
+            <a:schemeClr val="accent1"/>
+          </a:lnRef>
+          <a:fillRef idx="0">
+            <a:schemeClr val="accent1"/>
+          </a:fillRef>
+          <a:effectRef idx="0">
+            <a:schemeClr val="accent1"/>
+          </a:effectRef>
+          <a:fontRef idx="minor">
+            <a:schemeClr val="tx1"/>
+          </a:fontRef>
+        </p:style>
+      </p:cxnSp>
+      <p:cxnSp>
+        <p:nvCxnSpPr>
+          <p:cNvPr id="12" name="肘形连接符 11"/>
+          <p:cNvCxnSpPr>
+            <a:stCxn id="45" idx="3"/>
+            <a:endCxn id="53" idx="1"/>
+          </p:cNvCxnSpPr>
+          <p:nvPr/>
+        </p:nvCxnSpPr>
+        <p:spPr>
+          <a:xfrm flipV="1">
+            <a:off x="8523605" y="4824095"/>
+            <a:ext cx="452120" cy="1298575"/>
+          </a:xfrm>
+          <a:prstGeom prst="bentConnector3">
+            <a:avLst>
+              <a:gd name="adj1" fmla="val 50000"/>
+            </a:avLst>
+          </a:prstGeom>
+          <a:ln>
+            <a:tailEnd type="arrow"/>
+          </a:ln>
+        </p:spPr>
+        <p:style>
+          <a:lnRef idx="1">
+            <a:schemeClr val="accent1"/>
+          </a:lnRef>
+          <a:fillRef idx="0">
+            <a:schemeClr val="accent1"/>
+          </a:fillRef>
+          <a:effectRef idx="0">
+            <a:schemeClr val="accent1"/>
+          </a:effectRef>
+          <a:fontRef idx="minor">
+            <a:schemeClr val="tx1"/>
+          </a:fontRef>
+        </p:style>
+      </p:cxnSp>
+      <p:cxnSp>
+        <p:nvCxnSpPr>
+          <p:cNvPr id="13" name="直接箭头连接符 12"/>
+          <p:cNvCxnSpPr>
+            <a:stCxn id="7" idx="3"/>
+          </p:cNvCxnSpPr>
+          <p:nvPr/>
+        </p:nvCxnSpPr>
+        <p:spPr>
+          <a:xfrm>
+            <a:off x="11580495" y="4574540"/>
+            <a:ext cx="347345" cy="6350"/>
+          </a:xfrm>
+          <a:prstGeom prst="straightConnector1">
+            <a:avLst/>
+          </a:prstGeom>
+          <a:ln>
+            <a:tailEnd type="arrow"/>
+          </a:ln>
+        </p:spPr>
+        <p:style>
+          <a:lnRef idx="1">
+            <a:schemeClr val="accent1"/>
+          </a:lnRef>
+          <a:fillRef idx="0">
+            <a:schemeClr val="accent1"/>
+          </a:fillRef>
+          <a:effectRef idx="0">
+            <a:schemeClr val="accent1"/>
+          </a:effectRef>
+          <a:fontRef idx="minor">
+            <a:schemeClr val="tx1"/>
+          </a:fontRef>
+        </p:style>
+      </p:cxnSp>
+      <p:cxnSp>
+        <p:nvCxnSpPr>
+          <p:cNvPr id="19" name="直接箭头连接符 18"/>
+          <p:cNvCxnSpPr/>
+          <p:nvPr/>
+        </p:nvCxnSpPr>
+        <p:spPr>
+          <a:xfrm>
+            <a:off x="6800215" y="2603500"/>
+            <a:ext cx="0" cy="720090"/>
+          </a:xfrm>
+          <a:prstGeom prst="straightConnector1">
+            <a:avLst/>
+          </a:prstGeom>
+          <a:ln>
+            <a:tailEnd type="arrow"/>
+          </a:ln>
+        </p:spPr>
+        <p:style>
+          <a:lnRef idx="1">
+            <a:schemeClr val="accent1"/>
+          </a:lnRef>
+          <a:fillRef idx="0">
+            <a:schemeClr val="accent1"/>
+          </a:fillRef>
+          <a:effectRef idx="0">
+            <a:schemeClr val="accent1"/>
+          </a:effectRef>
+          <a:fontRef idx="minor">
+            <a:schemeClr val="tx1"/>
+          </a:fontRef>
+        </p:style>
+      </p:cxnSp>
+      <p:sp>
+        <p:nvSpPr>
+          <p:cNvPr id="20" name="文本框 19"/>
+          <p:cNvSpPr txBox="1"/>
+          <p:nvPr/>
+        </p:nvSpPr>
+        <p:spPr>
+          <a:xfrm>
+            <a:off x="1939290" y="4350385"/>
+            <a:ext cx="932815" cy="368300"/>
+          </a:xfrm>
+          <a:prstGeom prst="rect">
+            <a:avLst/>
+          </a:prstGeom>
+          <a:noFill/>
+        </p:spPr>
+        <p:txBody>
+          <a:bodyPr wrap="none" rtlCol="0">
+            <a:spAutoFit/>
+          </a:bodyPr>
+          <a:p>
+            <a:pPr algn="l"/>
+            <a:r>
+              <a:rPr lang="en-US" altLang="zh-CN"/>
+              <a:t>en_load</a:t>
+            </a:r>
+            <a:endParaRPr lang="en-US" altLang="zh-CN"/>
+          </a:p>
+        </p:txBody>
+      </p:sp>
+      <p:cxnSp>
+        <p:nvCxnSpPr>
+          <p:cNvPr id="21" name="直接箭头连接符 20"/>
+          <p:cNvCxnSpPr/>
+          <p:nvPr/>
+        </p:nvCxnSpPr>
+        <p:spPr>
+          <a:xfrm>
+            <a:off x="7320915" y="4743450"/>
+            <a:ext cx="0" cy="720090"/>
+          </a:xfrm>
+          <a:prstGeom prst="straightConnector1">
+            <a:avLst/>
+          </a:prstGeom>
+          <a:ln>
+            <a:tailEnd type="arrow"/>
+          </a:ln>
+        </p:spPr>
+        <p:style>
+          <a:lnRef idx="1">
+            <a:schemeClr val="accent1"/>
+          </a:lnRef>
+          <a:fillRef idx="0">
+            <a:schemeClr val="accent1"/>
+          </a:fillRef>
+          <a:effectRef idx="0">
+            <a:schemeClr val="accent1"/>
+          </a:effectRef>
+          <a:fontRef idx="minor">
+            <a:schemeClr val="tx1"/>
+          </a:fontRef>
+        </p:style>
+      </p:cxnSp>
+      <p:sp>
+        <p:nvSpPr>
+          <p:cNvPr id="22" name="文本框 21"/>
+          <p:cNvSpPr txBox="1"/>
+          <p:nvPr/>
+        </p:nvSpPr>
+        <p:spPr>
+          <a:xfrm>
+            <a:off x="2853055" y="4350385"/>
+            <a:ext cx="1128395" cy="368300"/>
+          </a:xfrm>
+          <a:prstGeom prst="rect">
+            <a:avLst/>
+          </a:prstGeom>
+          <a:noFill/>
+        </p:spPr>
+        <p:txBody>
+          <a:bodyPr wrap="none" rtlCol="0">
+            <a:spAutoFit/>
+          </a:bodyPr>
+          <a:p>
+            <a:pPr algn="l"/>
+            <a:r>
+              <a:rPr lang="en-US" altLang="zh-CN"/>
+              <a:t>load_addr</a:t>
+            </a:r>
+            <a:endParaRPr lang="en-US" altLang="zh-CN"/>
+          </a:p>
+        </p:txBody>
+      </p:sp>
+      <p:cxnSp>
+        <p:nvCxnSpPr>
+          <p:cNvPr id="23" name="肘形连接符 22"/>
+          <p:cNvCxnSpPr>
+            <a:stCxn id="35" idx="0"/>
+            <a:endCxn id="29" idx="1"/>
+          </p:cNvCxnSpPr>
+          <p:nvPr/>
+        </p:nvCxnSpPr>
+        <p:spPr>
+          <a:xfrm rot="16200000">
+            <a:off x="4691380" y="4144645"/>
+            <a:ext cx="1248410" cy="133350"/>
+          </a:xfrm>
+          <a:prstGeom prst="bentConnector2">
+            <a:avLst/>
+          </a:prstGeom>
+          <a:ln>
+            <a:tailEnd type="arrow"/>
+          </a:ln>
+        </p:spPr>
+        <p:style>
+          <a:lnRef idx="1">
+            <a:schemeClr val="accent1"/>
+          </a:lnRef>
+          <a:fillRef idx="0">
+            <a:schemeClr val="accent1"/>
+          </a:fillRef>
+          <a:effectRef idx="0">
+            <a:schemeClr val="accent1"/>
+          </a:effectRef>
+          <a:fontRef idx="minor">
+            <a:schemeClr val="tx1"/>
+          </a:fontRef>
+        </p:style>
+      </p:cxnSp>
+      <p:sp>
+        <p:nvSpPr>
+          <p:cNvPr id="24" name="文本框 23"/>
+          <p:cNvSpPr txBox="1"/>
+          <p:nvPr/>
+        </p:nvSpPr>
+        <p:spPr>
+          <a:xfrm>
+            <a:off x="3314700" y="4689475"/>
+            <a:ext cx="923290" cy="368300"/>
+          </a:xfrm>
+          <a:prstGeom prst="rect">
+            <a:avLst/>
+          </a:prstGeom>
+          <a:noFill/>
+        </p:spPr>
+        <p:txBody>
+          <a:bodyPr wrap="none" rtlCol="0">
+            <a:spAutoFit/>
+          </a:bodyPr>
+          <a:p>
+            <a:pPr algn="l"/>
+            <a:r>
+              <a:rPr lang="en-US" altLang="zh-CN"/>
+              <a:t>ir_block</a:t>
+            </a:r>
+            <a:endParaRPr lang="en-US" altLang="zh-CN"/>
+          </a:p>
+        </p:txBody>
+      </p:sp>
+      <p:sp>
+        <p:nvSpPr>
+          <p:cNvPr id="26" name="文本框 25"/>
+          <p:cNvSpPr txBox="1"/>
+          <p:nvPr/>
+        </p:nvSpPr>
+        <p:spPr>
+          <a:xfrm>
+            <a:off x="3009265" y="5223510"/>
+            <a:ext cx="1229360" cy="368300"/>
+          </a:xfrm>
+          <a:prstGeom prst="rect">
+            <a:avLst/>
+          </a:prstGeom>
+          <a:noFill/>
+        </p:spPr>
+        <p:txBody>
+          <a:bodyPr wrap="none" rtlCol="0">
+            <a:spAutoFit/>
+          </a:bodyPr>
+          <a:p>
+            <a:pPr algn="l"/>
+            <a:r>
+              <a:rPr lang="en-US" altLang="zh-CN"/>
+              <a:t>data_ready</a:t>
+            </a:r>
+            <a:endParaRPr lang="en-US" altLang="zh-CN"/>
+          </a:p>
+        </p:txBody>
+      </p:sp>
+      <p:cxnSp>
+        <p:nvCxnSpPr>
+          <p:cNvPr id="27" name="肘形连接符 26"/>
+          <p:cNvCxnSpPr>
+            <a:stCxn id="34" idx="4"/>
+            <a:endCxn id="30" idx="1"/>
+          </p:cNvCxnSpPr>
+          <p:nvPr/>
+        </p:nvCxnSpPr>
+        <p:spPr>
+          <a:xfrm rot="5400000" flipV="1">
+            <a:off x="4682808" y="5412423"/>
+            <a:ext cx="666750" cy="732155"/>
+          </a:xfrm>
+          <a:prstGeom prst="bentConnector2">
+            <a:avLst/>
+          </a:prstGeom>
+          <a:ln>
+            <a:tailEnd type="arrow"/>
+          </a:ln>
+        </p:spPr>
+        <p:style>
+          <a:lnRef idx="1">
+            <a:schemeClr val="accent1"/>
+          </a:lnRef>
+          <a:fillRef idx="0">
+            <a:schemeClr val="accent1"/>
+          </a:fillRef>
+          <a:effectRef idx="0">
+            <a:schemeClr val="accent1"/>
+          </a:effectRef>
+          <a:fontRef idx="minor">
+            <a:schemeClr val="tx1"/>
+          </a:fontRef>
+        </p:style>
+      </p:cxnSp>
+      <p:sp>
+        <p:nvSpPr>
+          <p:cNvPr id="28" name="文本框 27"/>
+          <p:cNvSpPr txBox="1"/>
+          <p:nvPr/>
+        </p:nvSpPr>
+        <p:spPr>
+          <a:xfrm>
+            <a:off x="5382260" y="5570220"/>
+            <a:ext cx="375920" cy="368300"/>
+          </a:xfrm>
+          <a:prstGeom prst="rect">
+            <a:avLst/>
+          </a:prstGeom>
+          <a:noFill/>
+        </p:spPr>
+        <p:txBody>
+          <a:bodyPr wrap="none" rtlCol="0">
+            <a:spAutoFit/>
+          </a:bodyPr>
+          <a:p>
+            <a:pPr algn="l"/>
+            <a:r>
+              <a:rPr lang="en-US" altLang="zh-CN"/>
+              <a:t>iD</a:t>
+            </a:r>
+            <a:endParaRPr lang="en-US" altLang="zh-CN"/>
+          </a:p>
+        </p:txBody>
+      </p:sp>
+      <p:sp>
+        <p:nvSpPr>
+          <p:cNvPr id="29" name="文本框 28"/>
+          <p:cNvSpPr txBox="1"/>
+          <p:nvPr/>
+        </p:nvSpPr>
+        <p:spPr>
+          <a:xfrm>
+            <a:off x="5382260" y="3402965"/>
+            <a:ext cx="375920" cy="368300"/>
+          </a:xfrm>
+          <a:prstGeom prst="rect">
+            <a:avLst/>
+          </a:prstGeom>
+          <a:noFill/>
+        </p:spPr>
+        <p:txBody>
+          <a:bodyPr wrap="none" rtlCol="0">
+            <a:spAutoFit/>
+          </a:bodyPr>
+          <a:p>
+            <a:pPr algn="l"/>
+            <a:r>
+              <a:rPr lang="en-US" altLang="zh-CN"/>
+              <a:t>iD</a:t>
+            </a:r>
+            <a:endParaRPr lang="en-US" altLang="zh-CN"/>
+          </a:p>
+        </p:txBody>
+      </p:sp>
+      <p:sp>
+        <p:nvSpPr>
+          <p:cNvPr id="30" name="文本框 29"/>
+          <p:cNvSpPr txBox="1"/>
+          <p:nvPr/>
+        </p:nvSpPr>
+        <p:spPr>
+          <a:xfrm>
+            <a:off x="5382260" y="5927725"/>
+            <a:ext cx="1229360" cy="368300"/>
+          </a:xfrm>
+          <a:prstGeom prst="rect">
+            <a:avLst/>
+          </a:prstGeom>
+          <a:noFill/>
+        </p:spPr>
+        <p:txBody>
+          <a:bodyPr wrap="none" rtlCol="0">
+            <a:spAutoFit/>
+          </a:bodyPr>
+          <a:p>
+            <a:pPr algn="l"/>
+            <a:r>
+              <a:rPr lang="en-US" altLang="zh-CN"/>
+              <a:t>data_ready</a:t>
+            </a:r>
+            <a:endParaRPr lang="en-US" altLang="zh-CN"/>
+          </a:p>
+        </p:txBody>
+      </p:sp>
+      <p:sp>
+        <p:nvSpPr>
+          <p:cNvPr id="31" name="文本框 30"/>
+          <p:cNvSpPr txBox="1"/>
+          <p:nvPr/>
+        </p:nvSpPr>
+        <p:spPr>
+          <a:xfrm>
+            <a:off x="5382260" y="3756660"/>
+            <a:ext cx="1229360" cy="368300"/>
+          </a:xfrm>
+          <a:prstGeom prst="rect">
+            <a:avLst/>
+          </a:prstGeom>
+          <a:noFill/>
+        </p:spPr>
+        <p:txBody>
+          <a:bodyPr wrap="none" rtlCol="0">
+            <a:spAutoFit/>
+          </a:bodyPr>
+          <a:p>
+            <a:pPr algn="l"/>
+            <a:r>
+              <a:rPr lang="en-US" altLang="zh-CN"/>
+              <a:t>data_ready</a:t>
+            </a:r>
+            <a:endParaRPr lang="en-US" altLang="zh-CN"/>
+          </a:p>
+        </p:txBody>
+      </p:sp>
+      <p:sp>
+        <p:nvSpPr>
+          <p:cNvPr id="34" name="椭圆 33"/>
+          <p:cNvSpPr/>
+          <p:nvPr/>
+        </p:nvSpPr>
+        <p:spPr>
+          <a:xfrm>
+            <a:off x="4612005" y="5369560"/>
+            <a:ext cx="75565" cy="75565"/>
+          </a:xfrm>
+          <a:prstGeom prst="ellipse">
+            <a:avLst/>
+          </a:prstGeom>
+        </p:spPr>
+        <p:style>
+          <a:lnRef idx="2">
+            <a:schemeClr val="accent1">
+              <a:shade val="50000"/>
+            </a:schemeClr>
+          </a:lnRef>
+          <a:fillRef idx="1">
+            <a:schemeClr val="accent1"/>
+          </a:fillRef>
+          <a:effectRef idx="0">
+            <a:schemeClr val="accent1"/>
+          </a:effectRef>
+          <a:fontRef idx="minor">
+            <a:schemeClr val="lt1"/>
+          </a:fontRef>
+        </p:style>
+        <p:txBody>
+          <a:bodyPr rtlCol="0" anchor="ctr"/>
+          <a:p>
+            <a:pPr algn="ctr"/>
+            <a:endParaRPr lang="zh-CN" altLang="en-US"/>
+          </a:p>
+        </p:txBody>
+      </p:sp>
+      <p:sp>
+        <p:nvSpPr>
+          <p:cNvPr id="35" name="椭圆 34"/>
+          <p:cNvSpPr/>
+          <p:nvPr/>
+        </p:nvSpPr>
+        <p:spPr>
+          <a:xfrm>
+            <a:off x="5210810" y="4835525"/>
+            <a:ext cx="75565" cy="75565"/>
+          </a:xfrm>
+          <a:prstGeom prst="ellipse">
+            <a:avLst/>
+          </a:prstGeom>
+        </p:spPr>
+        <p:style>
+          <a:lnRef idx="2">
+            <a:schemeClr val="accent1">
+              <a:shade val="50000"/>
+            </a:schemeClr>
+          </a:lnRef>
+          <a:fillRef idx="1">
+            <a:schemeClr val="accent1"/>
+          </a:fillRef>
+          <a:effectRef idx="0">
+            <a:schemeClr val="accent1"/>
+          </a:effectRef>
+          <a:fontRef idx="minor">
+            <a:schemeClr val="lt1"/>
+          </a:fontRef>
+        </p:style>
+        <p:txBody>
+          <a:bodyPr rtlCol="0" anchor="ctr"/>
+          <a:p>
+            <a:pPr algn="ctr"/>
+            <a:endParaRPr lang="zh-CN" altLang="en-US"/>
+          </a:p>
+        </p:txBody>
+      </p:sp>
+      <p:cxnSp>
+        <p:nvCxnSpPr>
+          <p:cNvPr id="36" name="肘形连接符 35"/>
+          <p:cNvCxnSpPr>
+            <a:stCxn id="34" idx="0"/>
+            <a:endCxn id="31" idx="1"/>
+          </p:cNvCxnSpPr>
+          <p:nvPr/>
+        </p:nvCxnSpPr>
+        <p:spPr>
+          <a:xfrm rot="16200000">
+            <a:off x="4301808" y="4289108"/>
+            <a:ext cx="1428750" cy="732155"/>
+          </a:xfrm>
+          <a:prstGeom prst="bentConnector2">
+            <a:avLst/>
+          </a:prstGeom>
+          <a:ln>
+            <a:tailEnd type="arrow"/>
+          </a:ln>
+        </p:spPr>
+        <p:style>
+          <a:lnRef idx="1">
+            <a:schemeClr val="accent1"/>
+          </a:lnRef>
+          <a:fillRef idx="0">
+            <a:schemeClr val="accent1"/>
+          </a:fillRef>
+          <a:effectRef idx="0">
+            <a:schemeClr val="accent1"/>
+          </a:effectRef>
+          <a:fontRef idx="minor">
+            <a:schemeClr val="tx1"/>
+          </a:fontRef>
+        </p:style>
+      </p:cxnSp>
+      <p:cxnSp>
+        <p:nvCxnSpPr>
+          <p:cNvPr id="37" name="直接连接符 36"/>
+          <p:cNvCxnSpPr>
+            <a:stCxn id="26" idx="3"/>
+            <a:endCxn id="34" idx="2"/>
+          </p:cNvCxnSpPr>
+          <p:nvPr/>
+        </p:nvCxnSpPr>
+        <p:spPr>
+          <a:xfrm>
+            <a:off x="4238625" y="5407660"/>
+            <a:ext cx="373380" cy="0"/>
+          </a:xfrm>
+          <a:prstGeom prst="line">
+            <a:avLst/>
+          </a:prstGeom>
+        </p:spPr>
+        <p:style>
+          <a:lnRef idx="1">
+            <a:schemeClr val="accent1"/>
+          </a:lnRef>
+          <a:fillRef idx="0">
+            <a:schemeClr val="accent1"/>
+          </a:fillRef>
+          <a:effectRef idx="0">
+            <a:schemeClr val="accent1"/>
+          </a:effectRef>
+          <a:fontRef idx="minor">
+            <a:schemeClr val="tx1"/>
+          </a:fontRef>
+        </p:style>
+      </p:cxnSp>
+      <p:cxnSp>
+        <p:nvCxnSpPr>
+          <p:cNvPr id="38" name="直接连接符 37"/>
+          <p:cNvCxnSpPr>
+            <a:stCxn id="35" idx="2"/>
+            <a:endCxn id="24" idx="3"/>
+          </p:cNvCxnSpPr>
+          <p:nvPr/>
+        </p:nvCxnSpPr>
+        <p:spPr>
+          <a:xfrm flipH="1">
+            <a:off x="4237990" y="4873625"/>
+            <a:ext cx="972820" cy="0"/>
+          </a:xfrm>
+          <a:prstGeom prst="line">
+            <a:avLst/>
+          </a:prstGeom>
+        </p:spPr>
+        <p:style>
+          <a:lnRef idx="1">
+            <a:schemeClr val="accent1"/>
+          </a:lnRef>
+          <a:fillRef idx="0">
+            <a:schemeClr val="accent1"/>
+          </a:fillRef>
+          <a:effectRef idx="0">
+            <a:schemeClr val="accent1"/>
+          </a:effectRef>
+          <a:fontRef idx="minor">
+            <a:schemeClr val="tx1"/>
+          </a:fontRef>
+        </p:style>
+      </p:cxnSp>
+      <p:sp>
+        <p:nvSpPr>
+          <p:cNvPr id="41" name="矩形 40"/>
+          <p:cNvSpPr/>
+          <p:nvPr/>
+        </p:nvSpPr>
+        <p:spPr>
+          <a:xfrm>
+            <a:off x="3207385" y="1260475"/>
+            <a:ext cx="2174875" cy="721360"/>
+          </a:xfrm>
+          <a:prstGeom prst="rect">
+            <a:avLst/>
+          </a:prstGeom>
+        </p:spPr>
+        <p:style>
+          <a:lnRef idx="2">
+            <a:schemeClr val="accent1">
+              <a:shade val="50000"/>
+            </a:schemeClr>
+          </a:lnRef>
+          <a:fillRef idx="1">
+            <a:schemeClr val="accent1"/>
+          </a:fillRef>
+          <a:effectRef idx="0">
+            <a:schemeClr val="accent1"/>
+          </a:effectRef>
+          <a:fontRef idx="minor">
+            <a:schemeClr val="lt1"/>
+          </a:fontRef>
+        </p:style>
+        <p:txBody>
+          <a:bodyPr rtlCol="0" anchor="ctr"/>
+          <a:p>
+            <a:pPr algn="ctr"/>
+            <a:r>
+              <a:rPr lang="en-US" altLang="zh-CN"/>
+              <a:t>state machine</a:t>
+            </a:r>
+            <a:endParaRPr lang="en-US" altLang="zh-CN"/>
+          </a:p>
+        </p:txBody>
+      </p:sp>
+      <p:sp>
+        <p:nvSpPr>
+          <p:cNvPr id="42" name="文本框 41"/>
+          <p:cNvSpPr txBox="1"/>
+          <p:nvPr/>
+        </p:nvSpPr>
+        <p:spPr>
+          <a:xfrm>
+            <a:off x="6091555" y="3233420"/>
+            <a:ext cx="1417320" cy="368300"/>
+          </a:xfrm>
+          <a:prstGeom prst="rect">
+            <a:avLst/>
+          </a:prstGeom>
+          <a:noFill/>
+        </p:spPr>
+        <p:txBody>
+          <a:bodyPr wrap="none" rtlCol="0">
+            <a:spAutoFit/>
+          </a:bodyPr>
+          <a:p>
+            <a:pPr algn="l"/>
+            <a:r>
+              <a:rPr lang="en-US" altLang="zh-CN"/>
+              <a:t>en_sequence</a:t>
+            </a:r>
+            <a:endParaRPr lang="en-US" altLang="zh-CN"/>
+          </a:p>
+        </p:txBody>
+      </p:sp>
+      <p:sp>
+        <p:nvSpPr>
+          <p:cNvPr id="43" name="文本框 42"/>
+          <p:cNvSpPr txBox="1"/>
+          <p:nvPr/>
+        </p:nvSpPr>
+        <p:spPr>
+          <a:xfrm>
+            <a:off x="6630670" y="5369560"/>
+            <a:ext cx="1256030" cy="368300"/>
+          </a:xfrm>
+          <a:prstGeom prst="rect">
+            <a:avLst/>
+          </a:prstGeom>
+          <a:noFill/>
+        </p:spPr>
+        <p:txBody>
+          <a:bodyPr wrap="none" rtlCol="0">
+            <a:spAutoFit/>
+          </a:bodyPr>
+          <a:p>
+            <a:pPr algn="l"/>
+            <a:r>
+              <a:rPr lang="en-US" altLang="zh-CN"/>
+              <a:t>en_transfer</a:t>
+            </a:r>
+            <a:endParaRPr lang="en-US" altLang="zh-CN"/>
+          </a:p>
+        </p:txBody>
+      </p:sp>
+      <p:sp>
+        <p:nvSpPr>
+          <p:cNvPr id="45" name="文本框 44"/>
+          <p:cNvSpPr txBox="1"/>
+          <p:nvPr/>
+        </p:nvSpPr>
+        <p:spPr>
+          <a:xfrm>
+            <a:off x="6762750" y="5938520"/>
+            <a:ext cx="1760855" cy="368300"/>
+          </a:xfrm>
+          <a:prstGeom prst="rect">
+            <a:avLst/>
+          </a:prstGeom>
+          <a:noFill/>
+        </p:spPr>
+        <p:txBody>
+          <a:bodyPr wrap="none" rtlCol="0">
+            <a:spAutoFit/>
+          </a:bodyPr>
+          <a:p>
+            <a:pPr algn="l"/>
+            <a:r>
+              <a:rPr lang="en-US" altLang="zh-CN"/>
+              <a:t>transfer_ir_blcok</a:t>
+            </a:r>
+            <a:endParaRPr lang="en-US" altLang="zh-CN"/>
+          </a:p>
+        </p:txBody>
+      </p:sp>
+      <p:sp>
+        <p:nvSpPr>
+          <p:cNvPr id="46" name="文本框 45"/>
+          <p:cNvSpPr txBox="1"/>
+          <p:nvPr/>
+        </p:nvSpPr>
+        <p:spPr>
+          <a:xfrm>
+            <a:off x="6611620" y="3756660"/>
+            <a:ext cx="1922145" cy="368300"/>
+          </a:xfrm>
+          <a:prstGeom prst="rect">
+            <a:avLst/>
+          </a:prstGeom>
+          <a:noFill/>
+        </p:spPr>
+        <p:txBody>
+          <a:bodyPr wrap="none" rtlCol="0">
+            <a:spAutoFit/>
+          </a:bodyPr>
+          <a:p>
+            <a:pPr algn="l"/>
+            <a:r>
+              <a:rPr lang="en-US" altLang="zh-CN"/>
+              <a:t>sequence_ir_blcok</a:t>
+            </a:r>
+            <a:endParaRPr lang="en-US" altLang="zh-CN"/>
+          </a:p>
+        </p:txBody>
+      </p:sp>
+      <p:sp>
+        <p:nvSpPr>
+          <p:cNvPr id="47" name="流程图: 预定义过程 46"/>
+          <p:cNvSpPr/>
+          <p:nvPr/>
+        </p:nvSpPr>
+        <p:spPr>
+          <a:xfrm>
+            <a:off x="9697681" y="2334578"/>
+            <a:ext cx="1883488" cy="368299"/>
+          </a:xfrm>
+          <a:prstGeom prst="flowChartPredefinedProcess">
+            <a:avLst/>
+          </a:prstGeom>
+        </p:spPr>
+        <p:style>
+          <a:lnRef idx="2">
+            <a:schemeClr val="accent1">
+              <a:shade val="50000"/>
+            </a:schemeClr>
+          </a:lnRef>
+          <a:fillRef idx="1">
+            <a:schemeClr val="accent1"/>
+          </a:fillRef>
+          <a:effectRef idx="0">
+            <a:schemeClr val="accent1"/>
+          </a:effectRef>
+          <a:fontRef idx="minor">
+            <a:schemeClr val="lt1"/>
           </a:fontRef>
         </p:style>
         <p:txBody>
@@ -6362,16 +8995,482 @@
             <a:spAutoFit/>
           </a:bodyPr>
           <a:p>
+            <a:pPr algn="ctr"/>
+            <a:r>
+              <a:rPr lang="en-US" altLang="zh-CN"/>
+              <a:t>transfer_addr</a:t>
+            </a:r>
+            <a:endParaRPr lang="en-US" altLang="zh-CN"/>
+          </a:p>
+        </p:txBody>
+      </p:sp>
+      <p:sp>
+        <p:nvSpPr>
+          <p:cNvPr id="48" name="流程图: 预定义过程 47"/>
+          <p:cNvSpPr/>
+          <p:nvPr/>
+        </p:nvSpPr>
+        <p:spPr>
+          <a:xfrm>
+            <a:off x="9697720" y="1981835"/>
+            <a:ext cx="1882775" cy="353060"/>
+          </a:xfrm>
+          <a:prstGeom prst="flowChartPredefinedProcess">
+            <a:avLst/>
+          </a:prstGeom>
+        </p:spPr>
+        <p:style>
+          <a:lnRef idx="2">
+            <a:schemeClr val="accent1">
+              <a:shade val="50000"/>
+            </a:schemeClr>
+          </a:lnRef>
+          <a:fillRef idx="1">
+            <a:schemeClr val="accent1"/>
+          </a:fillRef>
+          <a:effectRef idx="0">
+            <a:schemeClr val="accent1"/>
+          </a:effectRef>
+          <a:fontRef idx="minor">
+            <a:schemeClr val="lt1"/>
+          </a:fontRef>
+        </p:style>
+        <p:txBody>
+          <a:bodyPr rtlCol="0" anchor="ctr"/>
+          <a:p>
+            <a:pPr algn="ctr"/>
+            <a:r>
+              <a:rPr lang="en-US" altLang="zh-CN"/>
+              <a:t>last_ir</a:t>
+            </a:r>
+            <a:endParaRPr lang="en-US" altLang="zh-CN"/>
+          </a:p>
+        </p:txBody>
+      </p:sp>
+      <p:sp>
+        <p:nvSpPr>
+          <p:cNvPr id="51" name="流程图: 手动操作 50"/>
+          <p:cNvSpPr/>
+          <p:nvPr/>
+        </p:nvSpPr>
+        <p:spPr>
+          <a:xfrm rot="16200000">
+            <a:off x="8573135" y="4358640"/>
+            <a:ext cx="1238885" cy="431800"/>
+          </a:xfrm>
+          <a:prstGeom prst="flowChartManualOperation">
+            <a:avLst/>
+          </a:prstGeom>
+          <a:noFill/>
+        </p:spPr>
+        <p:style>
+          <a:lnRef idx="2">
+            <a:schemeClr val="accent1">
+              <a:shade val="50000"/>
+            </a:schemeClr>
+          </a:lnRef>
+          <a:fillRef idx="1">
+            <a:schemeClr val="accent1"/>
+          </a:fillRef>
+          <a:effectRef idx="0">
+            <a:schemeClr val="accent1"/>
+          </a:effectRef>
+          <a:fontRef idx="minor">
+            <a:schemeClr val="lt1"/>
+          </a:fontRef>
+        </p:style>
+        <p:txBody>
+          <a:bodyPr rtlCol="0" anchor="ctr"/>
+          <a:p>
+            <a:pPr algn="ctr"/>
+            <a:endParaRPr lang="zh-CN" altLang="en-US"/>
+          </a:p>
+        </p:txBody>
+      </p:sp>
+      <p:sp>
+        <p:nvSpPr>
+          <p:cNvPr id="52" name="文本框 51"/>
+          <p:cNvSpPr txBox="1"/>
+          <p:nvPr/>
+        </p:nvSpPr>
+        <p:spPr>
+          <a:xfrm>
+            <a:off x="8976995" y="4251960"/>
+            <a:ext cx="298450" cy="368300"/>
+          </a:xfrm>
+          <a:prstGeom prst="rect">
+            <a:avLst/>
+          </a:prstGeom>
+          <a:noFill/>
+        </p:spPr>
+        <p:txBody>
+          <a:bodyPr wrap="none" rtlCol="0">
+            <a:spAutoFit/>
+          </a:bodyPr>
+          <a:p>
             <a:pPr algn="l"/>
             <a:r>
-              <a:rPr lang="zh-CN" altLang="en-US" sz="1200"/>
-              <a:t>当前地址加</a:t>
-            </a:r>
-            <a:r>
-              <a:rPr lang="en-US" altLang="zh-CN" sz="1200"/>
+              <a:rPr lang="en-US" altLang="zh-CN"/>
+              <a:t>0</a:t>
+            </a:r>
+            <a:endParaRPr lang="en-US" altLang="zh-CN"/>
+          </a:p>
+        </p:txBody>
+      </p:sp>
+      <p:sp>
+        <p:nvSpPr>
+          <p:cNvPr id="53" name="文本框 52"/>
+          <p:cNvSpPr txBox="1"/>
+          <p:nvPr/>
+        </p:nvSpPr>
+        <p:spPr>
+          <a:xfrm>
+            <a:off x="8975725" y="4639945"/>
+            <a:ext cx="298450" cy="368300"/>
+          </a:xfrm>
+          <a:prstGeom prst="rect">
+            <a:avLst/>
+          </a:prstGeom>
+          <a:noFill/>
+        </p:spPr>
+        <p:txBody>
+          <a:bodyPr wrap="none" rtlCol="0">
+            <a:spAutoFit/>
+          </a:bodyPr>
+          <a:p>
+            <a:pPr algn="l"/>
+            <a:r>
+              <a:rPr lang="en-US" altLang="zh-CN"/>
               <a:t>1</a:t>
             </a:r>
-            <a:endParaRPr lang="en-US" altLang="zh-CN" sz="1200"/>
+            <a:endParaRPr lang="en-US" altLang="zh-CN"/>
+          </a:p>
+        </p:txBody>
+      </p:sp>
+      <p:cxnSp>
+        <p:nvCxnSpPr>
+          <p:cNvPr id="54" name="直接箭头连接符 53"/>
+          <p:cNvCxnSpPr>
+            <a:stCxn id="51" idx="2"/>
+            <a:endCxn id="7" idx="1"/>
+          </p:cNvCxnSpPr>
+          <p:nvPr/>
+        </p:nvCxnSpPr>
+        <p:spPr>
+          <a:xfrm>
+            <a:off x="9408795" y="4574540"/>
+            <a:ext cx="731520" cy="0"/>
+          </a:xfrm>
+          <a:prstGeom prst="straightConnector1">
+            <a:avLst/>
+          </a:prstGeom>
+          <a:ln>
+            <a:tailEnd type="arrow"/>
+          </a:ln>
+        </p:spPr>
+        <p:style>
+          <a:lnRef idx="1">
+            <a:schemeClr val="accent1"/>
+          </a:lnRef>
+          <a:fillRef idx="0">
+            <a:schemeClr val="accent1"/>
+          </a:fillRef>
+          <a:effectRef idx="0">
+            <a:schemeClr val="accent1"/>
+          </a:effectRef>
+          <a:fontRef idx="minor">
+            <a:schemeClr val="tx1"/>
+          </a:fontRef>
+        </p:style>
+      </p:cxnSp>
+      <p:sp>
+        <p:nvSpPr>
+          <p:cNvPr id="55" name="椭圆 54"/>
+          <p:cNvSpPr/>
+          <p:nvPr/>
+        </p:nvSpPr>
+        <p:spPr>
+          <a:xfrm>
+            <a:off x="9680575" y="4538345"/>
+            <a:ext cx="75565" cy="75565"/>
+          </a:xfrm>
+          <a:prstGeom prst="ellipse">
+            <a:avLst/>
+          </a:prstGeom>
+        </p:spPr>
+        <p:style>
+          <a:lnRef idx="2">
+            <a:schemeClr val="accent1">
+              <a:shade val="50000"/>
+            </a:schemeClr>
+          </a:lnRef>
+          <a:fillRef idx="1">
+            <a:schemeClr val="accent1"/>
+          </a:fillRef>
+          <a:effectRef idx="0">
+            <a:schemeClr val="accent1"/>
+          </a:effectRef>
+          <a:fontRef idx="minor">
+            <a:schemeClr val="lt1"/>
+          </a:fontRef>
+        </p:style>
+        <p:txBody>
+          <a:bodyPr rtlCol="0" anchor="ctr"/>
+          <a:p>
+            <a:pPr algn="ctr"/>
+            <a:endParaRPr lang="zh-CN" altLang="en-US"/>
+          </a:p>
+        </p:txBody>
+      </p:sp>
+      <p:cxnSp>
+        <p:nvCxnSpPr>
+          <p:cNvPr id="56" name="肘形连接符 55"/>
+          <p:cNvCxnSpPr>
+            <a:stCxn id="55" idx="0"/>
+            <a:endCxn id="47" idx="2"/>
+          </p:cNvCxnSpPr>
+          <p:nvPr/>
+        </p:nvCxnSpPr>
+        <p:spPr>
+          <a:xfrm rot="16200000">
+            <a:off x="9261475" y="3160395"/>
+            <a:ext cx="1835150" cy="920750"/>
+          </a:xfrm>
+          <a:prstGeom prst="bentConnector3">
+            <a:avLst>
+              <a:gd name="adj1" fmla="val 50000"/>
+            </a:avLst>
+          </a:prstGeom>
+          <a:ln>
+            <a:tailEnd type="arrow"/>
+          </a:ln>
+        </p:spPr>
+        <p:style>
+          <a:lnRef idx="1">
+            <a:schemeClr val="accent1"/>
+          </a:lnRef>
+          <a:fillRef idx="0">
+            <a:schemeClr val="accent1"/>
+          </a:fillRef>
+          <a:effectRef idx="0">
+            <a:schemeClr val="accent1"/>
+          </a:effectRef>
+          <a:fontRef idx="minor">
+            <a:schemeClr val="tx1"/>
+          </a:fontRef>
+        </p:style>
+      </p:cxnSp>
+      <p:cxnSp>
+        <p:nvCxnSpPr>
+          <p:cNvPr id="57" name="直接箭头连接符 56"/>
+          <p:cNvCxnSpPr/>
+          <p:nvPr/>
+        </p:nvCxnSpPr>
+        <p:spPr>
+          <a:xfrm>
+            <a:off x="2406015" y="3630295"/>
+            <a:ext cx="0" cy="720090"/>
+          </a:xfrm>
+          <a:prstGeom prst="straightConnector1">
+            <a:avLst/>
+          </a:prstGeom>
+          <a:ln>
+            <a:tailEnd type="arrow"/>
+          </a:ln>
+        </p:spPr>
+        <p:style>
+          <a:lnRef idx="1">
+            <a:schemeClr val="accent1"/>
+          </a:lnRef>
+          <a:fillRef idx="0">
+            <a:schemeClr val="accent1"/>
+          </a:fillRef>
+          <a:effectRef idx="0">
+            <a:schemeClr val="accent1"/>
+          </a:effectRef>
+          <a:fontRef idx="minor">
+            <a:schemeClr val="tx1"/>
+          </a:fontRef>
+        </p:style>
+      </p:cxnSp>
+      <p:cxnSp>
+        <p:nvCxnSpPr>
+          <p:cNvPr id="58" name="直接箭头连接符 57"/>
+          <p:cNvCxnSpPr/>
+          <p:nvPr/>
+        </p:nvCxnSpPr>
+        <p:spPr>
+          <a:xfrm>
+            <a:off x="3417570" y="3630295"/>
+            <a:ext cx="0" cy="720090"/>
+          </a:xfrm>
+          <a:prstGeom prst="straightConnector1">
+            <a:avLst/>
+          </a:prstGeom>
+          <a:ln>
+            <a:tailEnd type="arrow"/>
+          </a:ln>
+        </p:spPr>
+        <p:style>
+          <a:lnRef idx="1">
+            <a:schemeClr val="accent1"/>
+          </a:lnRef>
+          <a:fillRef idx="0">
+            <a:schemeClr val="accent1"/>
+          </a:fillRef>
+          <a:effectRef idx="0">
+            <a:schemeClr val="accent1"/>
+          </a:effectRef>
+          <a:fontRef idx="minor">
+            <a:schemeClr val="tx1"/>
+          </a:fontRef>
+        </p:style>
+      </p:cxnSp>
+      <p:cxnSp>
+        <p:nvCxnSpPr>
+          <p:cNvPr id="60" name="肘形连接符 59"/>
+          <p:cNvCxnSpPr>
+            <a:endCxn id="52" idx="0"/>
+          </p:cNvCxnSpPr>
+          <p:nvPr/>
+        </p:nvCxnSpPr>
+        <p:spPr>
+          <a:xfrm>
+            <a:off x="6791325" y="2727960"/>
+            <a:ext cx="2334895" cy="1524000"/>
+          </a:xfrm>
+          <a:prstGeom prst="bentConnector2">
+            <a:avLst/>
+          </a:prstGeom>
+          <a:ln>
+            <a:tailEnd type="arrow"/>
+          </a:ln>
+        </p:spPr>
+        <p:style>
+          <a:lnRef idx="1">
+            <a:schemeClr val="accent1"/>
+          </a:lnRef>
+          <a:fillRef idx="0">
+            <a:schemeClr val="accent1"/>
+          </a:fillRef>
+          <a:effectRef idx="0">
+            <a:schemeClr val="accent1"/>
+          </a:effectRef>
+          <a:fontRef idx="minor">
+            <a:schemeClr val="tx1"/>
+          </a:fontRef>
+        </p:style>
+      </p:cxnSp>
+      <p:cxnSp>
+        <p:nvCxnSpPr>
+          <p:cNvPr id="61" name="肘形连接符 60"/>
+          <p:cNvCxnSpPr>
+            <a:endCxn id="53" idx="2"/>
+          </p:cNvCxnSpPr>
+          <p:nvPr/>
+        </p:nvCxnSpPr>
+        <p:spPr>
+          <a:xfrm flipV="1">
+            <a:off x="7320280" y="5008245"/>
+            <a:ext cx="1804670" cy="292735"/>
+          </a:xfrm>
+          <a:prstGeom prst="bentConnector2">
+            <a:avLst/>
+          </a:prstGeom>
+          <a:ln>
+            <a:tailEnd type="arrow"/>
+          </a:ln>
+        </p:spPr>
+        <p:style>
+          <a:lnRef idx="1">
+            <a:schemeClr val="accent1"/>
+          </a:lnRef>
+          <a:fillRef idx="0">
+            <a:schemeClr val="accent1"/>
+          </a:fillRef>
+          <a:effectRef idx="0">
+            <a:schemeClr val="accent1"/>
+          </a:effectRef>
+          <a:fontRef idx="minor">
+            <a:schemeClr val="tx1"/>
+          </a:fontRef>
+        </p:style>
+      </p:cxnSp>
+      <p:sp>
+        <p:nvSpPr>
+          <p:cNvPr id="62" name="椭圆 61"/>
+          <p:cNvSpPr/>
+          <p:nvPr/>
+        </p:nvSpPr>
+        <p:spPr>
+          <a:xfrm>
+            <a:off x="7282815" y="5225415"/>
+            <a:ext cx="75565" cy="75565"/>
+          </a:xfrm>
+          <a:prstGeom prst="ellipse">
+            <a:avLst/>
+          </a:prstGeom>
+        </p:spPr>
+        <p:style>
+          <a:lnRef idx="2">
+            <a:schemeClr val="accent1">
+              <a:shade val="50000"/>
+            </a:schemeClr>
+          </a:lnRef>
+          <a:fillRef idx="1">
+            <a:schemeClr val="accent1"/>
+          </a:fillRef>
+          <a:effectRef idx="0">
+            <a:schemeClr val="accent1"/>
+          </a:effectRef>
+          <a:fontRef idx="minor">
+            <a:schemeClr val="lt1"/>
+          </a:fontRef>
+        </p:style>
+        <p:txBody>
+          <a:bodyPr rtlCol="0" anchor="ctr"/>
+          <a:p>
+            <a:pPr algn="ctr"/>
+            <a:endParaRPr lang="zh-CN" altLang="en-US"/>
+          </a:p>
+        </p:txBody>
+      </p:sp>
+      <p:sp>
+        <p:nvSpPr>
+          <p:cNvPr id="63" name="椭圆 62"/>
+          <p:cNvSpPr/>
+          <p:nvPr/>
+        </p:nvSpPr>
+        <p:spPr>
+          <a:xfrm>
+            <a:off x="6762750" y="2652395"/>
+            <a:ext cx="75565" cy="75565"/>
+          </a:xfrm>
+          <a:prstGeom prst="ellipse">
+            <a:avLst/>
+          </a:prstGeom>
+        </p:spPr>
+        <p:style>
+          <a:lnRef idx="2">
+            <a:schemeClr val="accent1">
+              <a:shade val="50000"/>
+            </a:schemeClr>
+          </a:lnRef>
+          <a:fillRef idx="1">
+            <a:schemeClr val="accent1"/>
+          </a:fillRef>
+          <a:effectRef idx="0">
+            <a:schemeClr val="accent1"/>
+          </a:effectRef>
+          <a:fontRef idx="minor">
+            <a:schemeClr val="lt1"/>
+          </a:fontRef>
+        </p:style>
+        <p:txBody>
+          <a:bodyPr rtlCol="0" anchor="ctr"/>
+          <a:p>
+            <a:pPr algn="ctr"/>
+            <a:endParaRPr lang="zh-CN" altLang="en-US"/>
           </a:p>
         </p:txBody>
       </p:sp>
@@ -6634,8 +9733,265 @@
       </a:bgFillStyleLst>
     </a:fmtScheme>
   </a:themeElements>
-  <a:objectDefaults/>
-  <a:extraClrSchemeLst/>
+  <a:extLst>
+    <a:ext uri="{05A4C25C-085E-4340-85A3-A5531E510DB2}">
+      <thm15:themeFamily xmlns:thm15="http://schemas.microsoft.com/office/thememl/2012/main" name="Office Theme" id="{62F939B6-93AF-4DB8-9C6B-D6C7DFDC589F}" vid="{4A3C46E8-61CC-4603-A589-7422A47A8E4A}"/>
+    </a:ext>
+  </a:extLst>
+</a:theme>
+</file>
+
+<file path=ppt/theme/theme2.xml><?xml version="1.0" encoding="utf-8"?>
+<a:theme xmlns:a="http://schemas.openxmlformats.org/drawingml/2006/main" name="Office 主题">
+  <a:themeElements>
+    <a:clrScheme name="Office">
+      <a:dk1>
+        <a:sysClr val="windowText" lastClr="000000"/>
+      </a:dk1>
+      <a:lt1>
+        <a:sysClr val="window" lastClr="FFFFFF"/>
+      </a:lt1>
+      <a:dk2>
+        <a:srgbClr val="44546A"/>
+      </a:dk2>
+      <a:lt2>
+        <a:srgbClr val="E7E6E6"/>
+      </a:lt2>
+      <a:accent1>
+        <a:srgbClr val="5B9BD5"/>
+      </a:accent1>
+      <a:accent2>
+        <a:srgbClr val="ED7D31"/>
+      </a:accent2>
+      <a:accent3>
+        <a:srgbClr val="A5A5A5"/>
+      </a:accent3>
+      <a:accent4>
+        <a:srgbClr val="FFC000"/>
+      </a:accent4>
+      <a:accent5>
+        <a:srgbClr val="4472C4"/>
+      </a:accent5>
+      <a:accent6>
+        <a:srgbClr val="70AD47"/>
+      </a:accent6>
+      <a:hlink>
+        <a:srgbClr val="0563C1"/>
+      </a:hlink>
+      <a:folHlink>
+        <a:srgbClr val="954F72"/>
+      </a:folHlink>
+    </a:clrScheme>
+    <a:fontScheme name="Office">
+      <a:majorFont>
+        <a:latin typeface="Calibri Light"/>
+        <a:ea typeface=""/>
+        <a:cs typeface=""/>
+        <a:font script="Jpan" typeface="ＭＳ Ｐゴシック"/>
+        <a:font script="Hang" typeface="맑은 고딕"/>
+        <a:font script="Hans" typeface="宋体"/>
+        <a:font script="Hant" typeface="新細明體"/>
+        <a:font script="Arab" typeface="Times New Roman"/>
+        <a:font script="Hebr" typeface="Times New Roman"/>
+        <a:font script="Thai" typeface="Angsana New"/>
+        <a:font script="Ethi" typeface="Nyala"/>
+        <a:font script="Beng" typeface="Vrinda"/>
+        <a:font script="Gujr" typeface="Shruti"/>
+        <a:font script="Khmr" typeface="MoolBoran"/>
+        <a:font script="Knda" typeface="Tunga"/>
+        <a:font script="Guru" typeface="Raavi"/>
+        <a:font script="Cans" typeface="Euphemia"/>
+        <a:font script="Cher" typeface="Plantagenet Cherokee"/>
+        <a:font script="Yiii" typeface="Microsoft Yi Baiti"/>
+        <a:font script="Tibt" typeface="Microsoft Himalaya"/>
+        <a:font script="Thaa" typeface="MV Boli"/>
+        <a:font script="Deva" typeface="Mangal"/>
+        <a:font script="Telu" typeface="Gautami"/>
+        <a:font script="Taml" typeface="Latha"/>
+        <a:font script="Syrc" typeface="Estrangelo Edessa"/>
+        <a:font script="Orya" typeface="Kalinga"/>
+        <a:font script="Mlym" typeface="Kartika"/>
+        <a:font script="Laoo" typeface="DokChampa"/>
+        <a:font script="Sinh" typeface="Iskoola Pota"/>
+        <a:font script="Mong" typeface="Mongolian Baiti"/>
+        <a:font script="Viet" typeface="Times New Roman"/>
+        <a:font script="Uigh" typeface="Microsoft Uighur"/>
+        <a:font script="Geor" typeface="Sylfaen"/>
+      </a:majorFont>
+      <a:minorFont>
+        <a:latin typeface="Calibri"/>
+        <a:ea typeface=""/>
+        <a:cs typeface=""/>
+        <a:font script="Jpan" typeface="ＭＳ Ｐゴシック"/>
+        <a:font script="Hang" typeface="맑은 고딕"/>
+        <a:font script="Hans" typeface="宋体"/>
+        <a:font script="Hant" typeface="新細明體"/>
+        <a:font script="Arab" typeface="Arial"/>
+        <a:font script="Hebr" typeface="Arial"/>
+        <a:font script="Thai" typeface="Cordia New"/>
+        <a:font script="Ethi" typeface="Nyala"/>
+        <a:font script="Beng" typeface="Vrinda"/>
+        <a:font script="Gujr" typeface="Shruti"/>
+        <a:font script="Khmr" typeface="DaunPenh"/>
+        <a:font script="Knda" typeface="Tunga"/>
+        <a:font script="Guru" typeface="Raavi"/>
+        <a:font script="Cans" typeface="Euphemia"/>
+        <a:font script="Cher" typeface="Plantagenet Cherokee"/>
+        <a:font script="Yiii" typeface="Microsoft Yi Baiti"/>
+        <a:font script="Tibt" typeface="Microsoft Himalaya"/>
+        <a:font script="Thaa" typeface="MV Boli"/>
+        <a:font script="Deva" typeface="Mangal"/>
+        <a:font script="Telu" typeface="Gautami"/>
+        <a:font script="Taml" typeface="Latha"/>
+        <a:font script="Syrc" typeface="Estrangelo Edessa"/>
+        <a:font script="Orya" typeface="Kalinga"/>
+        <a:font script="Mlym" typeface="Kartika"/>
+        <a:font script="Laoo" typeface="DokChampa"/>
+        <a:font script="Sinh" typeface="Iskoola Pota"/>
+        <a:font script="Mong" typeface="Mongolian Baiti"/>
+        <a:font script="Viet" typeface="Arial"/>
+        <a:font script="Uigh" typeface="Microsoft Uighur"/>
+        <a:font script="Geor" typeface="Sylfaen"/>
+      </a:minorFont>
+    </a:fontScheme>
+    <a:fmtScheme name="Office">
+      <a:fillStyleLst>
+        <a:solidFill>
+          <a:schemeClr val="phClr"/>
+        </a:solidFill>
+        <a:gradFill rotWithShape="1">
+          <a:gsLst>
+            <a:gs pos="0">
+              <a:schemeClr val="phClr">
+                <a:lumMod val="110000"/>
+                <a:satMod val="105000"/>
+                <a:tint val="67000"/>
+              </a:schemeClr>
+            </a:gs>
+            <a:gs pos="50000">
+              <a:schemeClr val="phClr">
+                <a:lumMod val="105000"/>
+                <a:satMod val="103000"/>
+                <a:tint val="73000"/>
+              </a:schemeClr>
+            </a:gs>
+            <a:gs pos="100000">
+              <a:schemeClr val="phClr">
+                <a:lumMod val="105000"/>
+                <a:satMod val="109000"/>
+                <a:tint val="81000"/>
+              </a:schemeClr>
+            </a:gs>
+          </a:gsLst>
+          <a:lin ang="5400000" scaled="0"/>
+        </a:gradFill>
+        <a:gradFill rotWithShape="1">
+          <a:gsLst>
+            <a:gs pos="0">
+              <a:schemeClr val="phClr">
+                <a:satMod val="103000"/>
+                <a:lumMod val="102000"/>
+                <a:tint val="94000"/>
+              </a:schemeClr>
+            </a:gs>
+            <a:gs pos="50000">
+              <a:schemeClr val="phClr">
+                <a:satMod val="110000"/>
+                <a:lumMod val="100000"/>
+                <a:shade val="100000"/>
+              </a:schemeClr>
+            </a:gs>
+            <a:gs pos="100000">
+              <a:schemeClr val="phClr">
+                <a:lumMod val="99000"/>
+                <a:satMod val="120000"/>
+                <a:shade val="78000"/>
+              </a:schemeClr>
+            </a:gs>
+          </a:gsLst>
+          <a:lin ang="5400000" scaled="0"/>
+        </a:gradFill>
+      </a:fillStyleLst>
+      <a:lnStyleLst>
+        <a:ln w="6350" cap="flat" cmpd="sng" algn="ctr">
+          <a:solidFill>
+            <a:schemeClr val="phClr"/>
+          </a:solidFill>
+          <a:prstDash val="solid"/>
+          <a:miter lim="800000"/>
+        </a:ln>
+        <a:ln w="12700" cap="flat" cmpd="sng" algn="ctr">
+          <a:solidFill>
+            <a:schemeClr val="phClr"/>
+          </a:solidFill>
+          <a:prstDash val="solid"/>
+          <a:miter lim="800000"/>
+        </a:ln>
+        <a:ln w="19050" cap="flat" cmpd="sng" algn="ctr">
+          <a:solidFill>
+            <a:schemeClr val="phClr"/>
+          </a:solidFill>
+          <a:prstDash val="solid"/>
+          <a:miter lim="800000"/>
+        </a:ln>
+      </a:lnStyleLst>
+      <a:effectStyleLst>
+        <a:effectStyle>
+          <a:effectLst/>
+        </a:effectStyle>
+        <a:effectStyle>
+          <a:effectLst/>
+        </a:effectStyle>
+        <a:effectStyle>
+          <a:effectLst>
+            <a:outerShdw blurRad="57150" dist="19050" dir="5400000" algn="ctr" rotWithShape="0">
+              <a:srgbClr val="000000">
+                <a:alpha val="63000"/>
+              </a:srgbClr>
+            </a:outerShdw>
+          </a:effectLst>
+        </a:effectStyle>
+      </a:effectStyleLst>
+      <a:bgFillStyleLst>
+        <a:solidFill>
+          <a:schemeClr val="phClr"/>
+        </a:solidFill>
+        <a:solidFill>
+          <a:schemeClr val="phClr">
+            <a:tint val="95000"/>
+            <a:satMod val="170000"/>
+          </a:schemeClr>
+        </a:solidFill>
+        <a:gradFill rotWithShape="1">
+          <a:gsLst>
+            <a:gs pos="0">
+              <a:schemeClr val="phClr">
+                <a:tint val="93000"/>
+                <a:satMod val="150000"/>
+                <a:shade val="98000"/>
+                <a:lumMod val="102000"/>
+              </a:schemeClr>
+            </a:gs>
+            <a:gs pos="50000">
+              <a:schemeClr val="phClr">
+                <a:tint val="98000"/>
+                <a:satMod val="130000"/>
+                <a:shade val="90000"/>
+                <a:lumMod val="103000"/>
+              </a:schemeClr>
+            </a:gs>
+            <a:gs pos="100000">
+              <a:schemeClr val="phClr">
+                <a:shade val="63000"/>
+                <a:satMod val="120000"/>
+              </a:schemeClr>
+            </a:gs>
+          </a:gsLst>
+          <a:lin ang="5400000" scaled="0"/>
+        </a:gradFill>
+      </a:bgFillStyleLst>
+    </a:fmtScheme>
+  </a:themeElements>
   <a:extLst>
     <a:ext uri="{05A4C25C-085E-4340-85A3-A5531E510DB2}">
       <thm15:themeFamily xmlns:thm15="http://schemas.microsoft.com/office/thememl/2012/main" name="Office Theme" id="{62F939B6-93AF-4DB8-9C6B-D6C7DFDC589F}" vid="{4A3C46E8-61CC-4603-A589-7422A47A8E4A}"/>

--- a/doc/structure.pptx
+++ b/doc/structure.pptx
@@ -6254,7 +6254,7 @@
         </p:nvSpPr>
         <p:spPr>
           <a:xfrm>
-            <a:off x="164465" y="4651375"/>
+            <a:off x="164465" y="4670425"/>
             <a:ext cx="1090930" cy="706120"/>
           </a:xfrm>
           <a:prstGeom prst="flowChartPredefinedProcess">
@@ -6351,8 +6351,8 @@
         </p:nvCxnSpPr>
         <p:spPr>
           <a:xfrm>
-            <a:off x="1255395" y="5004435"/>
-            <a:ext cx="683895" cy="19050"/>
+            <a:off x="1255395" y="5023485"/>
+            <a:ext cx="683895" cy="0"/>
           </a:xfrm>
           <a:prstGeom prst="straightConnector1">
             <a:avLst/>
@@ -6379,14 +6379,14 @@
       </p:cxnSp>
       <p:sp>
         <p:nvSpPr>
-          <p:cNvPr id="20" name="文本框 19"/>
+          <p:cNvPr id="22" name="文本框 21"/>
           <p:cNvSpPr txBox="1"/>
           <p:nvPr/>
         </p:nvSpPr>
         <p:spPr>
           <a:xfrm>
-            <a:off x="1939290" y="4350385"/>
-            <a:ext cx="683260" cy="275590"/>
+            <a:off x="3213100" y="4350385"/>
+            <a:ext cx="814070" cy="275590"/>
           </a:xfrm>
           <a:prstGeom prst="rect">
             <a:avLst/>
@@ -6401,7 +6401,7 @@
             <a:pPr algn="l"/>
             <a:r>
               <a:rPr lang="en-US" altLang="zh-CN" sz="1200"/>
-              <a:t>en_load</a:t>
+              <a:t>load_addr</a:t>
             </a:r>
             <a:endParaRPr lang="en-US" altLang="zh-CN" sz="1200"/>
           </a:p>
@@ -6409,14 +6409,14 @@
       </p:sp>
       <p:sp>
         <p:nvSpPr>
-          <p:cNvPr id="22" name="文本框 21"/>
+          <p:cNvPr id="24" name="文本框 23"/>
           <p:cNvSpPr txBox="1"/>
           <p:nvPr/>
         </p:nvSpPr>
         <p:spPr>
           <a:xfrm>
-            <a:off x="2853055" y="4350385"/>
-            <a:ext cx="814070" cy="275590"/>
+            <a:off x="3561715" y="4651375"/>
+            <a:ext cx="676275" cy="275590"/>
           </a:xfrm>
           <a:prstGeom prst="rect">
             <a:avLst/>
@@ -6431,7 +6431,7 @@
             <a:pPr algn="l"/>
             <a:r>
               <a:rPr lang="en-US" altLang="zh-CN" sz="1200"/>
-              <a:t>load_addr</a:t>
+              <a:t>ir_block</a:t>
             </a:r>
             <a:endParaRPr lang="en-US" altLang="zh-CN" sz="1200"/>
           </a:p>
@@ -6439,14 +6439,14 @@
       </p:sp>
       <p:sp>
         <p:nvSpPr>
-          <p:cNvPr id="24" name="文本框 23"/>
+          <p:cNvPr id="26" name="文本框 25"/>
           <p:cNvSpPr txBox="1"/>
           <p:nvPr/>
         </p:nvSpPr>
         <p:spPr>
           <a:xfrm>
-            <a:off x="3561715" y="4651375"/>
-            <a:ext cx="676275" cy="275590"/>
+            <a:off x="2883535" y="5361305"/>
+            <a:ext cx="1354455" cy="275590"/>
           </a:xfrm>
           <a:prstGeom prst="rect">
             <a:avLst/>
@@ -6461,36 +6461,6 @@
             <a:pPr algn="l"/>
             <a:r>
               <a:rPr lang="en-US" altLang="zh-CN" sz="1200"/>
-              <a:t>ir_block</a:t>
-            </a:r>
-            <a:endParaRPr lang="en-US" altLang="zh-CN" sz="1200"/>
-          </a:p>
-        </p:txBody>
-      </p:sp>
-      <p:sp>
-        <p:nvSpPr>
-          <p:cNvPr id="26" name="文本框 25"/>
-          <p:cNvSpPr txBox="1"/>
-          <p:nvPr/>
-        </p:nvSpPr>
-        <p:spPr>
-          <a:xfrm>
-            <a:off x="2883535" y="5361305"/>
-            <a:ext cx="1354455" cy="275590"/>
-          </a:xfrm>
-          <a:prstGeom prst="rect">
-            <a:avLst/>
-          </a:prstGeom>
-          <a:noFill/>
-        </p:spPr>
-        <p:txBody>
-          <a:bodyPr wrap="none" rtlCol="0">
-            <a:spAutoFit/>
-          </a:bodyPr>
-          <a:p>
-            <a:pPr algn="l"/>
-            <a:r>
-              <a:rPr lang="en-US" altLang="zh-CN" sz="1200"/>
               <a:t>loader_data_ready</a:t>
             </a:r>
             <a:endParaRPr lang="en-US" altLang="zh-CN" sz="1200"/>
@@ -6505,7 +6475,7 @@
         </p:nvSpPr>
         <p:spPr>
           <a:xfrm>
-            <a:off x="3207385" y="1260475"/>
+            <a:off x="3213100" y="537845"/>
             <a:ext cx="2174875" cy="721360"/>
           </a:xfrm>
           <a:prstGeom prst="rect">
@@ -6725,36 +6695,6 @@
         </p:sp>
         <p:sp>
           <p:nvSpPr>
-            <p:cNvPr id="70" name="文本框 69"/>
-            <p:cNvSpPr txBox="1"/>
-            <p:nvPr/>
-          </p:nvSpPr>
-          <p:spPr>
-            <a:xfrm>
-              <a:off x="11089" y="8227"/>
-              <a:ext cx="1119" cy="715"/>
-            </a:xfrm>
-            <a:prstGeom prst="rect">
-              <a:avLst/>
-            </a:prstGeom>
-            <a:noFill/>
-          </p:spPr>
-          <p:txBody>
-            <a:bodyPr wrap="square" rtlCol="0">
-              <a:spAutoFit/>
-            </a:bodyPr>
-            <a:p>
-              <a:pPr algn="l"/>
-              <a:r>
-                <a:rPr lang="en-US" altLang="zh-CN" sz="1200"/>
-                <a:t>en_export</a:t>
-              </a:r>
-              <a:endParaRPr lang="en-US" altLang="zh-CN" sz="1200"/>
-            </a:p>
-          </p:txBody>
-        </p:sp>
-        <p:sp>
-          <p:nvSpPr>
             <p:cNvPr id="23" name="文本框 22"/>
             <p:cNvSpPr txBox="1"/>
             <p:nvPr/>
@@ -6784,41 +6724,6 @@
           </p:txBody>
         </p:sp>
       </p:grpSp>
-      <p:cxnSp>
-        <p:nvCxnSpPr>
-          <p:cNvPr id="69" name="直接箭头连接符 68"/>
-          <p:cNvCxnSpPr>
-            <a:endCxn id="4" idx="0"/>
-          </p:cNvCxnSpPr>
-          <p:nvPr/>
-        </p:nvCxnSpPr>
-        <p:spPr>
-          <a:xfrm>
-            <a:off x="6102985" y="1459865"/>
-            <a:ext cx="0" cy="896620"/>
-          </a:xfrm>
-          <a:prstGeom prst="straightConnector1">
-            <a:avLst/>
-          </a:prstGeom>
-          <a:ln>
-            <a:tailEnd type="arrow"/>
-          </a:ln>
-        </p:spPr>
-        <p:style>
-          <a:lnRef idx="1">
-            <a:schemeClr val="accent1"/>
-          </a:lnRef>
-          <a:fillRef idx="0">
-            <a:schemeClr val="accent1"/>
-          </a:fillRef>
-          <a:effectRef idx="0">
-            <a:schemeClr val="accent1"/>
-          </a:effectRef>
-          <a:fontRef idx="minor">
-            <a:schemeClr val="tx1"/>
-          </a:fontRef>
-        </p:style>
-      </p:cxnSp>
       <p:sp>
         <p:nvSpPr>
           <p:cNvPr id="4" name="矩形 3"/>
@@ -6827,7 +6732,7 @@
         </p:nvSpPr>
         <p:spPr>
           <a:xfrm>
-            <a:off x="5387975" y="2356485"/>
+            <a:off x="6586855" y="1464945"/>
             <a:ext cx="1430020" cy="368300"/>
           </a:xfrm>
           <a:prstGeom prst="rect">
@@ -6875,12 +6780,12 @@
         </p:nvCxnSpPr>
         <p:spPr>
           <a:xfrm rot="5400000">
-            <a:off x="3868738" y="2116138"/>
-            <a:ext cx="1625600" cy="2842895"/>
+            <a:off x="4202430" y="1250950"/>
+            <a:ext cx="2517140" cy="3681730"/>
           </a:xfrm>
           <a:prstGeom prst="bentConnector3">
             <a:avLst>
-              <a:gd name="adj1" fmla="val 49980"/>
+              <a:gd name="adj1" fmla="val 50000"/>
             </a:avLst>
           </a:prstGeom>
           <a:ln>
@@ -6910,8 +6815,8 @@
         </p:nvSpPr>
         <p:spPr>
           <a:xfrm>
-            <a:off x="2157730" y="2356485"/>
-            <a:ext cx="1439545" cy="504190"/>
+            <a:off x="331470" y="1464945"/>
+            <a:ext cx="2341880" cy="976630"/>
           </a:xfrm>
           <a:prstGeom prst="rect">
             <a:avLst/>
@@ -6949,18 +6854,21 @@
         <p:nvCxnSpPr>
           <p:cNvPr id="10" name="肘形连接符 9"/>
           <p:cNvCxnSpPr>
-            <a:stCxn id="25" idx="2"/>
-            <a:endCxn id="20" idx="0"/>
+            <a:stCxn id="13" idx="3"/>
+            <a:endCxn id="29" idx="0"/>
           </p:cNvCxnSpPr>
           <p:nvPr/>
         </p:nvCxnSpPr>
         <p:spPr>
-          <a:xfrm rot="10800000" flipV="1">
-            <a:off x="2280920" y="3743325"/>
-            <a:ext cx="488950" cy="607060"/>
-          </a:xfrm>
-          <a:prstGeom prst="bentConnector2">
-            <a:avLst/>
+          <a:xfrm flipH="1">
+            <a:off x="2165350" y="2257425"/>
+            <a:ext cx="508000" cy="2092960"/>
+          </a:xfrm>
+          <a:prstGeom prst="bentConnector4">
+            <a:avLst>
+              <a:gd name="adj1" fmla="val -46875"/>
+              <a:gd name="adj2" fmla="val 53307"/>
+            </a:avLst>
           </a:prstGeom>
           <a:ln>
             <a:tailEnd type="arrow"/>
@@ -6989,8 +6897,8 @@
         </p:nvSpPr>
         <p:spPr>
           <a:xfrm>
-            <a:off x="1385570" y="3712845"/>
-            <a:ext cx="741680" cy="275590"/>
+            <a:off x="2144395" y="1562735"/>
+            <a:ext cx="513080" cy="275590"/>
           </a:xfrm>
           <a:prstGeom prst="rect">
             <a:avLst/>
@@ -7004,7 +6912,7 @@
           <a:p>
             <a:r>
               <a:rPr lang="en-US" altLang="zh-CN" sz="1200"/>
-              <a:t>ir==jump</a:t>
+              <a:t>ir_hit</a:t>
             </a:r>
             <a:endParaRPr lang="en-US" altLang="zh-CN" sz="1200"/>
           </a:p>
@@ -7014,145 +6922,15 @@
         <p:nvCxnSpPr>
           <p:cNvPr id="12" name="肘形连接符 11"/>
           <p:cNvCxnSpPr>
-            <a:stCxn id="25" idx="6"/>
+            <a:stCxn id="15" idx="3"/>
             <a:endCxn id="23" idx="1"/>
           </p:cNvCxnSpPr>
           <p:nvPr/>
         </p:nvCxnSpPr>
         <p:spPr>
           <a:xfrm>
-            <a:off x="2985770" y="3743325"/>
-            <a:ext cx="4547235" cy="658495"/>
-          </a:xfrm>
-          <a:prstGeom prst="bentConnector3">
-            <a:avLst>
-              <a:gd name="adj1" fmla="val 50007"/>
-            </a:avLst>
-          </a:prstGeom>
-          <a:ln>
-            <a:tailEnd type="arrow"/>
-          </a:ln>
-        </p:spPr>
-        <p:style>
-          <a:lnRef idx="1">
-            <a:schemeClr val="accent1"/>
-          </a:lnRef>
-          <a:fillRef idx="0">
-            <a:schemeClr val="accent1"/>
-          </a:fillRef>
-          <a:effectRef idx="0">
-            <a:schemeClr val="accent1"/>
-          </a:effectRef>
-          <a:fontRef idx="minor">
-            <a:schemeClr val="tx1"/>
-          </a:fontRef>
-        </p:style>
-      </p:cxnSp>
-      <p:sp>
-        <p:nvSpPr>
-          <p:cNvPr id="14" name="文本框 13"/>
-          <p:cNvSpPr txBox="1"/>
-          <p:nvPr/>
-        </p:nvSpPr>
-        <p:spPr>
-          <a:xfrm>
-            <a:off x="4801870" y="4947920"/>
-            <a:ext cx="1622425" cy="275590"/>
-          </a:xfrm>
-          <a:prstGeom prst="rect">
-            <a:avLst/>
-          </a:prstGeom>
-          <a:noFill/>
-        </p:spPr>
-        <p:txBody>
-          <a:bodyPr wrap="none" rtlCol="0">
-            <a:spAutoFit/>
-          </a:bodyPr>
-          <a:p>
-            <a:pPr algn="l"/>
-            <a:r>
-              <a:rPr lang="en-US" altLang="zh-CN" sz="1200"/>
-              <a:t>reg_queue_data_ready</a:t>
-            </a:r>
-            <a:endParaRPr lang="en-US" altLang="zh-CN" sz="1200"/>
-          </a:p>
-        </p:txBody>
-      </p:sp>
-      <p:sp>
-        <p:nvSpPr>
-          <p:cNvPr id="15" name="文本框 14"/>
-          <p:cNvSpPr txBox="1"/>
-          <p:nvPr/>
-        </p:nvSpPr>
-        <p:spPr>
-          <a:xfrm>
-            <a:off x="6499860" y="4126230"/>
-            <a:ext cx="957580" cy="275590"/>
-          </a:xfrm>
-          <a:prstGeom prst="rect">
-            <a:avLst/>
-          </a:prstGeom>
-          <a:noFill/>
-        </p:spPr>
-        <p:txBody>
-          <a:bodyPr wrap="none" rtlCol="0">
-            <a:spAutoFit/>
-          </a:bodyPr>
-          <a:p>
-            <a:r>
-              <a:rPr lang="en-US" altLang="zh-CN" sz="1200"/>
-              <a:t>ir==set_data</a:t>
-            </a:r>
-            <a:endParaRPr lang="en-US" altLang="zh-CN" sz="1200"/>
-          </a:p>
-        </p:txBody>
-      </p:sp>
-      <p:cxnSp>
-        <p:nvCxnSpPr>
-          <p:cNvPr id="16" name="直接连接符 15"/>
-          <p:cNvCxnSpPr>
-            <a:stCxn id="9" idx="2"/>
-            <a:endCxn id="25" idx="0"/>
-          </p:cNvCxnSpPr>
-          <p:nvPr/>
-        </p:nvCxnSpPr>
-        <p:spPr>
-          <a:xfrm>
-            <a:off x="2877820" y="2860675"/>
-            <a:ext cx="0" cy="774700"/>
-          </a:xfrm>
-          <a:prstGeom prst="line">
-            <a:avLst/>
-          </a:prstGeom>
-        </p:spPr>
-        <p:style>
-          <a:lnRef idx="1">
-            <a:schemeClr val="accent1"/>
-          </a:lnRef>
-          <a:fillRef idx="0">
-            <a:schemeClr val="accent1"/>
-          </a:fillRef>
-          <a:effectRef idx="0">
-            <a:schemeClr val="accent1"/>
-          </a:effectRef>
-          <a:fontRef idx="minor">
-            <a:schemeClr val="tx1"/>
-          </a:fontRef>
-        </p:style>
-      </p:cxnSp>
-      <p:cxnSp>
-        <p:nvCxnSpPr>
-          <p:cNvPr id="17" name="肘形连接符 16"/>
-          <p:cNvCxnSpPr>
-            <a:stCxn id="14" idx="3"/>
-            <a:endCxn id="70" idx="1"/>
-          </p:cNvCxnSpPr>
-          <p:nvPr/>
-        </p:nvCxnSpPr>
-        <p:spPr>
-          <a:xfrm flipV="1">
-            <a:off x="6424295" y="5068570"/>
-            <a:ext cx="1108710" cy="17145"/>
+            <a:off x="2646045" y="1976120"/>
+            <a:ext cx="4886960" cy="2425700"/>
           </a:xfrm>
           <a:prstGeom prst="bentConnector3">
             <a:avLst>
@@ -7178,6 +6956,35 @@
           </a:fontRef>
         </p:style>
       </p:cxnSp>
+      <p:sp>
+        <p:nvSpPr>
+          <p:cNvPr id="15" name="文本框 14"/>
+          <p:cNvSpPr txBox="1"/>
+          <p:nvPr/>
+        </p:nvSpPr>
+        <p:spPr>
+          <a:xfrm>
+            <a:off x="1929130" y="1838325"/>
+            <a:ext cx="716915" cy="275590"/>
+          </a:xfrm>
+          <a:prstGeom prst="rect">
+            <a:avLst/>
+          </a:prstGeom>
+          <a:noFill/>
+        </p:spPr>
+        <p:txBody>
+          <a:bodyPr wrap="none" rtlCol="0">
+            <a:spAutoFit/>
+          </a:bodyPr>
+          <a:p>
+            <a:r>
+              <a:rPr lang="en-US" altLang="zh-CN" sz="1200"/>
+              <a:t>set_data</a:t>
+            </a:r>
+            <a:endParaRPr lang="en-US" altLang="zh-CN" sz="1200"/>
+          </a:p>
+        </p:txBody>
+      </p:sp>
       <p:cxnSp>
         <p:nvCxnSpPr>
           <p:cNvPr id="18" name="肘形连接符 17"/>
@@ -7262,7 +7069,7 @@
         </p:nvSpPr>
         <p:spPr>
           <a:xfrm>
-            <a:off x="2769870" y="3635375"/>
+            <a:off x="7193915" y="537845"/>
             <a:ext cx="215900" cy="215900"/>
           </a:xfrm>
           <a:prstGeom prst="ellipse">
@@ -7302,6 +7109,170 @@
           </a:p>
         </p:txBody>
       </p:sp>
+      <p:sp>
+        <p:nvSpPr>
+          <p:cNvPr id="13" name="文本框 12"/>
+          <p:cNvSpPr txBox="1"/>
+          <p:nvPr/>
+        </p:nvSpPr>
+        <p:spPr>
+          <a:xfrm>
+            <a:off x="1420495" y="2119630"/>
+            <a:ext cx="1252855" cy="275590"/>
+          </a:xfrm>
+          <a:prstGeom prst="rect">
+            <a:avLst/>
+          </a:prstGeom>
+          <a:noFill/>
+        </p:spPr>
+        <p:txBody>
+          <a:bodyPr wrap="none" rtlCol="0">
+            <a:spAutoFit/>
+          </a:bodyPr>
+          <a:p>
+            <a:r>
+              <a:rPr lang="en-US" altLang="zh-CN" sz="1200"/>
+              <a:t>load_ir_block_en</a:t>
+            </a:r>
+            <a:endParaRPr lang="en-US" altLang="zh-CN" sz="1200"/>
+          </a:p>
+        </p:txBody>
+      </p:sp>
+      <p:cxnSp>
+        <p:nvCxnSpPr>
+          <p:cNvPr id="21" name="肘形连接符 20"/>
+          <p:cNvCxnSpPr>
+            <a:stCxn id="11" idx="3"/>
+            <a:endCxn id="4" idx="1"/>
+          </p:cNvCxnSpPr>
+          <p:nvPr/>
+        </p:nvCxnSpPr>
+        <p:spPr>
+          <a:xfrm flipV="1">
+            <a:off x="2657475" y="1649095"/>
+            <a:ext cx="3929380" cy="51435"/>
+          </a:xfrm>
+          <a:prstGeom prst="bentConnector3">
+            <a:avLst>
+              <a:gd name="adj1" fmla="val 50000"/>
+            </a:avLst>
+          </a:prstGeom>
+          <a:ln>
+            <a:tailEnd type="arrow"/>
+          </a:ln>
+        </p:spPr>
+        <p:style>
+          <a:lnRef idx="1">
+            <a:schemeClr val="accent1"/>
+          </a:lnRef>
+          <a:fillRef idx="0">
+            <a:schemeClr val="accent1"/>
+          </a:fillRef>
+          <a:effectRef idx="0">
+            <a:schemeClr val="accent1"/>
+          </a:effectRef>
+          <a:fontRef idx="minor">
+            <a:schemeClr val="tx1"/>
+          </a:fontRef>
+        </p:style>
+      </p:cxnSp>
+      <p:sp>
+        <p:nvSpPr>
+          <p:cNvPr id="29" name="文本框 28"/>
+          <p:cNvSpPr txBox="1"/>
+          <p:nvPr/>
+        </p:nvSpPr>
+        <p:spPr>
+          <a:xfrm>
+            <a:off x="1939290" y="4350385"/>
+            <a:ext cx="451485" cy="275590"/>
+          </a:xfrm>
+          <a:prstGeom prst="rect">
+            <a:avLst/>
+          </a:prstGeom>
+          <a:noFill/>
+        </p:spPr>
+        <p:txBody>
+          <a:bodyPr wrap="none" rtlCol="0">
+            <a:spAutoFit/>
+          </a:bodyPr>
+          <a:p>
+            <a:r>
+              <a:rPr lang="en-US" altLang="zh-CN" sz="1200"/>
+              <a:t>load</a:t>
+            </a:r>
+            <a:endParaRPr lang="en-US" altLang="zh-CN" sz="1200"/>
+          </a:p>
+        </p:txBody>
+      </p:sp>
+      <p:sp>
+        <p:nvSpPr>
+          <p:cNvPr id="30" name="文本框 29"/>
+          <p:cNvSpPr txBox="1"/>
+          <p:nvPr/>
+        </p:nvSpPr>
+        <p:spPr>
+          <a:xfrm>
+            <a:off x="2320925" y="4350385"/>
+            <a:ext cx="892175" cy="275590"/>
+          </a:xfrm>
+          <a:prstGeom prst="rect">
+            <a:avLst/>
+          </a:prstGeom>
+          <a:noFill/>
+        </p:spPr>
+        <p:txBody>
+          <a:bodyPr wrap="none" rtlCol="0">
+            <a:spAutoFit/>
+          </a:bodyPr>
+          <a:p>
+            <a:pPr algn="l"/>
+            <a:r>
+              <a:rPr lang="en-US" altLang="zh-CN" sz="1200">
+                <a:sym typeface="+mn-ea"/>
+              </a:rPr>
+              <a:t> next_block</a:t>
+            </a:r>
+            <a:endParaRPr lang="en-US" altLang="zh-CN" sz="1200"/>
+          </a:p>
+        </p:txBody>
+      </p:sp>
+      <p:cxnSp>
+        <p:nvCxnSpPr>
+          <p:cNvPr id="16" name="肘形连接符 15"/>
+          <p:cNvCxnSpPr>
+            <a:stCxn id="13" idx="3"/>
+            <a:endCxn id="7" idx="0"/>
+          </p:cNvCxnSpPr>
+          <p:nvPr/>
+        </p:nvCxnSpPr>
+        <p:spPr>
+          <a:xfrm>
+            <a:off x="2673350" y="2257425"/>
+            <a:ext cx="3030855" cy="2245995"/>
+          </a:xfrm>
+          <a:prstGeom prst="bentConnector2">
+            <a:avLst/>
+          </a:prstGeom>
+          <a:ln>
+            <a:tailEnd type="arrow"/>
+          </a:ln>
+        </p:spPr>
+        <p:style>
+          <a:lnRef idx="1">
+            <a:schemeClr val="accent1"/>
+          </a:lnRef>
+          <a:fillRef idx="0">
+            <a:schemeClr val="accent1"/>
+          </a:fillRef>
+          <a:effectRef idx="0">
+            <a:schemeClr val="accent1"/>
+          </a:effectRef>
+          <a:fontRef idx="minor">
+            <a:schemeClr val="tx1"/>
+          </a:fontRef>
+        </p:style>
+      </p:cxnSp>
     </p:spTree>
   </p:cSld>
   <p:clrMapOvr>

--- a/doc/structure.pptx
+++ b/doc/structure.pptx
@@ -10,7 +10,7 @@
   <p:sldIdLst>
     <p:sldId id="256" r:id="rId3"/>
     <p:sldId id="257" r:id="rId5"/>
-    <p:sldId id="259" r:id="rId6"/>
+    <p:sldId id="264" r:id="rId6"/>
     <p:sldId id="261" r:id="rId7"/>
     <p:sldId id="258" r:id="rId8"/>
     <p:sldId id="263" r:id="rId9"/>
@@ -3099,51 +3099,18 @@
           </a:p>
         </p:txBody>
       </p:sp>
-      <p:cxnSp>
-        <p:nvCxnSpPr>
-          <p:cNvPr id="6" name="直接箭头连接符 5"/>
-          <p:cNvCxnSpPr/>
-          <p:nvPr/>
-        </p:nvCxnSpPr>
-        <p:spPr>
-          <a:xfrm flipH="1">
-            <a:off x="901065" y="2150745"/>
-            <a:ext cx="5945505" cy="0"/>
-          </a:xfrm>
-          <a:prstGeom prst="straightConnector1">
-            <a:avLst/>
-          </a:prstGeom>
-          <a:ln>
-            <a:tailEnd type="arrow"/>
-          </a:ln>
-        </p:spPr>
-        <p:style>
-          <a:lnRef idx="1">
-            <a:schemeClr val="accent1"/>
-          </a:lnRef>
-          <a:fillRef idx="0">
-            <a:schemeClr val="accent1"/>
-          </a:fillRef>
-          <a:effectRef idx="0">
-            <a:schemeClr val="accent1"/>
-          </a:effectRef>
-          <a:fontRef idx="minor">
-            <a:schemeClr val="tx1"/>
-          </a:fontRef>
-        </p:style>
-      </p:cxnSp>
-      <p:sp>
-        <p:nvSpPr>
-          <p:cNvPr id="7" name="流程图: 预定义过程 6"/>
+      <p:sp>
+        <p:nvSpPr>
+          <p:cNvPr id="2" name="流程图: 磁盘 1"/>
           <p:cNvSpPr/>
           <p:nvPr/>
         </p:nvSpPr>
         <p:spPr>
           <a:xfrm>
-            <a:off x="1527810" y="3062605"/>
-            <a:ext cx="494030" cy="734060"/>
-          </a:xfrm>
-          <a:prstGeom prst="flowChartPredefinedProcess">
+            <a:off x="344170" y="1982470"/>
+            <a:ext cx="700405" cy="1465580"/>
+          </a:xfrm>
+          <a:prstGeom prst="flowChartMagneticDisk">
             <a:avLst/>
           </a:prstGeom>
         </p:spPr>
@@ -3164,29 +3131,29 @@
           </a:fontRef>
         </p:style>
         <p:txBody>
-          <a:bodyPr rtlCol="0" anchor="ctr"/>
+          <a:bodyPr tIns="71755" rtlCol="0" anchor="t" anchorCtr="1"/>
           <a:p>
             <a:pPr algn="ctr"/>
             <a:r>
-              <a:rPr lang="zh-CN" altLang="en-US"/>
-              <a:t>令</a:t>
-            </a:r>
-            <a:endParaRPr lang="zh-CN" altLang="en-US"/>
-          </a:p>
-        </p:txBody>
-      </p:sp>
-      <p:sp>
-        <p:nvSpPr>
-          <p:cNvPr id="8" name="流程图: 预定义过程 7"/>
+              <a:rPr lang="en-US" altLang="zh-CN"/>
+              <a:t>mem</a:t>
+            </a:r>
+            <a:endParaRPr lang="en-US" altLang="zh-CN"/>
+          </a:p>
+        </p:txBody>
+      </p:sp>
+      <p:sp>
+        <p:nvSpPr>
+          <p:cNvPr id="49" name="矩形 48"/>
           <p:cNvSpPr/>
           <p:nvPr/>
         </p:nvSpPr>
         <p:spPr>
           <a:xfrm>
-            <a:off x="2430145" y="3062605"/>
-            <a:ext cx="494030" cy="734060"/>
-          </a:xfrm>
-          <a:prstGeom prst="flowChartPredefinedProcess">
+            <a:off x="3940175" y="1764030"/>
+            <a:ext cx="1435735" cy="474345"/>
+          </a:xfrm>
+          <a:prstGeom prst="rect">
             <a:avLst/>
           </a:prstGeom>
         </p:spPr>
@@ -3211,25 +3178,25 @@
           <a:p>
             <a:pPr algn="ctr"/>
             <a:r>
-              <a:rPr lang="zh-CN" altLang="en-US"/>
-              <a:t>数</a:t>
-            </a:r>
-            <a:endParaRPr lang="zh-CN" altLang="en-US"/>
-          </a:p>
-        </p:txBody>
-      </p:sp>
-      <p:sp>
-        <p:nvSpPr>
-          <p:cNvPr id="9" name="流程图: 过程 8"/>
+              <a:rPr lang="en-US" altLang="zh-CN"/>
+              <a:t>decoder</a:t>
+            </a:r>
+            <a:endParaRPr lang="en-US" altLang="zh-CN"/>
+          </a:p>
+        </p:txBody>
+      </p:sp>
+      <p:sp>
+        <p:nvSpPr>
+          <p:cNvPr id="52" name="剪去同侧角的矩形 51"/>
           <p:cNvSpPr/>
           <p:nvPr/>
         </p:nvSpPr>
         <p:spPr>
           <a:xfrm>
-            <a:off x="3417570" y="3063240"/>
-            <a:ext cx="493395" cy="733425"/>
-          </a:xfrm>
-          <a:prstGeom prst="flowChartProcess">
+            <a:off x="2495550" y="1772285"/>
+            <a:ext cx="1083945" cy="466090"/>
+          </a:xfrm>
+          <a:prstGeom prst="snip2SameRect">
             <a:avLst/>
           </a:prstGeom>
         </p:spPr>
@@ -3254,25 +3221,33 @@
           <a:p>
             <a:pPr algn="ctr"/>
             <a:r>
-              <a:rPr lang="zh-CN" altLang="en-US"/>
-              <a:t>取</a:t>
-            </a:r>
-            <a:endParaRPr lang="zh-CN" altLang="en-US"/>
-          </a:p>
-        </p:txBody>
-      </p:sp>
-      <p:sp>
-        <p:nvSpPr>
-          <p:cNvPr id="10" name="流程图: 过程 9"/>
+              <a:rPr lang="en-US" altLang="zh-CN"/>
+              <a:t>IR</a:t>
+            </a:r>
+            <a:endParaRPr lang="en-US" altLang="zh-CN"/>
+          </a:p>
+          <a:p>
+            <a:pPr algn="ctr"/>
+            <a:r>
+              <a:rPr lang="en-US" altLang="zh-CN"/>
+              <a:t>Queue</a:t>
+            </a:r>
+            <a:endParaRPr lang="en-US" altLang="zh-CN"/>
+          </a:p>
+        </p:txBody>
+      </p:sp>
+      <p:sp>
+        <p:nvSpPr>
+          <p:cNvPr id="91" name="流程图: 预定义过程 90"/>
           <p:cNvSpPr/>
           <p:nvPr/>
         </p:nvSpPr>
         <p:spPr>
           <a:xfrm>
-            <a:off x="4404995" y="3063240"/>
-            <a:ext cx="493395" cy="733425"/>
-          </a:xfrm>
-          <a:prstGeom prst="flowChartProcess">
+            <a:off x="2495550" y="2605405"/>
+            <a:ext cx="1444625" cy="372110"/>
+          </a:xfrm>
+          <a:prstGeom prst="flowChartPredefinedProcess">
             <a:avLst/>
           </a:prstGeom>
         </p:spPr>
@@ -3293,29 +3268,29 @@
           </a:fontRef>
         </p:style>
         <p:txBody>
-          <a:bodyPr rtlCol="0" anchor="ctr"/>
+          <a:bodyPr wrap="none" rtlCol="0" anchor="ctr"/>
           <a:p>
             <a:pPr algn="ctr"/>
             <a:r>
-              <a:rPr lang="zh-CN" altLang="en-US"/>
-              <a:t>算</a:t>
-            </a:r>
-            <a:endParaRPr lang="zh-CN" altLang="en-US"/>
-          </a:p>
-        </p:txBody>
-      </p:sp>
-      <p:sp>
-        <p:nvSpPr>
-          <p:cNvPr id="11" name="流程图: 过程 10"/>
+              <a:rPr lang="en-US" altLang="zh-CN"/>
+              <a:t>raw bus</a:t>
+            </a:r>
+            <a:endParaRPr lang="en-US" altLang="zh-CN"/>
+          </a:p>
+        </p:txBody>
+      </p:sp>
+      <p:sp>
+        <p:nvSpPr>
+          <p:cNvPr id="53" name="流程图: 预定义过程 52"/>
           <p:cNvSpPr/>
           <p:nvPr/>
         </p:nvSpPr>
         <p:spPr>
           <a:xfrm>
-            <a:off x="5307330" y="3062605"/>
-            <a:ext cx="493395" cy="734060"/>
-          </a:xfrm>
-          <a:prstGeom prst="flowChartProcess">
+            <a:off x="4658360" y="3138805"/>
+            <a:ext cx="1444625" cy="372110"/>
+          </a:xfrm>
+          <a:prstGeom prst="flowChartPredefinedProcess">
             <a:avLst/>
           </a:prstGeom>
         </p:spPr>
@@ -3336,136 +3311,31 @@
           </a:fontRef>
         </p:style>
         <p:txBody>
-          <a:bodyPr rtlCol="0" anchor="ctr"/>
+          <a:bodyPr wrap="none" rtlCol="0" anchor="ctr"/>
           <a:p>
             <a:pPr algn="ctr"/>
             <a:r>
-              <a:rPr lang="zh-CN" altLang="en-US"/>
-              <a:t>外</a:t>
-            </a:r>
-            <a:endParaRPr lang="zh-CN" altLang="en-US"/>
-          </a:p>
-        </p:txBody>
-      </p:sp>
-      <p:sp>
-        <p:nvSpPr>
-          <p:cNvPr id="12" name="任意多边形 11"/>
+              <a:rPr lang="en-US" altLang="zh-CN"/>
+              <a:t>result bus</a:t>
+            </a:r>
+            <a:endParaRPr lang="en-US" altLang="zh-CN"/>
+          </a:p>
+        </p:txBody>
+      </p:sp>
+      <p:sp>
+        <p:nvSpPr>
+          <p:cNvPr id="54" name="剪去同侧角的矩形 53"/>
           <p:cNvSpPr/>
           <p:nvPr/>
         </p:nvSpPr>
         <p:spPr>
-          <a:xfrm rot="5400000" flipV="1">
-            <a:off x="6609613" y="3070962"/>
-            <a:ext cx="462484" cy="797560"/>
-          </a:xfrm>
-          <a:custGeom>
-            <a:avLst/>
-            <a:gdLst>
-              <a:gd name="connsiteX0" fmla="*/ 117 w 728"/>
-              <a:gd name="connsiteY0" fmla="*/ 0 h 1256"/>
-              <a:gd name="connsiteX1" fmla="*/ 702 w 728"/>
-              <a:gd name="connsiteY1" fmla="*/ 0 h 1256"/>
-              <a:gd name="connsiteX2" fmla="*/ 636 w 728"/>
-              <a:gd name="connsiteY2" fmla="*/ 262 h 1256"/>
-              <a:gd name="connsiteX3" fmla="*/ 581 w 728"/>
-              <a:gd name="connsiteY3" fmla="*/ 502 h 1256"/>
-              <a:gd name="connsiteX4" fmla="*/ 586 w 728"/>
-              <a:gd name="connsiteY4" fmla="*/ 832 h 1256"/>
-              <a:gd name="connsiteX5" fmla="*/ 641 w 728"/>
-              <a:gd name="connsiteY5" fmla="*/ 1042 h 1256"/>
-              <a:gd name="connsiteX6" fmla="*/ 702 w 728"/>
-              <a:gd name="connsiteY6" fmla="*/ 1256 h 1256"/>
-              <a:gd name="connsiteX7" fmla="*/ 117 w 728"/>
-              <a:gd name="connsiteY7" fmla="*/ 1256 h 1256"/>
-              <a:gd name="connsiteX8" fmla="*/ 0 w 728"/>
-              <a:gd name="connsiteY8" fmla="*/ 628 h 1256"/>
-              <a:gd name="connsiteX9" fmla="*/ 117 w 728"/>
-              <a:gd name="connsiteY9" fmla="*/ 0 h 1256"/>
-            </a:gdLst>
-            <a:ahLst/>
-            <a:cxnLst>
-              <a:cxn ang="0">
-                <a:pos x="connsiteX0" y="connsiteY0"/>
-              </a:cxn>
-              <a:cxn ang="0">
-                <a:pos x="connsiteX1" y="connsiteY1"/>
-              </a:cxn>
-              <a:cxn ang="0">
-                <a:pos x="connsiteX2" y="connsiteY2"/>
-              </a:cxn>
-              <a:cxn ang="0">
-                <a:pos x="connsiteX3" y="connsiteY3"/>
-              </a:cxn>
-              <a:cxn ang="0">
-                <a:pos x="connsiteX4" y="connsiteY4"/>
-              </a:cxn>
-              <a:cxn ang="0">
-                <a:pos x="connsiteX5" y="connsiteY5"/>
-              </a:cxn>
-              <a:cxn ang="0">
-                <a:pos x="connsiteX6" y="connsiteY6"/>
-              </a:cxn>
-              <a:cxn ang="0">
-                <a:pos x="connsiteX7" y="connsiteY7"/>
-              </a:cxn>
-              <a:cxn ang="0">
-                <a:pos x="connsiteX8" y="connsiteY8"/>
-              </a:cxn>
-              <a:cxn ang="0">
-                <a:pos x="connsiteX9" y="connsiteY9"/>
-              </a:cxn>
-            </a:cxnLst>
-            <a:rect l="l" t="t" r="r" b="b"/>
-            <a:pathLst>
-              <a:path w="728" h="1256">
-                <a:moveTo>
-                  <a:pt x="117" y="0"/>
-                </a:moveTo>
-                <a:lnTo>
-                  <a:pt x="702" y="0"/>
-                </a:lnTo>
-                <a:cubicBezTo>
-                  <a:pt x="782" y="47"/>
-                  <a:pt x="656" y="157"/>
-                  <a:pt x="636" y="262"/>
-                </a:cubicBezTo>
-                <a:cubicBezTo>
-                  <a:pt x="617" y="367"/>
-                  <a:pt x="581" y="347"/>
-                  <a:pt x="581" y="502"/>
-                </a:cubicBezTo>
-                <a:cubicBezTo>
-                  <a:pt x="581" y="657"/>
-                  <a:pt x="581" y="771"/>
-                  <a:pt x="586" y="832"/>
-                </a:cubicBezTo>
-                <a:cubicBezTo>
-                  <a:pt x="586" y="917"/>
-                  <a:pt x="625" y="981"/>
-                  <a:pt x="641" y="1042"/>
-                </a:cubicBezTo>
-                <a:cubicBezTo>
-                  <a:pt x="661" y="1147"/>
-                  <a:pt x="779" y="1205"/>
-                  <a:pt x="702" y="1256"/>
-                </a:cubicBezTo>
-                <a:lnTo>
-                  <a:pt x="117" y="1256"/>
-                </a:lnTo>
-                <a:cubicBezTo>
-                  <a:pt x="0" y="1256"/>
-                  <a:pt x="0" y="1047"/>
-                  <a:pt x="0" y="628"/>
-                </a:cubicBezTo>
-                <a:cubicBezTo>
-                  <a:pt x="0" y="209"/>
-                  <a:pt x="0" y="0"/>
-                  <a:pt x="117" y="0"/>
-                </a:cubicBezTo>
-                <a:close/>
-              </a:path>
-            </a:pathLst>
-          </a:custGeom>
+          <a:xfrm>
+            <a:off x="4658360" y="3839210"/>
+            <a:ext cx="1235710" cy="466090"/>
+          </a:xfrm>
+          <a:prstGeom prst="snip2SameRect">
+            <a:avLst/>
+          </a:prstGeom>
         </p:spPr>
         <p:style>
           <a:lnRef idx="2">
@@ -3487,370 +3357,34 @@
           <a:bodyPr rtlCol="0" anchor="ctr"/>
           <a:p>
             <a:pPr algn="ctr"/>
-            <a:endParaRPr lang="zh-CN" altLang="en-US"/>
-          </a:p>
-        </p:txBody>
-      </p:sp>
-      <p:cxnSp>
-        <p:nvCxnSpPr>
-          <p:cNvPr id="13" name="肘形连接符 12"/>
-          <p:cNvCxnSpPr>
-            <a:stCxn id="11" idx="2"/>
-            <a:endCxn id="12" idx="2"/>
-          </p:cNvCxnSpPr>
-          <p:nvPr/>
-        </p:nvCxnSpPr>
-        <p:spPr>
-          <a:xfrm rot="5400000" flipH="1" flipV="1">
-            <a:off x="6004243" y="3192463"/>
-            <a:ext cx="154305" cy="1054100"/>
-          </a:xfrm>
-          <a:prstGeom prst="bentConnector3">
-            <a:avLst>
-              <a:gd name="adj1" fmla="val -154115"/>
-            </a:avLst>
-          </a:prstGeom>
-          <a:ln>
-            <a:tailEnd type="arrow"/>
-          </a:ln>
-        </p:spPr>
-        <p:style>
-          <a:lnRef idx="1">
-            <a:schemeClr val="accent1"/>
-          </a:lnRef>
-          <a:fillRef idx="0">
-            <a:schemeClr val="accent1"/>
-          </a:fillRef>
-          <a:effectRef idx="0">
-            <a:schemeClr val="accent1"/>
-          </a:effectRef>
-          <a:fontRef idx="minor">
-            <a:schemeClr val="tx1"/>
-          </a:fontRef>
-        </p:style>
-      </p:cxnSp>
-      <p:cxnSp>
-        <p:nvCxnSpPr>
-          <p:cNvPr id="14" name="肘形连接符 13"/>
-          <p:cNvCxnSpPr/>
-          <p:nvPr/>
-        </p:nvCxnSpPr>
-        <p:spPr>
-          <a:xfrm rot="5400000" flipH="1" flipV="1">
-            <a:off x="5610543" y="2647633"/>
-            <a:ext cx="189230" cy="2108835"/>
-          </a:xfrm>
-          <a:prstGeom prst="bentConnector3">
-            <a:avLst>
-              <a:gd name="adj1" fmla="val -189261"/>
-            </a:avLst>
-          </a:prstGeom>
-          <a:ln>
-            <a:tailEnd type="arrow"/>
-          </a:ln>
-        </p:spPr>
-        <p:style>
-          <a:lnRef idx="1">
-            <a:schemeClr val="accent1"/>
-          </a:lnRef>
-          <a:fillRef idx="0">
-            <a:schemeClr val="accent1"/>
-          </a:fillRef>
-          <a:effectRef idx="0">
-            <a:schemeClr val="accent1"/>
-          </a:effectRef>
-          <a:fontRef idx="minor">
-            <a:schemeClr val="tx1"/>
-          </a:fontRef>
-        </p:style>
-      </p:cxnSp>
-      <p:cxnSp>
-        <p:nvCxnSpPr>
-          <p:cNvPr id="15" name="肘形连接符 14"/>
-          <p:cNvCxnSpPr>
-            <a:stCxn id="9" idx="2"/>
-            <a:endCxn id="12" idx="4"/>
-          </p:cNvCxnSpPr>
-          <p:nvPr/>
-        </p:nvCxnSpPr>
-        <p:spPr>
-          <a:xfrm rot="5400000" flipH="1" flipV="1">
-            <a:off x="5224463" y="2050733"/>
-            <a:ext cx="186055" cy="3305810"/>
-          </a:xfrm>
-          <a:prstGeom prst="bentConnector3">
-            <a:avLst>
-              <a:gd name="adj1" fmla="val -308873"/>
-            </a:avLst>
-          </a:prstGeom>
-          <a:ln>
-            <a:tailEnd type="arrow"/>
-          </a:ln>
-        </p:spPr>
-        <p:style>
-          <a:lnRef idx="1">
-            <a:schemeClr val="accent1"/>
-          </a:lnRef>
-          <a:fillRef idx="0">
-            <a:schemeClr val="accent1"/>
-          </a:fillRef>
-          <a:effectRef idx="0">
-            <a:schemeClr val="accent1"/>
-          </a:effectRef>
-          <a:fontRef idx="minor">
-            <a:schemeClr val="tx1"/>
-          </a:fontRef>
-        </p:style>
-      </p:cxnSp>
-      <p:cxnSp>
-        <p:nvCxnSpPr>
-          <p:cNvPr id="16" name="肘形连接符 15"/>
-          <p:cNvCxnSpPr>
-            <a:stCxn id="8" idx="2"/>
-            <a:endCxn id="12" idx="5"/>
-          </p:cNvCxnSpPr>
-          <p:nvPr/>
-        </p:nvCxnSpPr>
-        <p:spPr>
-          <a:xfrm rot="5400000" flipH="1" flipV="1">
-            <a:off x="4814888" y="1507808"/>
-            <a:ext cx="151130" cy="4426585"/>
-          </a:xfrm>
-          <a:prstGeom prst="bentConnector3">
-            <a:avLst>
-              <a:gd name="adj1" fmla="val -472689"/>
-            </a:avLst>
-          </a:prstGeom>
-          <a:ln>
-            <a:tailEnd type="arrow"/>
-          </a:ln>
-        </p:spPr>
-        <p:style>
-          <a:lnRef idx="1">
-            <a:schemeClr val="accent1"/>
-          </a:lnRef>
-          <a:fillRef idx="0">
-            <a:schemeClr val="accent1"/>
-          </a:fillRef>
-          <a:effectRef idx="0">
-            <a:schemeClr val="accent1"/>
-          </a:effectRef>
-          <a:fontRef idx="minor">
-            <a:schemeClr val="tx1"/>
-          </a:fontRef>
-        </p:style>
-      </p:cxnSp>
-      <p:cxnSp>
-        <p:nvCxnSpPr>
-          <p:cNvPr id="19" name="直接连接符 18"/>
-          <p:cNvCxnSpPr>
-            <a:stCxn id="12" idx="8"/>
-          </p:cNvCxnSpPr>
-          <p:nvPr/>
-        </p:nvCxnSpPr>
-        <p:spPr>
-          <a:xfrm flipV="1">
-            <a:off x="6840855" y="2151380"/>
-            <a:ext cx="0" cy="1087120"/>
-          </a:xfrm>
-          <a:prstGeom prst="line">
-            <a:avLst/>
-          </a:prstGeom>
-        </p:spPr>
-        <p:style>
-          <a:lnRef idx="1">
-            <a:schemeClr val="accent1"/>
-          </a:lnRef>
-          <a:fillRef idx="0">
-            <a:schemeClr val="accent1"/>
-          </a:fillRef>
-          <a:effectRef idx="0">
-            <a:schemeClr val="accent1"/>
-          </a:effectRef>
-          <a:fontRef idx="minor">
-            <a:schemeClr val="tx1"/>
-          </a:fontRef>
-        </p:style>
-      </p:cxnSp>
-      <p:cxnSp>
-        <p:nvCxnSpPr>
-          <p:cNvPr id="20" name="直接箭头连接符 19"/>
-          <p:cNvCxnSpPr>
-            <a:endCxn id="7" idx="0"/>
-          </p:cNvCxnSpPr>
-          <p:nvPr/>
-        </p:nvCxnSpPr>
-        <p:spPr>
-          <a:xfrm flipH="1">
-            <a:off x="1774825" y="2138680"/>
-            <a:ext cx="1270" cy="923925"/>
-          </a:xfrm>
-          <a:prstGeom prst="straightConnector1">
-            <a:avLst/>
-          </a:prstGeom>
-          <a:ln>
-            <a:tailEnd type="arrow"/>
-          </a:ln>
-        </p:spPr>
-        <p:style>
-          <a:lnRef idx="1">
-            <a:schemeClr val="accent1"/>
-          </a:lnRef>
-          <a:fillRef idx="0">
-            <a:schemeClr val="accent1"/>
-          </a:fillRef>
-          <a:effectRef idx="0">
-            <a:schemeClr val="accent1"/>
-          </a:effectRef>
-          <a:fontRef idx="minor">
-            <a:schemeClr val="tx1"/>
-          </a:fontRef>
-        </p:style>
-      </p:cxnSp>
-      <p:cxnSp>
-        <p:nvCxnSpPr>
-          <p:cNvPr id="21" name="直接箭头连接符 20"/>
-          <p:cNvCxnSpPr/>
-          <p:nvPr/>
-        </p:nvCxnSpPr>
-        <p:spPr>
-          <a:xfrm flipH="1">
-            <a:off x="2675890" y="2151380"/>
-            <a:ext cx="1270" cy="923925"/>
-          </a:xfrm>
-          <a:prstGeom prst="straightConnector1">
-            <a:avLst/>
-          </a:prstGeom>
-          <a:ln>
-            <a:tailEnd type="arrow"/>
-          </a:ln>
-        </p:spPr>
-        <p:style>
-          <a:lnRef idx="1">
-            <a:schemeClr val="accent1"/>
-          </a:lnRef>
-          <a:fillRef idx="0">
-            <a:schemeClr val="accent1"/>
-          </a:fillRef>
-          <a:effectRef idx="0">
-            <a:schemeClr val="accent1"/>
-          </a:effectRef>
-          <a:fontRef idx="minor">
-            <a:schemeClr val="tx1"/>
-          </a:fontRef>
-        </p:style>
-      </p:cxnSp>
-      <p:cxnSp>
-        <p:nvCxnSpPr>
-          <p:cNvPr id="22" name="直接箭头连接符 21"/>
-          <p:cNvCxnSpPr/>
-          <p:nvPr/>
-        </p:nvCxnSpPr>
-        <p:spPr>
-          <a:xfrm flipH="1">
-            <a:off x="3664585" y="2151380"/>
-            <a:ext cx="1270" cy="923925"/>
-          </a:xfrm>
-          <a:prstGeom prst="straightConnector1">
-            <a:avLst/>
-          </a:prstGeom>
-          <a:ln>
-            <a:tailEnd type="arrow"/>
-          </a:ln>
-        </p:spPr>
-        <p:style>
-          <a:lnRef idx="1">
-            <a:schemeClr val="accent1"/>
-          </a:lnRef>
-          <a:fillRef idx="0">
-            <a:schemeClr val="accent1"/>
-          </a:fillRef>
-          <a:effectRef idx="0">
-            <a:schemeClr val="accent1"/>
-          </a:effectRef>
-          <a:fontRef idx="minor">
-            <a:schemeClr val="tx1"/>
-          </a:fontRef>
-        </p:style>
-      </p:cxnSp>
-      <p:cxnSp>
-        <p:nvCxnSpPr>
-          <p:cNvPr id="23" name="直接箭头连接符 22"/>
-          <p:cNvCxnSpPr/>
-          <p:nvPr/>
-        </p:nvCxnSpPr>
-        <p:spPr>
-          <a:xfrm flipH="1">
-            <a:off x="4650740" y="2151380"/>
-            <a:ext cx="1270" cy="923925"/>
-          </a:xfrm>
-          <a:prstGeom prst="straightConnector1">
-            <a:avLst/>
-          </a:prstGeom>
-          <a:ln>
-            <a:tailEnd type="arrow"/>
-          </a:ln>
-        </p:spPr>
-        <p:style>
-          <a:lnRef idx="1">
-            <a:schemeClr val="accent1"/>
-          </a:lnRef>
-          <a:fillRef idx="0">
-            <a:schemeClr val="accent1"/>
-          </a:fillRef>
-          <a:effectRef idx="0">
-            <a:schemeClr val="accent1"/>
-          </a:effectRef>
-          <a:fontRef idx="minor">
-            <a:schemeClr val="tx1"/>
-          </a:fontRef>
-        </p:style>
-      </p:cxnSp>
-      <p:cxnSp>
-        <p:nvCxnSpPr>
-          <p:cNvPr id="24" name="直接箭头连接符 23"/>
-          <p:cNvCxnSpPr/>
-          <p:nvPr/>
-        </p:nvCxnSpPr>
-        <p:spPr>
-          <a:xfrm flipH="1">
-            <a:off x="5552440" y="2151380"/>
-            <a:ext cx="1270" cy="923925"/>
-          </a:xfrm>
-          <a:prstGeom prst="straightConnector1">
-            <a:avLst/>
-          </a:prstGeom>
-          <a:ln>
-            <a:tailEnd type="arrow"/>
-          </a:ln>
-        </p:spPr>
-        <p:style>
-          <a:lnRef idx="1">
-            <a:schemeClr val="accent1"/>
-          </a:lnRef>
-          <a:fillRef idx="0">
-            <a:schemeClr val="accent1"/>
-          </a:fillRef>
-          <a:effectRef idx="0">
-            <a:schemeClr val="accent1"/>
-          </a:effectRef>
-          <a:fontRef idx="minor">
-            <a:schemeClr val="tx1"/>
-          </a:fontRef>
-        </p:style>
-      </p:cxnSp>
-      <p:sp>
-        <p:nvSpPr>
-          <p:cNvPr id="25" name="椭圆 24"/>
+            <a:r>
+              <a:rPr lang="en-US" altLang="zh-CN"/>
+              <a:t>ir</a:t>
+            </a:r>
+            <a:endParaRPr lang="en-US" altLang="zh-CN"/>
+          </a:p>
+          <a:p>
+            <a:pPr algn="ctr"/>
+            <a:r>
+              <a:rPr lang="en-US" altLang="zh-CN"/>
+              <a:t>caculater</a:t>
+            </a:r>
+            <a:endParaRPr lang="en-US" altLang="zh-CN"/>
+          </a:p>
+        </p:txBody>
+      </p:sp>
+      <p:sp>
+        <p:nvSpPr>
+          <p:cNvPr id="55" name="剪去同侧角的矩形 54"/>
           <p:cNvSpPr/>
           <p:nvPr/>
         </p:nvSpPr>
         <p:spPr>
           <a:xfrm>
-            <a:off x="5516245" y="2113280"/>
-            <a:ext cx="75565" cy="75565"/>
-          </a:xfrm>
-          <a:prstGeom prst="ellipse">
+            <a:off x="1766570" y="3448050"/>
+            <a:ext cx="1445260" cy="827405"/>
+          </a:xfrm>
+          <a:prstGeom prst="snip2SameRect">
             <a:avLst/>
           </a:prstGeom>
         </p:spPr>
@@ -3874,189 +3408,41 @@
           <a:bodyPr rtlCol="0" anchor="ctr"/>
           <a:p>
             <a:pPr algn="ctr"/>
-            <a:endParaRPr lang="zh-CN" altLang="en-US"/>
-          </a:p>
-        </p:txBody>
-      </p:sp>
-      <p:sp>
-        <p:nvSpPr>
-          <p:cNvPr id="26" name="椭圆 25"/>
-          <p:cNvSpPr/>
-          <p:nvPr/>
-        </p:nvSpPr>
-        <p:spPr>
-          <a:xfrm>
-            <a:off x="4613910" y="2112645"/>
-            <a:ext cx="75565" cy="75565"/>
-          </a:xfrm>
-          <a:prstGeom prst="ellipse">
-            <a:avLst/>
-          </a:prstGeom>
-        </p:spPr>
-        <p:style>
-          <a:lnRef idx="2">
-            <a:schemeClr val="accent1">
-              <a:shade val="50000"/>
-            </a:schemeClr>
-          </a:lnRef>
-          <a:fillRef idx="1">
-            <a:schemeClr val="accent1"/>
-          </a:fillRef>
-          <a:effectRef idx="0">
-            <a:schemeClr val="accent1"/>
-          </a:effectRef>
-          <a:fontRef idx="minor">
-            <a:schemeClr val="lt1"/>
-          </a:fontRef>
-        </p:style>
-        <p:txBody>
-          <a:bodyPr rtlCol="0" anchor="ctr"/>
+            <a:r>
+              <a:rPr lang="en-US" altLang="zh-CN"/>
+              <a:t>address </a:t>
+            </a:r>
+            <a:endParaRPr lang="en-US" altLang="zh-CN"/>
+          </a:p>
           <a:p>
             <a:pPr algn="ctr"/>
-            <a:endParaRPr lang="zh-CN" altLang="en-US"/>
-          </a:p>
-        </p:txBody>
-      </p:sp>
-      <p:sp>
-        <p:nvSpPr>
-          <p:cNvPr id="27" name="椭圆 26"/>
-          <p:cNvSpPr/>
-          <p:nvPr/>
-        </p:nvSpPr>
-        <p:spPr>
-          <a:xfrm>
-            <a:off x="3626485" y="2112645"/>
-            <a:ext cx="75565" cy="75565"/>
-          </a:xfrm>
-          <a:prstGeom prst="ellipse">
-            <a:avLst/>
-          </a:prstGeom>
-        </p:spPr>
-        <p:style>
-          <a:lnRef idx="2">
-            <a:schemeClr val="accent1">
-              <a:shade val="50000"/>
-            </a:schemeClr>
-          </a:lnRef>
-          <a:fillRef idx="1">
-            <a:schemeClr val="accent1"/>
-          </a:fillRef>
-          <a:effectRef idx="0">
-            <a:schemeClr val="accent1"/>
-          </a:effectRef>
-          <a:fontRef idx="minor">
-            <a:schemeClr val="lt1"/>
-          </a:fontRef>
-        </p:style>
-        <p:txBody>
-          <a:bodyPr rtlCol="0" anchor="ctr"/>
-          <a:p>
-            <a:pPr algn="ctr"/>
-            <a:endParaRPr lang="zh-CN" altLang="en-US"/>
-          </a:p>
-        </p:txBody>
-      </p:sp>
-      <p:sp>
-        <p:nvSpPr>
-          <p:cNvPr id="28" name="椭圆 27"/>
-          <p:cNvSpPr/>
-          <p:nvPr/>
-        </p:nvSpPr>
-        <p:spPr>
-          <a:xfrm>
-            <a:off x="2638425" y="2112645"/>
-            <a:ext cx="75565" cy="75565"/>
-          </a:xfrm>
-          <a:prstGeom prst="ellipse">
-            <a:avLst/>
-          </a:prstGeom>
-        </p:spPr>
-        <p:style>
-          <a:lnRef idx="2">
-            <a:schemeClr val="accent1">
-              <a:shade val="50000"/>
-            </a:schemeClr>
-          </a:lnRef>
-          <a:fillRef idx="1">
-            <a:schemeClr val="accent1"/>
-          </a:fillRef>
-          <a:effectRef idx="0">
-            <a:schemeClr val="accent1"/>
-          </a:effectRef>
-          <a:fontRef idx="minor">
-            <a:schemeClr val="lt1"/>
-          </a:fontRef>
-        </p:style>
-        <p:txBody>
-          <a:bodyPr rtlCol="0" anchor="ctr"/>
-          <a:p>
-            <a:pPr algn="ctr"/>
-            <a:endParaRPr lang="zh-CN" altLang="en-US"/>
-          </a:p>
-        </p:txBody>
-      </p:sp>
-      <p:sp>
-        <p:nvSpPr>
-          <p:cNvPr id="29" name="椭圆 28"/>
-          <p:cNvSpPr/>
-          <p:nvPr/>
-        </p:nvSpPr>
-        <p:spPr>
-          <a:xfrm>
-            <a:off x="1737995" y="2112645"/>
-            <a:ext cx="75565" cy="75565"/>
-          </a:xfrm>
-          <a:prstGeom prst="ellipse">
-            <a:avLst/>
-          </a:prstGeom>
-        </p:spPr>
-        <p:style>
-          <a:lnRef idx="2">
-            <a:schemeClr val="accent1">
-              <a:shade val="50000"/>
-            </a:schemeClr>
-          </a:lnRef>
-          <a:fillRef idx="1">
-            <a:schemeClr val="accent1"/>
-          </a:fillRef>
-          <a:effectRef idx="0">
-            <a:schemeClr val="accent1"/>
-          </a:effectRef>
-          <a:fontRef idx="minor">
-            <a:schemeClr val="lt1"/>
-          </a:fontRef>
-        </p:style>
-        <p:txBody>
-          <a:bodyPr rtlCol="0" anchor="ctr"/>
-          <a:p>
-            <a:pPr algn="ctr"/>
-            <a:endParaRPr lang="zh-CN" altLang="en-US"/>
+            <a:r>
+              <a:rPr lang="en-US" altLang="zh-CN"/>
+              <a:t>write data</a:t>
+            </a:r>
+            <a:endParaRPr lang="en-US" altLang="zh-CN"/>
           </a:p>
         </p:txBody>
       </p:sp>
       <p:cxnSp>
         <p:nvCxnSpPr>
-          <p:cNvPr id="30" name="直接连接符 29"/>
+          <p:cNvPr id="56" name="肘形连接符 55"/>
           <p:cNvCxnSpPr>
-            <a:stCxn id="7" idx="2"/>
+            <a:stCxn id="55" idx="2"/>
+            <a:endCxn id="2" idx="3"/>
           </p:cNvCxnSpPr>
           <p:nvPr/>
         </p:nvCxnSpPr>
         <p:spPr>
-          <a:xfrm>
-            <a:off x="1774825" y="3796665"/>
-            <a:ext cx="1270" cy="352425"/>
-          </a:xfrm>
-          <a:prstGeom prst="line">
-            <a:avLst/>
-          </a:prstGeom>
-          <a:ln w="12700" cmpd="sng">
-            <a:solidFill>
-              <a:schemeClr val="accent1">
-                <a:shade val="50000"/>
-              </a:schemeClr>
-            </a:solidFill>
-            <a:prstDash val="sysDot"/>
+          <a:xfrm rot="10800000">
+            <a:off x="694690" y="3448050"/>
+            <a:ext cx="1071880" cy="414020"/>
+          </a:xfrm>
+          <a:prstGeom prst="bentConnector2">
+            <a:avLst/>
+          </a:prstGeom>
+          <a:ln>
+            <a:tailEnd type="arrow"/>
           </a:ln>
         </p:spPr>
         <p:style>
@@ -4076,25 +3462,25 @@
       </p:cxnSp>
       <p:cxnSp>
         <p:nvCxnSpPr>
-          <p:cNvPr id="31" name="直接连接符 30"/>
-          <p:cNvCxnSpPr/>
+          <p:cNvPr id="57" name="肘形连接符 56"/>
+          <p:cNvCxnSpPr>
+            <a:stCxn id="2" idx="4"/>
+            <a:endCxn id="91" idx="1"/>
+          </p:cNvCxnSpPr>
           <p:nvPr/>
         </p:nvCxnSpPr>
         <p:spPr>
           <a:xfrm>
-            <a:off x="1056005" y="2708910"/>
-            <a:ext cx="0" cy="1440180"/>
-          </a:xfrm>
-          <a:prstGeom prst="line">
-            <a:avLst/>
-          </a:prstGeom>
-          <a:ln w="12700" cmpd="sng">
-            <a:solidFill>
-              <a:schemeClr val="accent1">
-                <a:shade val="50000"/>
-              </a:schemeClr>
-            </a:solidFill>
-            <a:prstDash val="sysDot"/>
+            <a:off x="1044575" y="2715260"/>
+            <a:ext cx="1450975" cy="76200"/>
+          </a:xfrm>
+          <a:prstGeom prst="bentConnector3">
+            <a:avLst>
+              <a:gd name="adj1" fmla="val 50022"/>
+            </a:avLst>
+          </a:prstGeom>
+          <a:ln>
+            <a:tailEnd type="arrow"/>
           </a:ln>
         </p:spPr>
         <p:style>
@@ -4114,25 +3500,24 @@
       </p:cxnSp>
       <p:cxnSp>
         <p:nvCxnSpPr>
-          <p:cNvPr id="32" name="直接连接符 31"/>
-          <p:cNvCxnSpPr/>
+          <p:cNvPr id="58" name="肘形连接符 57"/>
+          <p:cNvCxnSpPr>
+            <a:endCxn id="52" idx="2"/>
+          </p:cNvCxnSpPr>
           <p:nvPr/>
         </p:nvCxnSpPr>
         <p:spPr>
-          <a:xfrm flipH="1">
-            <a:off x="1050925" y="4150360"/>
-            <a:ext cx="714375" cy="0"/>
-          </a:xfrm>
-          <a:prstGeom prst="line">
-            <a:avLst/>
-          </a:prstGeom>
-          <a:ln w="12700" cmpd="sng">
-            <a:solidFill>
-              <a:schemeClr val="accent1">
-                <a:shade val="50000"/>
-              </a:schemeClr>
-            </a:solidFill>
-            <a:prstDash val="sysDot"/>
+          <a:xfrm flipV="1">
+            <a:off x="1053465" y="2005330"/>
+            <a:ext cx="1442085" cy="703580"/>
+          </a:xfrm>
+          <a:prstGeom prst="bentConnector3">
+            <a:avLst>
+              <a:gd name="adj1" fmla="val 50022"/>
+            </a:avLst>
+          </a:prstGeom>
+          <a:ln>
+            <a:tailEnd type="arrow"/>
           </a:ln>
         </p:spPr>
         <p:style>
@@ -4152,25 +3537,23 @@
       </p:cxnSp>
       <p:cxnSp>
         <p:nvCxnSpPr>
-          <p:cNvPr id="33" name="直接连接符 32"/>
-          <p:cNvCxnSpPr/>
+          <p:cNvPr id="59" name="直接箭头连接符 58"/>
+          <p:cNvCxnSpPr>
+            <a:stCxn id="52" idx="0"/>
+            <a:endCxn id="49" idx="1"/>
+          </p:cNvCxnSpPr>
           <p:nvPr/>
         </p:nvCxnSpPr>
         <p:spPr>
-          <a:xfrm flipH="1">
-            <a:off x="1056005" y="2708910"/>
-            <a:ext cx="6480175" cy="0"/>
-          </a:xfrm>
-          <a:prstGeom prst="line">
-            <a:avLst/>
-          </a:prstGeom>
-          <a:ln w="12700" cmpd="sng">
-            <a:solidFill>
-              <a:schemeClr val="accent1">
-                <a:shade val="50000"/>
-              </a:schemeClr>
-            </a:solidFill>
-            <a:prstDash val="sysDot"/>
+          <a:xfrm flipV="1">
+            <a:off x="3579495" y="2001520"/>
+            <a:ext cx="360680" cy="3810"/>
+          </a:xfrm>
+          <a:prstGeom prst="straightConnector1">
+            <a:avLst/>
+          </a:prstGeom>
+          <a:ln>
+            <a:tailEnd type="arrow"/>
           </a:ln>
         </p:spPr>
         <p:style>
@@ -4188,83 +3571,26 @@
           </a:fontRef>
         </p:style>
       </p:cxnSp>
-      <p:sp>
-        <p:nvSpPr>
-          <p:cNvPr id="34" name="椭圆 33"/>
-          <p:cNvSpPr/>
-          <p:nvPr/>
-        </p:nvSpPr>
-        <p:spPr>
-          <a:xfrm>
-            <a:off x="1017905" y="3391535"/>
-            <a:ext cx="75565" cy="75565"/>
-          </a:xfrm>
-          <a:prstGeom prst="ellipse">
-            <a:avLst/>
-          </a:prstGeom>
-          <a:solidFill>
-            <a:schemeClr val="accent1">
-              <a:lumMod val="20000"/>
-              <a:lumOff val="80000"/>
-            </a:schemeClr>
-          </a:solidFill>
-          <a:ln w="12700" cmpd="sng">
-            <a:solidFill>
-              <a:schemeClr val="accent1">
-                <a:shade val="50000"/>
-              </a:schemeClr>
-            </a:solidFill>
-            <a:prstDash val="sysDot"/>
-          </a:ln>
-        </p:spPr>
-        <p:style>
-          <a:lnRef idx="2">
-            <a:schemeClr val="accent1">
-              <a:shade val="50000"/>
-            </a:schemeClr>
-          </a:lnRef>
-          <a:fillRef idx="1">
-            <a:schemeClr val="accent1"/>
-          </a:fillRef>
-          <a:effectRef idx="0">
-            <a:schemeClr val="accent1"/>
-          </a:effectRef>
-          <a:fontRef idx="minor">
-            <a:schemeClr val="lt1"/>
-          </a:fontRef>
-        </p:style>
-        <p:txBody>
-          <a:bodyPr rtlCol="0" anchor="ctr"/>
-          <a:p>
-            <a:pPr algn="ctr"/>
-            <a:endParaRPr lang="zh-CN" altLang="en-US"/>
-          </a:p>
-        </p:txBody>
-      </p:sp>
       <p:cxnSp>
         <p:nvCxnSpPr>
-          <p:cNvPr id="35" name="直接箭头连接符 34"/>
+          <p:cNvPr id="60" name="肘形连接符 59"/>
           <p:cNvCxnSpPr>
-            <a:stCxn id="34" idx="6"/>
-            <a:endCxn id="7" idx="1"/>
+            <a:stCxn id="53" idx="1"/>
+            <a:endCxn id="55" idx="0"/>
           </p:cNvCxnSpPr>
           <p:nvPr/>
         </p:nvCxnSpPr>
         <p:spPr>
-          <a:xfrm>
-            <a:off x="1093470" y="3429635"/>
-            <a:ext cx="434340" cy="0"/>
-          </a:xfrm>
-          <a:prstGeom prst="straightConnector1">
-            <a:avLst/>
-          </a:prstGeom>
-          <a:ln w="12700" cmpd="sng">
-            <a:solidFill>
-              <a:schemeClr val="accent1">
-                <a:shade val="50000"/>
-              </a:schemeClr>
-            </a:solidFill>
-            <a:prstDash val="sysDot"/>
+          <a:xfrm rot="10800000" flipV="1">
+            <a:off x="3211830" y="3324860"/>
+            <a:ext cx="1446530" cy="537210"/>
+          </a:xfrm>
+          <a:prstGeom prst="bentConnector3">
+            <a:avLst>
+              <a:gd name="adj1" fmla="val 50000"/>
+            </a:avLst>
+          </a:prstGeom>
+          <a:ln>
             <a:tailEnd type="arrow"/>
           </a:ln>
         </p:spPr>
@@ -4283,83 +3609,25 @@
           </a:fontRef>
         </p:style>
       </p:cxnSp>
-      <p:sp>
-        <p:nvSpPr>
-          <p:cNvPr id="37" name="椭圆 36"/>
-          <p:cNvSpPr/>
-          <p:nvPr/>
-        </p:nvSpPr>
-        <p:spPr>
-          <a:xfrm>
-            <a:off x="2190750" y="2670810"/>
-            <a:ext cx="75565" cy="75565"/>
-          </a:xfrm>
-          <a:prstGeom prst="ellipse">
-            <a:avLst/>
-          </a:prstGeom>
-          <a:solidFill>
-            <a:schemeClr val="accent1">
-              <a:lumMod val="20000"/>
-              <a:lumOff val="80000"/>
-            </a:schemeClr>
-          </a:solidFill>
-          <a:ln w="12700" cmpd="sng">
-            <a:solidFill>
-              <a:schemeClr val="accent1">
-                <a:shade val="50000"/>
-              </a:schemeClr>
-            </a:solidFill>
-            <a:prstDash val="sysDot"/>
-          </a:ln>
-        </p:spPr>
-        <p:style>
-          <a:lnRef idx="2">
-            <a:schemeClr val="accent1">
-              <a:shade val="50000"/>
-            </a:schemeClr>
-          </a:lnRef>
-          <a:fillRef idx="1">
-            <a:schemeClr val="accent1"/>
-          </a:fillRef>
-          <a:effectRef idx="0">
-            <a:schemeClr val="accent1"/>
-          </a:effectRef>
-          <a:fontRef idx="minor">
-            <a:schemeClr val="lt1"/>
-          </a:fontRef>
-        </p:style>
-        <p:txBody>
-          <a:bodyPr rtlCol="0" anchor="ctr"/>
-          <a:p>
-            <a:pPr algn="ctr"/>
-            <a:endParaRPr lang="zh-CN" altLang="en-US"/>
-          </a:p>
-        </p:txBody>
-      </p:sp>
       <p:cxnSp>
         <p:nvCxnSpPr>
-          <p:cNvPr id="38" name="肘形连接符 37"/>
+          <p:cNvPr id="61" name="肘形连接符 60"/>
           <p:cNvCxnSpPr>
-            <a:stCxn id="37" idx="4"/>
-            <a:endCxn id="8" idx="1"/>
+            <a:stCxn id="54" idx="2"/>
           </p:cNvCxnSpPr>
           <p:nvPr/>
         </p:nvCxnSpPr>
         <p:spPr>
-          <a:xfrm rot="5400000" flipV="1">
-            <a:off x="1987868" y="2987358"/>
-            <a:ext cx="683260" cy="201295"/>
-          </a:xfrm>
-          <a:prstGeom prst="bentConnector2">
-            <a:avLst/>
-          </a:prstGeom>
-          <a:ln w="12700" cmpd="sng">
-            <a:solidFill>
-              <a:schemeClr val="accent1">
-                <a:shade val="50000"/>
-              </a:schemeClr>
-            </a:solidFill>
-            <a:prstDash val="sysDot"/>
+          <a:xfrm rot="10800000">
+            <a:off x="3213100" y="3860800"/>
+            <a:ext cx="1445260" cy="211455"/>
+          </a:xfrm>
+          <a:prstGeom prst="bentConnector3">
+            <a:avLst>
+              <a:gd name="adj1" fmla="val 49956"/>
+            </a:avLst>
+          </a:prstGeom>
+          <a:ln>
             <a:tailEnd type="arrow"/>
           </a:ln>
         </p:spPr>
@@ -4378,82 +3646,26 @@
           </a:fontRef>
         </p:style>
       </p:cxnSp>
-      <p:sp>
-        <p:nvSpPr>
-          <p:cNvPr id="39" name="椭圆 38"/>
-          <p:cNvSpPr/>
-          <p:nvPr/>
-        </p:nvSpPr>
-        <p:spPr>
-          <a:xfrm>
-            <a:off x="3175635" y="2671445"/>
-            <a:ext cx="75565" cy="75565"/>
-          </a:xfrm>
-          <a:prstGeom prst="ellipse">
-            <a:avLst/>
-          </a:prstGeom>
-          <a:solidFill>
-            <a:schemeClr val="accent1">
-              <a:lumMod val="20000"/>
-              <a:lumOff val="80000"/>
-            </a:schemeClr>
-          </a:solidFill>
-          <a:ln w="12700" cmpd="sng">
-            <a:solidFill>
-              <a:schemeClr val="accent1">
-                <a:shade val="50000"/>
-              </a:schemeClr>
-            </a:solidFill>
-            <a:prstDash val="sysDot"/>
-          </a:ln>
-        </p:spPr>
-        <p:style>
-          <a:lnRef idx="2">
-            <a:schemeClr val="accent1">
-              <a:shade val="50000"/>
-            </a:schemeClr>
-          </a:lnRef>
-          <a:fillRef idx="1">
-            <a:schemeClr val="accent1"/>
-          </a:fillRef>
-          <a:effectRef idx="0">
-            <a:schemeClr val="accent1"/>
-          </a:effectRef>
-          <a:fontRef idx="minor">
-            <a:schemeClr val="lt1"/>
-          </a:fontRef>
-        </p:style>
-        <p:txBody>
-          <a:bodyPr rtlCol="0" anchor="ctr"/>
-          <a:p>
-            <a:pPr algn="ctr"/>
-            <a:endParaRPr lang="zh-CN" altLang="en-US"/>
-          </a:p>
-        </p:txBody>
-      </p:sp>
       <p:cxnSp>
         <p:nvCxnSpPr>
-          <p:cNvPr id="40" name="肘形连接符 39"/>
+          <p:cNvPr id="62" name="肘形连接符 61"/>
           <p:cNvCxnSpPr>
-            <a:endCxn id="9" idx="1"/>
+            <a:stCxn id="55" idx="1"/>
+            <a:endCxn id="54" idx="1"/>
           </p:cNvCxnSpPr>
           <p:nvPr/>
         </p:nvCxnSpPr>
         <p:spPr>
           <a:xfrm rot="5400000" flipV="1">
-            <a:off x="2973070" y="2985135"/>
-            <a:ext cx="683895" cy="205740"/>
-          </a:xfrm>
-          <a:prstGeom prst="bentConnector2">
-            <a:avLst/>
-          </a:prstGeom>
-          <a:ln w="12700" cmpd="sng">
-            <a:solidFill>
-              <a:schemeClr val="accent1">
-                <a:shade val="50000"/>
-              </a:schemeClr>
-            </a:solidFill>
-            <a:prstDash val="sysDot"/>
+            <a:off x="3867785" y="2896870"/>
+            <a:ext cx="29845" cy="2787015"/>
+          </a:xfrm>
+          <a:prstGeom prst="bentConnector3">
+            <a:avLst>
+              <a:gd name="adj1" fmla="val 897872"/>
+            </a:avLst>
+          </a:prstGeom>
+          <a:ln>
             <a:tailEnd type="arrow"/>
           </a:ln>
         </p:spPr>
@@ -4472,80 +3684,24 @@
           </a:fontRef>
         </p:style>
       </p:cxnSp>
-      <p:sp>
-        <p:nvSpPr>
-          <p:cNvPr id="41" name="椭圆 40"/>
-          <p:cNvSpPr/>
-          <p:nvPr/>
-        </p:nvSpPr>
-        <p:spPr>
-          <a:xfrm>
-            <a:off x="4162425" y="2670810"/>
-            <a:ext cx="75565" cy="75565"/>
-          </a:xfrm>
-          <a:prstGeom prst="ellipse">
-            <a:avLst/>
-          </a:prstGeom>
-          <a:solidFill>
-            <a:schemeClr val="accent1">
-              <a:lumMod val="20000"/>
-              <a:lumOff val="80000"/>
-            </a:schemeClr>
-          </a:solidFill>
-          <a:ln w="12700" cmpd="sng">
-            <a:solidFill>
-              <a:schemeClr val="accent1">
-                <a:shade val="50000"/>
-              </a:schemeClr>
-            </a:solidFill>
-            <a:prstDash val="sysDot"/>
-          </a:ln>
-        </p:spPr>
-        <p:style>
-          <a:lnRef idx="2">
-            <a:schemeClr val="accent1">
-              <a:shade val="50000"/>
-            </a:schemeClr>
-          </a:lnRef>
-          <a:fillRef idx="1">
-            <a:schemeClr val="accent1"/>
-          </a:fillRef>
-          <a:effectRef idx="0">
-            <a:schemeClr val="accent1"/>
-          </a:effectRef>
-          <a:fontRef idx="minor">
-            <a:schemeClr val="lt1"/>
-          </a:fontRef>
-        </p:style>
-        <p:txBody>
-          <a:bodyPr rtlCol="0" anchor="ctr"/>
-          <a:p>
-            <a:pPr algn="ctr"/>
-            <a:endParaRPr lang="zh-CN" altLang="en-US"/>
-          </a:p>
-        </p:txBody>
-      </p:sp>
       <p:cxnSp>
         <p:nvCxnSpPr>
-          <p:cNvPr id="42" name="肘形连接符 41"/>
-          <p:cNvCxnSpPr/>
+          <p:cNvPr id="63" name="肘形连接符 62"/>
+          <p:cNvCxnSpPr>
+            <a:stCxn id="91" idx="3"/>
+            <a:endCxn id="53" idx="0"/>
+          </p:cNvCxnSpPr>
           <p:nvPr/>
         </p:nvCxnSpPr>
         <p:spPr>
-          <a:xfrm rot="5400000" flipV="1">
-            <a:off x="3959860" y="2984500"/>
-            <a:ext cx="683895" cy="205740"/>
+          <a:xfrm>
+            <a:off x="3940175" y="2791460"/>
+            <a:ext cx="1440815" cy="347345"/>
           </a:xfrm>
           <a:prstGeom prst="bentConnector2">
             <a:avLst/>
           </a:prstGeom>
-          <a:ln w="12700" cmpd="sng">
-            <a:solidFill>
-              <a:schemeClr val="accent1">
-                <a:shade val="50000"/>
-              </a:schemeClr>
-            </a:solidFill>
-            <a:prstDash val="sysDot"/>
+          <a:ln>
             <a:tailEnd type="arrow"/>
           </a:ln>
         </p:spPr>
@@ -4566,106 +3722,14 @@
       </p:cxnSp>
       <p:sp>
         <p:nvSpPr>
-          <p:cNvPr id="43" name="椭圆 42"/>
-          <p:cNvSpPr/>
-          <p:nvPr/>
-        </p:nvSpPr>
-        <p:spPr>
-          <a:xfrm>
-            <a:off x="5085715" y="2670810"/>
-            <a:ext cx="75565" cy="75565"/>
-          </a:xfrm>
-          <a:prstGeom prst="ellipse">
-            <a:avLst/>
-          </a:prstGeom>
-          <a:solidFill>
-            <a:schemeClr val="accent1">
-              <a:lumMod val="20000"/>
-              <a:lumOff val="80000"/>
-            </a:schemeClr>
-          </a:solidFill>
-          <a:ln w="12700" cmpd="sng">
-            <a:solidFill>
-              <a:schemeClr val="accent1">
-                <a:shade val="50000"/>
-              </a:schemeClr>
-            </a:solidFill>
-            <a:prstDash val="sysDot"/>
-          </a:ln>
-        </p:spPr>
-        <p:style>
-          <a:lnRef idx="2">
-            <a:schemeClr val="accent1">
-              <a:shade val="50000"/>
-            </a:schemeClr>
-          </a:lnRef>
-          <a:fillRef idx="1">
-            <a:schemeClr val="accent1"/>
-          </a:fillRef>
-          <a:effectRef idx="0">
-            <a:schemeClr val="accent1"/>
-          </a:effectRef>
-          <a:fontRef idx="minor">
-            <a:schemeClr val="lt1"/>
-          </a:fontRef>
-        </p:style>
-        <p:txBody>
-          <a:bodyPr rtlCol="0" anchor="ctr"/>
-          <a:p>
-            <a:pPr algn="ctr"/>
-            <a:endParaRPr lang="zh-CN" altLang="en-US"/>
-          </a:p>
-        </p:txBody>
-      </p:sp>
-      <p:cxnSp>
-        <p:nvCxnSpPr>
-          <p:cNvPr id="44" name="肘形连接符 43"/>
-          <p:cNvCxnSpPr/>
-          <p:nvPr/>
-        </p:nvCxnSpPr>
-        <p:spPr>
-          <a:xfrm rot="5400000" flipV="1">
-            <a:off x="4883150" y="2984500"/>
-            <a:ext cx="683895" cy="205740"/>
-          </a:xfrm>
-          <a:prstGeom prst="bentConnector2">
-            <a:avLst/>
-          </a:prstGeom>
-          <a:ln w="12700" cmpd="sng">
-            <a:solidFill>
-              <a:schemeClr val="accent1">
-                <a:shade val="50000"/>
-              </a:schemeClr>
-            </a:solidFill>
-            <a:prstDash val="sysDot"/>
-            <a:tailEnd type="arrow"/>
-          </a:ln>
-        </p:spPr>
-        <p:style>
-          <a:lnRef idx="1">
-            <a:schemeClr val="accent1"/>
-          </a:lnRef>
-          <a:fillRef idx="0">
-            <a:schemeClr val="accent1"/>
-          </a:fillRef>
-          <a:effectRef idx="0">
-            <a:schemeClr val="accent1"/>
-          </a:effectRef>
-          <a:fontRef idx="minor">
-            <a:schemeClr val="tx1"/>
-          </a:fontRef>
-        </p:style>
-      </p:cxnSp>
-      <p:sp>
-        <p:nvSpPr>
-          <p:cNvPr id="45" name="文本框 44"/>
+          <p:cNvPr id="64" name="文本框 63"/>
           <p:cNvSpPr txBox="1"/>
           <p:nvPr/>
         </p:nvSpPr>
         <p:spPr>
           <a:xfrm>
-            <a:off x="901065" y="1744980"/>
-            <a:ext cx="640080" cy="368300"/>
+            <a:off x="1670685" y="4371975"/>
+            <a:ext cx="1636395" cy="368300"/>
           </a:xfrm>
           <a:prstGeom prst="rect">
             <a:avLst/>
@@ -4678,42 +3742,51 @@
           </a:bodyPr>
           <a:p>
             <a:r>
-              <a:rPr lang="zh-CN" altLang="en-US"/>
-              <a:t>数据</a:t>
-            </a:r>
-            <a:endParaRPr lang="zh-CN" altLang="en-US"/>
-          </a:p>
-        </p:txBody>
-      </p:sp>
-      <p:sp>
-        <p:nvSpPr>
-          <p:cNvPr id="46" name="文本框 45"/>
-          <p:cNvSpPr txBox="1"/>
-          <p:nvPr/>
-        </p:nvSpPr>
-        <p:spPr>
-          <a:xfrm>
-            <a:off x="6970395" y="2302510"/>
-            <a:ext cx="640080" cy="368300"/>
-          </a:xfrm>
-          <a:prstGeom prst="rect">
-            <a:avLst/>
-          </a:prstGeom>
-          <a:noFill/>
-        </p:spPr>
-        <p:txBody>
-          <a:bodyPr wrap="none" rtlCol="0">
-            <a:spAutoFit/>
-          </a:bodyPr>
-          <a:p>
-            <a:r>
-              <a:rPr lang="zh-CN" altLang="en-US"/>
-              <a:t>指令</a:t>
-            </a:r>
-            <a:endParaRPr lang="zh-CN" altLang="en-US"/>
-          </a:p>
-        </p:txBody>
-      </p:sp>
+              <a:rPr lang="en-US" altLang="zh-CN"/>
+              <a:t>memory trigger</a:t>
+            </a:r>
+            <a:endParaRPr lang="en-US" altLang="zh-CN"/>
+          </a:p>
+        </p:txBody>
+      </p:sp>
+      <p:cxnSp>
+        <p:nvCxnSpPr>
+          <p:cNvPr id="5" name="肘形连接符 4"/>
+          <p:cNvCxnSpPr>
+            <a:stCxn id="53" idx="2"/>
+            <a:endCxn id="54" idx="3"/>
+          </p:cNvCxnSpPr>
+          <p:nvPr/>
+        </p:nvCxnSpPr>
+        <p:spPr>
+          <a:xfrm rot="5400000">
+            <a:off x="5164455" y="3622040"/>
+            <a:ext cx="328295" cy="104775"/>
+          </a:xfrm>
+          <a:prstGeom prst="bentConnector3">
+            <a:avLst>
+              <a:gd name="adj1" fmla="val 50097"/>
+            </a:avLst>
+          </a:prstGeom>
+          <a:ln>
+            <a:tailEnd type="arrow"/>
+          </a:ln>
+        </p:spPr>
+        <p:style>
+          <a:lnRef idx="1">
+            <a:schemeClr val="accent1"/>
+          </a:lnRef>
+          <a:fillRef idx="0">
+            <a:schemeClr val="accent1"/>
+          </a:fillRef>
+          <a:effectRef idx="0">
+            <a:schemeClr val="accent1"/>
+          </a:effectRef>
+          <a:fontRef idx="minor">
+            <a:schemeClr val="tx1"/>
+          </a:fontRef>
+        </p:style>
+      </p:cxnSp>
     </p:spTree>
   </p:cSld>
   <p:clrMapOvr>
@@ -4734,6 +3807,47 @@
       <p:grpSpPr/>
       <p:sp>
         <p:nvSpPr>
+          <p:cNvPr id="23" name="梯形 22"/>
+          <p:cNvSpPr/>
+          <p:nvPr/>
+        </p:nvSpPr>
+        <p:spPr>
+          <a:xfrm rot="5400000" flipH="1">
+            <a:off x="2825750" y="5964555"/>
+            <a:ext cx="974090" cy="297815"/>
+          </a:xfrm>
+          <a:prstGeom prst="trapezoid">
+            <a:avLst>
+              <a:gd name="adj" fmla="val 60440"/>
+            </a:avLst>
+          </a:prstGeom>
+        </p:spPr>
+        <p:style>
+          <a:lnRef idx="2">
+            <a:schemeClr val="accent1">
+              <a:shade val="50000"/>
+            </a:schemeClr>
+          </a:lnRef>
+          <a:fillRef idx="1">
+            <a:schemeClr val="accent1"/>
+          </a:fillRef>
+          <a:effectRef idx="0">
+            <a:schemeClr val="accent1"/>
+          </a:effectRef>
+          <a:fontRef idx="minor">
+            <a:schemeClr val="lt1"/>
+          </a:fontRef>
+        </p:style>
+        <p:txBody>
+          <a:bodyPr rtlCol="0" anchor="ctr"/>
+          <a:p>
+            <a:pPr algn="ctr"/>
+            <a:endParaRPr lang="zh-CN" altLang="en-US"/>
+          </a:p>
+        </p:txBody>
+      </p:sp>
+      <p:sp>
+        <p:nvSpPr>
           <p:cNvPr id="2" name="标题 1"/>
           <p:cNvSpPr>
             <a:spLocks noGrp="1"/>
@@ -4744,173 +3858,43 @@
         </p:nvSpPr>
         <p:spPr>
           <a:xfrm>
-            <a:off x="838200" y="276225"/>
-            <a:ext cx="10515600" cy="1325563"/>
+            <a:off x="-9525" y="4445"/>
+            <a:ext cx="1783080" cy="1264920"/>
           </a:xfrm>
         </p:spPr>
         <p:txBody>
           <a:bodyPr/>
           <a:p>
             <a:r>
-              <a:rPr lang="zh-CN" altLang="en-US"/>
-              <a:t>结构设计</a:t>
-            </a:r>
-            <a:endParaRPr lang="zh-CN" altLang="en-US"/>
-          </a:p>
-        </p:txBody>
-      </p:sp>
-      <p:cxnSp>
-        <p:nvCxnSpPr>
-          <p:cNvPr id="6" name="直接箭头连接符 5"/>
-          <p:cNvCxnSpPr/>
-          <p:nvPr/>
-        </p:nvCxnSpPr>
-        <p:spPr>
-          <a:xfrm flipH="1">
-            <a:off x="9695815" y="549275"/>
-            <a:ext cx="792480" cy="0"/>
-          </a:xfrm>
-          <a:prstGeom prst="straightConnector1">
-            <a:avLst/>
-          </a:prstGeom>
-          <a:ln>
-            <a:tailEnd type="arrow"/>
-          </a:ln>
-        </p:spPr>
-        <p:style>
-          <a:lnRef idx="1">
-            <a:schemeClr val="accent1"/>
-          </a:lnRef>
-          <a:fillRef idx="0">
-            <a:schemeClr val="accent1"/>
-          </a:fillRef>
-          <a:effectRef idx="0">
-            <a:schemeClr val="accent1"/>
-          </a:effectRef>
-          <a:fontRef idx="minor">
-            <a:schemeClr val="tx1"/>
-          </a:fontRef>
-        </p:style>
-      </p:cxnSp>
-      <p:sp>
-        <p:nvSpPr>
-          <p:cNvPr id="12" name="任意多边形 11"/>
+              <a:rPr lang="zh-CN" altLang="en-US">
+                <a:solidFill>
+                  <a:schemeClr val="tx1"/>
+                </a:solidFill>
+              </a:rPr>
+              <a:t>结构</a:t>
+            </a:r>
+            <a:endParaRPr lang="zh-CN" altLang="en-US">
+              <a:solidFill>
+                <a:schemeClr val="tx1"/>
+              </a:solidFill>
+            </a:endParaRPr>
+          </a:p>
+        </p:txBody>
+      </p:sp>
+      <p:sp>
+        <p:nvSpPr>
+          <p:cNvPr id="28" name="椭圆 27"/>
           <p:cNvSpPr/>
           <p:nvPr/>
         </p:nvSpPr>
         <p:spPr>
-          <a:xfrm rot="16200000">
-            <a:off x="10549255" y="4485005"/>
-            <a:ext cx="462280" cy="730885"/>
-          </a:xfrm>
-          <a:custGeom>
-            <a:avLst/>
-            <a:gdLst>
-              <a:gd name="connsiteX0" fmla="*/ 117 w 728"/>
-              <a:gd name="connsiteY0" fmla="*/ 0 h 1256"/>
-              <a:gd name="connsiteX1" fmla="*/ 702 w 728"/>
-              <a:gd name="connsiteY1" fmla="*/ 0 h 1256"/>
-              <a:gd name="connsiteX2" fmla="*/ 636 w 728"/>
-              <a:gd name="connsiteY2" fmla="*/ 262 h 1256"/>
-              <a:gd name="connsiteX3" fmla="*/ 581 w 728"/>
-              <a:gd name="connsiteY3" fmla="*/ 502 h 1256"/>
-              <a:gd name="connsiteX4" fmla="*/ 586 w 728"/>
-              <a:gd name="connsiteY4" fmla="*/ 832 h 1256"/>
-              <a:gd name="connsiteX5" fmla="*/ 641 w 728"/>
-              <a:gd name="connsiteY5" fmla="*/ 1042 h 1256"/>
-              <a:gd name="connsiteX6" fmla="*/ 702 w 728"/>
-              <a:gd name="connsiteY6" fmla="*/ 1256 h 1256"/>
-              <a:gd name="connsiteX7" fmla="*/ 117 w 728"/>
-              <a:gd name="connsiteY7" fmla="*/ 1256 h 1256"/>
-              <a:gd name="connsiteX8" fmla="*/ 0 w 728"/>
-              <a:gd name="connsiteY8" fmla="*/ 628 h 1256"/>
-              <a:gd name="connsiteX9" fmla="*/ 117 w 728"/>
-              <a:gd name="connsiteY9" fmla="*/ 0 h 1256"/>
-            </a:gdLst>
-            <a:ahLst/>
-            <a:cxnLst>
-              <a:cxn ang="0">
-                <a:pos x="connsiteX0" y="connsiteY0"/>
-              </a:cxn>
-              <a:cxn ang="0">
-                <a:pos x="connsiteX1" y="connsiteY1"/>
-              </a:cxn>
-              <a:cxn ang="0">
-                <a:pos x="connsiteX2" y="connsiteY2"/>
-              </a:cxn>
-              <a:cxn ang="0">
-                <a:pos x="connsiteX3" y="connsiteY3"/>
-              </a:cxn>
-              <a:cxn ang="0">
-                <a:pos x="connsiteX4" y="connsiteY4"/>
-              </a:cxn>
-              <a:cxn ang="0">
-                <a:pos x="connsiteX5" y="connsiteY5"/>
-              </a:cxn>
-              <a:cxn ang="0">
-                <a:pos x="connsiteX6" y="connsiteY6"/>
-              </a:cxn>
-              <a:cxn ang="0">
-                <a:pos x="connsiteX7" y="connsiteY7"/>
-              </a:cxn>
-              <a:cxn ang="0">
-                <a:pos x="connsiteX8" y="connsiteY8"/>
-              </a:cxn>
-              <a:cxn ang="0">
-                <a:pos x="connsiteX9" y="connsiteY9"/>
-              </a:cxn>
-            </a:cxnLst>
-            <a:rect l="l" t="t" r="r" b="b"/>
-            <a:pathLst>
-              <a:path w="728" h="1256">
-                <a:moveTo>
-                  <a:pt x="117" y="0"/>
-                </a:moveTo>
-                <a:lnTo>
-                  <a:pt x="702" y="0"/>
-                </a:lnTo>
-                <a:cubicBezTo>
-                  <a:pt x="782" y="47"/>
-                  <a:pt x="656" y="157"/>
-                  <a:pt x="636" y="262"/>
-                </a:cubicBezTo>
-                <a:cubicBezTo>
-                  <a:pt x="617" y="367"/>
-                  <a:pt x="581" y="347"/>
-                  <a:pt x="581" y="502"/>
-                </a:cubicBezTo>
-                <a:cubicBezTo>
-                  <a:pt x="581" y="657"/>
-                  <a:pt x="581" y="771"/>
-                  <a:pt x="586" y="832"/>
-                </a:cubicBezTo>
-                <a:cubicBezTo>
-                  <a:pt x="586" y="917"/>
-                  <a:pt x="625" y="981"/>
-                  <a:pt x="641" y="1042"/>
-                </a:cubicBezTo>
-                <a:cubicBezTo>
-                  <a:pt x="661" y="1147"/>
-                  <a:pt x="779" y="1205"/>
-                  <a:pt x="702" y="1256"/>
-                </a:cubicBezTo>
-                <a:lnTo>
-                  <a:pt x="117" y="1256"/>
-                </a:lnTo>
-                <a:cubicBezTo>
-                  <a:pt x="0" y="1256"/>
-                  <a:pt x="0" y="1047"/>
-                  <a:pt x="0" y="628"/>
-                </a:cubicBezTo>
-                <a:cubicBezTo>
-                  <a:pt x="0" y="209"/>
-                  <a:pt x="0" y="0"/>
-                  <a:pt x="117" y="0"/>
-                </a:cubicBezTo>
-                <a:close/>
-              </a:path>
-            </a:pathLst>
-          </a:custGeom>
+          <a:xfrm>
+            <a:off x="6247130" y="2029460"/>
+            <a:ext cx="75565" cy="75565"/>
+          </a:xfrm>
+          <a:prstGeom prst="ellipse">
+            <a:avLst/>
+          </a:prstGeom>
         </p:spPr>
         <p:style>
           <a:lnRef idx="2">
@@ -4936,88 +3920,18 @@
           </a:p>
         </p:txBody>
       </p:sp>
-      <p:cxnSp>
-        <p:nvCxnSpPr>
-          <p:cNvPr id="22" name="直接箭头连接符 21"/>
-          <p:cNvCxnSpPr>
-            <a:stCxn id="5" idx="3"/>
-            <a:endCxn id="18" idx="2"/>
-          </p:cNvCxnSpPr>
-          <p:nvPr/>
-        </p:nvCxnSpPr>
-        <p:spPr>
-          <a:xfrm>
-            <a:off x="2851150" y="3789045"/>
-            <a:ext cx="1091565" cy="0"/>
-          </a:xfrm>
-          <a:prstGeom prst="straightConnector1">
-            <a:avLst/>
-          </a:prstGeom>
-          <a:ln>
-            <a:headEnd type="arrow"/>
-            <a:tailEnd type="arrow"/>
-          </a:ln>
-        </p:spPr>
-        <p:style>
-          <a:lnRef idx="1">
-            <a:schemeClr val="accent1"/>
-          </a:lnRef>
-          <a:fillRef idx="0">
-            <a:schemeClr val="accent1"/>
-          </a:fillRef>
-          <a:effectRef idx="0">
-            <a:schemeClr val="accent1"/>
-          </a:effectRef>
-          <a:fontRef idx="minor">
-            <a:schemeClr val="tx1"/>
-          </a:fontRef>
-        </p:style>
-      </p:cxnSp>
-      <p:cxnSp>
-        <p:nvCxnSpPr>
-          <p:cNvPr id="23" name="直接箭头连接符 22"/>
-          <p:cNvCxnSpPr/>
-          <p:nvPr/>
-        </p:nvCxnSpPr>
-        <p:spPr>
-          <a:xfrm flipH="1" flipV="1">
-            <a:off x="6813550" y="4149090"/>
-            <a:ext cx="4445" cy="1656080"/>
-          </a:xfrm>
-          <a:prstGeom prst="straightConnector1">
-            <a:avLst/>
-          </a:prstGeom>
-          <a:ln>
-            <a:tailEnd type="arrow"/>
-          </a:ln>
-        </p:spPr>
-        <p:style>
-          <a:lnRef idx="1">
-            <a:schemeClr val="accent1"/>
-          </a:lnRef>
-          <a:fillRef idx="0">
-            <a:schemeClr val="accent1"/>
-          </a:fillRef>
-          <a:effectRef idx="0">
-            <a:schemeClr val="accent1"/>
-          </a:effectRef>
-          <a:fontRef idx="minor">
-            <a:schemeClr val="tx1"/>
-          </a:fontRef>
-        </p:style>
-      </p:cxnSp>
-      <p:sp>
-        <p:nvSpPr>
-          <p:cNvPr id="26" name="椭圆 25"/>
+      <p:sp>
+        <p:nvSpPr>
+          <p:cNvPr id="4" name="流程图: 磁盘 3"/>
           <p:cNvSpPr/>
           <p:nvPr/>
         </p:nvSpPr>
         <p:spPr>
           <a:xfrm>
-            <a:off x="8933815" y="5775325"/>
-            <a:ext cx="75565" cy="75565"/>
-          </a:xfrm>
-          <a:prstGeom prst="ellipse">
+            <a:off x="380365" y="1183005"/>
+            <a:ext cx="1395730" cy="3898900"/>
+          </a:xfrm>
+          <a:prstGeom prst="flowChartMagneticDisk">
             <a:avLst/>
           </a:prstGeom>
         </p:spPr>
@@ -5038,25 +3952,29 @@
           </a:fontRef>
         </p:style>
         <p:txBody>
-          <a:bodyPr rtlCol="0" anchor="ctr"/>
+          <a:bodyPr tIns="71755" rtlCol="0" anchor="t" anchorCtr="1"/>
           <a:p>
             <a:pPr algn="ctr"/>
-            <a:endParaRPr lang="zh-CN" altLang="en-US"/>
-          </a:p>
-        </p:txBody>
-      </p:sp>
-      <p:sp>
-        <p:nvSpPr>
-          <p:cNvPr id="27" name="椭圆 26"/>
+            <a:r>
+              <a:rPr lang="en-US" altLang="zh-CN"/>
+              <a:t>mem</a:t>
+            </a:r>
+            <a:endParaRPr lang="en-US" altLang="zh-CN"/>
+          </a:p>
+        </p:txBody>
+      </p:sp>
+      <p:sp>
+        <p:nvSpPr>
+          <p:cNvPr id="5" name="流程图: 预定义过程 4"/>
           <p:cNvSpPr/>
           <p:nvPr/>
         </p:nvSpPr>
         <p:spPr>
           <a:xfrm>
-            <a:off x="6777990" y="5775325"/>
-            <a:ext cx="75565" cy="75565"/>
-          </a:xfrm>
-          <a:prstGeom prst="ellipse">
+            <a:off x="3363595" y="647700"/>
+            <a:ext cx="681990" cy="360680"/>
+          </a:xfrm>
+          <a:prstGeom prst="flowChartPredefinedProcess">
             <a:avLst/>
           </a:prstGeom>
         </p:spPr>
@@ -5080,24 +3998,44 @@
           <a:bodyPr rtlCol="0" anchor="ctr"/>
           <a:p>
             <a:pPr algn="ctr"/>
-            <a:endParaRPr lang="zh-CN" altLang="en-US"/>
-          </a:p>
-        </p:txBody>
-      </p:sp>
-      <p:sp>
-        <p:nvSpPr>
-          <p:cNvPr id="28" name="椭圆 27"/>
+            <a:r>
+              <a:rPr lang="en-US" altLang="zh-CN"/>
+              <a:t>IR</a:t>
+            </a:r>
+            <a:endParaRPr lang="en-US" altLang="zh-CN"/>
+          </a:p>
+        </p:txBody>
+      </p:sp>
+      <p:sp>
+        <p:nvSpPr>
+          <p:cNvPr id="18" name="剪去同侧角的矩形 17"/>
           <p:cNvSpPr/>
           <p:nvPr/>
         </p:nvSpPr>
         <p:spPr>
           <a:xfrm>
-            <a:off x="4471670" y="5775325"/>
-            <a:ext cx="75565" cy="75565"/>
-          </a:xfrm>
-          <a:prstGeom prst="ellipse">
-            <a:avLst/>
-          </a:prstGeom>
+            <a:off x="3070225" y="295275"/>
+            <a:ext cx="1177925" cy="765810"/>
+          </a:xfrm>
+          <a:prstGeom prst="snip2SameRect">
+            <a:avLst/>
+          </a:prstGeom>
+          <a:noFill/>
+          <a:ln>
+            <a:solidFill>
+              <a:schemeClr val="tx1"/>
+            </a:solidFill>
+            <a:prstDash val="lgDash"/>
+          </a:ln>
+          <a:extLst>
+            <a:ext uri="{909E8E84-426E-40DD-AFC4-6F175D3DCCD1}">
+              <a14:hiddenFill xmlns:a14="http://schemas.microsoft.com/office/drawing/2010/main">
+                <a:solidFill>
+                  <a:schemeClr val="accent1"/>
+                </a:solidFill>
+              </a14:hiddenFill>
+            </a:ext>
+          </a:extLst>
         </p:spPr>
         <p:style>
           <a:lnRef idx="2">
@@ -5116,6 +4054,239 @@
           </a:fontRef>
         </p:style>
         <p:txBody>
+          <a:bodyPr wrap="none" tIns="0" rtlCol="0" anchor="t" anchorCtr="0"/>
+          <a:p>
+            <a:pPr algn="ctr"/>
+            <a:r>
+              <a:rPr lang="en-US" altLang="zh-CN">
+                <a:solidFill>
+                  <a:srgbClr val="FF0000"/>
+                </a:solidFill>
+              </a:rPr>
+              <a:t>ir queue</a:t>
+            </a:r>
+            <a:endParaRPr lang="en-US" altLang="zh-CN">
+              <a:solidFill>
+                <a:srgbClr val="FF0000"/>
+              </a:solidFill>
+            </a:endParaRPr>
+          </a:p>
+        </p:txBody>
+      </p:sp>
+      <p:sp>
+        <p:nvSpPr>
+          <p:cNvPr id="3" name="流程图: 预定义过程 2"/>
+          <p:cNvSpPr/>
+          <p:nvPr/>
+        </p:nvSpPr>
+        <p:spPr>
+          <a:xfrm>
+            <a:off x="3908425" y="5878195"/>
+            <a:ext cx="1544955" cy="474980"/>
+          </a:xfrm>
+          <a:prstGeom prst="flowChartPredefinedProcess">
+            <a:avLst/>
+          </a:prstGeom>
+        </p:spPr>
+        <p:style>
+          <a:lnRef idx="2">
+            <a:schemeClr val="accent1">
+              <a:shade val="50000"/>
+            </a:schemeClr>
+          </a:lnRef>
+          <a:fillRef idx="1">
+            <a:schemeClr val="accent1"/>
+          </a:fillRef>
+          <a:effectRef idx="0">
+            <a:schemeClr val="accent1"/>
+          </a:effectRef>
+          <a:fontRef idx="minor">
+            <a:schemeClr val="lt1"/>
+          </a:fontRef>
+        </p:style>
+        <p:txBody>
+          <a:bodyPr wrap="none" rtlCol="0" anchor="ctr"/>
+          <a:p>
+            <a:pPr algn="ctr"/>
+            <a:r>
+              <a:rPr lang="en-US" altLang="zh-CN"/>
+              <a:t>ir address</a:t>
+            </a:r>
+            <a:endParaRPr lang="en-US" altLang="zh-CN"/>
+          </a:p>
+        </p:txBody>
+      </p:sp>
+      <p:sp>
+        <p:nvSpPr>
+          <p:cNvPr id="7" name="矩形 6"/>
+          <p:cNvSpPr/>
+          <p:nvPr/>
+        </p:nvSpPr>
+        <p:spPr>
+          <a:xfrm>
+            <a:off x="2392680" y="5731510"/>
+            <a:ext cx="512445" cy="283210"/>
+          </a:xfrm>
+          <a:prstGeom prst="rect">
+            <a:avLst/>
+          </a:prstGeom>
+        </p:spPr>
+        <p:style>
+          <a:lnRef idx="2">
+            <a:schemeClr val="accent1">
+              <a:shade val="50000"/>
+            </a:schemeClr>
+          </a:lnRef>
+          <a:fillRef idx="1">
+            <a:schemeClr val="accent1"/>
+          </a:fillRef>
+          <a:effectRef idx="0">
+            <a:schemeClr val="accent1"/>
+          </a:effectRef>
+          <a:fontRef idx="minor">
+            <a:schemeClr val="lt1"/>
+          </a:fontRef>
+        </p:style>
+        <p:txBody>
+          <a:bodyPr rtlCol="0" anchor="ctr"/>
+          <a:p>
+            <a:pPr algn="ctr"/>
+            <a:r>
+              <a:rPr lang="en-US" altLang="zh-CN"/>
+              <a:t>+1</a:t>
+            </a:r>
+            <a:endParaRPr lang="en-US" altLang="zh-CN"/>
+          </a:p>
+        </p:txBody>
+      </p:sp>
+      <p:sp>
+        <p:nvSpPr>
+          <p:cNvPr id="19" name="文本框 18"/>
+          <p:cNvSpPr txBox="1"/>
+          <p:nvPr/>
+        </p:nvSpPr>
+        <p:spPr>
+          <a:xfrm>
+            <a:off x="57150" y="1665605"/>
+            <a:ext cx="1718945" cy="368300"/>
+          </a:xfrm>
+          <a:prstGeom prst="rect">
+            <a:avLst/>
+          </a:prstGeom>
+          <a:noFill/>
+        </p:spPr>
+        <p:txBody>
+          <a:bodyPr wrap="none" rtlCol="0">
+            <a:spAutoFit/>
+          </a:bodyPr>
+          <a:p>
+            <a:r>
+              <a:rPr lang="en-US" altLang="zh-CN"/>
+              <a:t>mem_read_data</a:t>
+            </a:r>
+            <a:endParaRPr lang="en-US" altLang="zh-CN"/>
+          </a:p>
+        </p:txBody>
+      </p:sp>
+      <p:cxnSp>
+        <p:nvCxnSpPr>
+          <p:cNvPr id="29" name="直接箭头连接符 28"/>
+          <p:cNvCxnSpPr>
+            <a:stCxn id="19" idx="3"/>
+            <a:endCxn id="115" idx="1"/>
+          </p:cNvCxnSpPr>
+          <p:nvPr/>
+        </p:nvCxnSpPr>
+        <p:spPr>
+          <a:xfrm flipV="1">
+            <a:off x="1776095" y="1847850"/>
+            <a:ext cx="2735580" cy="1905"/>
+          </a:xfrm>
+          <a:prstGeom prst="straightConnector1">
+            <a:avLst/>
+          </a:prstGeom>
+          <a:ln>
+            <a:tailEnd type="arrow"/>
+          </a:ln>
+        </p:spPr>
+        <p:style>
+          <a:lnRef idx="1">
+            <a:schemeClr val="accent1"/>
+          </a:lnRef>
+          <a:fillRef idx="0">
+            <a:schemeClr val="accent1"/>
+          </a:fillRef>
+          <a:effectRef idx="0">
+            <a:schemeClr val="accent1"/>
+          </a:effectRef>
+          <a:fontRef idx="minor">
+            <a:schemeClr val="tx1"/>
+          </a:fontRef>
+        </p:style>
+      </p:cxnSp>
+      <p:sp>
+        <p:nvSpPr>
+          <p:cNvPr id="60" name="文本框 59"/>
+          <p:cNvSpPr txBox="1"/>
+          <p:nvPr/>
+        </p:nvSpPr>
+        <p:spPr>
+          <a:xfrm>
+            <a:off x="-9525" y="2892425"/>
+            <a:ext cx="1783080" cy="368300"/>
+          </a:xfrm>
+          <a:prstGeom prst="rect">
+            <a:avLst/>
+          </a:prstGeom>
+          <a:noFill/>
+        </p:spPr>
+        <p:txBody>
+          <a:bodyPr wrap="none" rtlCol="0">
+            <a:spAutoFit/>
+          </a:bodyPr>
+          <a:p>
+            <a:r>
+              <a:rPr lang="en-US" altLang="zh-CN"/>
+              <a:t>mem_write_data</a:t>
+            </a:r>
+            <a:endParaRPr lang="en-US" altLang="zh-CN"/>
+          </a:p>
+        </p:txBody>
+      </p:sp>
+      <p:sp>
+        <p:nvSpPr>
+          <p:cNvPr id="61" name="梯形 60"/>
+          <p:cNvSpPr/>
+          <p:nvPr/>
+        </p:nvSpPr>
+        <p:spPr>
+          <a:xfrm rot="16200000">
+            <a:off x="5427980" y="3232785"/>
+            <a:ext cx="1007745" cy="346710"/>
+          </a:xfrm>
+          <a:prstGeom prst="trapezoid">
+            <a:avLst>
+              <a:gd name="adj" fmla="val 60440"/>
+            </a:avLst>
+          </a:prstGeom>
+        </p:spPr>
+        <p:style>
+          <a:lnRef idx="2">
+            <a:schemeClr val="accent1">
+              <a:shade val="50000"/>
+            </a:schemeClr>
+          </a:lnRef>
+          <a:fillRef idx="1">
+            <a:schemeClr val="accent1"/>
+          </a:fillRef>
+          <a:effectRef idx="0">
+            <a:schemeClr val="accent1"/>
+          </a:effectRef>
+          <a:fontRef idx="minor">
+            <a:schemeClr val="lt1"/>
+          </a:fontRef>
+        </p:style>
+        <p:txBody>
           <a:bodyPr rtlCol="0" anchor="ctr"/>
           <a:p>
             <a:pPr algn="ctr"/>
@@ -5123,16 +4294,703 @@
           </a:p>
         </p:txBody>
       </p:sp>
+      <p:sp>
+        <p:nvSpPr>
+          <p:cNvPr id="62" name="文本框 61"/>
+          <p:cNvSpPr txBox="1"/>
+          <p:nvPr/>
+        </p:nvSpPr>
+        <p:spPr>
+          <a:xfrm>
+            <a:off x="5835650" y="2979420"/>
+            <a:ext cx="272415" cy="368300"/>
+          </a:xfrm>
+          <a:prstGeom prst="rect">
+            <a:avLst/>
+          </a:prstGeom>
+          <a:noFill/>
+        </p:spPr>
+        <p:txBody>
+          <a:bodyPr wrap="square" rtlCol="0">
+            <a:spAutoFit/>
+          </a:bodyPr>
+          <a:p>
+            <a:r>
+              <a:rPr lang="en-US" altLang="zh-CN"/>
+              <a:t>0</a:t>
+            </a:r>
+            <a:endParaRPr lang="en-US" altLang="zh-CN"/>
+          </a:p>
+        </p:txBody>
+      </p:sp>
       <p:cxnSp>
         <p:nvCxnSpPr>
-          <p:cNvPr id="30" name="直接连接符 29"/>
-          <p:cNvCxnSpPr/>
+          <p:cNvPr id="66" name="肘形连接符 65"/>
+          <p:cNvCxnSpPr>
+            <a:stCxn id="28" idx="4"/>
+            <a:endCxn id="62" idx="3"/>
+          </p:cNvCxnSpPr>
           <p:nvPr/>
         </p:nvCxnSpPr>
         <p:spPr>
-          <a:xfrm>
-            <a:off x="4203700" y="4166870"/>
-            <a:ext cx="1270" cy="352425"/>
+          <a:xfrm rot="5400000">
+            <a:off x="5667375" y="2545715"/>
+            <a:ext cx="1058545" cy="177165"/>
+          </a:xfrm>
+          <a:prstGeom prst="bentConnector2">
+            <a:avLst/>
+          </a:prstGeom>
+          <a:ln>
+            <a:tailEnd type="arrow"/>
+          </a:ln>
+        </p:spPr>
+        <p:style>
+          <a:lnRef idx="1">
+            <a:schemeClr val="accent1"/>
+          </a:lnRef>
+          <a:fillRef idx="0">
+            <a:schemeClr val="accent1"/>
+          </a:fillRef>
+          <a:effectRef idx="0">
+            <a:schemeClr val="accent1"/>
+          </a:effectRef>
+          <a:fontRef idx="minor">
+            <a:schemeClr val="tx1"/>
+          </a:fontRef>
+        </p:style>
+      </p:cxnSp>
+      <p:sp>
+        <p:nvSpPr>
+          <p:cNvPr id="68" name="梯形 67"/>
+          <p:cNvSpPr/>
+          <p:nvPr/>
+        </p:nvSpPr>
+        <p:spPr>
+          <a:xfrm rot="16200000">
+            <a:off x="7945120" y="3532505"/>
+            <a:ext cx="1146810" cy="360045"/>
+          </a:xfrm>
+          <a:prstGeom prst="trapezoid">
+            <a:avLst>
+              <a:gd name="adj" fmla="val 60440"/>
+            </a:avLst>
+          </a:prstGeom>
+        </p:spPr>
+        <p:style>
+          <a:lnRef idx="2">
+            <a:schemeClr val="accent1">
+              <a:shade val="50000"/>
+            </a:schemeClr>
+          </a:lnRef>
+          <a:fillRef idx="1">
+            <a:schemeClr val="accent1"/>
+          </a:fillRef>
+          <a:effectRef idx="0">
+            <a:schemeClr val="accent1"/>
+          </a:effectRef>
+          <a:fontRef idx="minor">
+            <a:schemeClr val="lt1"/>
+          </a:fontRef>
+        </p:style>
+        <p:txBody>
+          <a:bodyPr rtlCol="0" anchor="ctr"/>
+          <a:p>
+            <a:pPr algn="ctr"/>
+            <a:endParaRPr lang="zh-CN" altLang="en-US"/>
+          </a:p>
+        </p:txBody>
+      </p:sp>
+      <p:sp>
+        <p:nvSpPr>
+          <p:cNvPr id="69" name="文本框 68"/>
+          <p:cNvSpPr txBox="1"/>
+          <p:nvPr/>
+        </p:nvSpPr>
+        <p:spPr>
+          <a:xfrm>
+            <a:off x="8425815" y="3286760"/>
+            <a:ext cx="272415" cy="368300"/>
+          </a:xfrm>
+          <a:prstGeom prst="rect">
+            <a:avLst/>
+          </a:prstGeom>
+          <a:noFill/>
+        </p:spPr>
+        <p:txBody>
+          <a:bodyPr wrap="square" rtlCol="0">
+            <a:spAutoFit/>
+          </a:bodyPr>
+          <a:p>
+            <a:r>
+              <a:rPr lang="en-US" altLang="zh-CN"/>
+              <a:t>0</a:t>
+            </a:r>
+            <a:endParaRPr lang="en-US" altLang="zh-CN"/>
+          </a:p>
+        </p:txBody>
+      </p:sp>
+      <p:sp>
+        <p:nvSpPr>
+          <p:cNvPr id="70" name="文本框 69"/>
+          <p:cNvSpPr txBox="1"/>
+          <p:nvPr/>
+        </p:nvSpPr>
+        <p:spPr>
+          <a:xfrm>
+            <a:off x="8422640" y="3542665"/>
+            <a:ext cx="272415" cy="368300"/>
+          </a:xfrm>
+          <a:prstGeom prst="rect">
+            <a:avLst/>
+          </a:prstGeom>
+          <a:noFill/>
+        </p:spPr>
+        <p:txBody>
+          <a:bodyPr wrap="square" rtlCol="0">
+            <a:spAutoFit/>
+          </a:bodyPr>
+          <a:p>
+            <a:r>
+              <a:rPr lang="en-US" altLang="zh-CN"/>
+              <a:t>1</a:t>
+            </a:r>
+            <a:endParaRPr lang="en-US" altLang="zh-CN"/>
+          </a:p>
+        </p:txBody>
+      </p:sp>
+      <p:sp>
+        <p:nvSpPr>
+          <p:cNvPr id="71" name="文本框 70"/>
+          <p:cNvSpPr txBox="1"/>
+          <p:nvPr/>
+        </p:nvSpPr>
+        <p:spPr>
+          <a:xfrm>
+            <a:off x="8422640" y="3798570"/>
+            <a:ext cx="272415" cy="368300"/>
+          </a:xfrm>
+          <a:prstGeom prst="rect">
+            <a:avLst/>
+          </a:prstGeom>
+          <a:noFill/>
+        </p:spPr>
+        <p:txBody>
+          <a:bodyPr wrap="square" rtlCol="0">
+            <a:spAutoFit/>
+          </a:bodyPr>
+          <a:p>
+            <a:r>
+              <a:rPr lang="en-US" altLang="zh-CN"/>
+              <a:t>2</a:t>
+            </a:r>
+            <a:endParaRPr lang="en-US" altLang="zh-CN"/>
+          </a:p>
+        </p:txBody>
+      </p:sp>
+      <p:sp>
+        <p:nvSpPr>
+          <p:cNvPr id="73" name="文本框 72"/>
+          <p:cNvSpPr txBox="1"/>
+          <p:nvPr/>
+        </p:nvSpPr>
+        <p:spPr>
+          <a:xfrm>
+            <a:off x="6451600" y="3519805"/>
+            <a:ext cx="1646555" cy="368300"/>
+          </a:xfrm>
+          <a:prstGeom prst="rect">
+            <a:avLst/>
+          </a:prstGeom>
+          <a:noFill/>
+        </p:spPr>
+        <p:txBody>
+          <a:bodyPr wrap="none" rtlCol="0">
+            <a:spAutoFit/>
+          </a:bodyPr>
+          <a:p>
+            <a:r>
+              <a:rPr lang="en-US" altLang="zh-CN"/>
+              <a:t>calculate_result</a:t>
+            </a:r>
+            <a:endParaRPr lang="en-US" altLang="zh-CN"/>
+          </a:p>
+        </p:txBody>
+      </p:sp>
+      <p:sp>
+        <p:nvSpPr>
+          <p:cNvPr id="76" name="文本框 75"/>
+          <p:cNvSpPr txBox="1"/>
+          <p:nvPr/>
+        </p:nvSpPr>
+        <p:spPr>
+          <a:xfrm>
+            <a:off x="-44450" y="3695065"/>
+            <a:ext cx="1852295" cy="368300"/>
+          </a:xfrm>
+          <a:prstGeom prst="rect">
+            <a:avLst/>
+          </a:prstGeom>
+          <a:noFill/>
+        </p:spPr>
+        <p:txBody>
+          <a:bodyPr wrap="none" rtlCol="0">
+            <a:spAutoFit/>
+          </a:bodyPr>
+          <a:p>
+            <a:r>
+              <a:rPr lang="en-US" altLang="zh-CN"/>
+              <a:t>mem_rw_address</a:t>
+            </a:r>
+            <a:endParaRPr lang="en-US" altLang="zh-CN"/>
+          </a:p>
+        </p:txBody>
+      </p:sp>
+      <p:sp>
+        <p:nvSpPr>
+          <p:cNvPr id="77" name="梯形 76"/>
+          <p:cNvSpPr/>
+          <p:nvPr/>
+        </p:nvSpPr>
+        <p:spPr>
+          <a:xfrm rot="16200000">
+            <a:off x="2387600" y="3772535"/>
+            <a:ext cx="897890" cy="234315"/>
+          </a:xfrm>
+          <a:prstGeom prst="trapezoid">
+            <a:avLst>
+              <a:gd name="adj" fmla="val 60440"/>
+            </a:avLst>
+          </a:prstGeom>
+        </p:spPr>
+        <p:style>
+          <a:lnRef idx="2">
+            <a:schemeClr val="accent1">
+              <a:shade val="50000"/>
+            </a:schemeClr>
+          </a:lnRef>
+          <a:fillRef idx="1">
+            <a:schemeClr val="accent1"/>
+          </a:fillRef>
+          <a:effectRef idx="0">
+            <a:schemeClr val="accent1"/>
+          </a:effectRef>
+          <a:fontRef idx="minor">
+            <a:schemeClr val="lt1"/>
+          </a:fontRef>
+        </p:style>
+        <p:txBody>
+          <a:bodyPr rtlCol="0" anchor="ctr"/>
+          <a:p>
+            <a:pPr algn="ctr"/>
+            <a:endParaRPr lang="zh-CN" altLang="en-US"/>
+          </a:p>
+        </p:txBody>
+      </p:sp>
+      <p:cxnSp>
+        <p:nvCxnSpPr>
+          <p:cNvPr id="79" name="直接箭头连接符 78"/>
+          <p:cNvCxnSpPr>
+            <a:stCxn id="113" idx="1"/>
+            <a:endCxn id="60" idx="3"/>
+          </p:cNvCxnSpPr>
+          <p:nvPr/>
+        </p:nvCxnSpPr>
+        <p:spPr>
+          <a:xfrm flipH="1">
+            <a:off x="1773555" y="3067050"/>
+            <a:ext cx="482600" cy="9525"/>
+          </a:xfrm>
+          <a:prstGeom prst="straightConnector1">
+            <a:avLst/>
+          </a:prstGeom>
+          <a:ln>
+            <a:tailEnd type="arrow"/>
+          </a:ln>
+        </p:spPr>
+        <p:style>
+          <a:lnRef idx="1">
+            <a:schemeClr val="accent1"/>
+          </a:lnRef>
+          <a:fillRef idx="0">
+            <a:schemeClr val="accent1"/>
+          </a:fillRef>
+          <a:effectRef idx="0">
+            <a:schemeClr val="accent1"/>
+          </a:effectRef>
+          <a:fontRef idx="minor">
+            <a:schemeClr val="tx1"/>
+          </a:fontRef>
+        </p:style>
+      </p:cxnSp>
+      <p:sp>
+        <p:nvSpPr>
+          <p:cNvPr id="80" name="文本框 79"/>
+          <p:cNvSpPr txBox="1"/>
+          <p:nvPr/>
+        </p:nvSpPr>
+        <p:spPr>
+          <a:xfrm>
+            <a:off x="2680970" y="3543300"/>
+            <a:ext cx="272415" cy="368300"/>
+          </a:xfrm>
+          <a:prstGeom prst="rect">
+            <a:avLst/>
+          </a:prstGeom>
+          <a:noFill/>
+        </p:spPr>
+        <p:txBody>
+          <a:bodyPr wrap="square" rtlCol="0">
+            <a:spAutoFit/>
+          </a:bodyPr>
+          <a:p>
+            <a:r>
+              <a:rPr lang="en-US" altLang="zh-CN"/>
+              <a:t>0</a:t>
+            </a:r>
+            <a:endParaRPr lang="en-US" altLang="zh-CN"/>
+          </a:p>
+        </p:txBody>
+      </p:sp>
+      <p:cxnSp>
+        <p:nvCxnSpPr>
+          <p:cNvPr id="83" name="直接箭头连接符 82"/>
+          <p:cNvCxnSpPr>
+            <a:stCxn id="77" idx="0"/>
+            <a:endCxn id="76" idx="3"/>
+          </p:cNvCxnSpPr>
+          <p:nvPr/>
+        </p:nvCxnSpPr>
+        <p:spPr>
+          <a:xfrm flipH="1" flipV="1">
+            <a:off x="1807845" y="3807460"/>
+            <a:ext cx="911860" cy="10795"/>
+          </a:xfrm>
+          <a:prstGeom prst="straightConnector1">
+            <a:avLst/>
+          </a:prstGeom>
+          <a:ln>
+            <a:tailEnd type="arrow"/>
+          </a:ln>
+        </p:spPr>
+        <p:style>
+          <a:lnRef idx="1">
+            <a:schemeClr val="accent1"/>
+          </a:lnRef>
+          <a:fillRef idx="0">
+            <a:schemeClr val="accent1"/>
+          </a:fillRef>
+          <a:effectRef idx="0">
+            <a:schemeClr val="accent1"/>
+          </a:effectRef>
+          <a:fontRef idx="minor">
+            <a:schemeClr val="tx1"/>
+          </a:fontRef>
+        </p:style>
+      </p:cxnSp>
+      <p:sp>
+        <p:nvSpPr>
+          <p:cNvPr id="84" name="文本框 83"/>
+          <p:cNvSpPr txBox="1"/>
+          <p:nvPr/>
+        </p:nvSpPr>
+        <p:spPr>
+          <a:xfrm>
+            <a:off x="2680970" y="3854450"/>
+            <a:ext cx="272415" cy="368300"/>
+          </a:xfrm>
+          <a:prstGeom prst="rect">
+            <a:avLst/>
+          </a:prstGeom>
+          <a:noFill/>
+        </p:spPr>
+        <p:txBody>
+          <a:bodyPr wrap="square" rtlCol="0">
+            <a:spAutoFit/>
+          </a:bodyPr>
+          <a:p>
+            <a:r>
+              <a:rPr lang="en-US" altLang="zh-CN"/>
+              <a:t>1</a:t>
+            </a:r>
+            <a:endParaRPr lang="en-US" altLang="zh-CN"/>
+          </a:p>
+        </p:txBody>
+      </p:sp>
+      <p:cxnSp>
+        <p:nvCxnSpPr>
+          <p:cNvPr id="85" name="肘形连接符 84"/>
+          <p:cNvCxnSpPr>
+            <a:stCxn id="3" idx="3"/>
+            <a:endCxn id="33" idx="3"/>
+          </p:cNvCxnSpPr>
+          <p:nvPr/>
+        </p:nvCxnSpPr>
+        <p:spPr>
+          <a:xfrm flipH="1" flipV="1">
+            <a:off x="4143375" y="5417185"/>
+            <a:ext cx="1310005" cy="698500"/>
+          </a:xfrm>
+          <a:prstGeom prst="bentConnector3">
+            <a:avLst>
+              <a:gd name="adj1" fmla="val -18177"/>
+            </a:avLst>
+          </a:prstGeom>
+          <a:ln>
+            <a:tailEnd type="arrow"/>
+          </a:ln>
+        </p:spPr>
+        <p:style>
+          <a:lnRef idx="1">
+            <a:schemeClr val="accent1"/>
+          </a:lnRef>
+          <a:fillRef idx="0">
+            <a:schemeClr val="accent1"/>
+          </a:fillRef>
+          <a:effectRef idx="0">
+            <a:schemeClr val="accent1"/>
+          </a:effectRef>
+          <a:fontRef idx="minor">
+            <a:schemeClr val="tx1"/>
+          </a:fontRef>
+        </p:style>
+      </p:cxnSp>
+      <p:cxnSp>
+        <p:nvCxnSpPr>
+          <p:cNvPr id="90" name="直接箭头连接符 89"/>
+          <p:cNvCxnSpPr>
+            <a:stCxn id="92" idx="3"/>
+          </p:cNvCxnSpPr>
+          <p:nvPr/>
+        </p:nvCxnSpPr>
+        <p:spPr>
+          <a:xfrm flipV="1">
+            <a:off x="8540750" y="2062480"/>
+            <a:ext cx="1301115" cy="9525"/>
+          </a:xfrm>
+          <a:prstGeom prst="straightConnector1">
+            <a:avLst/>
+          </a:prstGeom>
+          <a:ln>
+            <a:tailEnd type="arrow"/>
+          </a:ln>
+        </p:spPr>
+        <p:style>
+          <a:lnRef idx="1">
+            <a:schemeClr val="accent1"/>
+          </a:lnRef>
+          <a:fillRef idx="0">
+            <a:schemeClr val="accent1"/>
+          </a:fillRef>
+          <a:effectRef idx="0">
+            <a:schemeClr val="accent1"/>
+          </a:effectRef>
+          <a:fontRef idx="minor">
+            <a:schemeClr val="tx1"/>
+          </a:fontRef>
+        </p:style>
+      </p:cxnSp>
+      <p:sp>
+        <p:nvSpPr>
+          <p:cNvPr id="91" name="流程图: 预定义过程 90"/>
+          <p:cNvSpPr/>
+          <p:nvPr/>
+        </p:nvSpPr>
+        <p:spPr>
+          <a:xfrm>
+            <a:off x="6964045" y="1457960"/>
+            <a:ext cx="1576705" cy="372110"/>
+          </a:xfrm>
+          <a:prstGeom prst="flowChartPredefinedProcess">
+            <a:avLst/>
+          </a:prstGeom>
+        </p:spPr>
+        <p:style>
+          <a:lnRef idx="2">
+            <a:schemeClr val="accent1">
+              <a:shade val="50000"/>
+            </a:schemeClr>
+          </a:lnRef>
+          <a:fillRef idx="1">
+            <a:schemeClr val="accent1"/>
+          </a:fillRef>
+          <a:effectRef idx="0">
+            <a:schemeClr val="accent1"/>
+          </a:effectRef>
+          <a:fontRef idx="minor">
+            <a:schemeClr val="lt1"/>
+          </a:fontRef>
+        </p:style>
+        <p:txBody>
+          <a:bodyPr wrap="none" rtlCol="0" anchor="ctr"/>
+          <a:p>
+            <a:pPr algn="ctr"/>
+            <a:r>
+              <a:rPr lang="en-US" altLang="zh-CN"/>
+              <a:t>raw_data_bus_0</a:t>
+            </a:r>
+            <a:endParaRPr lang="en-US" altLang="zh-CN"/>
+          </a:p>
+        </p:txBody>
+      </p:sp>
+      <p:sp>
+        <p:nvSpPr>
+          <p:cNvPr id="92" name="流程图: 预定义过程 91"/>
+          <p:cNvSpPr/>
+          <p:nvPr/>
+        </p:nvSpPr>
+        <p:spPr>
+          <a:xfrm>
+            <a:off x="6964045" y="1885950"/>
+            <a:ext cx="1576705" cy="372110"/>
+          </a:xfrm>
+          <a:prstGeom prst="flowChartPredefinedProcess">
+            <a:avLst/>
+          </a:prstGeom>
+        </p:spPr>
+        <p:style>
+          <a:lnRef idx="2">
+            <a:schemeClr val="accent1">
+              <a:shade val="50000"/>
+            </a:schemeClr>
+          </a:lnRef>
+          <a:fillRef idx="1">
+            <a:schemeClr val="accent1"/>
+          </a:fillRef>
+          <a:effectRef idx="0">
+            <a:schemeClr val="accent1"/>
+          </a:effectRef>
+          <a:fontRef idx="minor">
+            <a:schemeClr val="lt1"/>
+          </a:fontRef>
+        </p:style>
+        <p:txBody>
+          <a:bodyPr wrap="none" rtlCol="0" anchor="ctr"/>
+          <a:p>
+            <a:pPr algn="ctr"/>
+            <a:r>
+              <a:rPr lang="en-US" altLang="zh-CN"/>
+              <a:t>raw_data_bus_1</a:t>
+            </a:r>
+            <a:endParaRPr lang="en-US" altLang="zh-CN"/>
+          </a:p>
+        </p:txBody>
+      </p:sp>
+      <p:cxnSp>
+        <p:nvCxnSpPr>
+          <p:cNvPr id="97" name="直接箭头连接符 96"/>
+          <p:cNvCxnSpPr>
+            <a:stCxn id="91" idx="3"/>
+          </p:cNvCxnSpPr>
+          <p:nvPr/>
+        </p:nvCxnSpPr>
+        <p:spPr>
+          <a:xfrm flipV="1">
+            <a:off x="8540750" y="1558925"/>
+            <a:ext cx="1301115" cy="13335"/>
+          </a:xfrm>
+          <a:prstGeom prst="straightConnector1">
+            <a:avLst/>
+          </a:prstGeom>
+          <a:ln>
+            <a:tailEnd type="arrow"/>
+          </a:ln>
+        </p:spPr>
+        <p:style>
+          <a:lnRef idx="1">
+            <a:schemeClr val="accent1"/>
+          </a:lnRef>
+          <a:fillRef idx="0">
+            <a:schemeClr val="accent1"/>
+          </a:fillRef>
+          <a:effectRef idx="0">
+            <a:schemeClr val="accent1"/>
+          </a:effectRef>
+          <a:fontRef idx="minor">
+            <a:schemeClr val="tx1"/>
+          </a:fontRef>
+        </p:style>
+      </p:cxnSp>
+      <p:sp>
+        <p:nvSpPr>
+          <p:cNvPr id="100" name="文本框 99"/>
+          <p:cNvSpPr txBox="1"/>
+          <p:nvPr/>
+        </p:nvSpPr>
+        <p:spPr>
+          <a:xfrm>
+            <a:off x="5835650" y="3282315"/>
+            <a:ext cx="272415" cy="368300"/>
+          </a:xfrm>
+          <a:prstGeom prst="rect">
+            <a:avLst/>
+          </a:prstGeom>
+          <a:noFill/>
+        </p:spPr>
+        <p:txBody>
+          <a:bodyPr wrap="square" rtlCol="0">
+            <a:spAutoFit/>
+          </a:bodyPr>
+          <a:p>
+            <a:r>
+              <a:rPr lang="en-US" altLang="zh-CN"/>
+              <a:t>1</a:t>
+            </a:r>
+            <a:endParaRPr lang="en-US" altLang="zh-CN"/>
+          </a:p>
+        </p:txBody>
+      </p:sp>
+      <p:sp>
+        <p:nvSpPr>
+          <p:cNvPr id="101" name="椭圆 100"/>
+          <p:cNvSpPr/>
+          <p:nvPr/>
+        </p:nvSpPr>
+        <p:spPr>
+          <a:xfrm>
+            <a:off x="1958340" y="3769360"/>
+            <a:ext cx="75565" cy="75565"/>
+          </a:xfrm>
+          <a:prstGeom prst="ellipse">
+            <a:avLst/>
+          </a:prstGeom>
+        </p:spPr>
+        <p:style>
+          <a:lnRef idx="2">
+            <a:schemeClr val="accent1">
+              <a:shade val="50000"/>
+            </a:schemeClr>
+          </a:lnRef>
+          <a:fillRef idx="1">
+            <a:schemeClr val="accent1"/>
+          </a:fillRef>
+          <a:effectRef idx="0">
+            <a:schemeClr val="accent1"/>
+          </a:effectRef>
+          <a:fontRef idx="minor">
+            <a:schemeClr val="lt1"/>
+          </a:fontRef>
+        </p:style>
+        <p:txBody>
+          <a:bodyPr rtlCol="0" anchor="ctr"/>
+          <a:p>
+            <a:pPr algn="ctr"/>
+            <a:endParaRPr lang="zh-CN" altLang="en-US"/>
+          </a:p>
+        </p:txBody>
+      </p:sp>
+      <p:cxnSp>
+        <p:nvCxnSpPr>
+          <p:cNvPr id="103" name="直接连接符 102"/>
+          <p:cNvCxnSpPr>
+            <a:stCxn id="5" idx="3"/>
+            <a:endCxn id="8" idx="1"/>
+          </p:cNvCxnSpPr>
+          <p:nvPr/>
+        </p:nvCxnSpPr>
+        <p:spPr>
+          <a:xfrm>
+            <a:off x="4045585" y="828040"/>
+            <a:ext cx="1659890" cy="635"/>
           </a:xfrm>
           <a:prstGeom prst="line">
             <a:avLst/>
@@ -5144,6 +5002,7 @@
               </a:schemeClr>
             </a:solidFill>
             <a:prstDash val="sysDot"/>
+            <a:tailEnd type="stealth" w="lg" len="med"/>
           </a:ln>
         </p:spPr>
         <p:style>
@@ -5161,149 +5020,20 @@
           </a:fontRef>
         </p:style>
       </p:cxnSp>
-      <p:cxnSp>
-        <p:nvCxnSpPr>
-          <p:cNvPr id="32" name="直接连接符 31"/>
-          <p:cNvCxnSpPr/>
-          <p:nvPr/>
-        </p:nvCxnSpPr>
-        <p:spPr>
-          <a:xfrm flipH="1">
-            <a:off x="9693275" y="1269365"/>
-            <a:ext cx="714375" cy="0"/>
-          </a:xfrm>
-          <a:prstGeom prst="line">
-            <a:avLst/>
-          </a:prstGeom>
-          <a:ln w="12700" cmpd="sng">
-            <a:solidFill>
-              <a:schemeClr val="accent1">
-                <a:shade val="50000"/>
-              </a:schemeClr>
-            </a:solidFill>
-            <a:prstDash val="sysDot"/>
-          </a:ln>
-        </p:spPr>
-        <p:style>
-          <a:lnRef idx="1">
-            <a:schemeClr val="accent1"/>
-          </a:lnRef>
-          <a:fillRef idx="0">
-            <a:schemeClr val="accent1"/>
-          </a:fillRef>
-          <a:effectRef idx="0">
-            <a:schemeClr val="accent1"/>
-          </a:effectRef>
-          <a:fontRef idx="minor">
-            <a:schemeClr val="tx1"/>
-          </a:fontRef>
-        </p:style>
-      </p:cxnSp>
-      <p:cxnSp>
-        <p:nvCxnSpPr>
-          <p:cNvPr id="33" name="直接连接符 32"/>
-          <p:cNvCxnSpPr/>
-          <p:nvPr/>
-        </p:nvCxnSpPr>
-        <p:spPr>
-          <a:xfrm flipH="1">
-            <a:off x="3719830" y="4581525"/>
-            <a:ext cx="5646420" cy="0"/>
-          </a:xfrm>
-          <a:prstGeom prst="line">
-            <a:avLst/>
-          </a:prstGeom>
-          <a:ln w="12700" cmpd="sng">
-            <a:solidFill>
-              <a:schemeClr val="accent1">
-                <a:shade val="50000"/>
-              </a:schemeClr>
-            </a:solidFill>
-            <a:prstDash val="sysDot"/>
-          </a:ln>
-        </p:spPr>
-        <p:style>
-          <a:lnRef idx="1">
-            <a:schemeClr val="accent1"/>
-          </a:lnRef>
-          <a:fillRef idx="0">
-            <a:schemeClr val="accent1"/>
-          </a:fillRef>
-          <a:effectRef idx="0">
-            <a:schemeClr val="accent1"/>
-          </a:effectRef>
-          <a:fontRef idx="minor">
-            <a:schemeClr val="tx1"/>
-          </a:fontRef>
-        </p:style>
-      </p:cxnSp>
-      <p:cxnSp>
-        <p:nvCxnSpPr>
-          <p:cNvPr id="35" name="直接箭头连接符 34"/>
-          <p:cNvCxnSpPr/>
-          <p:nvPr/>
-        </p:nvCxnSpPr>
-        <p:spPr>
-          <a:xfrm flipV="1">
-            <a:off x="4871720" y="4147820"/>
-            <a:ext cx="3810" cy="433705"/>
-          </a:xfrm>
-          <a:prstGeom prst="straightConnector1">
-            <a:avLst/>
-          </a:prstGeom>
-          <a:ln w="12700" cmpd="sng">
-            <a:solidFill>
-              <a:schemeClr val="accent1">
-                <a:shade val="50000"/>
-              </a:schemeClr>
-            </a:solidFill>
-            <a:prstDash val="sysDot"/>
-            <a:tailEnd type="arrow"/>
-          </a:ln>
-        </p:spPr>
-        <p:style>
-          <a:lnRef idx="1">
-            <a:schemeClr val="accent1"/>
-          </a:lnRef>
-          <a:fillRef idx="0">
-            <a:schemeClr val="accent1"/>
-          </a:fillRef>
-          <a:effectRef idx="0">
-            <a:schemeClr val="accent1"/>
-          </a:effectRef>
-          <a:fontRef idx="minor">
-            <a:schemeClr val="tx1"/>
-          </a:fontRef>
-        </p:style>
-      </p:cxnSp>
-      <p:sp>
-        <p:nvSpPr>
-          <p:cNvPr id="37" name="椭圆 36"/>
+      <p:sp>
+        <p:nvSpPr>
+          <p:cNvPr id="104" name="椭圆 103"/>
           <p:cNvSpPr/>
           <p:nvPr/>
         </p:nvSpPr>
         <p:spPr>
           <a:xfrm>
-            <a:off x="4835525" y="4543425"/>
+            <a:off x="6247130" y="1809750"/>
             <a:ext cx="75565" cy="75565"/>
           </a:xfrm>
           <a:prstGeom prst="ellipse">
             <a:avLst/>
           </a:prstGeom>
-          <a:solidFill>
-            <a:schemeClr val="accent1">
-              <a:lumMod val="20000"/>
-              <a:lumOff val="80000"/>
-            </a:schemeClr>
-          </a:solidFill>
-          <a:ln w="12700" cmpd="sng">
-            <a:solidFill>
-              <a:schemeClr val="accent1">
-                <a:shade val="50000"/>
-              </a:schemeClr>
-            </a:solidFill>
-            <a:prstDash val="sysDot"/>
-          </a:ln>
         </p:spPr>
         <p:style>
           <a:lnRef idx="2">
@@ -5331,25 +5061,22 @@
       </p:sp>
       <p:cxnSp>
         <p:nvCxnSpPr>
-          <p:cNvPr id="40" name="肘形连接符 39"/>
+          <p:cNvPr id="111" name="肘形连接符 110"/>
           <p:cNvCxnSpPr>
-            <a:stCxn id="17" idx="0"/>
-            <a:endCxn id="12" idx="3"/>
+            <a:stCxn id="104" idx="4"/>
           </p:cNvCxnSpPr>
           <p:nvPr/>
         </p:nvCxnSpPr>
         <p:spPr>
-          <a:xfrm rot="16200000" flipH="1">
-            <a:off x="8121650" y="2127885"/>
-            <a:ext cx="1276985" cy="3893185"/>
-          </a:xfrm>
-          <a:prstGeom prst="bentConnector3">
-            <a:avLst>
-              <a:gd name="adj1" fmla="val -31327"/>
-            </a:avLst>
+          <a:xfrm rot="5400000" flipV="1">
+            <a:off x="6534785" y="1635125"/>
+            <a:ext cx="175895" cy="675005"/>
+          </a:xfrm>
+          <a:prstGeom prst="bentConnector2">
+            <a:avLst/>
           </a:prstGeom>
           <a:ln>
-            <a:tailEnd type="arrow" w="med" len="med"/>
+            <a:tailEnd type="arrow"/>
           </a:ln>
         </p:spPr>
         <p:style>
@@ -5367,114 +5094,18 @@
           </a:fontRef>
         </p:style>
       </p:cxnSp>
-      <p:cxnSp>
-        <p:nvCxnSpPr>
-          <p:cNvPr id="42" name="肘形连接符 41"/>
-          <p:cNvCxnSpPr>
-            <a:stCxn id="18" idx="3"/>
-            <a:endCxn id="12" idx="4"/>
-          </p:cNvCxnSpPr>
-          <p:nvPr/>
-        </p:nvCxnSpPr>
-        <p:spPr>
-          <a:xfrm rot="16200000" flipH="1">
-            <a:off x="7062470" y="873760"/>
-            <a:ext cx="1280795" cy="6391275"/>
-          </a:xfrm>
-          <a:prstGeom prst="bentConnector3">
-            <a:avLst>
-              <a:gd name="adj1" fmla="val -43133"/>
-            </a:avLst>
-          </a:prstGeom>
-          <a:ln>
-            <a:tailEnd type="arrow" w="med" len="med"/>
-          </a:ln>
-        </p:spPr>
-        <p:style>
-          <a:lnRef idx="1">
-            <a:schemeClr val="accent1"/>
-          </a:lnRef>
-          <a:fillRef idx="0">
-            <a:schemeClr val="accent1"/>
-          </a:fillRef>
-          <a:effectRef idx="0">
-            <a:schemeClr val="accent1"/>
-          </a:effectRef>
-          <a:fontRef idx="minor">
-            <a:schemeClr val="tx1"/>
-          </a:fontRef>
-        </p:style>
-      </p:cxnSp>
-      <p:sp>
-        <p:nvSpPr>
-          <p:cNvPr id="45" name="文本框 44"/>
-          <p:cNvSpPr txBox="1"/>
-          <p:nvPr/>
-        </p:nvSpPr>
-        <p:spPr>
-          <a:xfrm>
-            <a:off x="8969375" y="419100"/>
-            <a:ext cx="640080" cy="368300"/>
-          </a:xfrm>
-          <a:prstGeom prst="rect">
-            <a:avLst/>
-          </a:prstGeom>
-          <a:noFill/>
-        </p:spPr>
-        <p:txBody>
-          <a:bodyPr wrap="none" rtlCol="0">
-            <a:spAutoFit/>
-          </a:bodyPr>
-          <a:p>
-            <a:r>
-              <a:rPr lang="zh-CN" altLang="en-US"/>
-              <a:t>数据</a:t>
-            </a:r>
-            <a:endParaRPr lang="zh-CN" altLang="en-US"/>
-          </a:p>
-        </p:txBody>
-      </p:sp>
-      <p:sp>
-        <p:nvSpPr>
-          <p:cNvPr id="46" name="文本框 45"/>
-          <p:cNvSpPr txBox="1"/>
-          <p:nvPr/>
-        </p:nvSpPr>
-        <p:spPr>
-          <a:xfrm>
-            <a:off x="8973820" y="901065"/>
-            <a:ext cx="640080" cy="368300"/>
-          </a:xfrm>
-          <a:prstGeom prst="rect">
-            <a:avLst/>
-          </a:prstGeom>
-          <a:noFill/>
-        </p:spPr>
-        <p:txBody>
-          <a:bodyPr wrap="none" rtlCol="0">
-            <a:spAutoFit/>
-          </a:bodyPr>
-          <a:p>
-            <a:r>
-              <a:rPr lang="zh-CN" altLang="en-US"/>
-              <a:t>指令</a:t>
-            </a:r>
-            <a:endParaRPr lang="zh-CN" altLang="en-US"/>
-          </a:p>
-        </p:txBody>
-      </p:sp>
-      <p:sp>
-        <p:nvSpPr>
-          <p:cNvPr id="4" name="流程图: 磁盘 3"/>
+      <p:sp>
+        <p:nvSpPr>
+          <p:cNvPr id="113" name="流程图: 预定义过程 112"/>
           <p:cNvSpPr/>
           <p:nvPr/>
         </p:nvSpPr>
         <p:spPr>
           <a:xfrm>
-            <a:off x="330835" y="3435350"/>
-            <a:ext cx="720090" cy="1439545"/>
-          </a:xfrm>
-          <a:prstGeom prst="flowChartMagneticDisk">
+            <a:off x="2256155" y="2829560"/>
+            <a:ext cx="1412240" cy="474980"/>
+          </a:xfrm>
+          <a:prstGeom prst="flowChartPredefinedProcess">
             <a:avLst/>
           </a:prstGeom>
         </p:spPr>
@@ -5495,12 +5126,12 @@
           </a:fontRef>
         </p:style>
         <p:txBody>
-          <a:bodyPr rtlCol="0" anchor="ctr"/>
+          <a:bodyPr wrap="none" rtlCol="0" anchor="ctr"/>
           <a:p>
             <a:pPr algn="ctr"/>
             <a:r>
               <a:rPr lang="en-US" altLang="zh-CN"/>
-              <a:t>mem</a:t>
+              <a:t>data_to_write</a:t>
             </a:r>
             <a:endParaRPr lang="en-US" altLang="zh-CN"/>
           </a:p>
@@ -5508,14 +5139,14 @@
       </p:sp>
       <p:sp>
         <p:nvSpPr>
-          <p:cNvPr id="5" name="流程图: 预定义过程 4"/>
+          <p:cNvPr id="115" name="流程图: 预定义过程 114"/>
           <p:cNvSpPr/>
           <p:nvPr/>
         </p:nvSpPr>
         <p:spPr>
           <a:xfrm>
-            <a:off x="1760220" y="3435985"/>
-            <a:ext cx="1090930" cy="705485"/>
+            <a:off x="4511675" y="1661795"/>
+            <a:ext cx="974090" cy="372110"/>
           </a:xfrm>
           <a:prstGeom prst="flowChartPredefinedProcess">
             <a:avLst/>
@@ -5538,37 +5169,29 @@
           </a:fontRef>
         </p:style>
         <p:txBody>
-          <a:bodyPr rtlCol="0" anchor="ctr"/>
+          <a:bodyPr wrap="none" rtlCol="0" anchor="ctr"/>
           <a:p>
             <a:pPr algn="ctr"/>
             <a:r>
               <a:rPr lang="en-US" altLang="zh-CN"/>
-              <a:t>IR</a:t>
+              <a:t>raw_data</a:t>
             </a:r>
             <a:endParaRPr lang="en-US" altLang="zh-CN"/>
           </a:p>
-          <a:p>
-            <a:pPr algn="ctr"/>
-            <a:r>
-              <a:rPr lang="en-US" altLang="zh-CN"/>
-              <a:t>cash</a:t>
-            </a:r>
-            <a:endParaRPr lang="en-US" altLang="zh-CN"/>
-          </a:p>
-        </p:txBody>
-      </p:sp>
-      <p:sp>
-        <p:nvSpPr>
-          <p:cNvPr id="8" name="流程图: 预定义过程 7"/>
+        </p:txBody>
+      </p:sp>
+      <p:sp>
+        <p:nvSpPr>
+          <p:cNvPr id="116" name="椭圆 115"/>
           <p:cNvSpPr/>
           <p:nvPr/>
         </p:nvSpPr>
         <p:spPr>
           <a:xfrm>
-            <a:off x="2952115" y="4869180"/>
-            <a:ext cx="985520" cy="705485"/>
-          </a:xfrm>
-          <a:prstGeom prst="flowChartPredefinedProcess">
+            <a:off x="1976755" y="1810385"/>
+            <a:ext cx="75565" cy="75565"/>
+          </a:xfrm>
+          <a:prstGeom prst="ellipse">
             <a:avLst/>
           </a:prstGeom>
         </p:spPr>
@@ -5592,34 +5215,91 @@
           <a:bodyPr rtlCol="0" anchor="ctr"/>
           <a:p>
             <a:pPr algn="ctr"/>
-            <a:r>
-              <a:rPr lang="en-US" altLang="zh-CN"/>
-              <a:t>Data</a:t>
-            </a:r>
-            <a:endParaRPr lang="en-US" altLang="zh-CN"/>
-          </a:p>
-          <a:p>
-            <a:pPr algn="ctr"/>
-            <a:r>
-              <a:rPr lang="en-US" altLang="zh-CN"/>
-              <a:t>cash</a:t>
-            </a:r>
-            <a:endParaRPr lang="en-US" altLang="zh-CN"/>
-          </a:p>
-        </p:txBody>
-      </p:sp>
-      <p:sp>
-        <p:nvSpPr>
-          <p:cNvPr id="17" name="流程图: 预定义过程 16"/>
+            <a:endParaRPr lang="zh-CN" altLang="en-US"/>
+          </a:p>
+        </p:txBody>
+      </p:sp>
+      <p:cxnSp>
+        <p:nvCxnSpPr>
+          <p:cNvPr id="117" name="肘形连接符 116"/>
+          <p:cNvCxnSpPr>
+            <a:stCxn id="116" idx="0"/>
+            <a:endCxn id="5" idx="1"/>
+          </p:cNvCxnSpPr>
+          <p:nvPr/>
+        </p:nvCxnSpPr>
+        <p:spPr>
+          <a:xfrm rot="16200000">
+            <a:off x="2198053" y="644843"/>
+            <a:ext cx="982345" cy="1348740"/>
+          </a:xfrm>
+          <a:prstGeom prst="bentConnector2">
+            <a:avLst/>
+          </a:prstGeom>
+          <a:ln>
+            <a:tailEnd type="arrow"/>
+          </a:ln>
+        </p:spPr>
+        <p:style>
+          <a:lnRef idx="1">
+            <a:schemeClr val="accent1"/>
+          </a:lnRef>
+          <a:fillRef idx="0">
+            <a:schemeClr val="accent1"/>
+          </a:fillRef>
+          <a:effectRef idx="0">
+            <a:schemeClr val="accent1"/>
+          </a:effectRef>
+          <a:fontRef idx="minor">
+            <a:schemeClr val="tx1"/>
+          </a:fontRef>
+        </p:style>
+      </p:cxnSp>
+      <p:cxnSp>
+        <p:nvCxnSpPr>
+          <p:cNvPr id="121" name="直接连接符 120"/>
+          <p:cNvCxnSpPr>
+            <a:stCxn id="61" idx="0"/>
+            <a:endCxn id="122" idx="6"/>
+          </p:cNvCxnSpPr>
+          <p:nvPr/>
+        </p:nvCxnSpPr>
+        <p:spPr>
+          <a:xfrm flipH="1" flipV="1">
+            <a:off x="4422140" y="3404235"/>
+            <a:ext cx="1336675" cy="1905"/>
+          </a:xfrm>
+          <a:prstGeom prst="line">
+            <a:avLst/>
+          </a:prstGeom>
+        </p:spPr>
+        <p:style>
+          <a:lnRef idx="1">
+            <a:schemeClr val="accent1"/>
+          </a:lnRef>
+          <a:fillRef idx="0">
+            <a:schemeClr val="accent1"/>
+          </a:fillRef>
+          <a:effectRef idx="0">
+            <a:schemeClr val="accent1"/>
+          </a:effectRef>
+          <a:fontRef idx="minor">
+            <a:schemeClr val="tx1"/>
+          </a:fontRef>
+        </p:style>
+      </p:cxnSp>
+      <p:sp>
+        <p:nvSpPr>
+          <p:cNvPr id="122" name="椭圆 121"/>
           <p:cNvSpPr/>
           <p:nvPr/>
         </p:nvSpPr>
         <p:spPr>
           <a:xfrm>
-            <a:off x="6091555" y="3435985"/>
-            <a:ext cx="1444625" cy="705485"/>
-          </a:xfrm>
-          <a:prstGeom prst="flowChartPredefinedProcess">
+            <a:off x="4346575" y="3366135"/>
+            <a:ext cx="75565" cy="75565"/>
+          </a:xfrm>
+          <a:prstGeom prst="ellipse">
             <a:avLst/>
           </a:prstGeom>
         </p:spPr>
@@ -5643,34 +5323,94 @@
           <a:bodyPr rtlCol="0" anchor="ctr"/>
           <a:p>
             <a:pPr algn="ctr"/>
-            <a:r>
-              <a:rPr lang="en-US" altLang="zh-CN"/>
-              <a:t>IR</a:t>
-            </a:r>
-            <a:endParaRPr lang="en-US" altLang="zh-CN"/>
-          </a:p>
-          <a:p>
-            <a:pPr algn="ctr"/>
-            <a:r>
-              <a:rPr lang="en-US" altLang="zh-CN"/>
-              <a:t>Pointer</a:t>
-            </a:r>
-            <a:endParaRPr lang="en-US" altLang="zh-CN"/>
-          </a:p>
-        </p:txBody>
-      </p:sp>
-      <p:sp>
-        <p:nvSpPr>
-          <p:cNvPr id="36" name="流程图: 过程 35"/>
+            <a:endParaRPr lang="zh-CN" altLang="en-US"/>
+          </a:p>
+        </p:txBody>
+      </p:sp>
+      <p:cxnSp>
+        <p:nvCxnSpPr>
+          <p:cNvPr id="123" name="肘形连接符 122"/>
+          <p:cNvCxnSpPr>
+            <a:stCxn id="122" idx="0"/>
+            <a:endCxn id="113" idx="3"/>
+          </p:cNvCxnSpPr>
+          <p:nvPr/>
+        </p:nvCxnSpPr>
+        <p:spPr>
+          <a:xfrm rot="16200000" flipV="1">
+            <a:off x="3876993" y="2858453"/>
+            <a:ext cx="299085" cy="716280"/>
+          </a:xfrm>
+          <a:prstGeom prst="bentConnector2">
+            <a:avLst/>
+          </a:prstGeom>
+          <a:ln>
+            <a:tailEnd type="arrow"/>
+          </a:ln>
+        </p:spPr>
+        <p:style>
+          <a:lnRef idx="1">
+            <a:schemeClr val="accent1"/>
+          </a:lnRef>
+          <a:fillRef idx="0">
+            <a:schemeClr val="accent1"/>
+          </a:fillRef>
+          <a:effectRef idx="0">
+            <a:schemeClr val="accent1"/>
+          </a:effectRef>
+          <a:fontRef idx="minor">
+            <a:schemeClr val="tx1"/>
+          </a:fontRef>
+        </p:style>
+      </p:cxnSp>
+      <p:cxnSp>
+        <p:nvCxnSpPr>
+          <p:cNvPr id="124" name="肘形连接符 123"/>
+          <p:cNvCxnSpPr>
+            <a:stCxn id="122" idx="4"/>
+            <a:endCxn id="80" idx="3"/>
+          </p:cNvCxnSpPr>
+          <p:nvPr/>
+        </p:nvCxnSpPr>
+        <p:spPr>
+          <a:xfrm rot="5400000">
+            <a:off x="3526155" y="2868930"/>
+            <a:ext cx="285750" cy="1431290"/>
+          </a:xfrm>
+          <a:prstGeom prst="bentConnector2">
+            <a:avLst/>
+          </a:prstGeom>
+          <a:ln>
+            <a:tailEnd type="arrow"/>
+          </a:ln>
+        </p:spPr>
+        <p:style>
+          <a:lnRef idx="1">
+            <a:schemeClr val="accent1"/>
+          </a:lnRef>
+          <a:fillRef idx="0">
+            <a:schemeClr val="accent1"/>
+          </a:fillRef>
+          <a:effectRef idx="0">
+            <a:schemeClr val="accent1"/>
+          </a:effectRef>
+          <a:fontRef idx="minor">
+            <a:schemeClr val="tx1"/>
+          </a:fontRef>
+        </p:style>
+      </p:cxnSp>
+      <p:sp>
+        <p:nvSpPr>
+          <p:cNvPr id="8" name="矩形 7"/>
           <p:cNvSpPr/>
           <p:nvPr/>
         </p:nvSpPr>
         <p:spPr>
           <a:xfrm>
-            <a:off x="8255635" y="3436620"/>
-            <a:ext cx="1437640" cy="712470"/>
-          </a:xfrm>
-          <a:prstGeom prst="flowChartProcess">
+            <a:off x="5705475" y="591185"/>
+            <a:ext cx="1454785" cy="474345"/>
+          </a:xfrm>
+          <a:prstGeom prst="rect">
             <a:avLst/>
           </a:prstGeom>
         </p:spPr>
@@ -5696,24 +5436,154 @@
             <a:pPr algn="ctr"/>
             <a:r>
               <a:rPr lang="en-US" altLang="zh-CN"/>
-              <a:t>computer</a:t>
+              <a:t>decoder</a:t>
             </a:r>
             <a:endParaRPr lang="en-US" altLang="zh-CN"/>
           </a:p>
         </p:txBody>
       </p:sp>
-      <p:sp>
-        <p:nvSpPr>
-          <p:cNvPr id="18" name="剪去同侧角的矩形 17"/>
+      <p:cxnSp>
+        <p:nvCxnSpPr>
+          <p:cNvPr id="10" name="直接箭头连接符 9"/>
+          <p:cNvCxnSpPr>
+            <a:stCxn id="7" idx="3"/>
+            <a:endCxn id="13" idx="1"/>
+          </p:cNvCxnSpPr>
+          <p:nvPr/>
+        </p:nvCxnSpPr>
+        <p:spPr>
+          <a:xfrm>
+            <a:off x="2905125" y="5873115"/>
+            <a:ext cx="259080" cy="0"/>
+          </a:xfrm>
+          <a:prstGeom prst="straightConnector1">
+            <a:avLst/>
+          </a:prstGeom>
+          <a:ln>
+            <a:tailEnd type="arrow"/>
+          </a:ln>
+        </p:spPr>
+        <p:style>
+          <a:lnRef idx="1">
+            <a:schemeClr val="accent1"/>
+          </a:lnRef>
+          <a:fillRef idx="0">
+            <a:schemeClr val="accent1"/>
+          </a:fillRef>
+          <a:effectRef idx="0">
+            <a:schemeClr val="accent1"/>
+          </a:effectRef>
+          <a:fontRef idx="minor">
+            <a:schemeClr val="tx1"/>
+          </a:fontRef>
+        </p:style>
+      </p:cxnSp>
+      <p:sp>
+        <p:nvSpPr>
+          <p:cNvPr id="12" name="文本框 11"/>
+          <p:cNvSpPr txBox="1"/>
+          <p:nvPr/>
+        </p:nvSpPr>
+        <p:spPr>
+          <a:xfrm>
+            <a:off x="3164205" y="6160770"/>
+            <a:ext cx="272415" cy="368300"/>
+          </a:xfrm>
+          <a:prstGeom prst="rect">
+            <a:avLst/>
+          </a:prstGeom>
+          <a:noFill/>
+        </p:spPr>
+        <p:txBody>
+          <a:bodyPr wrap="square" rtlCol="0">
+            <a:spAutoFit/>
+          </a:bodyPr>
+          <a:p>
+            <a:r>
+              <a:rPr lang="en-US" altLang="zh-CN"/>
+              <a:t>0</a:t>
+            </a:r>
+            <a:endParaRPr lang="en-US" altLang="zh-CN"/>
+          </a:p>
+        </p:txBody>
+      </p:sp>
+      <p:sp>
+        <p:nvSpPr>
+          <p:cNvPr id="13" name="文本框 12"/>
+          <p:cNvSpPr txBox="1"/>
+          <p:nvPr/>
+        </p:nvSpPr>
+        <p:spPr>
+          <a:xfrm>
+            <a:off x="3164205" y="5688965"/>
+            <a:ext cx="272415" cy="368300"/>
+          </a:xfrm>
+          <a:prstGeom prst="rect">
+            <a:avLst/>
+          </a:prstGeom>
+          <a:noFill/>
+        </p:spPr>
+        <p:txBody>
+          <a:bodyPr wrap="square" rtlCol="0">
+            <a:spAutoFit/>
+          </a:bodyPr>
+          <a:p>
+            <a:r>
+              <a:rPr lang="en-US" altLang="zh-CN"/>
+              <a:t>1</a:t>
+            </a:r>
+            <a:endParaRPr lang="en-US" altLang="zh-CN"/>
+          </a:p>
+        </p:txBody>
+      </p:sp>
+      <p:cxnSp>
+        <p:nvCxnSpPr>
+          <p:cNvPr id="14" name="直接箭头连接符 13"/>
+          <p:cNvCxnSpPr>
+            <a:stCxn id="23" idx="0"/>
+            <a:endCxn id="3" idx="1"/>
+          </p:cNvCxnSpPr>
+          <p:nvPr/>
+        </p:nvCxnSpPr>
+        <p:spPr>
+          <a:xfrm>
+            <a:off x="3462020" y="6042025"/>
+            <a:ext cx="446405" cy="1905"/>
+          </a:xfrm>
+          <a:prstGeom prst="straightConnector1">
+            <a:avLst/>
+          </a:prstGeom>
+          <a:ln>
+            <a:tailEnd type="arrow"/>
+          </a:ln>
+        </p:spPr>
+        <p:style>
+          <a:lnRef idx="1">
+            <a:schemeClr val="accent1"/>
+          </a:lnRef>
+          <a:fillRef idx="0">
+            <a:schemeClr val="accent1"/>
+          </a:fillRef>
+          <a:effectRef idx="0">
+            <a:schemeClr val="accent1"/>
+          </a:effectRef>
+          <a:fontRef idx="minor">
+            <a:schemeClr val="tx1"/>
+          </a:fontRef>
+        </p:style>
+      </p:cxnSp>
+      <p:sp>
+        <p:nvSpPr>
+          <p:cNvPr id="15" name="椭圆 14"/>
           <p:cNvSpPr/>
           <p:nvPr/>
         </p:nvSpPr>
         <p:spPr>
           <a:xfrm>
-            <a:off x="3942715" y="3429000"/>
-            <a:ext cx="1130300" cy="720090"/>
-          </a:xfrm>
-          <a:prstGeom prst="snip2SameRect">
+            <a:off x="1958340" y="5299075"/>
+            <a:ext cx="75565" cy="75565"/>
+          </a:xfrm>
+          <a:prstGeom prst="ellipse">
             <a:avLst/>
           </a:prstGeom>
         </p:spPr>
@@ -5737,43 +5607,28 @@
           <a:bodyPr rtlCol="0" anchor="ctr"/>
           <a:p>
             <a:pPr algn="ctr"/>
-            <a:r>
-              <a:rPr lang="en-US" altLang="zh-CN"/>
-              <a:t>IR</a:t>
-            </a:r>
-            <a:endParaRPr lang="en-US" altLang="zh-CN"/>
-          </a:p>
-          <a:p>
-            <a:pPr algn="ctr"/>
-            <a:r>
-              <a:rPr lang="en-US" altLang="zh-CN"/>
-              <a:t>Queue</a:t>
-            </a:r>
-            <a:endParaRPr lang="en-US" altLang="zh-CN"/>
+            <a:endParaRPr lang="zh-CN" altLang="en-US"/>
           </a:p>
         </p:txBody>
       </p:sp>
       <p:cxnSp>
         <p:nvCxnSpPr>
-          <p:cNvPr id="47" name="直接箭头连接符 46"/>
-          <p:cNvCxnSpPr/>
+          <p:cNvPr id="16" name="肘形连接符 15"/>
+          <p:cNvCxnSpPr>
+            <a:stCxn id="15" idx="6"/>
+            <a:endCxn id="7" idx="0"/>
+          </p:cNvCxnSpPr>
           <p:nvPr/>
         </p:nvCxnSpPr>
         <p:spPr>
-          <a:xfrm flipV="1">
-            <a:off x="7181215" y="4126230"/>
-            <a:ext cx="3810" cy="433705"/>
-          </a:xfrm>
-          <a:prstGeom prst="straightConnector1">
-            <a:avLst/>
-          </a:prstGeom>
-          <a:ln w="12700" cmpd="sng">
-            <a:solidFill>
-              <a:schemeClr val="accent1">
-                <a:shade val="50000"/>
-              </a:schemeClr>
-            </a:solidFill>
-            <a:prstDash val="sysDot"/>
+          <a:xfrm>
+            <a:off x="2033905" y="5265420"/>
+            <a:ext cx="615315" cy="394335"/>
+          </a:xfrm>
+          <a:prstGeom prst="bentConnector2">
+            <a:avLst/>
+          </a:prstGeom>
+          <a:ln>
             <a:tailEnd type="arrow"/>
           </a:ln>
         </p:spPr>
@@ -5792,112 +5647,36 @@
           </a:fontRef>
         </p:style>
       </p:cxnSp>
-      <p:cxnSp>
-        <p:nvCxnSpPr>
-          <p:cNvPr id="48" name="直接箭头连接符 47"/>
-          <p:cNvCxnSpPr/>
-          <p:nvPr/>
-        </p:nvCxnSpPr>
-        <p:spPr>
-          <a:xfrm flipV="1">
-            <a:off x="9362440" y="4141470"/>
-            <a:ext cx="3810" cy="433705"/>
-          </a:xfrm>
-          <a:prstGeom prst="straightConnector1">
-            <a:avLst/>
-          </a:prstGeom>
-          <a:ln w="12700" cmpd="sng">
+      <p:sp>
+        <p:nvSpPr>
+          <p:cNvPr id="20" name="剪去同侧角的矩形 19"/>
+          <p:cNvSpPr/>
+          <p:nvPr/>
+        </p:nvSpPr>
+        <p:spPr>
+          <a:xfrm>
+            <a:off x="4345940" y="1100455"/>
+            <a:ext cx="4329430" cy="1256665"/>
+          </a:xfrm>
+          <a:prstGeom prst="snip2SameRect">
+            <a:avLst/>
+          </a:prstGeom>
+          <a:noFill/>
+          <a:ln>
             <a:solidFill>
-              <a:schemeClr val="accent1">
-                <a:shade val="50000"/>
-              </a:schemeClr>
+              <a:schemeClr val="tx1"/>
             </a:solidFill>
-            <a:prstDash val="sysDot"/>
-            <a:tailEnd type="arrow"/>
+            <a:prstDash val="lgDash"/>
           </a:ln>
-        </p:spPr>
-        <p:style>
-          <a:lnRef idx="1">
-            <a:schemeClr val="accent1"/>
-          </a:lnRef>
-          <a:fillRef idx="0">
-            <a:schemeClr val="accent1"/>
-          </a:fillRef>
-          <a:effectRef idx="0">
-            <a:schemeClr val="accent1"/>
-          </a:effectRef>
-          <a:fontRef idx="minor">
-            <a:schemeClr val="tx1"/>
-          </a:fontRef>
-        </p:style>
-      </p:cxnSp>
-      <p:cxnSp>
-        <p:nvCxnSpPr>
-          <p:cNvPr id="49" name="直接箭头连接符 48"/>
-          <p:cNvCxnSpPr/>
-          <p:nvPr/>
-        </p:nvCxnSpPr>
-        <p:spPr>
-          <a:xfrm>
-            <a:off x="3719830" y="4581525"/>
-            <a:ext cx="0" cy="287655"/>
-          </a:xfrm>
-          <a:prstGeom prst="straightConnector1">
-            <a:avLst/>
-          </a:prstGeom>
-          <a:ln w="12700" cmpd="sng">
-            <a:solidFill>
-              <a:schemeClr val="accent1">
-                <a:shade val="50000"/>
-              </a:schemeClr>
-            </a:solidFill>
-            <a:prstDash val="sysDot"/>
-            <a:tailEnd type="arrow"/>
-          </a:ln>
-        </p:spPr>
-        <p:style>
-          <a:lnRef idx="1">
-            <a:schemeClr val="accent1"/>
-          </a:lnRef>
-          <a:fillRef idx="0">
-            <a:schemeClr val="accent1"/>
-          </a:fillRef>
-          <a:effectRef idx="0">
-            <a:schemeClr val="accent1"/>
-          </a:effectRef>
-          <a:fontRef idx="minor">
-            <a:schemeClr val="tx1"/>
-          </a:fontRef>
-        </p:style>
-      </p:cxnSp>
-      <p:sp>
-        <p:nvSpPr>
-          <p:cNvPr id="50" name="椭圆 49"/>
-          <p:cNvSpPr/>
-          <p:nvPr/>
-        </p:nvSpPr>
-        <p:spPr>
-          <a:xfrm>
-            <a:off x="4166235" y="4543425"/>
-            <a:ext cx="75565" cy="75565"/>
-          </a:xfrm>
-          <a:prstGeom prst="ellipse">
-            <a:avLst/>
-          </a:prstGeom>
-          <a:solidFill>
-            <a:schemeClr val="accent1">
-              <a:lumMod val="20000"/>
-              <a:lumOff val="80000"/>
-            </a:schemeClr>
-          </a:solidFill>
-          <a:ln w="12700" cmpd="sng">
-            <a:solidFill>
-              <a:schemeClr val="accent1">
-                <a:shade val="50000"/>
-              </a:schemeClr>
-            </a:solidFill>
-            <a:prstDash val="sysDot"/>
-          </a:ln>
+          <a:extLst>
+            <a:ext uri="{909E8E84-426E-40DD-AFC4-6F175D3DCCD1}">
+              <a14:hiddenFill xmlns:a14="http://schemas.microsoft.com/office/drawing/2010/main">
+                <a:solidFill>
+                  <a:schemeClr val="accent1"/>
+                </a:solidFill>
+              </a14:hiddenFill>
+            </a:ext>
+          </a:extLst>
         </p:spPr>
         <p:style>
           <a:lnRef idx="2">
@@ -5916,41 +5695,55 @@
           </a:fontRef>
         </p:style>
         <p:txBody>
-          <a:bodyPr rtlCol="0" anchor="ctr"/>
+          <a:bodyPr wrap="none" tIns="0" rtlCol="0" anchor="t" anchorCtr="0"/>
           <a:p>
             <a:pPr algn="ctr"/>
-            <a:endParaRPr lang="zh-CN" altLang="en-US"/>
-          </a:p>
-        </p:txBody>
-      </p:sp>
-      <p:sp>
-        <p:nvSpPr>
-          <p:cNvPr id="51" name="椭圆 50"/>
+            <a:r>
+              <a:rPr lang="en-US" altLang="zh-CN">
+                <a:solidFill>
+                  <a:srgbClr val="FF0000"/>
+                </a:solidFill>
+              </a:rPr>
+              <a:t>raw bus</a:t>
+            </a:r>
+            <a:endParaRPr lang="en-US" altLang="zh-CN">
+              <a:solidFill>
+                <a:srgbClr val="FF0000"/>
+              </a:solidFill>
+            </a:endParaRPr>
+          </a:p>
+        </p:txBody>
+      </p:sp>
+      <p:sp>
+        <p:nvSpPr>
+          <p:cNvPr id="21" name="剪去同侧角的矩形 20"/>
           <p:cNvSpPr/>
           <p:nvPr/>
         </p:nvSpPr>
         <p:spPr>
           <a:xfrm>
-            <a:off x="7145655" y="4543425"/>
-            <a:ext cx="75565" cy="75565"/>
-          </a:xfrm>
-          <a:prstGeom prst="ellipse">
-            <a:avLst/>
-          </a:prstGeom>
-          <a:solidFill>
-            <a:schemeClr val="accent1">
-              <a:lumMod val="20000"/>
-              <a:lumOff val="80000"/>
-            </a:schemeClr>
-          </a:solidFill>
-          <a:ln w="12700" cmpd="sng">
+            <a:off x="5217795" y="2571750"/>
+            <a:ext cx="4114800" cy="1856740"/>
+          </a:xfrm>
+          <a:prstGeom prst="snip2SameRect">
+            <a:avLst/>
+          </a:prstGeom>
+          <a:noFill/>
+          <a:ln>
             <a:solidFill>
-              <a:schemeClr val="accent1">
-                <a:shade val="50000"/>
-              </a:schemeClr>
+              <a:schemeClr val="tx1"/>
             </a:solidFill>
-            <a:prstDash val="sysDot"/>
+            <a:prstDash val="lgDash"/>
           </a:ln>
+          <a:extLst>
+            <a:ext uri="{909E8E84-426E-40DD-AFC4-6F175D3DCCD1}">
+              <a14:hiddenFill xmlns:a14="http://schemas.microsoft.com/office/drawing/2010/main">
+                <a:solidFill>
+                  <a:schemeClr val="accent1"/>
+                </a:solidFill>
+              </a14:hiddenFill>
+            </a:ext>
+          </a:extLst>
         </p:spPr>
         <p:style>
           <a:lnRef idx="2">
@@ -5969,6 +5762,268 @@
           </a:fontRef>
         </p:style>
         <p:txBody>
+          <a:bodyPr wrap="none" tIns="0" rtlCol="0" anchor="t" anchorCtr="0"/>
+          <a:p>
+            <a:pPr algn="ctr"/>
+            <a:r>
+              <a:rPr lang="en-US" altLang="zh-CN">
+                <a:solidFill>
+                  <a:srgbClr val="FF0000"/>
+                </a:solidFill>
+              </a:rPr>
+              <a:t>result bus</a:t>
+            </a:r>
+            <a:endParaRPr lang="en-US" altLang="zh-CN">
+              <a:solidFill>
+                <a:srgbClr val="FF0000"/>
+              </a:solidFill>
+            </a:endParaRPr>
+          </a:p>
+        </p:txBody>
+      </p:sp>
+      <p:sp>
+        <p:nvSpPr>
+          <p:cNvPr id="22" name="剪去同侧角的矩形 21"/>
+          <p:cNvSpPr/>
+          <p:nvPr/>
+        </p:nvSpPr>
+        <p:spPr>
+          <a:xfrm>
+            <a:off x="2139950" y="2428875"/>
+            <a:ext cx="1905635" cy="1980565"/>
+          </a:xfrm>
+          <a:prstGeom prst="snip2SameRect">
+            <a:avLst/>
+          </a:prstGeom>
+          <a:noFill/>
+          <a:ln>
+            <a:solidFill>
+              <a:schemeClr val="tx1"/>
+            </a:solidFill>
+            <a:prstDash val="lgDash"/>
+          </a:ln>
+          <a:extLst>
+            <a:ext uri="{909E8E84-426E-40DD-AFC4-6F175D3DCCD1}">
+              <a14:hiddenFill xmlns:a14="http://schemas.microsoft.com/office/drawing/2010/main">
+                <a:solidFill>
+                  <a:schemeClr val="accent1"/>
+                </a:solidFill>
+              </a14:hiddenFill>
+            </a:ext>
+          </a:extLst>
+        </p:spPr>
+        <p:style>
+          <a:lnRef idx="2">
+            <a:schemeClr val="accent1">
+              <a:shade val="50000"/>
+            </a:schemeClr>
+          </a:lnRef>
+          <a:fillRef idx="1">
+            <a:schemeClr val="accent1"/>
+          </a:fillRef>
+          <a:effectRef idx="0">
+            <a:schemeClr val="accent1"/>
+          </a:effectRef>
+          <a:fontRef idx="minor">
+            <a:schemeClr val="lt1"/>
+          </a:fontRef>
+        </p:style>
+        <p:txBody>
+          <a:bodyPr wrap="none" tIns="0" rtlCol="0" anchor="t" anchorCtr="0"/>
+          <a:p>
+            <a:pPr algn="ctr"/>
+            <a:r>
+              <a:rPr lang="en-US" altLang="zh-CN">
+                <a:solidFill>
+                  <a:srgbClr val="FF0000"/>
+                </a:solidFill>
+              </a:rPr>
+              <a:t>memory trigger</a:t>
+            </a:r>
+            <a:endParaRPr lang="en-US" altLang="zh-CN">
+              <a:solidFill>
+                <a:srgbClr val="FF0000"/>
+              </a:solidFill>
+            </a:endParaRPr>
+          </a:p>
+        </p:txBody>
+      </p:sp>
+      <p:cxnSp>
+        <p:nvCxnSpPr>
+          <p:cNvPr id="24" name="肘形连接符 23"/>
+          <p:cNvCxnSpPr>
+            <a:stCxn id="101" idx="4"/>
+            <a:endCxn id="12" idx="1"/>
+          </p:cNvCxnSpPr>
+          <p:nvPr/>
+        </p:nvCxnSpPr>
+        <p:spPr>
+          <a:xfrm rot="5400000" flipV="1">
+            <a:off x="1330325" y="4511040"/>
+            <a:ext cx="2499995" cy="1167765"/>
+          </a:xfrm>
+          <a:prstGeom prst="bentConnector2">
+            <a:avLst/>
+          </a:prstGeom>
+          <a:ln>
+            <a:tailEnd type="arrow"/>
+          </a:ln>
+        </p:spPr>
+        <p:style>
+          <a:lnRef idx="1">
+            <a:schemeClr val="accent1"/>
+          </a:lnRef>
+          <a:fillRef idx="0">
+            <a:schemeClr val="accent1"/>
+          </a:fillRef>
+          <a:effectRef idx="0">
+            <a:schemeClr val="accent1"/>
+          </a:effectRef>
+          <a:fontRef idx="minor">
+            <a:schemeClr val="tx1"/>
+          </a:fontRef>
+        </p:style>
+      </p:cxnSp>
+      <p:cxnSp>
+        <p:nvCxnSpPr>
+          <p:cNvPr id="26" name="肘形连接符 25"/>
+          <p:cNvCxnSpPr>
+            <a:endCxn id="100" idx="3"/>
+          </p:cNvCxnSpPr>
+          <p:nvPr/>
+        </p:nvCxnSpPr>
+        <p:spPr>
+          <a:xfrm rot="10800000">
+            <a:off x="6108065" y="3466465"/>
+            <a:ext cx="4017645" cy="287020"/>
+          </a:xfrm>
+          <a:prstGeom prst="bentConnector3">
+            <a:avLst>
+              <a:gd name="adj1" fmla="val 49992"/>
+            </a:avLst>
+          </a:prstGeom>
+          <a:ln>
+            <a:tailEnd type="arrow"/>
+          </a:ln>
+        </p:spPr>
+        <p:style>
+          <a:lnRef idx="1">
+            <a:schemeClr val="accent1"/>
+          </a:lnRef>
+          <a:fillRef idx="0">
+            <a:schemeClr val="accent1"/>
+          </a:fillRef>
+          <a:effectRef idx="0">
+            <a:schemeClr val="accent1"/>
+          </a:effectRef>
+          <a:fontRef idx="minor">
+            <a:schemeClr val="tx1"/>
+          </a:fontRef>
+        </p:style>
+      </p:cxnSp>
+      <p:cxnSp>
+        <p:nvCxnSpPr>
+          <p:cNvPr id="27" name="直接连接符 26"/>
+          <p:cNvCxnSpPr>
+            <a:stCxn id="115" idx="3"/>
+            <a:endCxn id="104" idx="2"/>
+          </p:cNvCxnSpPr>
+          <p:nvPr/>
+        </p:nvCxnSpPr>
+        <p:spPr>
+          <a:xfrm>
+            <a:off x="5485765" y="1847850"/>
+            <a:ext cx="761365" cy="0"/>
+          </a:xfrm>
+          <a:prstGeom prst="line">
+            <a:avLst/>
+          </a:prstGeom>
+        </p:spPr>
+        <p:style>
+          <a:lnRef idx="1">
+            <a:schemeClr val="accent1"/>
+          </a:lnRef>
+          <a:fillRef idx="0">
+            <a:schemeClr val="accent1"/>
+          </a:fillRef>
+          <a:effectRef idx="0">
+            <a:schemeClr val="accent1"/>
+          </a:effectRef>
+          <a:fontRef idx="minor">
+            <a:schemeClr val="tx1"/>
+          </a:fontRef>
+        </p:style>
+      </p:cxnSp>
+      <p:cxnSp>
+        <p:nvCxnSpPr>
+          <p:cNvPr id="31" name="肘形连接符 30"/>
+          <p:cNvCxnSpPr>
+            <a:stCxn id="104" idx="0"/>
+            <a:endCxn id="91" idx="1"/>
+          </p:cNvCxnSpPr>
+          <p:nvPr/>
+        </p:nvCxnSpPr>
+        <p:spPr>
+          <a:xfrm rot="16200000">
+            <a:off x="6541770" y="1387475"/>
+            <a:ext cx="165735" cy="678815"/>
+          </a:xfrm>
+          <a:prstGeom prst="bentConnector2">
+            <a:avLst/>
+          </a:prstGeom>
+          <a:ln>
+            <a:tailEnd type="arrow"/>
+          </a:ln>
+        </p:spPr>
+        <p:style>
+          <a:lnRef idx="1">
+            <a:schemeClr val="accent1"/>
+          </a:lnRef>
+          <a:fillRef idx="0">
+            <a:schemeClr val="accent1"/>
+          </a:fillRef>
+          <a:effectRef idx="0">
+            <a:schemeClr val="accent1"/>
+          </a:effectRef>
+          <a:fontRef idx="minor">
+            <a:schemeClr val="tx1"/>
+          </a:fontRef>
+        </p:style>
+      </p:cxnSp>
+      <p:sp>
+        <p:nvSpPr>
+          <p:cNvPr id="11" name="梯形 10"/>
+          <p:cNvSpPr/>
+          <p:nvPr/>
+        </p:nvSpPr>
+        <p:spPr>
+          <a:xfrm rot="16200000">
+            <a:off x="3521075" y="5094605"/>
+            <a:ext cx="897890" cy="347980"/>
+          </a:xfrm>
+          <a:prstGeom prst="trapezoid">
+            <a:avLst>
+              <a:gd name="adj" fmla="val 60440"/>
+            </a:avLst>
+          </a:prstGeom>
+        </p:spPr>
+        <p:style>
+          <a:lnRef idx="2">
+            <a:schemeClr val="accent1">
+              <a:shade val="50000"/>
+            </a:schemeClr>
+          </a:lnRef>
+          <a:fillRef idx="1">
+            <a:schemeClr val="accent1"/>
+          </a:fillRef>
+          <a:effectRef idx="0">
+            <a:schemeClr val="accent1"/>
+          </a:effectRef>
+          <a:fontRef idx="minor">
+            <a:schemeClr val="lt1"/>
+          </a:fontRef>
+        </p:style>
+        <p:txBody>
           <a:bodyPr rtlCol="0" anchor="ctr"/>
           <a:p>
             <a:pPr algn="ctr"/>
@@ -5976,26 +6031,544 @@
           </a:p>
         </p:txBody>
       </p:sp>
+      <p:sp>
+        <p:nvSpPr>
+          <p:cNvPr id="17" name="文本框 16"/>
+          <p:cNvSpPr txBox="1"/>
+          <p:nvPr/>
+        </p:nvSpPr>
+        <p:spPr>
+          <a:xfrm>
+            <a:off x="3870960" y="4921885"/>
+            <a:ext cx="272415" cy="368300"/>
+          </a:xfrm>
+          <a:prstGeom prst="rect">
+            <a:avLst/>
+          </a:prstGeom>
+          <a:noFill/>
+        </p:spPr>
+        <p:txBody>
+          <a:bodyPr wrap="square" rtlCol="0">
+            <a:spAutoFit/>
+          </a:bodyPr>
+          <a:p>
+            <a:r>
+              <a:rPr lang="en-US" altLang="zh-CN"/>
+              <a:t>0</a:t>
+            </a:r>
+            <a:endParaRPr lang="en-US" altLang="zh-CN"/>
+          </a:p>
+        </p:txBody>
+      </p:sp>
+      <p:sp>
+        <p:nvSpPr>
+          <p:cNvPr id="33" name="文本框 32"/>
+          <p:cNvSpPr txBox="1"/>
+          <p:nvPr/>
+        </p:nvSpPr>
+        <p:spPr>
+          <a:xfrm>
+            <a:off x="3870960" y="5233035"/>
+            <a:ext cx="272415" cy="368300"/>
+          </a:xfrm>
+          <a:prstGeom prst="rect">
+            <a:avLst/>
+          </a:prstGeom>
+          <a:noFill/>
+        </p:spPr>
+        <p:txBody>
+          <a:bodyPr wrap="square" rtlCol="0">
+            <a:spAutoFit/>
+          </a:bodyPr>
+          <a:p>
+            <a:r>
+              <a:rPr lang="en-US" altLang="zh-CN"/>
+              <a:t>1</a:t>
+            </a:r>
+            <a:endParaRPr lang="en-US" altLang="zh-CN"/>
+          </a:p>
+        </p:txBody>
+      </p:sp>
+      <p:cxnSp>
+        <p:nvCxnSpPr>
+          <p:cNvPr id="34" name="肘形连接符 33"/>
+          <p:cNvCxnSpPr>
+            <a:stCxn id="11" idx="0"/>
+            <a:endCxn id="84" idx="3"/>
+          </p:cNvCxnSpPr>
+          <p:nvPr/>
+        </p:nvCxnSpPr>
+        <p:spPr>
+          <a:xfrm rot="10800000">
+            <a:off x="2953385" y="3966845"/>
+            <a:ext cx="842645" cy="1229995"/>
+          </a:xfrm>
+          <a:prstGeom prst="bentConnector3">
+            <a:avLst>
+              <a:gd name="adj1" fmla="val 49962"/>
+            </a:avLst>
+          </a:prstGeom>
+          <a:ln>
+            <a:tailEnd type="arrow"/>
+          </a:ln>
+        </p:spPr>
+        <p:style>
+          <a:lnRef idx="1">
+            <a:schemeClr val="accent1"/>
+          </a:lnRef>
+          <a:fillRef idx="0">
+            <a:schemeClr val="accent1"/>
+          </a:fillRef>
+          <a:effectRef idx="0">
+            <a:schemeClr val="accent1"/>
+          </a:effectRef>
+          <a:fontRef idx="minor">
+            <a:schemeClr val="tx1"/>
+          </a:fontRef>
+        </p:style>
+      </p:cxnSp>
+      <p:sp>
+        <p:nvSpPr>
+          <p:cNvPr id="36" name="椭圆 35"/>
+          <p:cNvSpPr/>
+          <p:nvPr/>
+        </p:nvSpPr>
+        <p:spPr>
+          <a:xfrm>
+            <a:off x="5052695" y="3366135"/>
+            <a:ext cx="75565" cy="75565"/>
+          </a:xfrm>
+          <a:prstGeom prst="ellipse">
+            <a:avLst/>
+          </a:prstGeom>
+        </p:spPr>
+        <p:style>
+          <a:lnRef idx="2">
+            <a:schemeClr val="accent1">
+              <a:shade val="50000"/>
+            </a:schemeClr>
+          </a:lnRef>
+          <a:fillRef idx="1">
+            <a:schemeClr val="accent1"/>
+          </a:fillRef>
+          <a:effectRef idx="0">
+            <a:schemeClr val="accent1"/>
+          </a:effectRef>
+          <a:fontRef idx="minor">
+            <a:schemeClr val="lt1"/>
+          </a:fontRef>
+        </p:style>
+        <p:txBody>
+          <a:bodyPr rtlCol="0" anchor="ctr"/>
+          <a:p>
+            <a:pPr algn="ctr"/>
+            <a:endParaRPr lang="zh-CN" altLang="en-US"/>
+          </a:p>
+        </p:txBody>
+      </p:sp>
+      <p:cxnSp>
+        <p:nvCxnSpPr>
+          <p:cNvPr id="38" name="肘形连接符 37"/>
+          <p:cNvCxnSpPr>
+            <a:stCxn id="36" idx="4"/>
+            <a:endCxn id="17" idx="3"/>
+          </p:cNvCxnSpPr>
+          <p:nvPr/>
+        </p:nvCxnSpPr>
+        <p:spPr>
+          <a:xfrm rot="5400000">
+            <a:off x="3784918" y="3800158"/>
+            <a:ext cx="1664335" cy="947420"/>
+          </a:xfrm>
+          <a:prstGeom prst="bentConnector2">
+            <a:avLst/>
+          </a:prstGeom>
+          <a:ln>
+            <a:tailEnd type="arrow"/>
+          </a:ln>
+        </p:spPr>
+        <p:style>
+          <a:lnRef idx="1">
+            <a:schemeClr val="accent1"/>
+          </a:lnRef>
+          <a:fillRef idx="0">
+            <a:schemeClr val="accent1"/>
+          </a:fillRef>
+          <a:effectRef idx="0">
+            <a:schemeClr val="accent1"/>
+          </a:effectRef>
+          <a:fontRef idx="minor">
+            <a:schemeClr val="tx1"/>
+          </a:fontRef>
+        </p:style>
+      </p:cxnSp>
+      <p:sp>
+        <p:nvSpPr>
+          <p:cNvPr id="25" name="剪去同侧角的矩形 24"/>
+          <p:cNvSpPr/>
+          <p:nvPr/>
+        </p:nvSpPr>
+        <p:spPr>
+          <a:xfrm>
+            <a:off x="2111375" y="4481195"/>
+            <a:ext cx="5293360" cy="2119630"/>
+          </a:xfrm>
+          <a:prstGeom prst="snip2SameRect">
+            <a:avLst/>
+          </a:prstGeom>
+          <a:noFill/>
+          <a:ln>
+            <a:solidFill>
+              <a:schemeClr val="tx1"/>
+            </a:solidFill>
+            <a:prstDash val="lgDash"/>
+          </a:ln>
+          <a:extLst>
+            <a:ext uri="{909E8E84-426E-40DD-AFC4-6F175D3DCCD1}">
+              <a14:hiddenFill xmlns:a14="http://schemas.microsoft.com/office/drawing/2010/main">
+                <a:solidFill>
+                  <a:schemeClr val="accent1"/>
+                </a:solidFill>
+              </a14:hiddenFill>
+            </a:ext>
+          </a:extLst>
+        </p:spPr>
+        <p:style>
+          <a:lnRef idx="2">
+            <a:schemeClr val="accent1">
+              <a:shade val="50000"/>
+            </a:schemeClr>
+          </a:lnRef>
+          <a:fillRef idx="1">
+            <a:schemeClr val="accent1"/>
+          </a:fillRef>
+          <a:effectRef idx="0">
+            <a:schemeClr val="accent1"/>
+          </a:effectRef>
+          <a:fontRef idx="minor">
+            <a:schemeClr val="lt1"/>
+          </a:fontRef>
+        </p:style>
+        <p:txBody>
+          <a:bodyPr wrap="none" tIns="0" rtlCol="0" anchor="t" anchorCtr="0"/>
+          <a:p>
+            <a:pPr algn="ctr"/>
+            <a:r>
+              <a:rPr lang="en-US" altLang="zh-CN">
+                <a:solidFill>
+                  <a:srgbClr val="FF0000"/>
+                </a:solidFill>
+              </a:rPr>
+              <a:t>ir caculator</a:t>
+            </a:r>
+            <a:endParaRPr lang="en-US" altLang="zh-CN">
+              <a:solidFill>
+                <a:srgbClr val="FF0000"/>
+              </a:solidFill>
+            </a:endParaRPr>
+          </a:p>
+        </p:txBody>
+      </p:sp>
+      <p:sp>
+        <p:nvSpPr>
+          <p:cNvPr id="39" name="文本框 38"/>
+          <p:cNvSpPr txBox="1"/>
+          <p:nvPr/>
+        </p:nvSpPr>
+        <p:spPr>
+          <a:xfrm>
+            <a:off x="3112135" y="4755515"/>
+            <a:ext cx="796290" cy="368300"/>
+          </a:xfrm>
+          <a:prstGeom prst="rect">
+            <a:avLst/>
+          </a:prstGeom>
+          <a:noFill/>
+        </p:spPr>
+        <p:txBody>
+          <a:bodyPr wrap="none" rtlCol="0">
+            <a:spAutoFit/>
+          </a:bodyPr>
+          <a:p>
+            <a:r>
+              <a:rPr lang="en-US" altLang="zh-CN"/>
+              <a:t>ir addr</a:t>
+            </a:r>
+            <a:endParaRPr lang="en-US" altLang="zh-CN"/>
+          </a:p>
+        </p:txBody>
+      </p:sp>
+      <p:sp>
+        <p:nvSpPr>
+          <p:cNvPr id="40" name="文本框 39"/>
+          <p:cNvSpPr txBox="1"/>
+          <p:nvPr/>
+        </p:nvSpPr>
+        <p:spPr>
+          <a:xfrm>
+            <a:off x="2972435" y="3359150"/>
+            <a:ext cx="1073150" cy="368300"/>
+          </a:xfrm>
+          <a:prstGeom prst="rect">
+            <a:avLst/>
+          </a:prstGeom>
+          <a:noFill/>
+        </p:spPr>
+        <p:txBody>
+          <a:bodyPr wrap="none" rtlCol="0">
+            <a:spAutoFit/>
+          </a:bodyPr>
+          <a:p>
+            <a:r>
+              <a:rPr lang="en-US" altLang="zh-CN"/>
+              <a:t>data addr</a:t>
+            </a:r>
+            <a:endParaRPr lang="en-US" altLang="zh-CN"/>
+          </a:p>
+        </p:txBody>
+      </p:sp>
+      <p:sp>
+        <p:nvSpPr>
+          <p:cNvPr id="41" name="文本框 40"/>
+          <p:cNvSpPr txBox="1"/>
+          <p:nvPr/>
+        </p:nvSpPr>
+        <p:spPr>
+          <a:xfrm>
+            <a:off x="3668395" y="2932430"/>
+            <a:ext cx="592455" cy="368300"/>
+          </a:xfrm>
+          <a:prstGeom prst="rect">
+            <a:avLst/>
+          </a:prstGeom>
+          <a:noFill/>
+        </p:spPr>
+        <p:txBody>
+          <a:bodyPr wrap="none" rtlCol="0">
+            <a:spAutoFit/>
+          </a:bodyPr>
+          <a:p>
+            <a:r>
+              <a:rPr lang="en-US" altLang="zh-CN"/>
+              <a:t>data</a:t>
+            </a:r>
+            <a:endParaRPr lang="en-US" altLang="zh-CN"/>
+          </a:p>
+        </p:txBody>
+      </p:sp>
+      <p:sp>
+        <p:nvSpPr>
+          <p:cNvPr id="42" name="文本框 41"/>
+          <p:cNvSpPr txBox="1"/>
+          <p:nvPr/>
+        </p:nvSpPr>
+        <p:spPr>
+          <a:xfrm>
+            <a:off x="4598670" y="3073400"/>
+            <a:ext cx="1155700" cy="368300"/>
+          </a:xfrm>
+          <a:prstGeom prst="rect">
+            <a:avLst/>
+          </a:prstGeom>
+          <a:noFill/>
+        </p:spPr>
+        <p:txBody>
+          <a:bodyPr wrap="none" rtlCol="0">
+            <a:spAutoFit/>
+          </a:bodyPr>
+          <a:p>
+            <a:r>
+              <a:rPr lang="en-US" altLang="zh-CN"/>
+              <a:t>result_bus</a:t>
+            </a:r>
+            <a:endParaRPr lang="en-US" altLang="zh-CN"/>
+          </a:p>
+        </p:txBody>
+      </p:sp>
+      <p:sp>
+        <p:nvSpPr>
+          <p:cNvPr id="43" name="矩形 42"/>
+          <p:cNvSpPr/>
+          <p:nvPr/>
+        </p:nvSpPr>
+        <p:spPr>
+          <a:xfrm>
+            <a:off x="9665970" y="4005580"/>
+            <a:ext cx="1454785" cy="474345"/>
+          </a:xfrm>
+          <a:prstGeom prst="rect">
+            <a:avLst/>
+          </a:prstGeom>
+        </p:spPr>
+        <p:style>
+          <a:lnRef idx="2">
+            <a:schemeClr val="accent1">
+              <a:shade val="50000"/>
+            </a:schemeClr>
+          </a:lnRef>
+          <a:fillRef idx="1">
+            <a:schemeClr val="accent1"/>
+          </a:fillRef>
+          <a:effectRef idx="0">
+            <a:schemeClr val="accent1"/>
+          </a:effectRef>
+          <a:fontRef idx="minor">
+            <a:schemeClr val="lt1"/>
+          </a:fontRef>
+        </p:style>
+        <p:txBody>
+          <a:bodyPr rtlCol="0" anchor="ctr"/>
+          <a:p>
+            <a:pPr algn="ctr"/>
+            <a:r>
+              <a:rPr lang="en-US" altLang="zh-CN"/>
+              <a:t>comparer</a:t>
+            </a:r>
+            <a:endParaRPr lang="en-US" altLang="zh-CN"/>
+          </a:p>
+        </p:txBody>
+      </p:sp>
+      <p:sp>
+        <p:nvSpPr>
+          <p:cNvPr id="48" name="矩形 47"/>
+          <p:cNvSpPr/>
+          <p:nvPr/>
+        </p:nvSpPr>
+        <p:spPr>
+          <a:xfrm>
+            <a:off x="6027420" y="4773295"/>
+            <a:ext cx="967105" cy="700405"/>
+          </a:xfrm>
+          <a:prstGeom prst="rect">
+            <a:avLst/>
+          </a:prstGeom>
+        </p:spPr>
+        <p:style>
+          <a:lnRef idx="2">
+            <a:schemeClr val="accent1">
+              <a:shade val="50000"/>
+            </a:schemeClr>
+          </a:lnRef>
+          <a:fillRef idx="1">
+            <a:schemeClr val="accent1"/>
+          </a:fillRef>
+          <a:effectRef idx="0">
+            <a:schemeClr val="accent1"/>
+          </a:effectRef>
+          <a:fontRef idx="minor">
+            <a:schemeClr val="lt1"/>
+          </a:fontRef>
+        </p:style>
+        <p:txBody>
+          <a:bodyPr rtlCol="0" anchor="ctr"/>
+          <a:p>
+            <a:pPr algn="ctr"/>
+            <a:r>
+              <a:rPr lang="en-US" altLang="zh-CN"/>
+              <a:t>transfer</a:t>
+            </a:r>
+            <a:endParaRPr lang="en-US" altLang="zh-CN"/>
+          </a:p>
+        </p:txBody>
+      </p:sp>
+      <p:cxnSp>
+        <p:nvCxnSpPr>
+          <p:cNvPr id="49" name="肘形连接符 48"/>
+          <p:cNvCxnSpPr>
+            <a:stCxn id="53" idx="6"/>
+            <a:endCxn id="48" idx="3"/>
+          </p:cNvCxnSpPr>
+          <p:nvPr/>
+        </p:nvCxnSpPr>
+        <p:spPr>
+          <a:xfrm>
+            <a:off x="5128260" y="4148455"/>
+            <a:ext cx="1866265" cy="975360"/>
+          </a:xfrm>
+          <a:prstGeom prst="bentConnector3">
+            <a:avLst>
+              <a:gd name="adj1" fmla="val 112759"/>
+            </a:avLst>
+          </a:prstGeom>
+          <a:ln>
+            <a:tailEnd type="arrow"/>
+          </a:ln>
+        </p:spPr>
+        <p:style>
+          <a:lnRef idx="1">
+            <a:schemeClr val="accent1"/>
+          </a:lnRef>
+          <a:fillRef idx="0">
+            <a:schemeClr val="accent1"/>
+          </a:fillRef>
+          <a:effectRef idx="0">
+            <a:schemeClr val="accent1"/>
+          </a:effectRef>
+          <a:fontRef idx="minor">
+            <a:schemeClr val="tx1"/>
+          </a:fontRef>
+        </p:style>
+      </p:cxnSp>
+      <p:cxnSp>
+        <p:nvCxnSpPr>
+          <p:cNvPr id="51" name="肘形连接符 50"/>
+          <p:cNvCxnSpPr>
+            <a:stCxn id="43" idx="1"/>
+            <a:endCxn id="71" idx="3"/>
+          </p:cNvCxnSpPr>
+          <p:nvPr/>
+        </p:nvCxnSpPr>
+        <p:spPr>
+          <a:xfrm rot="10800000">
+            <a:off x="8695055" y="3982720"/>
+            <a:ext cx="970915" cy="260350"/>
+          </a:xfrm>
+          <a:prstGeom prst="bentConnector3">
+            <a:avLst>
+              <a:gd name="adj1" fmla="val 49967"/>
+            </a:avLst>
+          </a:prstGeom>
+          <a:ln>
+            <a:tailEnd type="arrow"/>
+          </a:ln>
+        </p:spPr>
+        <p:style>
+          <a:lnRef idx="1">
+            <a:schemeClr val="accent1"/>
+          </a:lnRef>
+          <a:fillRef idx="0">
+            <a:schemeClr val="accent1"/>
+          </a:fillRef>
+          <a:effectRef idx="0">
+            <a:schemeClr val="accent1"/>
+          </a:effectRef>
+          <a:fontRef idx="minor">
+            <a:schemeClr val="tx1"/>
+          </a:fontRef>
+        </p:style>
+      </p:cxnSp>
       <p:cxnSp>
         <p:nvCxnSpPr>
           <p:cNvPr id="52" name="肘形连接符 51"/>
           <p:cNvCxnSpPr>
-            <a:stCxn id="36" idx="0"/>
-            <a:endCxn id="12" idx="2"/>
+            <a:stCxn id="48" idx="1"/>
+            <a:endCxn id="17" idx="0"/>
           </p:cNvCxnSpPr>
           <p:nvPr/>
         </p:nvCxnSpPr>
         <p:spPr>
-          <a:xfrm rot="16200000" flipH="1">
-            <a:off x="9149715" y="3260725"/>
-            <a:ext cx="1241425" cy="1593215"/>
-          </a:xfrm>
-          <a:prstGeom prst="bentConnector3">
+          <a:xfrm rot="10800000">
+            <a:off x="4007485" y="4850130"/>
+            <a:ext cx="2019935" cy="201930"/>
+          </a:xfrm>
+          <a:prstGeom prst="bentConnector4">
             <a:avLst>
-              <a:gd name="adj1" fmla="val -19182"/>
+              <a:gd name="adj1" fmla="val 21345"/>
+              <a:gd name="adj2" fmla="val 216037"/>
             </a:avLst>
           </a:prstGeom>
-          <a:ln>
+          <a:ln w="12700">
+            <a:prstDash val="lgDash"/>
             <a:tailEnd type="arrow"/>
           </a:ln>
         </p:spPr>
@@ -6014,150 +6587,45 @@
           </a:fontRef>
         </p:style>
       </p:cxnSp>
-      <p:cxnSp>
-        <p:nvCxnSpPr>
-          <p:cNvPr id="53" name="肘形连接符 52"/>
-          <p:cNvCxnSpPr>
-            <a:stCxn id="12" idx="8"/>
-            <a:endCxn id="8" idx="2"/>
-          </p:cNvCxnSpPr>
-          <p:nvPr/>
-        </p:nvCxnSpPr>
-        <p:spPr>
-          <a:xfrm rot="16200000" flipH="1" flipV="1">
-            <a:off x="6866573" y="1660208"/>
-            <a:ext cx="492760" cy="7336155"/>
-          </a:xfrm>
-          <a:prstGeom prst="bentConnector5">
-            <a:avLst>
-              <a:gd name="adj1" fmla="val 148582"/>
-              <a:gd name="adj2" fmla="val 49134"/>
-              <a:gd name="adj3" fmla="val 148260"/>
-            </a:avLst>
-          </a:prstGeom>
-          <a:ln>
-            <a:tailEnd type="arrow"/>
-          </a:ln>
-        </p:spPr>
-        <p:style>
-          <a:lnRef idx="1">
-            <a:schemeClr val="accent1"/>
-          </a:lnRef>
-          <a:fillRef idx="0">
-            <a:schemeClr val="accent1"/>
-          </a:fillRef>
-          <a:effectRef idx="0">
-            <a:schemeClr val="accent1"/>
-          </a:effectRef>
-          <a:fontRef idx="minor">
-            <a:schemeClr val="tx1"/>
-          </a:fontRef>
-        </p:style>
-      </p:cxnSp>
-      <p:cxnSp>
-        <p:nvCxnSpPr>
-          <p:cNvPr id="54" name="肘形连接符 53"/>
-          <p:cNvCxnSpPr>
-            <a:stCxn id="8" idx="0"/>
-            <a:endCxn id="12" idx="5"/>
-          </p:cNvCxnSpPr>
-          <p:nvPr/>
-        </p:nvCxnSpPr>
-        <p:spPr>
-          <a:xfrm rot="16200000">
-            <a:off x="7136130" y="983615"/>
-            <a:ext cx="194310" cy="7576820"/>
-          </a:xfrm>
-          <a:prstGeom prst="bentConnector3">
-            <a:avLst>
-              <a:gd name="adj1" fmla="val 1113725"/>
-            </a:avLst>
-          </a:prstGeom>
-          <a:ln>
-            <a:tailEnd type="arrow"/>
-          </a:ln>
-        </p:spPr>
-        <p:style>
-          <a:lnRef idx="1">
-            <a:schemeClr val="accent1"/>
-          </a:lnRef>
-          <a:fillRef idx="0">
-            <a:schemeClr val="accent1"/>
-          </a:fillRef>
-          <a:effectRef idx="0">
-            <a:schemeClr val="accent1"/>
-          </a:effectRef>
-          <a:fontRef idx="minor">
-            <a:schemeClr val="tx1"/>
-          </a:fontRef>
-        </p:style>
-      </p:cxnSp>
-      <p:cxnSp>
-        <p:nvCxnSpPr>
-          <p:cNvPr id="55" name="直接箭头连接符 54"/>
-          <p:cNvCxnSpPr/>
-          <p:nvPr/>
-        </p:nvCxnSpPr>
-        <p:spPr>
-          <a:xfrm flipH="1" flipV="1">
-            <a:off x="4507230" y="4149090"/>
-            <a:ext cx="4445" cy="1656080"/>
-          </a:xfrm>
-          <a:prstGeom prst="straightConnector1">
-            <a:avLst/>
-          </a:prstGeom>
-          <a:ln>
-            <a:tailEnd type="arrow"/>
-          </a:ln>
-        </p:spPr>
-        <p:style>
-          <a:lnRef idx="1">
-            <a:schemeClr val="accent1"/>
-          </a:lnRef>
-          <a:fillRef idx="0">
-            <a:schemeClr val="accent1"/>
-          </a:fillRef>
-          <a:effectRef idx="0">
-            <a:schemeClr val="accent1"/>
-          </a:effectRef>
-          <a:fontRef idx="minor">
-            <a:schemeClr val="tx1"/>
-          </a:fontRef>
-        </p:style>
-      </p:cxnSp>
-      <p:cxnSp>
-        <p:nvCxnSpPr>
-          <p:cNvPr id="56" name="直接箭头连接符 55"/>
-          <p:cNvCxnSpPr/>
-          <p:nvPr/>
-        </p:nvCxnSpPr>
-        <p:spPr>
-          <a:xfrm flipH="1" flipV="1">
-            <a:off x="8969375" y="4149090"/>
-            <a:ext cx="4445" cy="1656080"/>
-          </a:xfrm>
-          <a:prstGeom prst="straightConnector1">
-            <a:avLst/>
-          </a:prstGeom>
-          <a:ln>
-            <a:tailEnd type="arrow"/>
-          </a:ln>
-        </p:spPr>
-        <p:style>
-          <a:lnRef idx="1">
-            <a:schemeClr val="accent1"/>
-          </a:lnRef>
-          <a:fillRef idx="0">
-            <a:schemeClr val="accent1"/>
-          </a:fillRef>
-          <a:effectRef idx="0">
-            <a:schemeClr val="accent1"/>
-          </a:effectRef>
-          <a:fontRef idx="minor">
-            <a:schemeClr val="tx1"/>
-          </a:fontRef>
-        </p:style>
-      </p:cxnSp>
+      <p:sp>
+        <p:nvSpPr>
+          <p:cNvPr id="53" name="椭圆 52"/>
+          <p:cNvSpPr/>
+          <p:nvPr/>
+        </p:nvSpPr>
+        <p:spPr>
+          <a:xfrm>
+            <a:off x="5052695" y="4110355"/>
+            <a:ext cx="75565" cy="75565"/>
+          </a:xfrm>
+          <a:prstGeom prst="ellipse">
+            <a:avLst/>
+          </a:prstGeom>
+        </p:spPr>
+        <p:style>
+          <a:lnRef idx="2">
+            <a:schemeClr val="accent1">
+              <a:shade val="50000"/>
+            </a:schemeClr>
+          </a:lnRef>
+          <a:fillRef idx="1">
+            <a:schemeClr val="accent1"/>
+          </a:fillRef>
+          <a:effectRef idx="0">
+            <a:schemeClr val="accent1"/>
+          </a:effectRef>
+          <a:fontRef idx="minor">
+            <a:schemeClr val="lt1"/>
+          </a:fontRef>
+        </p:style>
+        <p:txBody>
+          <a:bodyPr rtlCol="0" anchor="ctr"/>
+          <a:p>
+            <a:pPr algn="ctr"/>
+            <a:endParaRPr lang="zh-CN" altLang="en-US"/>
+          </a:p>
+        </p:txBody>
+      </p:sp>
     </p:spTree>
   </p:cSld>
   <p:clrMapOvr>

--- a/doc/structure.pptx
+++ b/doc/structure.pptx
@@ -11,9 +11,10 @@
     <p:sldId id="256" r:id="rId3"/>
     <p:sldId id="257" r:id="rId5"/>
     <p:sldId id="264" r:id="rId6"/>
-    <p:sldId id="261" r:id="rId7"/>
-    <p:sldId id="258" r:id="rId8"/>
-    <p:sldId id="263" r:id="rId9"/>
+    <p:sldId id="268" r:id="rId7"/>
+    <p:sldId id="261" r:id="rId8"/>
+    <p:sldId id="258" r:id="rId9"/>
+    <p:sldId id="263" r:id="rId10"/>
   </p:sldIdLst>
   <p:sldSz cx="12192000" cy="6858000"/>
   <p:notesSz cx="7103745" cy="10234295"/>
@@ -3889,7 +3890,7 @@
         </p:nvSpPr>
         <p:spPr>
           <a:xfrm>
-            <a:off x="6247130" y="2029460"/>
+            <a:off x="8255000" y="2066290"/>
             <a:ext cx="75565" cy="75565"/>
           </a:xfrm>
           <a:prstGeom prst="ellipse">
@@ -4198,9 +4199,9 @@
           <p:nvPr/>
         </p:nvCxnSpPr>
         <p:spPr>
-          <a:xfrm flipV="1">
-            <a:off x="1776095" y="1847850"/>
-            <a:ext cx="2735580" cy="1905"/>
+          <a:xfrm>
+            <a:off x="1776095" y="1849755"/>
+            <a:ext cx="4743450" cy="34925"/>
           </a:xfrm>
           <a:prstGeom prst="straightConnector1">
             <a:avLst/>
@@ -4261,7 +4262,7 @@
         </p:nvSpPr>
         <p:spPr>
           <a:xfrm rot="16200000">
-            <a:off x="5427980" y="3232785"/>
+            <a:off x="7006590" y="3232785"/>
             <a:ext cx="1007745" cy="346710"/>
           </a:xfrm>
           <a:prstGeom prst="trapezoid">
@@ -4302,7 +4303,7 @@
         </p:nvSpPr>
         <p:spPr>
           <a:xfrm>
-            <a:off x="5835650" y="2979420"/>
+            <a:off x="7414260" y="2979420"/>
             <a:ext cx="272415" cy="368300"/>
           </a:xfrm>
           <a:prstGeom prst="rect">
@@ -4334,8 +4335,8 @@
         </p:nvCxnSpPr>
         <p:spPr>
           <a:xfrm rot="5400000">
-            <a:off x="5667375" y="2545715"/>
-            <a:ext cx="1058545" cy="177165"/>
+            <a:off x="7479030" y="2349500"/>
+            <a:ext cx="1021715" cy="606425"/>
           </a:xfrm>
           <a:prstGeom prst="bentConnector2">
             <a:avLst/>
@@ -4482,35 +4483,6 @@
             <a:r>
               <a:rPr lang="en-US" altLang="zh-CN"/>
               <a:t>2</a:t>
-            </a:r>
-            <a:endParaRPr lang="en-US" altLang="zh-CN"/>
-          </a:p>
-        </p:txBody>
-      </p:sp>
-      <p:sp>
-        <p:nvSpPr>
-          <p:cNvPr id="73" name="文本框 72"/>
-          <p:cNvSpPr txBox="1"/>
-          <p:nvPr/>
-        </p:nvSpPr>
-        <p:spPr>
-          <a:xfrm>
-            <a:off x="6451600" y="3519805"/>
-            <a:ext cx="1646555" cy="368300"/>
-          </a:xfrm>
-          <a:prstGeom prst="rect">
-            <a:avLst/>
-          </a:prstGeom>
-          <a:noFill/>
-        </p:spPr>
-        <p:txBody>
-          <a:bodyPr wrap="none" rtlCol="0">
-            <a:spAutoFit/>
-          </a:bodyPr>
-          <a:p>
-            <a:r>
-              <a:rPr lang="en-US" altLang="zh-CN"/>
-              <a:t>calculate_result</a:t>
             </a:r>
             <a:endParaRPr lang="en-US" altLang="zh-CN"/>
           </a:p>
@@ -4764,7 +4736,7 @@
         </p:nvCxnSpPr>
         <p:spPr>
           <a:xfrm flipV="1">
-            <a:off x="8540750" y="2062480"/>
+            <a:off x="10548620" y="2099310"/>
             <a:ext cx="1301115" cy="9525"/>
           </a:xfrm>
           <a:prstGeom prst="straightConnector1">
@@ -4797,7 +4769,7 @@
         </p:nvSpPr>
         <p:spPr>
           <a:xfrm>
-            <a:off x="6964045" y="1457960"/>
+            <a:off x="8971915" y="1494790"/>
             <a:ext cx="1576705" cy="372110"/>
           </a:xfrm>
           <a:prstGeom prst="flowChartPredefinedProcess">
@@ -4840,7 +4812,7 @@
         </p:nvSpPr>
         <p:spPr>
           <a:xfrm>
-            <a:off x="6964045" y="1885950"/>
+            <a:off x="8971915" y="1922780"/>
             <a:ext cx="1576705" cy="372110"/>
           </a:xfrm>
           <a:prstGeom prst="flowChartPredefinedProcess">
@@ -4885,7 +4857,7 @@
         </p:nvCxnSpPr>
         <p:spPr>
           <a:xfrm flipV="1">
-            <a:off x="8540750" y="1558925"/>
+            <a:off x="10548620" y="1739265"/>
             <a:ext cx="1301115" cy="13335"/>
           </a:xfrm>
           <a:prstGeom prst="straightConnector1">
@@ -4918,7 +4890,7 @@
         </p:nvSpPr>
         <p:spPr>
           <a:xfrm>
-            <a:off x="5835650" y="3282315"/>
+            <a:off x="7414260" y="3282315"/>
             <a:ext cx="272415" cy="368300"/>
           </a:xfrm>
           <a:prstGeom prst="rect">
@@ -5028,7 +5000,7 @@
         </p:nvSpPr>
         <p:spPr>
           <a:xfrm>
-            <a:off x="6247130" y="1809750"/>
+            <a:off x="8255000" y="1846580"/>
             <a:ext cx="75565" cy="75565"/>
           </a:xfrm>
           <a:prstGeom prst="ellipse">
@@ -5069,7 +5041,7 @@
         </p:nvCxnSpPr>
         <p:spPr>
           <a:xfrm rot="5400000" flipV="1">
-            <a:off x="6534785" y="1635125"/>
+            <a:off x="8542655" y="1744345"/>
             <a:ext cx="175895" cy="675005"/>
           </a:xfrm>
           <a:prstGeom prst="bentConnector2">
@@ -5145,7 +5117,7 @@
         </p:nvSpPr>
         <p:spPr>
           <a:xfrm>
-            <a:off x="4511675" y="1661795"/>
+            <a:off x="6519545" y="1698625"/>
             <a:ext cx="974090" cy="372110"/>
           </a:xfrm>
           <a:prstGeom prst="flowChartPredefinedProcess">
@@ -5259,7 +5231,7 @@
         <p:nvCxnSpPr>
           <p:cNvPr id="121" name="直接连接符 120"/>
           <p:cNvCxnSpPr>
-            <a:stCxn id="61" idx="0"/>
+            <a:stCxn id="6" idx="1"/>
             <a:endCxn id="122" idx="6"/>
           </p:cNvCxnSpPr>
           <p:nvPr/>
@@ -5267,7 +5239,7 @@
         <p:spPr>
           <a:xfrm flipH="1" flipV="1">
             <a:off x="4422140" y="3404235"/>
-            <a:ext cx="1336675" cy="1905"/>
+            <a:ext cx="887730" cy="15240"/>
           </a:xfrm>
           <a:prstGeom prst="line">
             <a:avLst/>
@@ -5655,7 +5627,7 @@
         </p:nvSpPr>
         <p:spPr>
           <a:xfrm>
-            <a:off x="4345940" y="1100455"/>
+            <a:off x="6353810" y="1137285"/>
             <a:ext cx="4329430" cy="1256665"/>
           </a:xfrm>
           <a:prstGeom prst="snip2SameRect">
@@ -5888,18 +5860,19 @@
         <p:nvCxnSpPr>
           <p:cNvPr id="26" name="肘形连接符 25"/>
           <p:cNvCxnSpPr>
+            <a:stCxn id="68" idx="0"/>
             <a:endCxn id="100" idx="3"/>
           </p:cNvCxnSpPr>
           <p:nvPr/>
         </p:nvCxnSpPr>
         <p:spPr>
           <a:xfrm rot="10800000">
-            <a:off x="6108065" y="3466465"/>
-            <a:ext cx="4017645" cy="287020"/>
+            <a:off x="7686040" y="3466465"/>
+            <a:ext cx="652145" cy="246380"/>
           </a:xfrm>
           <a:prstGeom prst="bentConnector3">
             <a:avLst>
-              <a:gd name="adj1" fmla="val 49992"/>
+              <a:gd name="adj1" fmla="val 49951"/>
             </a:avLst>
           </a:prstGeom>
           <a:ln>
@@ -5932,7 +5905,7 @@
         </p:nvCxnSpPr>
         <p:spPr>
           <a:xfrm>
-            <a:off x="5485765" y="1847850"/>
+            <a:off x="7493635" y="1956435"/>
             <a:ext cx="761365" cy="0"/>
           </a:xfrm>
           <a:prstGeom prst="line">
@@ -5965,7 +5938,7 @@
         </p:nvCxnSpPr>
         <p:spPr>
           <a:xfrm rot="16200000">
-            <a:off x="6541770" y="1387475"/>
+            <a:off x="8549640" y="1496060"/>
             <a:ext cx="165735" cy="678815"/>
           </a:xfrm>
           <a:prstGeom prst="bentConnector2">
@@ -6107,81 +6080,6 @@
             <a:avLst>
               <a:gd name="adj1" fmla="val 49962"/>
             </a:avLst>
-          </a:prstGeom>
-          <a:ln>
-            <a:tailEnd type="arrow"/>
-          </a:ln>
-        </p:spPr>
-        <p:style>
-          <a:lnRef idx="1">
-            <a:schemeClr val="accent1"/>
-          </a:lnRef>
-          <a:fillRef idx="0">
-            <a:schemeClr val="accent1"/>
-          </a:fillRef>
-          <a:effectRef idx="0">
-            <a:schemeClr val="accent1"/>
-          </a:effectRef>
-          <a:fontRef idx="minor">
-            <a:schemeClr val="tx1"/>
-          </a:fontRef>
-        </p:style>
-      </p:cxnSp>
-      <p:sp>
-        <p:nvSpPr>
-          <p:cNvPr id="36" name="椭圆 35"/>
-          <p:cNvSpPr/>
-          <p:nvPr/>
-        </p:nvSpPr>
-        <p:spPr>
-          <a:xfrm>
-            <a:off x="5052695" y="3366135"/>
-            <a:ext cx="75565" cy="75565"/>
-          </a:xfrm>
-          <a:prstGeom prst="ellipse">
-            <a:avLst/>
-          </a:prstGeom>
-        </p:spPr>
-        <p:style>
-          <a:lnRef idx="2">
-            <a:schemeClr val="accent1">
-              <a:shade val="50000"/>
-            </a:schemeClr>
-          </a:lnRef>
-          <a:fillRef idx="1">
-            <a:schemeClr val="accent1"/>
-          </a:fillRef>
-          <a:effectRef idx="0">
-            <a:schemeClr val="accent1"/>
-          </a:effectRef>
-          <a:fontRef idx="minor">
-            <a:schemeClr val="lt1"/>
-          </a:fontRef>
-        </p:style>
-        <p:txBody>
-          <a:bodyPr rtlCol="0" anchor="ctr"/>
-          <a:p>
-            <a:pPr algn="ctr"/>
-            <a:endParaRPr lang="zh-CN" altLang="en-US"/>
-          </a:p>
-        </p:txBody>
-      </p:sp>
-      <p:cxnSp>
-        <p:nvCxnSpPr>
-          <p:cNvPr id="38" name="肘形连接符 37"/>
-          <p:cNvCxnSpPr>
-            <a:stCxn id="36" idx="4"/>
-            <a:endCxn id="17" idx="3"/>
-          </p:cNvCxnSpPr>
-          <p:nvPr/>
-        </p:nvCxnSpPr>
-        <p:spPr>
-          <a:xfrm rot="5400000">
-            <a:off x="3784918" y="3800158"/>
-            <a:ext cx="1664335" cy="947420"/>
-          </a:xfrm>
-          <a:prstGeom prst="bentConnector2">
-            <a:avLst/>
           </a:prstGeom>
           <a:ln>
             <a:tailEnd type="arrow"/>
@@ -6358,35 +6256,6 @@
       </p:sp>
       <p:sp>
         <p:nvSpPr>
-          <p:cNvPr id="42" name="文本框 41"/>
-          <p:cNvSpPr txBox="1"/>
-          <p:nvPr/>
-        </p:nvSpPr>
-        <p:spPr>
-          <a:xfrm>
-            <a:off x="4598670" y="3073400"/>
-            <a:ext cx="1155700" cy="368300"/>
-          </a:xfrm>
-          <a:prstGeom prst="rect">
-            <a:avLst/>
-          </a:prstGeom>
-          <a:noFill/>
-        </p:spPr>
-        <p:txBody>
-          <a:bodyPr wrap="none" rtlCol="0">
-            <a:spAutoFit/>
-          </a:bodyPr>
-          <a:p>
-            <a:r>
-              <a:rPr lang="en-US" altLang="zh-CN"/>
-              <a:t>result_bus</a:t>
-            </a:r>
-            <a:endParaRPr lang="en-US" altLang="zh-CN"/>
-          </a:p>
-        </p:txBody>
-      </p:sp>
-      <p:sp>
-        <p:nvSpPr>
           <p:cNvPr id="43" name="矩形 42"/>
           <p:cNvSpPr/>
           <p:nvPr/>
@@ -6471,44 +6340,6 @@
           </a:p>
         </p:txBody>
       </p:sp>
-      <p:cxnSp>
-        <p:nvCxnSpPr>
-          <p:cNvPr id="49" name="肘形连接符 48"/>
-          <p:cNvCxnSpPr>
-            <a:stCxn id="53" idx="6"/>
-            <a:endCxn id="48" idx="3"/>
-          </p:cNvCxnSpPr>
-          <p:nvPr/>
-        </p:nvCxnSpPr>
-        <p:spPr>
-          <a:xfrm>
-            <a:off x="5128260" y="4148455"/>
-            <a:ext cx="1866265" cy="975360"/>
-          </a:xfrm>
-          <a:prstGeom prst="bentConnector3">
-            <a:avLst>
-              <a:gd name="adj1" fmla="val 112759"/>
-            </a:avLst>
-          </a:prstGeom>
-          <a:ln>
-            <a:tailEnd type="arrow"/>
-          </a:ln>
-        </p:spPr>
-        <p:style>
-          <a:lnRef idx="1">
-            <a:schemeClr val="accent1"/>
-          </a:lnRef>
-          <a:fillRef idx="0">
-            <a:schemeClr val="accent1"/>
-          </a:fillRef>
-          <a:effectRef idx="0">
-            <a:schemeClr val="accent1"/>
-          </a:effectRef>
-          <a:fontRef idx="minor">
-            <a:schemeClr val="tx1"/>
-          </a:fontRef>
-        </p:style>
-      </p:cxnSp>
       <p:cxnSp>
         <p:nvCxnSpPr>
           <p:cNvPr id="51" name="肘形连接符 50"/>
@@ -6589,16 +6420,16 @@
       </p:cxnSp>
       <p:sp>
         <p:nvSpPr>
-          <p:cNvPr id="53" name="椭圆 52"/>
+          <p:cNvPr id="6" name="流程图: 预定义过程 5"/>
           <p:cNvSpPr/>
           <p:nvPr/>
         </p:nvSpPr>
         <p:spPr>
           <a:xfrm>
-            <a:off x="5052695" y="4110355"/>
-            <a:ext cx="75565" cy="75565"/>
-          </a:xfrm>
-          <a:prstGeom prst="ellipse">
+            <a:off x="5309870" y="3181985"/>
+            <a:ext cx="1412240" cy="474980"/>
+          </a:xfrm>
+          <a:prstGeom prst="flowChartPredefinedProcess">
             <a:avLst/>
           </a:prstGeom>
         </p:spPr>
@@ -6619,13 +6450,53 @@
           </a:fontRef>
         </p:style>
         <p:txBody>
-          <a:bodyPr rtlCol="0" anchor="ctr"/>
+          <a:bodyPr wrap="none" rtlCol="0" anchor="ctr"/>
           <a:p>
             <a:pPr algn="ctr"/>
-            <a:endParaRPr lang="zh-CN" altLang="en-US"/>
-          </a:p>
-        </p:txBody>
-      </p:sp>
+            <a:r>
+              <a:rPr lang="en-US" altLang="zh-CN"/>
+              <a:t>result_bus</a:t>
+            </a:r>
+            <a:endParaRPr lang="en-US" altLang="zh-CN"/>
+          </a:p>
+        </p:txBody>
+      </p:sp>
+      <p:cxnSp>
+        <p:nvCxnSpPr>
+          <p:cNvPr id="9" name="直接箭头连接符 8"/>
+          <p:cNvCxnSpPr>
+            <a:stCxn id="61" idx="0"/>
+            <a:endCxn id="6" idx="3"/>
+          </p:cNvCxnSpPr>
+          <p:nvPr/>
+        </p:nvCxnSpPr>
+        <p:spPr>
+          <a:xfrm flipH="1">
+            <a:off x="6722110" y="3406140"/>
+            <a:ext cx="615315" cy="13335"/>
+          </a:xfrm>
+          <a:prstGeom prst="straightConnector1">
+            <a:avLst/>
+          </a:prstGeom>
+          <a:ln>
+            <a:tailEnd type="arrow"/>
+          </a:ln>
+        </p:spPr>
+        <p:style>
+          <a:lnRef idx="1">
+            <a:schemeClr val="accent1"/>
+          </a:lnRef>
+          <a:fillRef idx="0">
+            <a:schemeClr val="accent1"/>
+          </a:fillRef>
+          <a:effectRef idx="0">
+            <a:schemeClr val="accent1"/>
+          </a:effectRef>
+          <a:fontRef idx="minor">
+            <a:schemeClr val="tx1"/>
+          </a:fontRef>
+        </p:style>
+      </p:cxnSp>
     </p:spTree>
   </p:cSld>
   <p:clrMapOvr>
@@ -6635,6 +6506,2506 @@
 </file>
 
 <file path=ppt/slides/slide4.xml><?xml version="1.0" encoding="utf-8"?>
+<p:sld xmlns:a="http://schemas.openxmlformats.org/drawingml/2006/main" xmlns:r="http://schemas.openxmlformats.org/officeDocument/2006/relationships" xmlns:p="http://schemas.openxmlformats.org/presentationml/2006/main">
+  <p:cSld>
+    <p:spTree>
+      <p:nvGrpSpPr>
+        <p:cNvPr id="1" name=""/>
+        <p:cNvGrpSpPr/>
+        <p:nvPr/>
+      </p:nvGrpSpPr>
+      <p:grpSpPr/>
+      <p:sp>
+        <p:nvSpPr>
+          <p:cNvPr id="23" name="梯形 22"/>
+          <p:cNvSpPr/>
+          <p:nvPr/>
+        </p:nvSpPr>
+        <p:spPr>
+          <a:xfrm rot="5400000" flipH="1">
+            <a:off x="3308350" y="5841365"/>
+            <a:ext cx="727075" cy="297815"/>
+          </a:xfrm>
+          <a:prstGeom prst="trapezoid">
+            <a:avLst>
+              <a:gd name="adj" fmla="val 60440"/>
+            </a:avLst>
+          </a:prstGeom>
+        </p:spPr>
+        <p:style>
+          <a:lnRef idx="2">
+            <a:schemeClr val="accent1">
+              <a:shade val="50000"/>
+            </a:schemeClr>
+          </a:lnRef>
+          <a:fillRef idx="1">
+            <a:schemeClr val="accent1"/>
+          </a:fillRef>
+          <a:effectRef idx="0">
+            <a:schemeClr val="accent1"/>
+          </a:effectRef>
+          <a:fontRef idx="minor">
+            <a:schemeClr val="lt1"/>
+          </a:fontRef>
+        </p:style>
+        <p:txBody>
+          <a:bodyPr rtlCol="0" anchor="ctr"/>
+          <a:p>
+            <a:pPr algn="ctr"/>
+            <a:endParaRPr lang="zh-CN" altLang="en-US"/>
+          </a:p>
+        </p:txBody>
+      </p:sp>
+      <p:sp>
+        <p:nvSpPr>
+          <p:cNvPr id="2" name="标题 1"/>
+          <p:cNvSpPr>
+            <a:spLocks noGrp="1"/>
+          </p:cNvSpPr>
+          <p:nvPr>
+            <p:ph type="title"/>
+          </p:nvPr>
+        </p:nvSpPr>
+        <p:spPr>
+          <a:xfrm>
+            <a:off x="-9525" y="4445"/>
+            <a:ext cx="1783080" cy="1264920"/>
+          </a:xfrm>
+        </p:spPr>
+        <p:txBody>
+          <a:bodyPr/>
+          <a:p>
+            <a:r>
+              <a:rPr lang="zh-CN" altLang="en-US">
+                <a:solidFill>
+                  <a:schemeClr val="tx1"/>
+                </a:solidFill>
+              </a:rPr>
+              <a:t>结构</a:t>
+            </a:r>
+            <a:endParaRPr lang="zh-CN" altLang="en-US">
+              <a:solidFill>
+                <a:schemeClr val="tx1"/>
+              </a:solidFill>
+            </a:endParaRPr>
+          </a:p>
+        </p:txBody>
+      </p:sp>
+      <p:sp>
+        <p:nvSpPr>
+          <p:cNvPr id="28" name="椭圆 27"/>
+          <p:cNvSpPr/>
+          <p:nvPr/>
+        </p:nvSpPr>
+        <p:spPr>
+          <a:xfrm>
+            <a:off x="4768215" y="1812290"/>
+            <a:ext cx="75565" cy="75565"/>
+          </a:xfrm>
+          <a:prstGeom prst="ellipse">
+            <a:avLst/>
+          </a:prstGeom>
+        </p:spPr>
+        <p:style>
+          <a:lnRef idx="2">
+            <a:schemeClr val="accent1">
+              <a:shade val="50000"/>
+            </a:schemeClr>
+          </a:lnRef>
+          <a:fillRef idx="1">
+            <a:schemeClr val="accent1"/>
+          </a:fillRef>
+          <a:effectRef idx="0">
+            <a:schemeClr val="accent1"/>
+          </a:effectRef>
+          <a:fontRef idx="minor">
+            <a:schemeClr val="lt1"/>
+          </a:fontRef>
+        </p:style>
+        <p:txBody>
+          <a:bodyPr rtlCol="0" anchor="ctr"/>
+          <a:p>
+            <a:pPr algn="ctr"/>
+            <a:endParaRPr lang="zh-CN" altLang="en-US"/>
+          </a:p>
+        </p:txBody>
+      </p:sp>
+      <p:sp>
+        <p:nvSpPr>
+          <p:cNvPr id="4" name="流程图: 磁盘 3"/>
+          <p:cNvSpPr/>
+          <p:nvPr/>
+        </p:nvSpPr>
+        <p:spPr>
+          <a:xfrm>
+            <a:off x="219075" y="4345305"/>
+            <a:ext cx="1395730" cy="643255"/>
+          </a:xfrm>
+          <a:prstGeom prst="flowChartMagneticDisk">
+            <a:avLst/>
+          </a:prstGeom>
+        </p:spPr>
+        <p:style>
+          <a:lnRef idx="2">
+            <a:schemeClr val="accent1">
+              <a:shade val="50000"/>
+            </a:schemeClr>
+          </a:lnRef>
+          <a:fillRef idx="1">
+            <a:schemeClr val="accent1"/>
+          </a:fillRef>
+          <a:effectRef idx="0">
+            <a:schemeClr val="accent1"/>
+          </a:effectRef>
+          <a:fontRef idx="minor">
+            <a:schemeClr val="lt1"/>
+          </a:fontRef>
+        </p:style>
+        <p:txBody>
+          <a:bodyPr tIns="71755" rtlCol="0" anchor="t" anchorCtr="1"/>
+          <a:p>
+            <a:pPr algn="ctr"/>
+            <a:r>
+              <a:rPr lang="en-US" altLang="zh-CN"/>
+              <a:t>mem</a:t>
+            </a:r>
+            <a:endParaRPr lang="en-US" altLang="zh-CN"/>
+          </a:p>
+        </p:txBody>
+      </p:sp>
+      <p:sp>
+        <p:nvSpPr>
+          <p:cNvPr id="5" name="流程图: 预定义过程 4"/>
+          <p:cNvSpPr/>
+          <p:nvPr/>
+        </p:nvSpPr>
+        <p:spPr>
+          <a:xfrm>
+            <a:off x="3722370" y="647700"/>
+            <a:ext cx="681990" cy="360680"/>
+          </a:xfrm>
+          <a:prstGeom prst="flowChartPredefinedProcess">
+            <a:avLst/>
+          </a:prstGeom>
+        </p:spPr>
+        <p:style>
+          <a:lnRef idx="2">
+            <a:schemeClr val="accent1">
+              <a:shade val="50000"/>
+            </a:schemeClr>
+          </a:lnRef>
+          <a:fillRef idx="1">
+            <a:schemeClr val="accent1"/>
+          </a:fillRef>
+          <a:effectRef idx="0">
+            <a:schemeClr val="accent1"/>
+          </a:effectRef>
+          <a:fontRef idx="minor">
+            <a:schemeClr val="lt1"/>
+          </a:fontRef>
+        </p:style>
+        <p:txBody>
+          <a:bodyPr rtlCol="0" anchor="ctr"/>
+          <a:p>
+            <a:pPr algn="ctr"/>
+            <a:r>
+              <a:rPr lang="en-US" altLang="zh-CN"/>
+              <a:t>IR</a:t>
+            </a:r>
+            <a:endParaRPr lang="en-US" altLang="zh-CN"/>
+          </a:p>
+        </p:txBody>
+      </p:sp>
+      <p:sp>
+        <p:nvSpPr>
+          <p:cNvPr id="18" name="剪去同侧角的矩形 17"/>
+          <p:cNvSpPr/>
+          <p:nvPr/>
+        </p:nvSpPr>
+        <p:spPr>
+          <a:xfrm>
+            <a:off x="3429000" y="295275"/>
+            <a:ext cx="1177925" cy="765810"/>
+          </a:xfrm>
+          <a:prstGeom prst="snip2SameRect">
+            <a:avLst/>
+          </a:prstGeom>
+          <a:noFill/>
+          <a:ln>
+            <a:solidFill>
+              <a:schemeClr val="tx1"/>
+            </a:solidFill>
+            <a:prstDash val="lgDash"/>
+          </a:ln>
+          <a:extLst>
+            <a:ext uri="{909E8E84-426E-40DD-AFC4-6F175D3DCCD1}">
+              <a14:hiddenFill xmlns:a14="http://schemas.microsoft.com/office/drawing/2010/main">
+                <a:solidFill>
+                  <a:schemeClr val="accent1"/>
+                </a:solidFill>
+              </a14:hiddenFill>
+            </a:ext>
+          </a:extLst>
+        </p:spPr>
+        <p:style>
+          <a:lnRef idx="2">
+            <a:schemeClr val="accent1">
+              <a:shade val="50000"/>
+            </a:schemeClr>
+          </a:lnRef>
+          <a:fillRef idx="1">
+            <a:schemeClr val="accent1"/>
+          </a:fillRef>
+          <a:effectRef idx="0">
+            <a:schemeClr val="accent1"/>
+          </a:effectRef>
+          <a:fontRef idx="minor">
+            <a:schemeClr val="lt1"/>
+          </a:fontRef>
+        </p:style>
+        <p:txBody>
+          <a:bodyPr wrap="none" tIns="0" rtlCol="0" anchor="t" anchorCtr="0"/>
+          <a:p>
+            <a:pPr algn="ctr"/>
+            <a:r>
+              <a:rPr lang="en-US" altLang="zh-CN">
+                <a:solidFill>
+                  <a:srgbClr val="FF0000"/>
+                </a:solidFill>
+              </a:rPr>
+              <a:t>instruntion register</a:t>
+            </a:r>
+            <a:endParaRPr lang="en-US" altLang="zh-CN">
+              <a:solidFill>
+                <a:srgbClr val="FF0000"/>
+              </a:solidFill>
+            </a:endParaRPr>
+          </a:p>
+        </p:txBody>
+      </p:sp>
+      <p:sp>
+        <p:nvSpPr>
+          <p:cNvPr id="3" name="流程图: 预定义过程 2"/>
+          <p:cNvSpPr/>
+          <p:nvPr/>
+        </p:nvSpPr>
+        <p:spPr>
+          <a:xfrm>
+            <a:off x="4267200" y="5753100"/>
+            <a:ext cx="1544955" cy="474980"/>
+          </a:xfrm>
+          <a:prstGeom prst="flowChartPredefinedProcess">
+            <a:avLst/>
+          </a:prstGeom>
+        </p:spPr>
+        <p:style>
+          <a:lnRef idx="2">
+            <a:schemeClr val="accent1">
+              <a:shade val="50000"/>
+            </a:schemeClr>
+          </a:lnRef>
+          <a:fillRef idx="1">
+            <a:schemeClr val="accent1"/>
+          </a:fillRef>
+          <a:effectRef idx="0">
+            <a:schemeClr val="accent1"/>
+          </a:effectRef>
+          <a:fontRef idx="minor">
+            <a:schemeClr val="lt1"/>
+          </a:fontRef>
+        </p:style>
+        <p:txBody>
+          <a:bodyPr wrap="none" rtlCol="0" anchor="ctr"/>
+          <a:p>
+            <a:pPr algn="ctr"/>
+            <a:r>
+              <a:rPr lang="en-US" altLang="zh-CN"/>
+              <a:t>ir address</a:t>
+            </a:r>
+            <a:endParaRPr lang="en-US" altLang="zh-CN"/>
+          </a:p>
+        </p:txBody>
+      </p:sp>
+      <p:sp>
+        <p:nvSpPr>
+          <p:cNvPr id="7" name="矩形 6"/>
+          <p:cNvSpPr/>
+          <p:nvPr/>
+        </p:nvSpPr>
+        <p:spPr>
+          <a:xfrm>
+            <a:off x="2751455" y="5731510"/>
+            <a:ext cx="512445" cy="283210"/>
+          </a:xfrm>
+          <a:prstGeom prst="rect">
+            <a:avLst/>
+          </a:prstGeom>
+        </p:spPr>
+        <p:style>
+          <a:lnRef idx="2">
+            <a:schemeClr val="accent1">
+              <a:shade val="50000"/>
+            </a:schemeClr>
+          </a:lnRef>
+          <a:fillRef idx="1">
+            <a:schemeClr val="accent1"/>
+          </a:fillRef>
+          <a:effectRef idx="0">
+            <a:schemeClr val="accent1"/>
+          </a:effectRef>
+          <a:fontRef idx="minor">
+            <a:schemeClr val="lt1"/>
+          </a:fontRef>
+        </p:style>
+        <p:txBody>
+          <a:bodyPr rtlCol="0" anchor="ctr"/>
+          <a:p>
+            <a:pPr algn="ctr"/>
+            <a:r>
+              <a:rPr lang="en-US" altLang="zh-CN"/>
+              <a:t>+1</a:t>
+            </a:r>
+            <a:endParaRPr lang="en-US" altLang="zh-CN"/>
+          </a:p>
+        </p:txBody>
+      </p:sp>
+      <p:sp>
+        <p:nvSpPr>
+          <p:cNvPr id="19" name="文本框 18"/>
+          <p:cNvSpPr txBox="1"/>
+          <p:nvPr/>
+        </p:nvSpPr>
+        <p:spPr>
+          <a:xfrm>
+            <a:off x="57150" y="1665605"/>
+            <a:ext cx="1718945" cy="368300"/>
+          </a:xfrm>
+          <a:prstGeom prst="rect">
+            <a:avLst/>
+          </a:prstGeom>
+          <a:noFill/>
+        </p:spPr>
+        <p:txBody>
+          <a:bodyPr wrap="none" rtlCol="0">
+            <a:spAutoFit/>
+          </a:bodyPr>
+          <a:p>
+            <a:r>
+              <a:rPr lang="en-US" altLang="zh-CN"/>
+              <a:t>mem_read_data</a:t>
+            </a:r>
+            <a:endParaRPr lang="en-US" altLang="zh-CN"/>
+          </a:p>
+        </p:txBody>
+      </p:sp>
+      <p:sp>
+        <p:nvSpPr>
+          <p:cNvPr id="60" name="文本框 59"/>
+          <p:cNvSpPr txBox="1"/>
+          <p:nvPr/>
+        </p:nvSpPr>
+        <p:spPr>
+          <a:xfrm>
+            <a:off x="-9525" y="2892425"/>
+            <a:ext cx="1783080" cy="368300"/>
+          </a:xfrm>
+          <a:prstGeom prst="rect">
+            <a:avLst/>
+          </a:prstGeom>
+          <a:noFill/>
+        </p:spPr>
+        <p:txBody>
+          <a:bodyPr wrap="none" rtlCol="0">
+            <a:spAutoFit/>
+          </a:bodyPr>
+          <a:p>
+            <a:r>
+              <a:rPr lang="en-US" altLang="zh-CN"/>
+              <a:t>mem_write_data</a:t>
+            </a:r>
+            <a:endParaRPr lang="en-US" altLang="zh-CN"/>
+          </a:p>
+        </p:txBody>
+      </p:sp>
+      <p:sp>
+        <p:nvSpPr>
+          <p:cNvPr id="68" name="梯形 67"/>
+          <p:cNvSpPr/>
+          <p:nvPr/>
+        </p:nvSpPr>
+        <p:spPr>
+          <a:xfrm rot="16200000">
+            <a:off x="8016875" y="3101975"/>
+            <a:ext cx="1146810" cy="360045"/>
+          </a:xfrm>
+          <a:prstGeom prst="trapezoid">
+            <a:avLst>
+              <a:gd name="adj" fmla="val 60440"/>
+            </a:avLst>
+          </a:prstGeom>
+        </p:spPr>
+        <p:style>
+          <a:lnRef idx="2">
+            <a:schemeClr val="accent1">
+              <a:shade val="50000"/>
+            </a:schemeClr>
+          </a:lnRef>
+          <a:fillRef idx="1">
+            <a:schemeClr val="accent1"/>
+          </a:fillRef>
+          <a:effectRef idx="0">
+            <a:schemeClr val="accent1"/>
+          </a:effectRef>
+          <a:fontRef idx="minor">
+            <a:schemeClr val="lt1"/>
+          </a:fontRef>
+        </p:style>
+        <p:txBody>
+          <a:bodyPr rtlCol="0" anchor="ctr"/>
+          <a:p>
+            <a:pPr algn="ctr"/>
+            <a:endParaRPr lang="zh-CN" altLang="en-US"/>
+          </a:p>
+        </p:txBody>
+      </p:sp>
+      <p:sp>
+        <p:nvSpPr>
+          <p:cNvPr id="69" name="文本框 68"/>
+          <p:cNvSpPr txBox="1"/>
+          <p:nvPr/>
+        </p:nvSpPr>
+        <p:spPr>
+          <a:xfrm>
+            <a:off x="8497570" y="2856230"/>
+            <a:ext cx="272415" cy="368300"/>
+          </a:xfrm>
+          <a:prstGeom prst="rect">
+            <a:avLst/>
+          </a:prstGeom>
+          <a:noFill/>
+        </p:spPr>
+        <p:txBody>
+          <a:bodyPr wrap="square" rtlCol="0">
+            <a:spAutoFit/>
+          </a:bodyPr>
+          <a:p>
+            <a:r>
+              <a:rPr lang="en-US" altLang="zh-CN"/>
+              <a:t>0</a:t>
+            </a:r>
+            <a:endParaRPr lang="en-US" altLang="zh-CN"/>
+          </a:p>
+        </p:txBody>
+      </p:sp>
+      <p:sp>
+        <p:nvSpPr>
+          <p:cNvPr id="70" name="文本框 69"/>
+          <p:cNvSpPr txBox="1"/>
+          <p:nvPr/>
+        </p:nvSpPr>
+        <p:spPr>
+          <a:xfrm>
+            <a:off x="8494395" y="3112135"/>
+            <a:ext cx="272415" cy="368300"/>
+          </a:xfrm>
+          <a:prstGeom prst="rect">
+            <a:avLst/>
+          </a:prstGeom>
+          <a:noFill/>
+        </p:spPr>
+        <p:txBody>
+          <a:bodyPr wrap="square" rtlCol="0">
+            <a:spAutoFit/>
+          </a:bodyPr>
+          <a:p>
+            <a:r>
+              <a:rPr lang="en-US" altLang="zh-CN"/>
+              <a:t>1</a:t>
+            </a:r>
+            <a:endParaRPr lang="en-US" altLang="zh-CN"/>
+          </a:p>
+        </p:txBody>
+      </p:sp>
+      <p:sp>
+        <p:nvSpPr>
+          <p:cNvPr id="71" name="文本框 70"/>
+          <p:cNvSpPr txBox="1"/>
+          <p:nvPr/>
+        </p:nvSpPr>
+        <p:spPr>
+          <a:xfrm>
+            <a:off x="8494395" y="3368040"/>
+            <a:ext cx="272415" cy="368300"/>
+          </a:xfrm>
+          <a:prstGeom prst="rect">
+            <a:avLst/>
+          </a:prstGeom>
+          <a:noFill/>
+        </p:spPr>
+        <p:txBody>
+          <a:bodyPr wrap="square" rtlCol="0">
+            <a:spAutoFit/>
+          </a:bodyPr>
+          <a:p>
+            <a:r>
+              <a:rPr lang="en-US" altLang="zh-CN"/>
+              <a:t>2</a:t>
+            </a:r>
+            <a:endParaRPr lang="en-US" altLang="zh-CN"/>
+          </a:p>
+        </p:txBody>
+      </p:sp>
+      <p:sp>
+        <p:nvSpPr>
+          <p:cNvPr id="76" name="文本框 75"/>
+          <p:cNvSpPr txBox="1"/>
+          <p:nvPr/>
+        </p:nvSpPr>
+        <p:spPr>
+          <a:xfrm>
+            <a:off x="-44450" y="3707765"/>
+            <a:ext cx="1852295" cy="368300"/>
+          </a:xfrm>
+          <a:prstGeom prst="rect">
+            <a:avLst/>
+          </a:prstGeom>
+          <a:noFill/>
+        </p:spPr>
+        <p:txBody>
+          <a:bodyPr wrap="none" rtlCol="0">
+            <a:spAutoFit/>
+          </a:bodyPr>
+          <a:p>
+            <a:r>
+              <a:rPr lang="en-US" altLang="zh-CN"/>
+              <a:t>mem_rw_address</a:t>
+            </a:r>
+            <a:endParaRPr lang="en-US" altLang="zh-CN"/>
+          </a:p>
+        </p:txBody>
+      </p:sp>
+      <p:sp>
+        <p:nvSpPr>
+          <p:cNvPr id="77" name="梯形 76"/>
+          <p:cNvSpPr/>
+          <p:nvPr/>
+        </p:nvSpPr>
+        <p:spPr>
+          <a:xfrm rot="16200000">
+            <a:off x="2705100" y="3731260"/>
+            <a:ext cx="897890" cy="316865"/>
+          </a:xfrm>
+          <a:prstGeom prst="trapezoid">
+            <a:avLst>
+              <a:gd name="adj" fmla="val 60440"/>
+            </a:avLst>
+          </a:prstGeom>
+        </p:spPr>
+        <p:style>
+          <a:lnRef idx="2">
+            <a:schemeClr val="accent1">
+              <a:shade val="50000"/>
+            </a:schemeClr>
+          </a:lnRef>
+          <a:fillRef idx="1">
+            <a:schemeClr val="accent1"/>
+          </a:fillRef>
+          <a:effectRef idx="0">
+            <a:schemeClr val="accent1"/>
+          </a:effectRef>
+          <a:fontRef idx="minor">
+            <a:schemeClr val="lt1"/>
+          </a:fontRef>
+        </p:style>
+        <p:txBody>
+          <a:bodyPr rtlCol="0" anchor="ctr"/>
+          <a:p>
+            <a:pPr algn="ctr"/>
+            <a:endParaRPr lang="zh-CN" altLang="en-US"/>
+          </a:p>
+        </p:txBody>
+      </p:sp>
+      <p:sp>
+        <p:nvSpPr>
+          <p:cNvPr id="80" name="文本框 79"/>
+          <p:cNvSpPr txBox="1"/>
+          <p:nvPr/>
+        </p:nvSpPr>
+        <p:spPr>
+          <a:xfrm>
+            <a:off x="3039745" y="3543300"/>
+            <a:ext cx="272415" cy="368300"/>
+          </a:xfrm>
+          <a:prstGeom prst="rect">
+            <a:avLst/>
+          </a:prstGeom>
+          <a:noFill/>
+        </p:spPr>
+        <p:txBody>
+          <a:bodyPr wrap="square" rtlCol="0">
+            <a:spAutoFit/>
+          </a:bodyPr>
+          <a:p>
+            <a:r>
+              <a:rPr lang="en-US" altLang="zh-CN"/>
+              <a:t>0</a:t>
+            </a:r>
+            <a:endParaRPr lang="en-US" altLang="zh-CN"/>
+          </a:p>
+        </p:txBody>
+      </p:sp>
+      <p:cxnSp>
+        <p:nvCxnSpPr>
+          <p:cNvPr id="83" name="直接箭头连接符 82"/>
+          <p:cNvCxnSpPr>
+            <a:stCxn id="101" idx="2"/>
+            <a:endCxn id="76" idx="3"/>
+          </p:cNvCxnSpPr>
+          <p:nvPr/>
+        </p:nvCxnSpPr>
+        <p:spPr>
+          <a:xfrm flipH="1">
+            <a:off x="1807845" y="3890645"/>
+            <a:ext cx="443230" cy="1270"/>
+          </a:xfrm>
+          <a:prstGeom prst="straightConnector1">
+            <a:avLst/>
+          </a:prstGeom>
+          <a:ln>
+            <a:tailEnd type="arrow"/>
+          </a:ln>
+        </p:spPr>
+        <p:style>
+          <a:lnRef idx="1">
+            <a:schemeClr val="accent1"/>
+          </a:lnRef>
+          <a:fillRef idx="0">
+            <a:schemeClr val="accent1"/>
+          </a:fillRef>
+          <a:effectRef idx="0">
+            <a:schemeClr val="accent1"/>
+          </a:effectRef>
+          <a:fontRef idx="minor">
+            <a:schemeClr val="tx1"/>
+          </a:fontRef>
+        </p:style>
+      </p:cxnSp>
+      <p:sp>
+        <p:nvSpPr>
+          <p:cNvPr id="84" name="文本框 83"/>
+          <p:cNvSpPr txBox="1"/>
+          <p:nvPr/>
+        </p:nvSpPr>
+        <p:spPr>
+          <a:xfrm>
+            <a:off x="3039745" y="3854450"/>
+            <a:ext cx="272415" cy="368300"/>
+          </a:xfrm>
+          <a:prstGeom prst="rect">
+            <a:avLst/>
+          </a:prstGeom>
+          <a:noFill/>
+        </p:spPr>
+        <p:txBody>
+          <a:bodyPr wrap="square" rtlCol="0">
+            <a:spAutoFit/>
+          </a:bodyPr>
+          <a:p>
+            <a:r>
+              <a:rPr lang="en-US" altLang="zh-CN"/>
+              <a:t>1</a:t>
+            </a:r>
+            <a:endParaRPr lang="en-US" altLang="zh-CN"/>
+          </a:p>
+        </p:txBody>
+      </p:sp>
+      <p:cxnSp>
+        <p:nvCxnSpPr>
+          <p:cNvPr id="85" name="肘形连接符 84"/>
+          <p:cNvCxnSpPr>
+            <a:stCxn id="3" idx="3"/>
+            <a:endCxn id="33" idx="3"/>
+          </p:cNvCxnSpPr>
+          <p:nvPr/>
+        </p:nvCxnSpPr>
+        <p:spPr>
+          <a:xfrm flipH="1" flipV="1">
+            <a:off x="4502150" y="5345430"/>
+            <a:ext cx="1310005" cy="645160"/>
+          </a:xfrm>
+          <a:prstGeom prst="bentConnector3">
+            <a:avLst>
+              <a:gd name="adj1" fmla="val -18177"/>
+            </a:avLst>
+          </a:prstGeom>
+          <a:ln>
+            <a:tailEnd type="arrow"/>
+          </a:ln>
+        </p:spPr>
+        <p:style>
+          <a:lnRef idx="1">
+            <a:schemeClr val="accent1"/>
+          </a:lnRef>
+          <a:fillRef idx="0">
+            <a:schemeClr val="accent1"/>
+          </a:fillRef>
+          <a:effectRef idx="0">
+            <a:schemeClr val="accent1"/>
+          </a:effectRef>
+          <a:fontRef idx="minor">
+            <a:schemeClr val="tx1"/>
+          </a:fontRef>
+        </p:style>
+      </p:cxnSp>
+      <p:cxnSp>
+        <p:nvCxnSpPr>
+          <p:cNvPr id="90" name="直接箭头连接符 89"/>
+          <p:cNvCxnSpPr>
+            <a:stCxn id="92" idx="3"/>
+          </p:cNvCxnSpPr>
+          <p:nvPr/>
+        </p:nvCxnSpPr>
+        <p:spPr>
+          <a:xfrm flipV="1">
+            <a:off x="7146925" y="2134235"/>
+            <a:ext cx="1301115" cy="9525"/>
+          </a:xfrm>
+          <a:prstGeom prst="straightConnector1">
+            <a:avLst/>
+          </a:prstGeom>
+          <a:ln>
+            <a:tailEnd type="arrow"/>
+          </a:ln>
+        </p:spPr>
+        <p:style>
+          <a:lnRef idx="1">
+            <a:schemeClr val="accent1"/>
+          </a:lnRef>
+          <a:fillRef idx="0">
+            <a:schemeClr val="accent1"/>
+          </a:fillRef>
+          <a:effectRef idx="0">
+            <a:schemeClr val="accent1"/>
+          </a:effectRef>
+          <a:fontRef idx="minor">
+            <a:schemeClr val="tx1"/>
+          </a:fontRef>
+        </p:style>
+      </p:cxnSp>
+      <p:sp>
+        <p:nvSpPr>
+          <p:cNvPr id="91" name="流程图: 预定义过程 90"/>
+          <p:cNvSpPr/>
+          <p:nvPr/>
+        </p:nvSpPr>
+        <p:spPr>
+          <a:xfrm>
+            <a:off x="5570220" y="1529715"/>
+            <a:ext cx="1576705" cy="372110"/>
+          </a:xfrm>
+          <a:prstGeom prst="flowChartPredefinedProcess">
+            <a:avLst/>
+          </a:prstGeom>
+        </p:spPr>
+        <p:style>
+          <a:lnRef idx="2">
+            <a:schemeClr val="accent1">
+              <a:shade val="50000"/>
+            </a:schemeClr>
+          </a:lnRef>
+          <a:fillRef idx="1">
+            <a:schemeClr val="accent1"/>
+          </a:fillRef>
+          <a:effectRef idx="0">
+            <a:schemeClr val="accent1"/>
+          </a:effectRef>
+          <a:fontRef idx="minor">
+            <a:schemeClr val="lt1"/>
+          </a:fontRef>
+        </p:style>
+        <p:txBody>
+          <a:bodyPr wrap="none" rtlCol="0" anchor="ctr"/>
+          <a:p>
+            <a:pPr algn="ctr"/>
+            <a:r>
+              <a:rPr lang="en-US" altLang="zh-CN"/>
+              <a:t>raw_bus_0</a:t>
+            </a:r>
+            <a:endParaRPr lang="en-US" altLang="zh-CN"/>
+          </a:p>
+        </p:txBody>
+      </p:sp>
+      <p:sp>
+        <p:nvSpPr>
+          <p:cNvPr id="92" name="流程图: 预定义过程 91"/>
+          <p:cNvSpPr/>
+          <p:nvPr/>
+        </p:nvSpPr>
+        <p:spPr>
+          <a:xfrm>
+            <a:off x="5570220" y="1957705"/>
+            <a:ext cx="1576705" cy="372110"/>
+          </a:xfrm>
+          <a:prstGeom prst="flowChartPredefinedProcess">
+            <a:avLst/>
+          </a:prstGeom>
+        </p:spPr>
+        <p:style>
+          <a:lnRef idx="2">
+            <a:schemeClr val="accent1">
+              <a:shade val="50000"/>
+            </a:schemeClr>
+          </a:lnRef>
+          <a:fillRef idx="1">
+            <a:schemeClr val="accent1"/>
+          </a:fillRef>
+          <a:effectRef idx="0">
+            <a:schemeClr val="accent1"/>
+          </a:effectRef>
+          <a:fontRef idx="minor">
+            <a:schemeClr val="lt1"/>
+          </a:fontRef>
+        </p:style>
+        <p:txBody>
+          <a:bodyPr wrap="none" rtlCol="0" anchor="ctr"/>
+          <a:p>
+            <a:pPr algn="ctr"/>
+            <a:r>
+              <a:rPr lang="en-US" altLang="zh-CN"/>
+              <a:t>raw_bus_1</a:t>
+            </a:r>
+            <a:endParaRPr lang="en-US" altLang="zh-CN"/>
+          </a:p>
+        </p:txBody>
+      </p:sp>
+      <p:cxnSp>
+        <p:nvCxnSpPr>
+          <p:cNvPr id="97" name="直接箭头连接符 96"/>
+          <p:cNvCxnSpPr>
+            <a:stCxn id="91" idx="3"/>
+          </p:cNvCxnSpPr>
+          <p:nvPr/>
+        </p:nvCxnSpPr>
+        <p:spPr>
+          <a:xfrm flipV="1">
+            <a:off x="7146925" y="1702435"/>
+            <a:ext cx="1301115" cy="13335"/>
+          </a:xfrm>
+          <a:prstGeom prst="straightConnector1">
+            <a:avLst/>
+          </a:prstGeom>
+          <a:ln>
+            <a:tailEnd type="arrow"/>
+          </a:ln>
+        </p:spPr>
+        <p:style>
+          <a:lnRef idx="1">
+            <a:schemeClr val="accent1"/>
+          </a:lnRef>
+          <a:fillRef idx="0">
+            <a:schemeClr val="accent1"/>
+          </a:fillRef>
+          <a:effectRef idx="0">
+            <a:schemeClr val="accent1"/>
+          </a:effectRef>
+          <a:fontRef idx="minor">
+            <a:schemeClr val="tx1"/>
+          </a:fontRef>
+        </p:style>
+      </p:cxnSp>
+      <p:sp>
+        <p:nvSpPr>
+          <p:cNvPr id="101" name="椭圆 100"/>
+          <p:cNvSpPr/>
+          <p:nvPr/>
+        </p:nvSpPr>
+        <p:spPr>
+          <a:xfrm>
+            <a:off x="2251075" y="3852545"/>
+            <a:ext cx="75565" cy="75565"/>
+          </a:xfrm>
+          <a:prstGeom prst="ellipse">
+            <a:avLst/>
+          </a:prstGeom>
+        </p:spPr>
+        <p:style>
+          <a:lnRef idx="2">
+            <a:schemeClr val="accent1">
+              <a:shade val="50000"/>
+            </a:schemeClr>
+          </a:lnRef>
+          <a:fillRef idx="1">
+            <a:schemeClr val="accent1"/>
+          </a:fillRef>
+          <a:effectRef idx="0">
+            <a:schemeClr val="accent1"/>
+          </a:effectRef>
+          <a:fontRef idx="minor">
+            <a:schemeClr val="lt1"/>
+          </a:fontRef>
+        </p:style>
+        <p:txBody>
+          <a:bodyPr rtlCol="0" anchor="ctr"/>
+          <a:p>
+            <a:pPr algn="ctr"/>
+            <a:endParaRPr lang="zh-CN" altLang="en-US"/>
+          </a:p>
+        </p:txBody>
+      </p:sp>
+      <p:cxnSp>
+        <p:nvCxnSpPr>
+          <p:cNvPr id="103" name="直接连接符 102"/>
+          <p:cNvCxnSpPr>
+            <a:stCxn id="5" idx="3"/>
+            <a:endCxn id="8" idx="1"/>
+          </p:cNvCxnSpPr>
+          <p:nvPr/>
+        </p:nvCxnSpPr>
+        <p:spPr>
+          <a:xfrm>
+            <a:off x="4404360" y="828040"/>
+            <a:ext cx="1659890" cy="635"/>
+          </a:xfrm>
+          <a:prstGeom prst="line">
+            <a:avLst/>
+          </a:prstGeom>
+          <a:ln w="12700" cmpd="sng">
+            <a:solidFill>
+              <a:schemeClr val="accent1">
+                <a:shade val="50000"/>
+              </a:schemeClr>
+            </a:solidFill>
+            <a:prstDash val="sysDot"/>
+            <a:tailEnd type="stealth" w="lg" len="med"/>
+          </a:ln>
+        </p:spPr>
+        <p:style>
+          <a:lnRef idx="1">
+            <a:schemeClr val="accent1"/>
+          </a:lnRef>
+          <a:fillRef idx="0">
+            <a:schemeClr val="accent1"/>
+          </a:fillRef>
+          <a:effectRef idx="0">
+            <a:schemeClr val="accent1"/>
+          </a:effectRef>
+          <a:fontRef idx="minor">
+            <a:schemeClr val="tx1"/>
+          </a:fontRef>
+        </p:style>
+      </p:cxnSp>
+      <p:cxnSp>
+        <p:nvCxnSpPr>
+          <p:cNvPr id="111" name="肘形连接符 110"/>
+          <p:cNvCxnSpPr>
+            <a:stCxn id="28" idx="4"/>
+            <a:endCxn id="92" idx="1"/>
+          </p:cNvCxnSpPr>
+          <p:nvPr/>
+        </p:nvCxnSpPr>
+        <p:spPr>
+          <a:xfrm rot="5400000" flipV="1">
+            <a:off x="5060315" y="1633855"/>
+            <a:ext cx="255905" cy="763905"/>
+          </a:xfrm>
+          <a:prstGeom prst="bentConnector2">
+            <a:avLst/>
+          </a:prstGeom>
+          <a:ln>
+            <a:tailEnd type="arrow"/>
+          </a:ln>
+        </p:spPr>
+        <p:style>
+          <a:lnRef idx="1">
+            <a:schemeClr val="accent1"/>
+          </a:lnRef>
+          <a:fillRef idx="0">
+            <a:schemeClr val="accent1"/>
+          </a:fillRef>
+          <a:effectRef idx="0">
+            <a:schemeClr val="accent1"/>
+          </a:effectRef>
+          <a:fontRef idx="minor">
+            <a:schemeClr val="tx1"/>
+          </a:fontRef>
+        </p:style>
+      </p:cxnSp>
+      <p:sp>
+        <p:nvSpPr>
+          <p:cNvPr id="116" name="椭圆 115"/>
+          <p:cNvSpPr/>
+          <p:nvPr/>
+        </p:nvSpPr>
+        <p:spPr>
+          <a:xfrm>
+            <a:off x="2550795" y="1810385"/>
+            <a:ext cx="75565" cy="75565"/>
+          </a:xfrm>
+          <a:prstGeom prst="ellipse">
+            <a:avLst/>
+          </a:prstGeom>
+        </p:spPr>
+        <p:style>
+          <a:lnRef idx="2">
+            <a:schemeClr val="accent1">
+              <a:shade val="50000"/>
+            </a:schemeClr>
+          </a:lnRef>
+          <a:fillRef idx="1">
+            <a:schemeClr val="accent1"/>
+          </a:fillRef>
+          <a:effectRef idx="0">
+            <a:schemeClr val="accent1"/>
+          </a:effectRef>
+          <a:fontRef idx="minor">
+            <a:schemeClr val="lt1"/>
+          </a:fontRef>
+        </p:style>
+        <p:txBody>
+          <a:bodyPr rtlCol="0" anchor="ctr"/>
+          <a:p>
+            <a:pPr algn="ctr"/>
+            <a:endParaRPr lang="zh-CN" altLang="en-US"/>
+          </a:p>
+        </p:txBody>
+      </p:sp>
+      <p:cxnSp>
+        <p:nvCxnSpPr>
+          <p:cNvPr id="117" name="肘形连接符 116"/>
+          <p:cNvCxnSpPr>
+            <a:stCxn id="116" idx="0"/>
+            <a:endCxn id="5" idx="1"/>
+          </p:cNvCxnSpPr>
+          <p:nvPr/>
+        </p:nvCxnSpPr>
+        <p:spPr>
+          <a:xfrm rot="16200000">
+            <a:off x="2664460" y="752475"/>
+            <a:ext cx="982345" cy="1133475"/>
+          </a:xfrm>
+          <a:prstGeom prst="bentConnector2">
+            <a:avLst/>
+          </a:prstGeom>
+          <a:ln>
+            <a:tailEnd type="arrow"/>
+          </a:ln>
+        </p:spPr>
+        <p:style>
+          <a:lnRef idx="1">
+            <a:schemeClr val="accent1"/>
+          </a:lnRef>
+          <a:fillRef idx="0">
+            <a:schemeClr val="accent1"/>
+          </a:fillRef>
+          <a:effectRef idx="0">
+            <a:schemeClr val="accent1"/>
+          </a:effectRef>
+          <a:fontRef idx="minor">
+            <a:schemeClr val="tx1"/>
+          </a:fontRef>
+        </p:style>
+      </p:cxnSp>
+      <p:cxnSp>
+        <p:nvCxnSpPr>
+          <p:cNvPr id="124" name="肘形连接符 123"/>
+          <p:cNvCxnSpPr>
+            <a:stCxn id="30" idx="1"/>
+            <a:endCxn id="80" idx="3"/>
+          </p:cNvCxnSpPr>
+          <p:nvPr/>
+        </p:nvCxnSpPr>
+        <p:spPr>
+          <a:xfrm rot="10800000">
+            <a:off x="3312160" y="3727450"/>
+            <a:ext cx="1551305" cy="438785"/>
+          </a:xfrm>
+          <a:prstGeom prst="bentConnector3">
+            <a:avLst>
+              <a:gd name="adj1" fmla="val 49980"/>
+            </a:avLst>
+          </a:prstGeom>
+          <a:ln>
+            <a:tailEnd type="arrow"/>
+          </a:ln>
+        </p:spPr>
+        <p:style>
+          <a:lnRef idx="1">
+            <a:schemeClr val="accent1"/>
+          </a:lnRef>
+          <a:fillRef idx="0">
+            <a:schemeClr val="accent1"/>
+          </a:fillRef>
+          <a:effectRef idx="0">
+            <a:schemeClr val="accent1"/>
+          </a:effectRef>
+          <a:fontRef idx="minor">
+            <a:schemeClr val="tx1"/>
+          </a:fontRef>
+        </p:style>
+      </p:cxnSp>
+      <p:sp>
+        <p:nvSpPr>
+          <p:cNvPr id="8" name="矩形 7"/>
+          <p:cNvSpPr/>
+          <p:nvPr/>
+        </p:nvSpPr>
+        <p:spPr>
+          <a:xfrm>
+            <a:off x="6064250" y="591185"/>
+            <a:ext cx="1454785" cy="474345"/>
+          </a:xfrm>
+          <a:prstGeom prst="rect">
+            <a:avLst/>
+          </a:prstGeom>
+        </p:spPr>
+        <p:style>
+          <a:lnRef idx="2">
+            <a:schemeClr val="accent1">
+              <a:shade val="50000"/>
+            </a:schemeClr>
+          </a:lnRef>
+          <a:fillRef idx="1">
+            <a:schemeClr val="accent1"/>
+          </a:fillRef>
+          <a:effectRef idx="0">
+            <a:schemeClr val="accent1"/>
+          </a:effectRef>
+          <a:fontRef idx="minor">
+            <a:schemeClr val="lt1"/>
+          </a:fontRef>
+        </p:style>
+        <p:txBody>
+          <a:bodyPr rtlCol="0" anchor="ctr"/>
+          <a:p>
+            <a:pPr algn="ctr"/>
+            <a:r>
+              <a:rPr lang="en-US" altLang="zh-CN"/>
+              <a:t>decoder</a:t>
+            </a:r>
+            <a:endParaRPr lang="en-US" altLang="zh-CN"/>
+          </a:p>
+        </p:txBody>
+      </p:sp>
+      <p:cxnSp>
+        <p:nvCxnSpPr>
+          <p:cNvPr id="10" name="直接箭头连接符 9"/>
+          <p:cNvCxnSpPr>
+            <a:stCxn id="7" idx="3"/>
+            <a:endCxn id="13" idx="1"/>
+          </p:cNvCxnSpPr>
+          <p:nvPr/>
+        </p:nvCxnSpPr>
+        <p:spPr>
+          <a:xfrm>
+            <a:off x="3263900" y="5873115"/>
+            <a:ext cx="259080" cy="0"/>
+          </a:xfrm>
+          <a:prstGeom prst="straightConnector1">
+            <a:avLst/>
+          </a:prstGeom>
+          <a:ln>
+            <a:tailEnd type="arrow"/>
+          </a:ln>
+        </p:spPr>
+        <p:style>
+          <a:lnRef idx="1">
+            <a:schemeClr val="accent1"/>
+          </a:lnRef>
+          <a:fillRef idx="0">
+            <a:schemeClr val="accent1"/>
+          </a:fillRef>
+          <a:effectRef idx="0">
+            <a:schemeClr val="accent1"/>
+          </a:effectRef>
+          <a:fontRef idx="minor">
+            <a:schemeClr val="tx1"/>
+          </a:fontRef>
+        </p:style>
+      </p:cxnSp>
+      <p:sp>
+        <p:nvSpPr>
+          <p:cNvPr id="12" name="文本框 11"/>
+          <p:cNvSpPr txBox="1"/>
+          <p:nvPr/>
+        </p:nvSpPr>
+        <p:spPr>
+          <a:xfrm>
+            <a:off x="3522980" y="5945505"/>
+            <a:ext cx="272415" cy="368300"/>
+          </a:xfrm>
+          <a:prstGeom prst="rect">
+            <a:avLst/>
+          </a:prstGeom>
+          <a:noFill/>
+        </p:spPr>
+        <p:txBody>
+          <a:bodyPr wrap="square" rtlCol="0">
+            <a:spAutoFit/>
+          </a:bodyPr>
+          <a:p>
+            <a:r>
+              <a:rPr lang="en-US" altLang="zh-CN"/>
+              <a:t>0</a:t>
+            </a:r>
+            <a:endParaRPr lang="en-US" altLang="zh-CN"/>
+          </a:p>
+        </p:txBody>
+      </p:sp>
+      <p:sp>
+        <p:nvSpPr>
+          <p:cNvPr id="13" name="文本框 12"/>
+          <p:cNvSpPr txBox="1"/>
+          <p:nvPr/>
+        </p:nvSpPr>
+        <p:spPr>
+          <a:xfrm>
+            <a:off x="3522980" y="5688965"/>
+            <a:ext cx="272415" cy="368300"/>
+          </a:xfrm>
+          <a:prstGeom prst="rect">
+            <a:avLst/>
+          </a:prstGeom>
+          <a:noFill/>
+        </p:spPr>
+        <p:txBody>
+          <a:bodyPr wrap="square" rtlCol="0">
+            <a:spAutoFit/>
+          </a:bodyPr>
+          <a:p>
+            <a:r>
+              <a:rPr lang="en-US" altLang="zh-CN"/>
+              <a:t>1</a:t>
+            </a:r>
+            <a:endParaRPr lang="en-US" altLang="zh-CN"/>
+          </a:p>
+        </p:txBody>
+      </p:sp>
+      <p:cxnSp>
+        <p:nvCxnSpPr>
+          <p:cNvPr id="14" name="直接箭头连接符 13"/>
+          <p:cNvCxnSpPr>
+            <a:stCxn id="23" idx="0"/>
+            <a:endCxn id="3" idx="1"/>
+          </p:cNvCxnSpPr>
+          <p:nvPr/>
+        </p:nvCxnSpPr>
+        <p:spPr>
+          <a:xfrm>
+            <a:off x="3892550" y="5989955"/>
+            <a:ext cx="446405" cy="635"/>
+          </a:xfrm>
+          <a:prstGeom prst="straightConnector1">
+            <a:avLst/>
+          </a:prstGeom>
+          <a:ln>
+            <a:tailEnd type="arrow"/>
+          </a:ln>
+        </p:spPr>
+        <p:style>
+          <a:lnRef idx="1">
+            <a:schemeClr val="accent1"/>
+          </a:lnRef>
+          <a:fillRef idx="0">
+            <a:schemeClr val="accent1"/>
+          </a:fillRef>
+          <a:effectRef idx="0">
+            <a:schemeClr val="accent1"/>
+          </a:effectRef>
+          <a:fontRef idx="minor">
+            <a:schemeClr val="tx1"/>
+          </a:fontRef>
+        </p:style>
+      </p:cxnSp>
+      <p:sp>
+        <p:nvSpPr>
+          <p:cNvPr id="20" name="剪去同侧角的矩形 19"/>
+          <p:cNvSpPr/>
+          <p:nvPr/>
+        </p:nvSpPr>
+        <p:spPr>
+          <a:xfrm>
+            <a:off x="4607560" y="1172210"/>
+            <a:ext cx="2673985" cy="1256665"/>
+          </a:xfrm>
+          <a:prstGeom prst="snip2SameRect">
+            <a:avLst/>
+          </a:prstGeom>
+          <a:noFill/>
+          <a:ln>
+            <a:solidFill>
+              <a:schemeClr val="tx1"/>
+            </a:solidFill>
+            <a:prstDash val="lgDash"/>
+          </a:ln>
+          <a:extLst>
+            <a:ext uri="{909E8E84-426E-40DD-AFC4-6F175D3DCCD1}">
+              <a14:hiddenFill xmlns:a14="http://schemas.microsoft.com/office/drawing/2010/main">
+                <a:solidFill>
+                  <a:schemeClr val="accent1"/>
+                </a:solidFill>
+              </a14:hiddenFill>
+            </a:ext>
+          </a:extLst>
+        </p:spPr>
+        <p:style>
+          <a:lnRef idx="2">
+            <a:schemeClr val="accent1">
+              <a:shade val="50000"/>
+            </a:schemeClr>
+          </a:lnRef>
+          <a:fillRef idx="1">
+            <a:schemeClr val="accent1"/>
+          </a:fillRef>
+          <a:effectRef idx="0">
+            <a:schemeClr val="accent1"/>
+          </a:effectRef>
+          <a:fontRef idx="minor">
+            <a:schemeClr val="lt1"/>
+          </a:fontRef>
+        </p:style>
+        <p:txBody>
+          <a:bodyPr wrap="none" tIns="0" rtlCol="0" anchor="t" anchorCtr="0"/>
+          <a:p>
+            <a:pPr algn="ctr"/>
+            <a:r>
+              <a:rPr lang="en-US" altLang="zh-CN">
+                <a:solidFill>
+                  <a:srgbClr val="FF0000"/>
+                </a:solidFill>
+              </a:rPr>
+              <a:t>raw bus</a:t>
+            </a:r>
+            <a:endParaRPr lang="en-US" altLang="zh-CN">
+              <a:solidFill>
+                <a:srgbClr val="FF0000"/>
+              </a:solidFill>
+            </a:endParaRPr>
+          </a:p>
+        </p:txBody>
+      </p:sp>
+      <p:sp>
+        <p:nvSpPr>
+          <p:cNvPr id="21" name="剪去同侧角的矩形 20"/>
+          <p:cNvSpPr/>
+          <p:nvPr/>
+        </p:nvSpPr>
+        <p:spPr>
+          <a:xfrm>
+            <a:off x="5576570" y="2571750"/>
+            <a:ext cx="3447415" cy="1490980"/>
+          </a:xfrm>
+          <a:prstGeom prst="snip2SameRect">
+            <a:avLst/>
+          </a:prstGeom>
+          <a:noFill/>
+          <a:ln>
+            <a:solidFill>
+              <a:schemeClr val="tx1"/>
+            </a:solidFill>
+            <a:prstDash val="lgDash"/>
+          </a:ln>
+          <a:extLst>
+            <a:ext uri="{909E8E84-426E-40DD-AFC4-6F175D3DCCD1}">
+              <a14:hiddenFill xmlns:a14="http://schemas.microsoft.com/office/drawing/2010/main">
+                <a:solidFill>
+                  <a:schemeClr val="accent1"/>
+                </a:solidFill>
+              </a14:hiddenFill>
+            </a:ext>
+          </a:extLst>
+        </p:spPr>
+        <p:style>
+          <a:lnRef idx="2">
+            <a:schemeClr val="accent1">
+              <a:shade val="50000"/>
+            </a:schemeClr>
+          </a:lnRef>
+          <a:fillRef idx="1">
+            <a:schemeClr val="accent1"/>
+          </a:fillRef>
+          <a:effectRef idx="0">
+            <a:schemeClr val="accent1"/>
+          </a:effectRef>
+          <a:fontRef idx="minor">
+            <a:schemeClr val="lt1"/>
+          </a:fontRef>
+        </p:style>
+        <p:txBody>
+          <a:bodyPr wrap="none" tIns="0" rtlCol="0" anchor="t" anchorCtr="0"/>
+          <a:p>
+            <a:pPr algn="ctr"/>
+            <a:r>
+              <a:rPr lang="en-US" altLang="zh-CN">
+                <a:solidFill>
+                  <a:srgbClr val="FF0000"/>
+                </a:solidFill>
+              </a:rPr>
+              <a:t>result bus</a:t>
+            </a:r>
+            <a:endParaRPr lang="en-US" altLang="zh-CN">
+              <a:solidFill>
+                <a:srgbClr val="FF0000"/>
+              </a:solidFill>
+            </a:endParaRPr>
+          </a:p>
+        </p:txBody>
+      </p:sp>
+      <p:sp>
+        <p:nvSpPr>
+          <p:cNvPr id="22" name="剪去同侧角的矩形 21"/>
+          <p:cNvSpPr/>
+          <p:nvPr/>
+        </p:nvSpPr>
+        <p:spPr>
+          <a:xfrm>
+            <a:off x="2498725" y="2428875"/>
+            <a:ext cx="1905635" cy="1980565"/>
+          </a:xfrm>
+          <a:prstGeom prst="snip2SameRect">
+            <a:avLst/>
+          </a:prstGeom>
+          <a:noFill/>
+          <a:ln>
+            <a:solidFill>
+              <a:schemeClr val="tx1"/>
+            </a:solidFill>
+            <a:prstDash val="lgDash"/>
+          </a:ln>
+          <a:extLst>
+            <a:ext uri="{909E8E84-426E-40DD-AFC4-6F175D3DCCD1}">
+              <a14:hiddenFill xmlns:a14="http://schemas.microsoft.com/office/drawing/2010/main">
+                <a:solidFill>
+                  <a:schemeClr val="accent1"/>
+                </a:solidFill>
+              </a14:hiddenFill>
+            </a:ext>
+          </a:extLst>
+        </p:spPr>
+        <p:style>
+          <a:lnRef idx="2">
+            <a:schemeClr val="accent1">
+              <a:shade val="50000"/>
+            </a:schemeClr>
+          </a:lnRef>
+          <a:fillRef idx="1">
+            <a:schemeClr val="accent1"/>
+          </a:fillRef>
+          <a:effectRef idx="0">
+            <a:schemeClr val="accent1"/>
+          </a:effectRef>
+          <a:fontRef idx="minor">
+            <a:schemeClr val="lt1"/>
+          </a:fontRef>
+        </p:style>
+        <p:txBody>
+          <a:bodyPr wrap="none" tIns="0" rtlCol="0" anchor="t" anchorCtr="0"/>
+          <a:p>
+            <a:pPr algn="ctr"/>
+            <a:r>
+              <a:rPr lang="en-US" altLang="zh-CN">
+                <a:solidFill>
+                  <a:srgbClr val="FF0000"/>
+                </a:solidFill>
+              </a:rPr>
+              <a:t>memory trigger</a:t>
+            </a:r>
+            <a:endParaRPr lang="en-US" altLang="zh-CN">
+              <a:solidFill>
+                <a:srgbClr val="FF0000"/>
+              </a:solidFill>
+            </a:endParaRPr>
+          </a:p>
+        </p:txBody>
+      </p:sp>
+      <p:cxnSp>
+        <p:nvCxnSpPr>
+          <p:cNvPr id="24" name="肘形连接符 23"/>
+          <p:cNvCxnSpPr>
+            <a:stCxn id="101" idx="4"/>
+            <a:endCxn id="7" idx="1"/>
+          </p:cNvCxnSpPr>
+          <p:nvPr/>
+        </p:nvCxnSpPr>
+        <p:spPr>
+          <a:xfrm rot="5400000" flipV="1">
+            <a:off x="1547813" y="4669473"/>
+            <a:ext cx="1945005" cy="462280"/>
+          </a:xfrm>
+          <a:prstGeom prst="bentConnector2">
+            <a:avLst/>
+          </a:prstGeom>
+          <a:ln>
+            <a:tailEnd type="arrow"/>
+          </a:ln>
+        </p:spPr>
+        <p:style>
+          <a:lnRef idx="1">
+            <a:schemeClr val="accent1"/>
+          </a:lnRef>
+          <a:fillRef idx="0">
+            <a:schemeClr val="accent1"/>
+          </a:fillRef>
+          <a:effectRef idx="0">
+            <a:schemeClr val="accent1"/>
+          </a:effectRef>
+          <a:fontRef idx="minor">
+            <a:schemeClr val="tx1"/>
+          </a:fontRef>
+        </p:style>
+      </p:cxnSp>
+      <p:cxnSp>
+        <p:nvCxnSpPr>
+          <p:cNvPr id="26" name="肘形连接符 25"/>
+          <p:cNvCxnSpPr>
+            <a:stCxn id="68" idx="0"/>
+            <a:endCxn id="6" idx="3"/>
+          </p:cNvCxnSpPr>
+          <p:nvPr/>
+        </p:nvCxnSpPr>
+        <p:spPr>
+          <a:xfrm rot="10800000" flipV="1">
+            <a:off x="7080885" y="3282315"/>
+            <a:ext cx="1329690" cy="137160"/>
+          </a:xfrm>
+          <a:prstGeom prst="bentConnector3">
+            <a:avLst>
+              <a:gd name="adj1" fmla="val 50000"/>
+            </a:avLst>
+          </a:prstGeom>
+          <a:ln>
+            <a:tailEnd type="arrow"/>
+          </a:ln>
+        </p:spPr>
+        <p:style>
+          <a:lnRef idx="1">
+            <a:schemeClr val="accent1"/>
+          </a:lnRef>
+          <a:fillRef idx="0">
+            <a:schemeClr val="accent1"/>
+          </a:fillRef>
+          <a:effectRef idx="0">
+            <a:schemeClr val="accent1"/>
+          </a:effectRef>
+          <a:fontRef idx="minor">
+            <a:schemeClr val="tx1"/>
+          </a:fontRef>
+        </p:style>
+      </p:cxnSp>
+      <p:cxnSp>
+        <p:nvCxnSpPr>
+          <p:cNvPr id="27" name="直接连接符 26"/>
+          <p:cNvCxnSpPr>
+            <a:stCxn id="19" idx="3"/>
+            <a:endCxn id="116" idx="2"/>
+          </p:cNvCxnSpPr>
+          <p:nvPr/>
+        </p:nvCxnSpPr>
+        <p:spPr>
+          <a:xfrm flipV="1">
+            <a:off x="1776095" y="1848485"/>
+            <a:ext cx="774700" cy="1270"/>
+          </a:xfrm>
+          <a:prstGeom prst="line">
+            <a:avLst/>
+          </a:prstGeom>
+        </p:spPr>
+        <p:style>
+          <a:lnRef idx="1">
+            <a:schemeClr val="accent1"/>
+          </a:lnRef>
+          <a:fillRef idx="0">
+            <a:schemeClr val="accent1"/>
+          </a:fillRef>
+          <a:effectRef idx="0">
+            <a:schemeClr val="accent1"/>
+          </a:effectRef>
+          <a:fontRef idx="minor">
+            <a:schemeClr val="tx1"/>
+          </a:fontRef>
+        </p:style>
+      </p:cxnSp>
+      <p:cxnSp>
+        <p:nvCxnSpPr>
+          <p:cNvPr id="31" name="肘形连接符 30"/>
+          <p:cNvCxnSpPr>
+            <a:stCxn id="28" idx="0"/>
+            <a:endCxn id="91" idx="1"/>
+          </p:cNvCxnSpPr>
+          <p:nvPr/>
+        </p:nvCxnSpPr>
+        <p:spPr>
+          <a:xfrm rot="16200000">
+            <a:off x="5140008" y="1382078"/>
+            <a:ext cx="96520" cy="763905"/>
+          </a:xfrm>
+          <a:prstGeom prst="bentConnector2">
+            <a:avLst/>
+          </a:prstGeom>
+          <a:ln>
+            <a:tailEnd type="arrow"/>
+          </a:ln>
+        </p:spPr>
+        <p:style>
+          <a:lnRef idx="1">
+            <a:schemeClr val="accent1"/>
+          </a:lnRef>
+          <a:fillRef idx="0">
+            <a:schemeClr val="accent1"/>
+          </a:fillRef>
+          <a:effectRef idx="0">
+            <a:schemeClr val="accent1"/>
+          </a:effectRef>
+          <a:fontRef idx="minor">
+            <a:schemeClr val="tx1"/>
+          </a:fontRef>
+        </p:style>
+      </p:cxnSp>
+      <p:sp>
+        <p:nvSpPr>
+          <p:cNvPr id="11" name="梯形 10"/>
+          <p:cNvSpPr/>
+          <p:nvPr/>
+        </p:nvSpPr>
+        <p:spPr>
+          <a:xfrm rot="16200000">
+            <a:off x="3925570" y="5049520"/>
+            <a:ext cx="807085" cy="347980"/>
+          </a:xfrm>
+          <a:prstGeom prst="trapezoid">
+            <a:avLst>
+              <a:gd name="adj" fmla="val 60440"/>
+            </a:avLst>
+          </a:prstGeom>
+        </p:spPr>
+        <p:style>
+          <a:lnRef idx="2">
+            <a:schemeClr val="accent1">
+              <a:shade val="50000"/>
+            </a:schemeClr>
+          </a:lnRef>
+          <a:fillRef idx="1">
+            <a:schemeClr val="accent1"/>
+          </a:fillRef>
+          <a:effectRef idx="0">
+            <a:schemeClr val="accent1"/>
+          </a:effectRef>
+          <a:fontRef idx="minor">
+            <a:schemeClr val="lt1"/>
+          </a:fontRef>
+        </p:style>
+        <p:txBody>
+          <a:bodyPr rtlCol="0" anchor="ctr"/>
+          <a:p>
+            <a:pPr algn="ctr"/>
+            <a:endParaRPr lang="zh-CN" altLang="en-US"/>
+          </a:p>
+        </p:txBody>
+      </p:sp>
+      <p:sp>
+        <p:nvSpPr>
+          <p:cNvPr id="17" name="文本框 16"/>
+          <p:cNvSpPr txBox="1"/>
+          <p:nvPr/>
+        </p:nvSpPr>
+        <p:spPr>
+          <a:xfrm>
+            <a:off x="4229735" y="4921885"/>
+            <a:ext cx="272415" cy="368300"/>
+          </a:xfrm>
+          <a:prstGeom prst="rect">
+            <a:avLst/>
+          </a:prstGeom>
+          <a:noFill/>
+        </p:spPr>
+        <p:txBody>
+          <a:bodyPr wrap="square" rtlCol="0">
+            <a:spAutoFit/>
+          </a:bodyPr>
+          <a:p>
+            <a:r>
+              <a:rPr lang="en-US" altLang="zh-CN"/>
+              <a:t>0</a:t>
+            </a:r>
+            <a:endParaRPr lang="en-US" altLang="zh-CN"/>
+          </a:p>
+        </p:txBody>
+      </p:sp>
+      <p:sp>
+        <p:nvSpPr>
+          <p:cNvPr id="33" name="文本框 32"/>
+          <p:cNvSpPr txBox="1"/>
+          <p:nvPr/>
+        </p:nvSpPr>
+        <p:spPr>
+          <a:xfrm>
+            <a:off x="4229735" y="5161280"/>
+            <a:ext cx="272415" cy="368300"/>
+          </a:xfrm>
+          <a:prstGeom prst="rect">
+            <a:avLst/>
+          </a:prstGeom>
+          <a:noFill/>
+        </p:spPr>
+        <p:txBody>
+          <a:bodyPr wrap="square" rtlCol="0">
+            <a:spAutoFit/>
+          </a:bodyPr>
+          <a:p>
+            <a:r>
+              <a:rPr lang="en-US" altLang="zh-CN"/>
+              <a:t>1</a:t>
+            </a:r>
+            <a:endParaRPr lang="en-US" altLang="zh-CN"/>
+          </a:p>
+        </p:txBody>
+      </p:sp>
+      <p:cxnSp>
+        <p:nvCxnSpPr>
+          <p:cNvPr id="34" name="肘形连接符 33"/>
+          <p:cNvCxnSpPr>
+            <a:stCxn id="11" idx="0"/>
+            <a:endCxn id="84" idx="3"/>
+          </p:cNvCxnSpPr>
+          <p:nvPr/>
+        </p:nvCxnSpPr>
+        <p:spPr>
+          <a:xfrm rot="10800000">
+            <a:off x="3312160" y="4038600"/>
+            <a:ext cx="843280" cy="1184910"/>
+          </a:xfrm>
+          <a:prstGeom prst="bentConnector3">
+            <a:avLst>
+              <a:gd name="adj1" fmla="val 50000"/>
+            </a:avLst>
+          </a:prstGeom>
+          <a:ln>
+            <a:tailEnd type="arrow"/>
+          </a:ln>
+        </p:spPr>
+        <p:style>
+          <a:lnRef idx="1">
+            <a:schemeClr val="accent1"/>
+          </a:lnRef>
+          <a:fillRef idx="0">
+            <a:schemeClr val="accent1"/>
+          </a:fillRef>
+          <a:effectRef idx="0">
+            <a:schemeClr val="accent1"/>
+          </a:effectRef>
+          <a:fontRef idx="minor">
+            <a:schemeClr val="tx1"/>
+          </a:fontRef>
+        </p:style>
+      </p:cxnSp>
+      <p:sp>
+        <p:nvSpPr>
+          <p:cNvPr id="25" name="剪去同侧角的矩形 24"/>
+          <p:cNvSpPr/>
+          <p:nvPr/>
+        </p:nvSpPr>
+        <p:spPr>
+          <a:xfrm>
+            <a:off x="2470150" y="4481195"/>
+            <a:ext cx="5293360" cy="2119630"/>
+          </a:xfrm>
+          <a:prstGeom prst="snip2SameRect">
+            <a:avLst/>
+          </a:prstGeom>
+          <a:noFill/>
+          <a:ln>
+            <a:solidFill>
+              <a:schemeClr val="tx1"/>
+            </a:solidFill>
+            <a:prstDash val="lgDash"/>
+          </a:ln>
+          <a:extLst>
+            <a:ext uri="{909E8E84-426E-40DD-AFC4-6F175D3DCCD1}">
+              <a14:hiddenFill xmlns:a14="http://schemas.microsoft.com/office/drawing/2010/main">
+                <a:solidFill>
+                  <a:schemeClr val="accent1"/>
+                </a:solidFill>
+              </a14:hiddenFill>
+            </a:ext>
+          </a:extLst>
+        </p:spPr>
+        <p:style>
+          <a:lnRef idx="2">
+            <a:schemeClr val="accent1">
+              <a:shade val="50000"/>
+            </a:schemeClr>
+          </a:lnRef>
+          <a:fillRef idx="1">
+            <a:schemeClr val="accent1"/>
+          </a:fillRef>
+          <a:effectRef idx="0">
+            <a:schemeClr val="accent1"/>
+          </a:effectRef>
+          <a:fontRef idx="minor">
+            <a:schemeClr val="lt1"/>
+          </a:fontRef>
+        </p:style>
+        <p:txBody>
+          <a:bodyPr wrap="none" tIns="0" rtlCol="0" anchor="t" anchorCtr="0"/>
+          <a:p>
+            <a:pPr algn="ctr"/>
+            <a:r>
+              <a:rPr lang="en-US" altLang="zh-CN">
+                <a:solidFill>
+                  <a:srgbClr val="FF0000"/>
+                </a:solidFill>
+              </a:rPr>
+              <a:t>ip caculator</a:t>
+            </a:r>
+            <a:endParaRPr lang="en-US" altLang="zh-CN">
+              <a:solidFill>
+                <a:srgbClr val="FF0000"/>
+              </a:solidFill>
+            </a:endParaRPr>
+          </a:p>
+        </p:txBody>
+      </p:sp>
+      <p:sp>
+        <p:nvSpPr>
+          <p:cNvPr id="39" name="文本框 38"/>
+          <p:cNvSpPr txBox="1"/>
+          <p:nvPr/>
+        </p:nvSpPr>
+        <p:spPr>
+          <a:xfrm>
+            <a:off x="3470910" y="4755515"/>
+            <a:ext cx="796290" cy="368300"/>
+          </a:xfrm>
+          <a:prstGeom prst="rect">
+            <a:avLst/>
+          </a:prstGeom>
+          <a:noFill/>
+        </p:spPr>
+        <p:txBody>
+          <a:bodyPr wrap="none" rtlCol="0">
+            <a:spAutoFit/>
+          </a:bodyPr>
+          <a:p>
+            <a:r>
+              <a:rPr lang="en-US" altLang="zh-CN"/>
+              <a:t>ir addr</a:t>
+            </a:r>
+            <a:endParaRPr lang="en-US" altLang="zh-CN"/>
+          </a:p>
+        </p:txBody>
+      </p:sp>
+      <p:sp>
+        <p:nvSpPr>
+          <p:cNvPr id="40" name="文本框 39"/>
+          <p:cNvSpPr txBox="1"/>
+          <p:nvPr/>
+        </p:nvSpPr>
+        <p:spPr>
+          <a:xfrm>
+            <a:off x="3331210" y="3359150"/>
+            <a:ext cx="1073150" cy="368300"/>
+          </a:xfrm>
+          <a:prstGeom prst="rect">
+            <a:avLst/>
+          </a:prstGeom>
+          <a:noFill/>
+        </p:spPr>
+        <p:txBody>
+          <a:bodyPr wrap="none" rtlCol="0">
+            <a:spAutoFit/>
+          </a:bodyPr>
+          <a:p>
+            <a:r>
+              <a:rPr lang="en-US" altLang="zh-CN"/>
+              <a:t>data addr</a:t>
+            </a:r>
+            <a:endParaRPr lang="en-US" altLang="zh-CN"/>
+          </a:p>
+        </p:txBody>
+      </p:sp>
+      <p:sp>
+        <p:nvSpPr>
+          <p:cNvPr id="41" name="文本框 40"/>
+          <p:cNvSpPr txBox="1"/>
+          <p:nvPr/>
+        </p:nvSpPr>
+        <p:spPr>
+          <a:xfrm>
+            <a:off x="4027170" y="2932430"/>
+            <a:ext cx="592455" cy="368300"/>
+          </a:xfrm>
+          <a:prstGeom prst="rect">
+            <a:avLst/>
+          </a:prstGeom>
+          <a:noFill/>
+        </p:spPr>
+        <p:txBody>
+          <a:bodyPr wrap="none" rtlCol="0">
+            <a:spAutoFit/>
+          </a:bodyPr>
+          <a:p>
+            <a:r>
+              <a:rPr lang="en-US" altLang="zh-CN"/>
+              <a:t>data</a:t>
+            </a:r>
+            <a:endParaRPr lang="en-US" altLang="zh-CN"/>
+          </a:p>
+        </p:txBody>
+      </p:sp>
+      <p:sp>
+        <p:nvSpPr>
+          <p:cNvPr id="43" name="矩形 42"/>
+          <p:cNvSpPr/>
+          <p:nvPr/>
+        </p:nvSpPr>
+        <p:spPr>
+          <a:xfrm>
+            <a:off x="9737725" y="3575050"/>
+            <a:ext cx="1454785" cy="474345"/>
+          </a:xfrm>
+          <a:prstGeom prst="rect">
+            <a:avLst/>
+          </a:prstGeom>
+        </p:spPr>
+        <p:style>
+          <a:lnRef idx="2">
+            <a:schemeClr val="accent1">
+              <a:shade val="50000"/>
+            </a:schemeClr>
+          </a:lnRef>
+          <a:fillRef idx="1">
+            <a:schemeClr val="accent1"/>
+          </a:fillRef>
+          <a:effectRef idx="0">
+            <a:schemeClr val="accent1"/>
+          </a:effectRef>
+          <a:fontRef idx="minor">
+            <a:schemeClr val="lt1"/>
+          </a:fontRef>
+        </p:style>
+        <p:txBody>
+          <a:bodyPr rtlCol="0" anchor="ctr"/>
+          <a:p>
+            <a:pPr algn="ctr"/>
+            <a:r>
+              <a:rPr lang="en-US" altLang="zh-CN"/>
+              <a:t>comparer</a:t>
+            </a:r>
+            <a:endParaRPr lang="en-US" altLang="zh-CN"/>
+          </a:p>
+        </p:txBody>
+      </p:sp>
+      <p:sp>
+        <p:nvSpPr>
+          <p:cNvPr id="48" name="矩形 47"/>
+          <p:cNvSpPr/>
+          <p:nvPr/>
+        </p:nvSpPr>
+        <p:spPr>
+          <a:xfrm>
+            <a:off x="6386195" y="4773295"/>
+            <a:ext cx="967105" cy="700405"/>
+          </a:xfrm>
+          <a:prstGeom prst="rect">
+            <a:avLst/>
+          </a:prstGeom>
+        </p:spPr>
+        <p:style>
+          <a:lnRef idx="2">
+            <a:schemeClr val="accent1">
+              <a:shade val="50000"/>
+            </a:schemeClr>
+          </a:lnRef>
+          <a:fillRef idx="1">
+            <a:schemeClr val="accent1"/>
+          </a:fillRef>
+          <a:effectRef idx="0">
+            <a:schemeClr val="accent1"/>
+          </a:effectRef>
+          <a:fontRef idx="minor">
+            <a:schemeClr val="lt1"/>
+          </a:fontRef>
+        </p:style>
+        <p:txBody>
+          <a:bodyPr rtlCol="0" anchor="ctr"/>
+          <a:p>
+            <a:pPr algn="ctr"/>
+            <a:r>
+              <a:rPr lang="en-US" altLang="zh-CN"/>
+              <a:t>transfer</a:t>
+            </a:r>
+            <a:endParaRPr lang="en-US" altLang="zh-CN"/>
+          </a:p>
+        </p:txBody>
+      </p:sp>
+      <p:cxnSp>
+        <p:nvCxnSpPr>
+          <p:cNvPr id="51" name="肘形连接符 50"/>
+          <p:cNvCxnSpPr>
+            <a:stCxn id="43" idx="1"/>
+            <a:endCxn id="71" idx="3"/>
+          </p:cNvCxnSpPr>
+          <p:nvPr/>
+        </p:nvCxnSpPr>
+        <p:spPr>
+          <a:xfrm rot="10800000">
+            <a:off x="8766810" y="3552190"/>
+            <a:ext cx="970915" cy="260350"/>
+          </a:xfrm>
+          <a:prstGeom prst="bentConnector3">
+            <a:avLst>
+              <a:gd name="adj1" fmla="val 49967"/>
+            </a:avLst>
+          </a:prstGeom>
+          <a:ln>
+            <a:tailEnd type="arrow"/>
+          </a:ln>
+        </p:spPr>
+        <p:style>
+          <a:lnRef idx="1">
+            <a:schemeClr val="accent1"/>
+          </a:lnRef>
+          <a:fillRef idx="0">
+            <a:schemeClr val="accent1"/>
+          </a:fillRef>
+          <a:effectRef idx="0">
+            <a:schemeClr val="accent1"/>
+          </a:effectRef>
+          <a:fontRef idx="minor">
+            <a:schemeClr val="tx1"/>
+          </a:fontRef>
+        </p:style>
+      </p:cxnSp>
+      <p:cxnSp>
+        <p:nvCxnSpPr>
+          <p:cNvPr id="52" name="肘形连接符 51"/>
+          <p:cNvCxnSpPr>
+            <a:stCxn id="48" idx="1"/>
+            <a:endCxn id="17" idx="0"/>
+          </p:cNvCxnSpPr>
+          <p:nvPr/>
+        </p:nvCxnSpPr>
+        <p:spPr>
+          <a:xfrm rot="10800000">
+            <a:off x="4366260" y="4921885"/>
+            <a:ext cx="2019935" cy="201930"/>
+          </a:xfrm>
+          <a:prstGeom prst="bentConnector4">
+            <a:avLst>
+              <a:gd name="adj1" fmla="val 46621"/>
+              <a:gd name="adj2" fmla="val 291509"/>
+            </a:avLst>
+          </a:prstGeom>
+          <a:ln w="12700">
+            <a:prstDash val="lgDash"/>
+            <a:tailEnd type="arrow"/>
+          </a:ln>
+        </p:spPr>
+        <p:style>
+          <a:lnRef idx="1">
+            <a:schemeClr val="accent1"/>
+          </a:lnRef>
+          <a:fillRef idx="0">
+            <a:schemeClr val="accent1"/>
+          </a:fillRef>
+          <a:effectRef idx="0">
+            <a:schemeClr val="accent1"/>
+          </a:effectRef>
+          <a:fontRef idx="minor">
+            <a:schemeClr val="tx1"/>
+          </a:fontRef>
+        </p:style>
+      </p:cxnSp>
+      <p:sp>
+        <p:nvSpPr>
+          <p:cNvPr id="6" name="流程图: 预定义过程 5"/>
+          <p:cNvSpPr/>
+          <p:nvPr/>
+        </p:nvSpPr>
+        <p:spPr>
+          <a:xfrm>
+            <a:off x="5668645" y="3181985"/>
+            <a:ext cx="1412240" cy="474980"/>
+          </a:xfrm>
+          <a:prstGeom prst="flowChartPredefinedProcess">
+            <a:avLst/>
+          </a:prstGeom>
+        </p:spPr>
+        <p:style>
+          <a:lnRef idx="2">
+            <a:schemeClr val="accent1">
+              <a:shade val="50000"/>
+            </a:schemeClr>
+          </a:lnRef>
+          <a:fillRef idx="1">
+            <a:schemeClr val="accent1"/>
+          </a:fillRef>
+          <a:effectRef idx="0">
+            <a:schemeClr val="accent1"/>
+          </a:effectRef>
+          <a:fontRef idx="minor">
+            <a:schemeClr val="lt1"/>
+          </a:fontRef>
+        </p:style>
+        <p:txBody>
+          <a:bodyPr wrap="none" rtlCol="0" anchor="ctr"/>
+          <a:p>
+            <a:pPr algn="ctr"/>
+            <a:r>
+              <a:rPr lang="en-US" altLang="zh-CN"/>
+              <a:t>result_bus</a:t>
+            </a:r>
+            <a:endParaRPr lang="en-US" altLang="zh-CN"/>
+          </a:p>
+        </p:txBody>
+      </p:sp>
+      <p:sp>
+        <p:nvSpPr>
+          <p:cNvPr id="30" name="文本框 29"/>
+          <p:cNvSpPr txBox="1"/>
+          <p:nvPr/>
+        </p:nvSpPr>
+        <p:spPr>
+          <a:xfrm>
+            <a:off x="4863465" y="3982085"/>
+            <a:ext cx="1200785" cy="368300"/>
+          </a:xfrm>
+          <a:prstGeom prst="rect">
+            <a:avLst/>
+          </a:prstGeom>
+          <a:noFill/>
+        </p:spPr>
+        <p:txBody>
+          <a:bodyPr wrap="none" rtlCol="0">
+            <a:spAutoFit/>
+          </a:bodyPr>
+          <a:p>
+            <a:r>
+              <a:rPr lang="en-US" altLang="zh-CN"/>
+              <a:t>raw_bus_0</a:t>
+            </a:r>
+            <a:endParaRPr lang="en-US" altLang="zh-CN"/>
+          </a:p>
+        </p:txBody>
+      </p:sp>
+      <p:cxnSp>
+        <p:nvCxnSpPr>
+          <p:cNvPr id="32" name="肘形连接符 31"/>
+          <p:cNvCxnSpPr>
+            <a:stCxn id="6" idx="1"/>
+            <a:endCxn id="60" idx="3"/>
+          </p:cNvCxnSpPr>
+          <p:nvPr/>
+        </p:nvCxnSpPr>
+        <p:spPr>
+          <a:xfrm rot="10800000">
+            <a:off x="1773555" y="3076575"/>
+            <a:ext cx="3895090" cy="342900"/>
+          </a:xfrm>
+          <a:prstGeom prst="bentConnector3">
+            <a:avLst>
+              <a:gd name="adj1" fmla="val 50000"/>
+            </a:avLst>
+          </a:prstGeom>
+          <a:ln>
+            <a:tailEnd type="arrow"/>
+          </a:ln>
+        </p:spPr>
+        <p:style>
+          <a:lnRef idx="1">
+            <a:schemeClr val="accent1"/>
+          </a:lnRef>
+          <a:fillRef idx="0">
+            <a:schemeClr val="accent1"/>
+          </a:fillRef>
+          <a:effectRef idx="0">
+            <a:schemeClr val="accent1"/>
+          </a:effectRef>
+          <a:fontRef idx="minor">
+            <a:schemeClr val="tx1"/>
+          </a:fontRef>
+        </p:style>
+      </p:cxnSp>
+      <p:sp>
+        <p:nvSpPr>
+          <p:cNvPr id="35" name="文本框 34"/>
+          <p:cNvSpPr txBox="1"/>
+          <p:nvPr/>
+        </p:nvSpPr>
+        <p:spPr>
+          <a:xfrm>
+            <a:off x="9737725" y="2795270"/>
+            <a:ext cx="1200785" cy="368300"/>
+          </a:xfrm>
+          <a:prstGeom prst="rect">
+            <a:avLst/>
+          </a:prstGeom>
+          <a:noFill/>
+        </p:spPr>
+        <p:txBody>
+          <a:bodyPr wrap="none" rtlCol="0">
+            <a:spAutoFit/>
+          </a:bodyPr>
+          <a:p>
+            <a:r>
+              <a:rPr lang="en-US" altLang="zh-CN"/>
+              <a:t>raw_bus_0</a:t>
+            </a:r>
+            <a:endParaRPr lang="en-US" altLang="zh-CN"/>
+          </a:p>
+        </p:txBody>
+      </p:sp>
+      <p:sp>
+        <p:nvSpPr>
+          <p:cNvPr id="36" name="文本框 35"/>
+          <p:cNvSpPr txBox="1"/>
+          <p:nvPr/>
+        </p:nvSpPr>
+        <p:spPr>
+          <a:xfrm>
+            <a:off x="9737725" y="3163570"/>
+            <a:ext cx="1200785" cy="368300"/>
+          </a:xfrm>
+          <a:prstGeom prst="rect">
+            <a:avLst/>
+          </a:prstGeom>
+          <a:noFill/>
+        </p:spPr>
+        <p:txBody>
+          <a:bodyPr wrap="none" rtlCol="0">
+            <a:spAutoFit/>
+          </a:bodyPr>
+          <a:p>
+            <a:r>
+              <a:rPr lang="en-US" altLang="zh-CN"/>
+              <a:t>raw_bus_1</a:t>
+            </a:r>
+            <a:endParaRPr lang="en-US" altLang="zh-CN"/>
+          </a:p>
+        </p:txBody>
+      </p:sp>
+      <p:cxnSp>
+        <p:nvCxnSpPr>
+          <p:cNvPr id="37" name="肘形连接符 36"/>
+          <p:cNvCxnSpPr>
+            <a:stCxn id="35" idx="1"/>
+            <a:endCxn id="69" idx="3"/>
+          </p:cNvCxnSpPr>
+          <p:nvPr/>
+        </p:nvCxnSpPr>
+        <p:spPr>
+          <a:xfrm rot="10800000" flipV="1">
+            <a:off x="8769985" y="2979420"/>
+            <a:ext cx="967740" cy="60960"/>
+          </a:xfrm>
+          <a:prstGeom prst="bentConnector3">
+            <a:avLst>
+              <a:gd name="adj1" fmla="val 50000"/>
+            </a:avLst>
+          </a:prstGeom>
+          <a:ln>
+            <a:tailEnd type="arrow"/>
+          </a:ln>
+        </p:spPr>
+        <p:style>
+          <a:lnRef idx="1">
+            <a:schemeClr val="accent1"/>
+          </a:lnRef>
+          <a:fillRef idx="0">
+            <a:schemeClr val="accent1"/>
+          </a:fillRef>
+          <a:effectRef idx="0">
+            <a:schemeClr val="accent1"/>
+          </a:effectRef>
+          <a:fontRef idx="minor">
+            <a:schemeClr val="tx1"/>
+          </a:fontRef>
+        </p:style>
+      </p:cxnSp>
+      <p:cxnSp>
+        <p:nvCxnSpPr>
+          <p:cNvPr id="38" name="肘形连接符 37"/>
+          <p:cNvCxnSpPr>
+            <a:stCxn id="36" idx="1"/>
+            <a:endCxn id="70" idx="3"/>
+          </p:cNvCxnSpPr>
+          <p:nvPr/>
+        </p:nvCxnSpPr>
+        <p:spPr>
+          <a:xfrm rot="10800000">
+            <a:off x="8766810" y="3296285"/>
+            <a:ext cx="970915" cy="51435"/>
+          </a:xfrm>
+          <a:prstGeom prst="bentConnector3">
+            <a:avLst>
+              <a:gd name="adj1" fmla="val 49967"/>
+            </a:avLst>
+          </a:prstGeom>
+          <a:ln>
+            <a:tailEnd type="arrow"/>
+          </a:ln>
+        </p:spPr>
+        <p:style>
+          <a:lnRef idx="1">
+            <a:schemeClr val="accent1"/>
+          </a:lnRef>
+          <a:fillRef idx="0">
+            <a:schemeClr val="accent1"/>
+          </a:fillRef>
+          <a:effectRef idx="0">
+            <a:schemeClr val="accent1"/>
+          </a:effectRef>
+          <a:fontRef idx="minor">
+            <a:schemeClr val="tx1"/>
+          </a:fontRef>
+        </p:style>
+      </p:cxnSp>
+      <p:cxnSp>
+        <p:nvCxnSpPr>
+          <p:cNvPr id="42" name="直接连接符 41"/>
+          <p:cNvCxnSpPr>
+            <a:stCxn id="116" idx="6"/>
+            <a:endCxn id="28" idx="2"/>
+          </p:cNvCxnSpPr>
+          <p:nvPr/>
+        </p:nvCxnSpPr>
+        <p:spPr>
+          <a:xfrm>
+            <a:off x="2626360" y="1848485"/>
+            <a:ext cx="2141855" cy="1905"/>
+          </a:xfrm>
+          <a:prstGeom prst="line">
+            <a:avLst/>
+          </a:prstGeom>
+        </p:spPr>
+        <p:style>
+          <a:lnRef idx="1">
+            <a:schemeClr val="accent1"/>
+          </a:lnRef>
+          <a:fillRef idx="0">
+            <a:schemeClr val="accent1"/>
+          </a:fillRef>
+          <a:effectRef idx="0">
+            <a:schemeClr val="accent1"/>
+          </a:effectRef>
+          <a:fontRef idx="minor">
+            <a:schemeClr val="tx1"/>
+          </a:fontRef>
+        </p:style>
+      </p:cxnSp>
+      <p:cxnSp>
+        <p:nvCxnSpPr>
+          <p:cNvPr id="46" name="肘形连接符 45"/>
+          <p:cNvCxnSpPr>
+            <a:stCxn id="3" idx="2"/>
+            <a:endCxn id="12" idx="1"/>
+          </p:cNvCxnSpPr>
+          <p:nvPr/>
+        </p:nvCxnSpPr>
+        <p:spPr>
+          <a:xfrm rot="5400000" flipH="1">
+            <a:off x="4304030" y="5420360"/>
+            <a:ext cx="98425" cy="1517015"/>
+          </a:xfrm>
+          <a:prstGeom prst="bentConnector4">
+            <a:avLst>
+              <a:gd name="adj1" fmla="val -329032"/>
+              <a:gd name="adj2" fmla="val 115697"/>
+            </a:avLst>
+          </a:prstGeom>
+          <a:ln>
+            <a:tailEnd type="arrow"/>
+          </a:ln>
+        </p:spPr>
+        <p:style>
+          <a:lnRef idx="1">
+            <a:schemeClr val="accent1"/>
+          </a:lnRef>
+          <a:fillRef idx="0">
+            <a:schemeClr val="accent1"/>
+          </a:fillRef>
+          <a:effectRef idx="0">
+            <a:schemeClr val="accent1"/>
+          </a:effectRef>
+          <a:fontRef idx="minor">
+            <a:schemeClr val="tx1"/>
+          </a:fontRef>
+        </p:style>
+      </p:cxnSp>
+      <p:cxnSp>
+        <p:nvCxnSpPr>
+          <p:cNvPr id="47" name="直接连接符 46"/>
+          <p:cNvCxnSpPr/>
+          <p:nvPr/>
+        </p:nvCxnSpPr>
+        <p:spPr>
+          <a:xfrm>
+            <a:off x="2063115" y="260985"/>
+            <a:ext cx="0" cy="6480175"/>
+          </a:xfrm>
+          <a:prstGeom prst="line">
+            <a:avLst/>
+          </a:prstGeom>
+          <a:ln w="31750">
+            <a:prstDash val="dash"/>
+          </a:ln>
+        </p:spPr>
+        <p:style>
+          <a:lnRef idx="1">
+            <a:schemeClr val="dk1"/>
+          </a:lnRef>
+          <a:fillRef idx="0">
+            <a:schemeClr val="dk1"/>
+          </a:fillRef>
+          <a:effectRef idx="0">
+            <a:schemeClr val="dk1"/>
+          </a:effectRef>
+          <a:fontRef idx="minor">
+            <a:schemeClr val="tx1"/>
+          </a:fontRef>
+        </p:style>
+      </p:cxnSp>
+      <p:cxnSp>
+        <p:nvCxnSpPr>
+          <p:cNvPr id="49" name="直接连接符 48"/>
+          <p:cNvCxnSpPr>
+            <a:stCxn id="101" idx="6"/>
+            <a:endCxn id="77" idx="0"/>
+          </p:cNvCxnSpPr>
+          <p:nvPr/>
+        </p:nvCxnSpPr>
+        <p:spPr>
+          <a:xfrm flipV="1">
+            <a:off x="2326640" y="3890010"/>
+            <a:ext cx="669290" cy="635"/>
+          </a:xfrm>
+          <a:prstGeom prst="line">
+            <a:avLst/>
+          </a:prstGeom>
+        </p:spPr>
+        <p:style>
+          <a:lnRef idx="1">
+            <a:schemeClr val="accent1"/>
+          </a:lnRef>
+          <a:fillRef idx="0">
+            <a:schemeClr val="accent1"/>
+          </a:fillRef>
+          <a:effectRef idx="0">
+            <a:schemeClr val="accent1"/>
+          </a:effectRef>
+          <a:fontRef idx="minor">
+            <a:schemeClr val="tx1"/>
+          </a:fontRef>
+        </p:style>
+      </p:cxnSp>
+    </p:spTree>
+  </p:cSld>
+  <p:clrMapOvr>
+    <a:masterClrMapping/>
+  </p:clrMapOvr>
+</p:sld>
+</file>
+
+<file path=ppt/slides/slide5.xml><?xml version="1.0" encoding="utf-8"?>
 <p:sld xmlns:a="http://schemas.openxmlformats.org/drawingml/2006/main" xmlns:r="http://schemas.openxmlformats.org/officeDocument/2006/relationships" xmlns:p="http://schemas.openxmlformats.org/presentationml/2006/main">
   <p:cSld>
     <p:spTree>
@@ -7749,7 +10120,7 @@
 </p:sld>
 </file>
 
-<file path=ppt/slides/slide5.xml><?xml version="1.0" encoding="utf-8"?>
+<file path=ppt/slides/slide6.xml><?xml version="1.0" encoding="utf-8"?>
 <p:sld xmlns:a="http://schemas.openxmlformats.org/drawingml/2006/main" xmlns:r="http://schemas.openxmlformats.org/officeDocument/2006/relationships" xmlns:p="http://schemas.openxmlformats.org/presentationml/2006/main">
   <p:cSld>
     <p:spTree>
@@ -8222,7 +10593,7 @@
 </p:sld>
 </file>
 
-<file path=ppt/slides/slide6.xml><?xml version="1.0" encoding="utf-8"?>
+<file path=ppt/slides/slide7.xml><?xml version="1.0" encoding="utf-8"?>
 <p:sld xmlns:a="http://schemas.openxmlformats.org/drawingml/2006/main" xmlns:r="http://schemas.openxmlformats.org/officeDocument/2006/relationships" xmlns:p="http://schemas.openxmlformats.org/presentationml/2006/main">
   <p:cSld>
     <p:spTree>

--- a/doc/structure.pptx
+++ b/doc/structure.pptx
@@ -6638,7 +6638,7 @@
         </p:nvSpPr>
         <p:spPr>
           <a:xfrm>
-            <a:off x="219075" y="4345305"/>
+            <a:off x="183515" y="2152015"/>
             <a:ext cx="1395730" cy="643255"/>
           </a:xfrm>
           <a:prstGeom prst="flowChartMagneticDisk">
@@ -6725,7 +6725,7 @@
         <p:spPr>
           <a:xfrm>
             <a:off x="3429000" y="295275"/>
-            <a:ext cx="1177925" cy="765810"/>
+            <a:ext cx="3504565" cy="765810"/>
           </a:xfrm>
           <a:prstGeom prst="snip2SameRect">
             <a:avLst/>
@@ -6773,7 +6773,7 @@
                   <a:srgbClr val="FF0000"/>
                 </a:solidFill>
               </a:rPr>
-              <a:t>instruntion register</a:t>
+              <a:t>decoder</a:t>
             </a:r>
             <a:endParaRPr lang="en-US" altLang="zh-CN">
               <a:solidFill>
@@ -6791,7 +6791,7 @@
         </p:nvSpPr>
         <p:spPr>
           <a:xfrm>
-            <a:off x="4267200" y="5753100"/>
+            <a:off x="4338955" y="5753100"/>
             <a:ext cx="1544955" cy="474980"/>
           </a:xfrm>
           <a:prstGeom prst="flowChartPredefinedProcess">
@@ -7221,44 +7221,6 @@
       </p:sp>
       <p:cxnSp>
         <p:nvCxnSpPr>
-          <p:cNvPr id="85" name="肘形连接符 84"/>
-          <p:cNvCxnSpPr>
-            <a:stCxn id="3" idx="3"/>
-            <a:endCxn id="33" idx="3"/>
-          </p:cNvCxnSpPr>
-          <p:nvPr/>
-        </p:nvCxnSpPr>
-        <p:spPr>
-          <a:xfrm flipH="1" flipV="1">
-            <a:off x="4502150" y="5345430"/>
-            <a:ext cx="1310005" cy="645160"/>
-          </a:xfrm>
-          <a:prstGeom prst="bentConnector3">
-            <a:avLst>
-              <a:gd name="adj1" fmla="val -18177"/>
-            </a:avLst>
-          </a:prstGeom>
-          <a:ln>
-            <a:tailEnd type="arrow"/>
-          </a:ln>
-        </p:spPr>
-        <p:style>
-          <a:lnRef idx="1">
-            <a:schemeClr val="accent1"/>
-          </a:lnRef>
-          <a:fillRef idx="0">
-            <a:schemeClr val="accent1"/>
-          </a:fillRef>
-          <a:effectRef idx="0">
-            <a:schemeClr val="accent1"/>
-          </a:effectRef>
-          <a:fontRef idx="minor">
-            <a:schemeClr val="tx1"/>
-          </a:fontRef>
-        </p:style>
-      </p:cxnSp>
-      <p:cxnSp>
-        <p:nvCxnSpPr>
           <p:cNvPr id="90" name="直接箭头连接符 89"/>
           <p:cNvCxnSpPr>
             <a:stCxn id="92" idx="3"/>
@@ -7464,7 +7426,7 @@
         <p:spPr>
           <a:xfrm>
             <a:off x="4404360" y="828040"/>
-            <a:ext cx="1659890" cy="635"/>
+            <a:ext cx="583565" cy="635"/>
           </a:xfrm>
           <a:prstGeom prst="line">
             <a:avLst/>
@@ -7617,11 +7579,11 @@
         <p:spPr>
           <a:xfrm rot="10800000">
             <a:off x="3312160" y="3727450"/>
-            <a:ext cx="1551305" cy="438785"/>
+            <a:ext cx="2356485" cy="622935"/>
           </a:xfrm>
           <a:prstGeom prst="bentConnector3">
             <a:avLst>
-              <a:gd name="adj1" fmla="val 49980"/>
+              <a:gd name="adj1" fmla="val 49987"/>
             </a:avLst>
           </a:prstGeom>
           <a:ln>
@@ -7651,7 +7613,7 @@
         </p:nvSpPr>
         <p:spPr>
           <a:xfrm>
-            <a:off x="6064250" y="591185"/>
+            <a:off x="4987925" y="591185"/>
             <a:ext cx="1454785" cy="474345"/>
           </a:xfrm>
           <a:prstGeom prst="rect">
@@ -7791,8 +7753,8 @@
         </p:nvCxnSpPr>
         <p:spPr>
           <a:xfrm>
-            <a:off x="3892550" y="5989955"/>
-            <a:ext cx="446405" cy="635"/>
+            <a:off x="3820795" y="5989955"/>
+            <a:ext cx="518160" cy="635"/>
           </a:xfrm>
           <a:prstGeom prst="straightConnector1">
             <a:avLst/>
@@ -8160,110 +8122,11 @@
           </a:fontRef>
         </p:style>
       </p:cxnSp>
-      <p:sp>
-        <p:nvSpPr>
-          <p:cNvPr id="11" name="梯形 10"/>
-          <p:cNvSpPr/>
-          <p:nvPr/>
-        </p:nvSpPr>
-        <p:spPr>
-          <a:xfrm rot="16200000">
-            <a:off x="3925570" y="5049520"/>
-            <a:ext cx="807085" cy="347980"/>
-          </a:xfrm>
-          <a:prstGeom prst="trapezoid">
-            <a:avLst>
-              <a:gd name="adj" fmla="val 60440"/>
-            </a:avLst>
-          </a:prstGeom>
-        </p:spPr>
-        <p:style>
-          <a:lnRef idx="2">
-            <a:schemeClr val="accent1">
-              <a:shade val="50000"/>
-            </a:schemeClr>
-          </a:lnRef>
-          <a:fillRef idx="1">
-            <a:schemeClr val="accent1"/>
-          </a:fillRef>
-          <a:effectRef idx="0">
-            <a:schemeClr val="accent1"/>
-          </a:effectRef>
-          <a:fontRef idx="minor">
-            <a:schemeClr val="lt1"/>
-          </a:fontRef>
-        </p:style>
-        <p:txBody>
-          <a:bodyPr rtlCol="0" anchor="ctr"/>
-          <a:p>
-            <a:pPr algn="ctr"/>
-            <a:endParaRPr lang="zh-CN" altLang="en-US"/>
-          </a:p>
-        </p:txBody>
-      </p:sp>
-      <p:sp>
-        <p:nvSpPr>
-          <p:cNvPr id="17" name="文本框 16"/>
-          <p:cNvSpPr txBox="1"/>
-          <p:nvPr/>
-        </p:nvSpPr>
-        <p:spPr>
-          <a:xfrm>
-            <a:off x="4229735" y="4921885"/>
-            <a:ext cx="272415" cy="368300"/>
-          </a:xfrm>
-          <a:prstGeom prst="rect">
-            <a:avLst/>
-          </a:prstGeom>
-          <a:noFill/>
-        </p:spPr>
-        <p:txBody>
-          <a:bodyPr wrap="square" rtlCol="0">
-            <a:spAutoFit/>
-          </a:bodyPr>
-          <a:p>
-            <a:r>
-              <a:rPr lang="en-US" altLang="zh-CN"/>
-              <a:t>0</a:t>
-            </a:r>
-            <a:endParaRPr lang="en-US" altLang="zh-CN"/>
-          </a:p>
-        </p:txBody>
-      </p:sp>
-      <p:sp>
-        <p:nvSpPr>
-          <p:cNvPr id="33" name="文本框 32"/>
-          <p:cNvSpPr txBox="1"/>
-          <p:nvPr/>
-        </p:nvSpPr>
-        <p:spPr>
-          <a:xfrm>
-            <a:off x="4229735" y="5161280"/>
-            <a:ext cx="272415" cy="368300"/>
-          </a:xfrm>
-          <a:prstGeom prst="rect">
-            <a:avLst/>
-          </a:prstGeom>
-          <a:noFill/>
-        </p:spPr>
-        <p:txBody>
-          <a:bodyPr wrap="square" rtlCol="0">
-            <a:spAutoFit/>
-          </a:bodyPr>
-          <a:p>
-            <a:r>
-              <a:rPr lang="en-US" altLang="zh-CN"/>
-              <a:t>1</a:t>
-            </a:r>
-            <a:endParaRPr lang="en-US" altLang="zh-CN"/>
-          </a:p>
-        </p:txBody>
-      </p:sp>
       <p:cxnSp>
         <p:nvCxnSpPr>
           <p:cNvPr id="34" name="肘形连接符 33"/>
           <p:cNvCxnSpPr>
-            <a:stCxn id="11" idx="0"/>
+            <a:stCxn id="39" idx="1"/>
             <a:endCxn id="84" idx="3"/>
           </p:cNvCxnSpPr>
           <p:nvPr/>
@@ -8271,11 +8134,11 @@
         <p:spPr>
           <a:xfrm rot="10800000">
             <a:off x="3312160" y="4038600"/>
-            <a:ext cx="843280" cy="1184910"/>
+            <a:ext cx="925195" cy="1466215"/>
           </a:xfrm>
           <a:prstGeom prst="bentConnector3">
             <a:avLst>
-              <a:gd name="adj1" fmla="val 50000"/>
+              <a:gd name="adj1" fmla="val 49966"/>
             </a:avLst>
           </a:prstGeom>
           <a:ln>
@@ -8305,8 +8168,8 @@
         </p:nvSpPr>
         <p:spPr>
           <a:xfrm>
-            <a:off x="2470150" y="4481195"/>
-            <a:ext cx="5293360" cy="2119630"/>
+            <a:off x="2470150" y="4846320"/>
+            <a:ext cx="5293360" cy="1754505"/>
           </a:xfrm>
           <a:prstGeom prst="snip2SameRect">
             <a:avLst/>
@@ -8372,7 +8235,7 @@
         </p:nvSpPr>
         <p:spPr>
           <a:xfrm>
-            <a:off x="3470910" y="4755515"/>
+            <a:off x="4237355" y="5320665"/>
             <a:ext cx="796290" cy="368300"/>
           </a:xfrm>
           <a:prstGeom prst="rect">
@@ -8489,49 +8352,6 @@
             <a:r>
               <a:rPr lang="en-US" altLang="zh-CN"/>
               <a:t>comparer</a:t>
-            </a:r>
-            <a:endParaRPr lang="en-US" altLang="zh-CN"/>
-          </a:p>
-        </p:txBody>
-      </p:sp>
-      <p:sp>
-        <p:nvSpPr>
-          <p:cNvPr id="48" name="矩形 47"/>
-          <p:cNvSpPr/>
-          <p:nvPr/>
-        </p:nvSpPr>
-        <p:spPr>
-          <a:xfrm>
-            <a:off x="6386195" y="4773295"/>
-            <a:ext cx="967105" cy="700405"/>
-          </a:xfrm>
-          <a:prstGeom prst="rect">
-            <a:avLst/>
-          </a:prstGeom>
-        </p:spPr>
-        <p:style>
-          <a:lnRef idx="2">
-            <a:schemeClr val="accent1">
-              <a:shade val="50000"/>
-            </a:schemeClr>
-          </a:lnRef>
-          <a:fillRef idx="1">
-            <a:schemeClr val="accent1"/>
-          </a:fillRef>
-          <a:effectRef idx="0">
-            <a:schemeClr val="accent1"/>
-          </a:effectRef>
-          <a:fontRef idx="minor">
-            <a:schemeClr val="lt1"/>
-          </a:fontRef>
-        </p:style>
-        <p:txBody>
-          <a:bodyPr rtlCol="0" anchor="ctr"/>
-          <a:p>
-            <a:pPr algn="ctr"/>
-            <a:r>
-              <a:rPr lang="en-US" altLang="zh-CN"/>
-              <a:t>transfer</a:t>
             </a:r>
             <a:endParaRPr lang="en-US" altLang="zh-CN"/>
           </a:p>
@@ -8575,46 +8395,6 @@
           </a:fontRef>
         </p:style>
       </p:cxnSp>
-      <p:cxnSp>
-        <p:nvCxnSpPr>
-          <p:cNvPr id="52" name="肘形连接符 51"/>
-          <p:cNvCxnSpPr>
-            <a:stCxn id="48" idx="1"/>
-            <a:endCxn id="17" idx="0"/>
-          </p:cNvCxnSpPr>
-          <p:nvPr/>
-        </p:nvCxnSpPr>
-        <p:spPr>
-          <a:xfrm rot="10800000">
-            <a:off x="4366260" y="4921885"/>
-            <a:ext cx="2019935" cy="201930"/>
-          </a:xfrm>
-          <a:prstGeom prst="bentConnector4">
-            <a:avLst>
-              <a:gd name="adj1" fmla="val 46621"/>
-              <a:gd name="adj2" fmla="val 291509"/>
-            </a:avLst>
-          </a:prstGeom>
-          <a:ln w="12700">
-            <a:prstDash val="lgDash"/>
-            <a:tailEnd type="arrow"/>
-          </a:ln>
-        </p:spPr>
-        <p:style>
-          <a:lnRef idx="1">
-            <a:schemeClr val="accent1"/>
-          </a:lnRef>
-          <a:fillRef idx="0">
-            <a:schemeClr val="accent1"/>
-          </a:fillRef>
-          <a:effectRef idx="0">
-            <a:schemeClr val="accent1"/>
-          </a:effectRef>
-          <a:fontRef idx="minor">
-            <a:schemeClr val="tx1"/>
-          </a:fontRef>
-        </p:style>
-      </p:cxnSp>
       <p:sp>
         <p:nvSpPr>
           <p:cNvPr id="6" name="流程图: 预定义过程 5"/>
@@ -8666,7 +8446,7 @@
         </p:nvSpPr>
         <p:spPr>
           <a:xfrm>
-            <a:off x="4863465" y="3982085"/>
+            <a:off x="5668645" y="4166235"/>
             <a:ext cx="1200785" cy="368300"/>
           </a:xfrm>
           <a:prstGeom prst="rect">
@@ -8903,13 +8683,13 @@
         </p:nvCxnSpPr>
         <p:spPr>
           <a:xfrm rot="5400000" flipH="1">
-            <a:off x="4304030" y="5420360"/>
-            <a:ext cx="98425" cy="1517015"/>
+            <a:off x="4268153" y="5384483"/>
+            <a:ext cx="98425" cy="1588770"/>
           </a:xfrm>
           <a:prstGeom prst="bentConnector4">
             <a:avLst>
-              <a:gd name="adj1" fmla="val -329032"/>
-              <a:gd name="adj2" fmla="val 115697"/>
+              <a:gd name="adj1" fmla="val -328710"/>
+              <a:gd name="adj2" fmla="val 115008"/>
             </a:avLst>
           </a:prstGeom>
           <a:ln>
@@ -8981,6 +8761,44 @@
           <a:prstGeom prst="line">
             <a:avLst/>
           </a:prstGeom>
+        </p:spPr>
+        <p:style>
+          <a:lnRef idx="1">
+            <a:schemeClr val="accent1"/>
+          </a:lnRef>
+          <a:fillRef idx="0">
+            <a:schemeClr val="accent1"/>
+          </a:fillRef>
+          <a:effectRef idx="0">
+            <a:schemeClr val="accent1"/>
+          </a:effectRef>
+          <a:fontRef idx="minor">
+            <a:schemeClr val="tx1"/>
+          </a:fontRef>
+        </p:style>
+      </p:cxnSp>
+      <p:cxnSp>
+        <p:nvCxnSpPr>
+          <p:cNvPr id="16" name="肘形连接符 15"/>
+          <p:cNvCxnSpPr>
+            <a:stCxn id="3" idx="3"/>
+            <a:endCxn id="39" idx="3"/>
+          </p:cNvCxnSpPr>
+          <p:nvPr/>
+        </p:nvCxnSpPr>
+        <p:spPr>
+          <a:xfrm flipH="1" flipV="1">
+            <a:off x="5033645" y="5504815"/>
+            <a:ext cx="850265" cy="485775"/>
+          </a:xfrm>
+          <a:prstGeom prst="bentConnector3">
+            <a:avLst>
+              <a:gd name="adj1" fmla="val -28006"/>
+            </a:avLst>
+          </a:prstGeom>
+          <a:ln>
+            <a:tailEnd type="arrow"/>
+          </a:ln>
         </p:spPr>
         <p:style>
           <a:lnRef idx="1">
